--- a/implementation/pp of sms.pptx
+++ b/implementation/pp of sms.pptx
@@ -485,7 +485,7 @@
           <a:p>
             <a:fld id="{C8CE3B9A-6D67-41F8-8453-F151FCDFD414}" type="datetimeFigureOut">
               <a:rPr lang="en-US" smtClean="0"/>
-              <a:t>4/14/2019</a:t>
+              <a:t>4/18/2019</a:t>
             </a:fld>
             <a:endParaRPr lang="en-US"/>
           </a:p>
@@ -878,7 +878,7 @@
           <a:p>
             <a:fld id="{C8CE3B9A-6D67-41F8-8453-F151FCDFD414}" type="datetimeFigureOut">
               <a:rPr lang="en-US" smtClean="0"/>
-              <a:t>4/14/2019</a:t>
+              <a:t>4/18/2019</a:t>
             </a:fld>
             <a:endParaRPr lang="en-US"/>
           </a:p>
@@ -1410,7 +1410,7 @@
           <a:p>
             <a:fld id="{C8CE3B9A-6D67-41F8-8453-F151FCDFD414}" type="datetimeFigureOut">
               <a:rPr lang="en-US" smtClean="0"/>
-              <a:t>4/14/2019</a:t>
+              <a:t>4/18/2019</a:t>
             </a:fld>
             <a:endParaRPr lang="en-US"/>
           </a:p>
@@ -1543,7 +1543,7 @@
           <a:p>
             <a:fld id="{C8CE3B9A-6D67-41F8-8453-F151FCDFD414}" type="datetimeFigureOut">
               <a:rPr lang="en-US" smtClean="0"/>
-              <a:t>4/14/2019</a:t>
+              <a:t>4/18/2019</a:t>
             </a:fld>
             <a:endParaRPr lang="en-US"/>
           </a:p>
@@ -2086,7 +2086,7 @@
           <a:p>
             <a:fld id="{C8CE3B9A-6D67-41F8-8453-F151FCDFD414}" type="datetimeFigureOut">
               <a:rPr lang="en-US" smtClean="0"/>
-              <a:t>4/14/2019</a:t>
+              <a:t>4/18/2019</a:t>
             </a:fld>
             <a:endParaRPr lang="en-US"/>
           </a:p>
@@ -2381,7 +2381,7 @@
           <a:p>
             <a:fld id="{C8CE3B9A-6D67-41F8-8453-F151FCDFD414}" type="datetimeFigureOut">
               <a:rPr lang="en-US" smtClean="0"/>
-              <a:t>4/14/2019</a:t>
+              <a:t>4/18/2019</a:t>
             </a:fld>
             <a:endParaRPr lang="en-US"/>
           </a:p>
@@ -3040,7 +3040,7 @@
           <a:p>
             <a:fld id="{C8CE3B9A-6D67-41F8-8453-F151FCDFD414}" type="datetimeFigureOut">
               <a:rPr lang="en-US" smtClean="0"/>
-              <a:t>4/14/2019</a:t>
+              <a:t>4/18/2019</a:t>
             </a:fld>
             <a:endParaRPr lang="en-US"/>
           </a:p>
@@ -3476,7 +3476,7 @@
           <a:p>
             <a:fld id="{C8CE3B9A-6D67-41F8-8453-F151FCDFD414}" type="datetimeFigureOut">
               <a:rPr lang="en-US" smtClean="0"/>
-              <a:t>4/14/2019</a:t>
+              <a:t>4/18/2019</a:t>
             </a:fld>
             <a:endParaRPr lang="en-US"/>
           </a:p>
@@ -3789,7 +3789,7 @@
           <a:p>
             <a:fld id="{C8CE3B9A-6D67-41F8-8453-F151FCDFD414}" type="datetimeFigureOut">
               <a:rPr lang="en-US" smtClean="0"/>
-              <a:t>4/14/2019</a:t>
+              <a:t>4/18/2019</a:t>
             </a:fld>
             <a:endParaRPr lang="en-US"/>
           </a:p>
@@ -4521,7 +4521,7 @@
           <a:p>
             <a:fld id="{C8CE3B9A-6D67-41F8-8453-F151FCDFD414}" type="datetimeFigureOut">
               <a:rPr lang="en-US" smtClean="0"/>
-              <a:t>4/14/2019</a:t>
+              <a:t>4/18/2019</a:t>
             </a:fld>
             <a:endParaRPr lang="en-US"/>
           </a:p>
@@ -5185,7 +5185,7 @@
           <a:p>
             <a:fld id="{C8CE3B9A-6D67-41F8-8453-F151FCDFD414}" type="datetimeFigureOut">
               <a:rPr lang="en-US" smtClean="0"/>
-              <a:t>4/14/2019</a:t>
+              <a:t>4/18/2019</a:t>
             </a:fld>
             <a:endParaRPr lang="en-US"/>
           </a:p>
@@ -5458,7 +5458,7 @@
           <a:p>
             <a:fld id="{C8CE3B9A-6D67-41F8-8453-F151FCDFD414}" type="datetimeFigureOut">
               <a:rPr lang="en-US" smtClean="0"/>
-              <a:t>4/14/2019</a:t>
+              <a:t>4/18/2019</a:t>
             </a:fld>
             <a:endParaRPr lang="en-US"/>
           </a:p>
@@ -6202,11 +6202,7 @@
             </a:br>
             <a:r>
               <a:rPr lang="en-US" u="sng" dirty="0" smtClean="0"/>
-              <a:t>Mandira </a:t>
-            </a:r>
-            <a:r>
-              <a:rPr lang="en-US" u="sng" dirty="0" smtClean="0"/>
-              <a:t>Tamang</a:t>
+              <a:t>Mandira Tamang</a:t>
             </a:r>
             <a:r>
               <a:rPr lang="en-US" dirty="0" smtClean="0"/>
@@ -7382,7 +7378,7 @@
         </p:nvGraphicFramePr>
         <p:xfrm>
           <a:off x="457200" y="1663185"/>
-          <a:ext cx="8229600" cy="5052457"/>
+          <a:ext cx="8229600" cy="5070300"/>
         </p:xfrm>
         <a:graphic>
           <a:graphicData uri="http://schemas.openxmlformats.org/drawingml/2006/table">
@@ -10019,7 +10015,7 @@
       </p:sp>
       <p:pic>
         <p:nvPicPr>
-          <p:cNvPr id="4" name="Content Placeholder 3"/>
+          <p:cNvPr id="6" name="Content Placeholder 5"/>
           <p:cNvPicPr>
             <a:picLocks noGrp="1" noChangeAspect="1"/>
           </p:cNvPicPr>
@@ -10041,8 +10037,8 @@
         </p:blipFill>
         <p:spPr>
           <a:xfrm>
-            <a:off x="4800600" y="1905000"/>
-            <a:ext cx="4038600" cy="3733800"/>
+            <a:off x="4800600" y="2214610"/>
+            <a:ext cx="4038600" cy="3195590"/>
           </a:xfrm>
         </p:spPr>
       </p:pic>
@@ -11597,7 +11593,7 @@
       </p:sp>
       <p:pic>
         <p:nvPicPr>
-          <p:cNvPr id="4" name="Content Placeholder 3"/>
+          <p:cNvPr id="5" name="Content Placeholder 4"/>
           <p:cNvPicPr>
             <a:picLocks noGrp="1" noChangeAspect="1"/>
           </p:cNvPicPr>
@@ -11619,8 +11615,8 @@
         </p:blipFill>
         <p:spPr>
           <a:xfrm>
-            <a:off x="685800" y="1527174"/>
-            <a:ext cx="7696199" cy="4721225"/>
+            <a:off x="1295400" y="1527175"/>
+            <a:ext cx="5865579" cy="4572000"/>
           </a:xfrm>
         </p:spPr>
       </p:pic>
@@ -14816,43 +14812,25 @@
           <a:p>
             <a:r>
               <a:rPr lang="en-US" dirty="0" smtClean="0"/>
-              <a:t>It is one of the best testing method which is used to test the functional part of the software and making sure that the behavior of the software is as </a:t>
-            </a:r>
-            <a:r>
-              <a:rPr lang="en-US" dirty="0" smtClean="0"/>
-              <a:t>expected.</a:t>
-            </a:r>
-          </a:p>
-          <a:p>
-            <a:r>
-              <a:rPr lang="en-US" dirty="0" smtClean="0"/>
-              <a:t>So </a:t>
-            </a:r>
-            <a:r>
-              <a:rPr lang="en-US" dirty="0" smtClean="0"/>
-              <a:t>it is also know as the behavioral based testing. </a:t>
-            </a:r>
-            <a:endParaRPr lang="en-US" dirty="0" smtClean="0"/>
-          </a:p>
-          <a:p>
-            <a:r>
-              <a:rPr lang="en-US" dirty="0" smtClean="0"/>
-              <a:t>It </a:t>
-            </a:r>
-            <a:r>
-              <a:rPr lang="en-US" dirty="0" smtClean="0"/>
-              <a:t>only look up to the functional part testing not the internal part of the software. </a:t>
-            </a:r>
-            <a:endParaRPr lang="en-US" dirty="0" smtClean="0"/>
-          </a:p>
-          <a:p>
-            <a:r>
-              <a:rPr lang="en-US" dirty="0" smtClean="0"/>
-              <a:t>Just </a:t>
-            </a:r>
-            <a:r>
-              <a:rPr lang="en-US" dirty="0" smtClean="0"/>
-              <a:t>like the login, registration and other functional part of the software.</a:t>
+              <a:t>It is one of the best testing method which is used to test the functional part of the software and making sure that the behavior of the software is as expected.</a:t>
+            </a:r>
+          </a:p>
+          <a:p>
+            <a:r>
+              <a:rPr lang="en-US" dirty="0" smtClean="0"/>
+              <a:t>So it is also know as the behavioral based testing. </a:t>
+            </a:r>
+          </a:p>
+          <a:p>
+            <a:r>
+              <a:rPr lang="en-US" dirty="0" smtClean="0"/>
+              <a:t>It only look up to the functional part testing not the internal part of the software. </a:t>
+            </a:r>
+          </a:p>
+          <a:p>
+            <a:r>
+              <a:rPr lang="en-US" dirty="0" smtClean="0"/>
+              <a:t>Just like the login, registration and other functional part of the software.</a:t>
             </a:r>
             <a:endParaRPr lang="en-US" dirty="0"/>
           </a:p>

--- a/implementation/pp of sms.pptx
+++ b/implementation/pp of sms.pptx
@@ -24,86 +24,91 @@
     <p:sldId id="298" r:id="rId18"/>
     <p:sldId id="299" r:id="rId19"/>
     <p:sldId id="300" r:id="rId20"/>
-    <p:sldId id="301" r:id="rId21"/>
-    <p:sldId id="285" r:id="rId22"/>
-    <p:sldId id="286" r:id="rId23"/>
-    <p:sldId id="260" r:id="rId24"/>
-    <p:sldId id="278" r:id="rId25"/>
-    <p:sldId id="266" r:id="rId26"/>
-    <p:sldId id="302" r:id="rId27"/>
-    <p:sldId id="303" r:id="rId28"/>
-    <p:sldId id="307" r:id="rId29"/>
-    <p:sldId id="261" r:id="rId30"/>
-    <p:sldId id="336" r:id="rId31"/>
-    <p:sldId id="262" r:id="rId32"/>
-    <p:sldId id="263" r:id="rId33"/>
-    <p:sldId id="267" r:id="rId34"/>
-    <p:sldId id="264" r:id="rId35"/>
-    <p:sldId id="268" r:id="rId36"/>
-    <p:sldId id="265" r:id="rId37"/>
-    <p:sldId id="269" r:id="rId38"/>
-    <p:sldId id="279" r:id="rId39"/>
-    <p:sldId id="270" r:id="rId40"/>
-    <p:sldId id="280" r:id="rId41"/>
-    <p:sldId id="271" r:id="rId42"/>
-    <p:sldId id="281" r:id="rId43"/>
-    <p:sldId id="287" r:id="rId44"/>
-    <p:sldId id="288" r:id="rId45"/>
-    <p:sldId id="319" r:id="rId46"/>
-    <p:sldId id="321" r:id="rId47"/>
-    <p:sldId id="322" r:id="rId48"/>
-    <p:sldId id="323" r:id="rId49"/>
-    <p:sldId id="324" r:id="rId50"/>
-    <p:sldId id="325" r:id="rId51"/>
-    <p:sldId id="326" r:id="rId52"/>
-    <p:sldId id="327" r:id="rId53"/>
-    <p:sldId id="328" r:id="rId54"/>
-    <p:sldId id="329" r:id="rId55"/>
-    <p:sldId id="330" r:id="rId56"/>
-    <p:sldId id="331" r:id="rId57"/>
-    <p:sldId id="332" r:id="rId58"/>
-    <p:sldId id="333" r:id="rId59"/>
-    <p:sldId id="353" r:id="rId60"/>
-    <p:sldId id="354" r:id="rId61"/>
-    <p:sldId id="355" r:id="rId62"/>
-    <p:sldId id="289" r:id="rId63"/>
-    <p:sldId id="290" r:id="rId64"/>
-    <p:sldId id="291" r:id="rId65"/>
-    <p:sldId id="318" r:id="rId66"/>
-    <p:sldId id="292" r:id="rId67"/>
-    <p:sldId id="308" r:id="rId68"/>
-    <p:sldId id="309" r:id="rId69"/>
-    <p:sldId id="310" r:id="rId70"/>
-    <p:sldId id="311" r:id="rId71"/>
-    <p:sldId id="312" r:id="rId72"/>
-    <p:sldId id="313" r:id="rId73"/>
-    <p:sldId id="314" r:id="rId74"/>
-    <p:sldId id="315" r:id="rId75"/>
-    <p:sldId id="317" r:id="rId76"/>
-    <p:sldId id="357" r:id="rId77"/>
-    <p:sldId id="356" r:id="rId78"/>
-    <p:sldId id="305" r:id="rId79"/>
-    <p:sldId id="306" r:id="rId80"/>
-    <p:sldId id="320" r:id="rId81"/>
-    <p:sldId id="338" r:id="rId82"/>
-    <p:sldId id="335" r:id="rId83"/>
-    <p:sldId id="339" r:id="rId84"/>
-    <p:sldId id="334" r:id="rId85"/>
-    <p:sldId id="340" r:id="rId86"/>
-    <p:sldId id="341" r:id="rId87"/>
-    <p:sldId id="342" r:id="rId88"/>
-    <p:sldId id="343" r:id="rId89"/>
-    <p:sldId id="344" r:id="rId90"/>
-    <p:sldId id="345" r:id="rId91"/>
-    <p:sldId id="346" r:id="rId92"/>
-    <p:sldId id="347" r:id="rId93"/>
-    <p:sldId id="348" r:id="rId94"/>
-    <p:sldId id="349" r:id="rId95"/>
-    <p:sldId id="350" r:id="rId96"/>
-    <p:sldId id="351" r:id="rId97"/>
-    <p:sldId id="352" r:id="rId98"/>
-    <p:sldId id="304" r:id="rId99"/>
-    <p:sldId id="277" r:id="rId100"/>
+    <p:sldId id="358" r:id="rId21"/>
+    <p:sldId id="359" r:id="rId22"/>
+    <p:sldId id="360" r:id="rId23"/>
+    <p:sldId id="285" r:id="rId24"/>
+    <p:sldId id="286" r:id="rId25"/>
+    <p:sldId id="260" r:id="rId26"/>
+    <p:sldId id="278" r:id="rId27"/>
+    <p:sldId id="266" r:id="rId28"/>
+    <p:sldId id="302" r:id="rId29"/>
+    <p:sldId id="303" r:id="rId30"/>
+    <p:sldId id="307" r:id="rId31"/>
+    <p:sldId id="261" r:id="rId32"/>
+    <p:sldId id="336" r:id="rId33"/>
+    <p:sldId id="262" r:id="rId34"/>
+    <p:sldId id="263" r:id="rId35"/>
+    <p:sldId id="267" r:id="rId36"/>
+    <p:sldId id="264" r:id="rId37"/>
+    <p:sldId id="268" r:id="rId38"/>
+    <p:sldId id="265" r:id="rId39"/>
+    <p:sldId id="269" r:id="rId40"/>
+    <p:sldId id="279" r:id="rId41"/>
+    <p:sldId id="270" r:id="rId42"/>
+    <p:sldId id="280" r:id="rId43"/>
+    <p:sldId id="271" r:id="rId44"/>
+    <p:sldId id="281" r:id="rId45"/>
+    <p:sldId id="287" r:id="rId46"/>
+    <p:sldId id="288" r:id="rId47"/>
+    <p:sldId id="319" r:id="rId48"/>
+    <p:sldId id="321" r:id="rId49"/>
+    <p:sldId id="322" r:id="rId50"/>
+    <p:sldId id="323" r:id="rId51"/>
+    <p:sldId id="324" r:id="rId52"/>
+    <p:sldId id="325" r:id="rId53"/>
+    <p:sldId id="326" r:id="rId54"/>
+    <p:sldId id="327" r:id="rId55"/>
+    <p:sldId id="328" r:id="rId56"/>
+    <p:sldId id="329" r:id="rId57"/>
+    <p:sldId id="330" r:id="rId58"/>
+    <p:sldId id="331" r:id="rId59"/>
+    <p:sldId id="332" r:id="rId60"/>
+    <p:sldId id="333" r:id="rId61"/>
+    <p:sldId id="353" r:id="rId62"/>
+    <p:sldId id="354" r:id="rId63"/>
+    <p:sldId id="355" r:id="rId64"/>
+    <p:sldId id="289" r:id="rId65"/>
+    <p:sldId id="290" r:id="rId66"/>
+    <p:sldId id="291" r:id="rId67"/>
+    <p:sldId id="318" r:id="rId68"/>
+    <p:sldId id="292" r:id="rId69"/>
+    <p:sldId id="308" r:id="rId70"/>
+    <p:sldId id="309" r:id="rId71"/>
+    <p:sldId id="310" r:id="rId72"/>
+    <p:sldId id="311" r:id="rId73"/>
+    <p:sldId id="312" r:id="rId74"/>
+    <p:sldId id="313" r:id="rId75"/>
+    <p:sldId id="314" r:id="rId76"/>
+    <p:sldId id="315" r:id="rId77"/>
+    <p:sldId id="317" r:id="rId78"/>
+    <p:sldId id="361" r:id="rId79"/>
+    <p:sldId id="362" r:id="rId80"/>
+    <p:sldId id="357" r:id="rId81"/>
+    <p:sldId id="356" r:id="rId82"/>
+    <p:sldId id="363" r:id="rId83"/>
+    <p:sldId id="305" r:id="rId84"/>
+    <p:sldId id="306" r:id="rId85"/>
+    <p:sldId id="320" r:id="rId86"/>
+    <p:sldId id="338" r:id="rId87"/>
+    <p:sldId id="335" r:id="rId88"/>
+    <p:sldId id="339" r:id="rId89"/>
+    <p:sldId id="334" r:id="rId90"/>
+    <p:sldId id="340" r:id="rId91"/>
+    <p:sldId id="341" r:id="rId92"/>
+    <p:sldId id="342" r:id="rId93"/>
+    <p:sldId id="343" r:id="rId94"/>
+    <p:sldId id="344" r:id="rId95"/>
+    <p:sldId id="345" r:id="rId96"/>
+    <p:sldId id="346" r:id="rId97"/>
+    <p:sldId id="347" r:id="rId98"/>
+    <p:sldId id="348" r:id="rId99"/>
+    <p:sldId id="349" r:id="rId100"/>
+    <p:sldId id="350" r:id="rId101"/>
+    <p:sldId id="351" r:id="rId102"/>
+    <p:sldId id="352" r:id="rId103"/>
+    <p:sldId id="304" r:id="rId104"/>
+    <p:sldId id="277" r:id="rId105"/>
   </p:sldIdLst>
   <p:sldSz cx="9144000" cy="6858000" type="screen4x3"/>
   <p:notesSz cx="6858000" cy="9144000"/>
@@ -485,7 +490,7 @@
           <a:p>
             <a:fld id="{C8CE3B9A-6D67-41F8-8453-F151FCDFD414}" type="datetimeFigureOut">
               <a:rPr lang="en-US" smtClean="0"/>
-              <a:t>4/18/2019</a:t>
+              <a:t>4/24/2019</a:t>
             </a:fld>
             <a:endParaRPr lang="en-US"/>
           </a:p>
@@ -878,7 +883,7 @@
           <a:p>
             <a:fld id="{C8CE3B9A-6D67-41F8-8453-F151FCDFD414}" type="datetimeFigureOut">
               <a:rPr lang="en-US" smtClean="0"/>
-              <a:t>4/18/2019</a:t>
+              <a:t>4/24/2019</a:t>
             </a:fld>
             <a:endParaRPr lang="en-US"/>
           </a:p>
@@ -1410,7 +1415,7 @@
           <a:p>
             <a:fld id="{C8CE3B9A-6D67-41F8-8453-F151FCDFD414}" type="datetimeFigureOut">
               <a:rPr lang="en-US" smtClean="0"/>
-              <a:t>4/18/2019</a:t>
+              <a:t>4/24/2019</a:t>
             </a:fld>
             <a:endParaRPr lang="en-US"/>
           </a:p>
@@ -1543,7 +1548,7 @@
           <a:p>
             <a:fld id="{C8CE3B9A-6D67-41F8-8453-F151FCDFD414}" type="datetimeFigureOut">
               <a:rPr lang="en-US" smtClean="0"/>
-              <a:t>4/18/2019</a:t>
+              <a:t>4/24/2019</a:t>
             </a:fld>
             <a:endParaRPr lang="en-US"/>
           </a:p>
@@ -2086,7 +2091,7 @@
           <a:p>
             <a:fld id="{C8CE3B9A-6D67-41F8-8453-F151FCDFD414}" type="datetimeFigureOut">
               <a:rPr lang="en-US" smtClean="0"/>
-              <a:t>4/18/2019</a:t>
+              <a:t>4/24/2019</a:t>
             </a:fld>
             <a:endParaRPr lang="en-US"/>
           </a:p>
@@ -2381,7 +2386,7 @@
           <a:p>
             <a:fld id="{C8CE3B9A-6D67-41F8-8453-F151FCDFD414}" type="datetimeFigureOut">
               <a:rPr lang="en-US" smtClean="0"/>
-              <a:t>4/18/2019</a:t>
+              <a:t>4/24/2019</a:t>
             </a:fld>
             <a:endParaRPr lang="en-US"/>
           </a:p>
@@ -3040,7 +3045,7 @@
           <a:p>
             <a:fld id="{C8CE3B9A-6D67-41F8-8453-F151FCDFD414}" type="datetimeFigureOut">
               <a:rPr lang="en-US" smtClean="0"/>
-              <a:t>4/18/2019</a:t>
+              <a:t>4/24/2019</a:t>
             </a:fld>
             <a:endParaRPr lang="en-US"/>
           </a:p>
@@ -3476,7 +3481,7 @@
           <a:p>
             <a:fld id="{C8CE3B9A-6D67-41F8-8453-F151FCDFD414}" type="datetimeFigureOut">
               <a:rPr lang="en-US" smtClean="0"/>
-              <a:t>4/18/2019</a:t>
+              <a:t>4/24/2019</a:t>
             </a:fld>
             <a:endParaRPr lang="en-US"/>
           </a:p>
@@ -3789,7 +3794,7 @@
           <a:p>
             <a:fld id="{C8CE3B9A-6D67-41F8-8453-F151FCDFD414}" type="datetimeFigureOut">
               <a:rPr lang="en-US" smtClean="0"/>
-              <a:t>4/18/2019</a:t>
+              <a:t>4/24/2019</a:t>
             </a:fld>
             <a:endParaRPr lang="en-US"/>
           </a:p>
@@ -4521,7 +4526,7 @@
           <a:p>
             <a:fld id="{C8CE3B9A-6D67-41F8-8453-F151FCDFD414}" type="datetimeFigureOut">
               <a:rPr lang="en-US" smtClean="0"/>
-              <a:t>4/18/2019</a:t>
+              <a:t>4/24/2019</a:t>
             </a:fld>
             <a:endParaRPr lang="en-US"/>
           </a:p>
@@ -5185,7 +5190,7 @@
           <a:p>
             <a:fld id="{C8CE3B9A-6D67-41F8-8453-F151FCDFD414}" type="datetimeFigureOut">
               <a:rPr lang="en-US" smtClean="0"/>
-              <a:t>4/18/2019</a:t>
+              <a:t>4/24/2019</a:t>
             </a:fld>
             <a:endParaRPr lang="en-US"/>
           </a:p>
@@ -5458,7 +5463,7 @@
           <a:p>
             <a:fld id="{C8CE3B9A-6D67-41F8-8453-F151FCDFD414}" type="datetimeFigureOut">
               <a:rPr lang="en-US" smtClean="0"/>
-              <a:t>4/18/2019</a:t>
+              <a:t>4/24/2019</a:t>
             </a:fld>
             <a:endParaRPr lang="en-US"/>
           </a:p>
@@ -6387,6 +6392,545 @@
 </p:sld>
 </file>
 
+<file path=ppt/slides/slide100.xml><?xml version="1.0" encoding="utf-8"?>
+<p:sld xmlns:a="http://schemas.openxmlformats.org/drawingml/2006/main" xmlns:r="http://schemas.openxmlformats.org/officeDocument/2006/relationships" xmlns:p="http://schemas.openxmlformats.org/presentationml/2006/main">
+  <p:cSld>
+    <p:spTree>
+      <p:nvGrpSpPr>
+        <p:cNvPr id="1" name=""/>
+        <p:cNvGrpSpPr/>
+        <p:nvPr/>
+      </p:nvGrpSpPr>
+      <p:grpSpPr>
+        <a:xfrm>
+          <a:off x="0" y="0"/>
+          <a:ext cx="0" cy="0"/>
+          <a:chOff x="0" y="0"/>
+          <a:chExt cx="0" cy="0"/>
+        </a:xfrm>
+      </p:grpSpPr>
+      <p:sp>
+        <p:nvSpPr>
+          <p:cNvPr id="2" name="Title 1"/>
+          <p:cNvSpPr>
+            <a:spLocks noGrp="1"/>
+          </p:cNvSpPr>
+          <p:nvPr>
+            <p:ph type="title"/>
+          </p:nvPr>
+        </p:nvSpPr>
+        <p:spPr/>
+        <p:txBody>
+          <a:bodyPr/>
+          <a:lstStyle/>
+          <a:p>
+            <a:r>
+              <a:rPr lang="en-US" dirty="0" smtClean="0"/>
+              <a:t>Print the order</a:t>
+            </a:r>
+            <a:endParaRPr lang="en-US" dirty="0"/>
+          </a:p>
+        </p:txBody>
+      </p:sp>
+      <p:sp>
+        <p:nvSpPr>
+          <p:cNvPr id="3" name="Content Placeholder 2"/>
+          <p:cNvSpPr>
+            <a:spLocks noGrp="1"/>
+          </p:cNvSpPr>
+          <p:nvPr>
+            <p:ph sz="quarter" idx="1"/>
+          </p:nvPr>
+        </p:nvSpPr>
+        <p:spPr/>
+        <p:txBody>
+          <a:bodyPr/>
+          <a:lstStyle/>
+          <a:p>
+            <a:r>
+              <a:rPr lang="en-US" dirty="0"/>
+              <a:t>After entering the valid email/password, the dashboard will open.</a:t>
+            </a:r>
+          </a:p>
+          <a:p>
+            <a:r>
+              <a:rPr lang="en-US" dirty="0"/>
+              <a:t>Click on the </a:t>
+            </a:r>
+            <a:r>
+              <a:rPr lang="en-US" dirty="0" smtClean="0"/>
+              <a:t>order </a:t>
+            </a:r>
+            <a:r>
+              <a:rPr lang="en-US" dirty="0"/>
+              <a:t>which is in the side menu bar of the dashboard.</a:t>
+            </a:r>
+          </a:p>
+          <a:p>
+            <a:r>
+              <a:rPr lang="en-US" dirty="0"/>
+              <a:t>Click to the </a:t>
+            </a:r>
+            <a:r>
+              <a:rPr lang="en-US" dirty="0" smtClean="0"/>
+              <a:t>manage order </a:t>
+            </a:r>
+            <a:r>
+              <a:rPr lang="en-US" dirty="0"/>
+              <a:t>in the drop down menu</a:t>
+            </a:r>
+            <a:r>
+              <a:rPr lang="en-US" dirty="0" smtClean="0"/>
+              <a:t>.</a:t>
+            </a:r>
+          </a:p>
+          <a:p>
+            <a:r>
+              <a:rPr lang="en-US" dirty="0" smtClean="0"/>
+              <a:t>All the orders are available in it and click to the print button which is show at the bottom of the form.</a:t>
+            </a:r>
+            <a:endParaRPr lang="en-US" dirty="0"/>
+          </a:p>
+          <a:p>
+            <a:endParaRPr lang="en-US" dirty="0"/>
+          </a:p>
+        </p:txBody>
+      </p:sp>
+    </p:spTree>
+    <p:extLst>
+      <p:ext uri="{BB962C8B-B14F-4D97-AF65-F5344CB8AC3E}">
+        <p14:creationId xmlns:p14="http://schemas.microsoft.com/office/powerpoint/2010/main" val="2762407151"/>
+      </p:ext>
+    </p:extLst>
+  </p:cSld>
+  <p:clrMapOvr>
+    <a:masterClrMapping/>
+  </p:clrMapOvr>
+</p:sld>
+</file>
+
+<file path=ppt/slides/slide101.xml><?xml version="1.0" encoding="utf-8"?>
+<p:sld xmlns:a="http://schemas.openxmlformats.org/drawingml/2006/main" xmlns:r="http://schemas.openxmlformats.org/officeDocument/2006/relationships" xmlns:p="http://schemas.openxmlformats.org/presentationml/2006/main">
+  <p:cSld>
+    <p:spTree>
+      <p:nvGrpSpPr>
+        <p:cNvPr id="1" name=""/>
+        <p:cNvGrpSpPr/>
+        <p:nvPr/>
+      </p:nvGrpSpPr>
+      <p:grpSpPr>
+        <a:xfrm>
+          <a:off x="0" y="0"/>
+          <a:ext cx="0" cy="0"/>
+          <a:chOff x="0" y="0"/>
+          <a:chExt cx="0" cy="0"/>
+        </a:xfrm>
+      </p:grpSpPr>
+      <p:sp>
+        <p:nvSpPr>
+          <p:cNvPr id="2" name="Title 1"/>
+          <p:cNvSpPr>
+            <a:spLocks noGrp="1"/>
+          </p:cNvSpPr>
+          <p:nvPr>
+            <p:ph type="title"/>
+          </p:nvPr>
+        </p:nvSpPr>
+        <p:spPr/>
+        <p:txBody>
+          <a:bodyPr/>
+          <a:lstStyle/>
+          <a:p>
+            <a:r>
+              <a:rPr lang="en-US" dirty="0" smtClean="0"/>
+              <a:t>Bill of the product</a:t>
+            </a:r>
+            <a:endParaRPr lang="en-US" dirty="0"/>
+          </a:p>
+        </p:txBody>
+      </p:sp>
+      <p:pic>
+        <p:nvPicPr>
+          <p:cNvPr id="4" name="Content Placeholder 3"/>
+          <p:cNvPicPr>
+            <a:picLocks noGrp="1" noChangeAspect="1"/>
+          </p:cNvPicPr>
+          <p:nvPr>
+            <p:ph sz="quarter" idx="1"/>
+          </p:nvPr>
+        </p:nvPicPr>
+        <p:blipFill>
+          <a:blip r:embed="rId2">
+            <a:extLst>
+              <a:ext uri="{28A0092B-C50C-407E-A947-70E740481C1C}">
+                <a14:useLocalDpi xmlns:a14="http://schemas.microsoft.com/office/drawing/2010/main" val="0"/>
+              </a:ext>
+            </a:extLst>
+          </a:blip>
+          <a:stretch>
+            <a:fillRect/>
+          </a:stretch>
+        </p:blipFill>
+        <p:spPr>
+          <a:xfrm>
+            <a:off x="301625" y="2104734"/>
+            <a:ext cx="8504238" cy="3416881"/>
+          </a:xfrm>
+        </p:spPr>
+      </p:pic>
+    </p:spTree>
+    <p:extLst>
+      <p:ext uri="{BB962C8B-B14F-4D97-AF65-F5344CB8AC3E}">
+        <p14:creationId xmlns:p14="http://schemas.microsoft.com/office/powerpoint/2010/main" val="1342407059"/>
+      </p:ext>
+    </p:extLst>
+  </p:cSld>
+  <p:clrMapOvr>
+    <a:masterClrMapping/>
+  </p:clrMapOvr>
+</p:sld>
+</file>
+
+<file path=ppt/slides/slide102.xml><?xml version="1.0" encoding="utf-8"?>
+<p:sld xmlns:a="http://schemas.openxmlformats.org/drawingml/2006/main" xmlns:r="http://schemas.openxmlformats.org/officeDocument/2006/relationships" xmlns:p="http://schemas.openxmlformats.org/presentationml/2006/main">
+  <p:cSld>
+    <p:spTree>
+      <p:nvGrpSpPr>
+        <p:cNvPr id="1" name=""/>
+        <p:cNvGrpSpPr/>
+        <p:nvPr/>
+      </p:nvGrpSpPr>
+      <p:grpSpPr>
+        <a:xfrm>
+          <a:off x="0" y="0"/>
+          <a:ext cx="0" cy="0"/>
+          <a:chOff x="0" y="0"/>
+          <a:chExt cx="0" cy="0"/>
+        </a:xfrm>
+      </p:grpSpPr>
+      <p:sp>
+        <p:nvSpPr>
+          <p:cNvPr id="2" name="Title 1"/>
+          <p:cNvSpPr>
+            <a:spLocks noGrp="1"/>
+          </p:cNvSpPr>
+          <p:nvPr>
+            <p:ph type="title"/>
+          </p:nvPr>
+        </p:nvSpPr>
+        <p:spPr/>
+        <p:txBody>
+          <a:bodyPr/>
+          <a:lstStyle/>
+          <a:p>
+            <a:r>
+              <a:rPr lang="en-US" dirty="0" smtClean="0"/>
+              <a:t>Bill of the product</a:t>
+            </a:r>
+            <a:endParaRPr lang="en-US" dirty="0"/>
+          </a:p>
+        </p:txBody>
+      </p:sp>
+      <p:sp>
+        <p:nvSpPr>
+          <p:cNvPr id="3" name="Content Placeholder 2"/>
+          <p:cNvSpPr>
+            <a:spLocks noGrp="1"/>
+          </p:cNvSpPr>
+          <p:nvPr>
+            <p:ph sz="quarter" idx="1"/>
+          </p:nvPr>
+        </p:nvSpPr>
+        <p:spPr/>
+        <p:txBody>
+          <a:bodyPr/>
+          <a:lstStyle/>
+          <a:p>
+            <a:r>
+              <a:rPr lang="en-US" dirty="0"/>
+              <a:t>After entering the valid email/password, the dashboard will open.</a:t>
+            </a:r>
+          </a:p>
+          <a:p>
+            <a:r>
+              <a:rPr lang="en-US" dirty="0"/>
+              <a:t>Click on the order which is in the side menu bar of the dashboard.</a:t>
+            </a:r>
+          </a:p>
+          <a:p>
+            <a:r>
+              <a:rPr lang="en-US" dirty="0"/>
+              <a:t>Click to the manage order in the drop down menu.</a:t>
+            </a:r>
+          </a:p>
+          <a:p>
+            <a:r>
+              <a:rPr lang="en-US" dirty="0"/>
+              <a:t>All the orders are available in it and click to the print button which is show at the bottom of the form.</a:t>
+            </a:r>
+          </a:p>
+          <a:p>
+            <a:r>
+              <a:rPr lang="en-US" dirty="0" smtClean="0"/>
+              <a:t>The bill is produce after clicking the print button.</a:t>
+            </a:r>
+            <a:endParaRPr lang="en-US" dirty="0"/>
+          </a:p>
+        </p:txBody>
+      </p:sp>
+    </p:spTree>
+    <p:extLst>
+      <p:ext uri="{BB962C8B-B14F-4D97-AF65-F5344CB8AC3E}">
+        <p14:creationId xmlns:p14="http://schemas.microsoft.com/office/powerpoint/2010/main" val="4233977570"/>
+      </p:ext>
+    </p:extLst>
+  </p:cSld>
+  <p:clrMapOvr>
+    <a:masterClrMapping/>
+  </p:clrMapOvr>
+</p:sld>
+</file>
+
+<file path=ppt/slides/slide103.xml><?xml version="1.0" encoding="utf-8"?>
+<p:sld xmlns:a="http://schemas.openxmlformats.org/drawingml/2006/main" xmlns:r="http://schemas.openxmlformats.org/officeDocument/2006/relationships" xmlns:p="http://schemas.openxmlformats.org/presentationml/2006/main">
+  <p:cSld>
+    <p:spTree>
+      <p:nvGrpSpPr>
+        <p:cNvPr id="1" name=""/>
+        <p:cNvGrpSpPr/>
+        <p:nvPr/>
+      </p:nvGrpSpPr>
+      <p:grpSpPr>
+        <a:xfrm>
+          <a:off x="0" y="0"/>
+          <a:ext cx="0" cy="0"/>
+          <a:chOff x="0" y="0"/>
+          <a:chExt cx="0" cy="0"/>
+        </a:xfrm>
+      </p:grpSpPr>
+      <p:sp>
+        <p:nvSpPr>
+          <p:cNvPr id="3" name="Title 2"/>
+          <p:cNvSpPr>
+            <a:spLocks noGrp="1"/>
+          </p:cNvSpPr>
+          <p:nvPr>
+            <p:ph type="title"/>
+          </p:nvPr>
+        </p:nvSpPr>
+        <p:spPr/>
+        <p:txBody>
+          <a:bodyPr/>
+          <a:lstStyle/>
+          <a:p>
+            <a:r>
+              <a:rPr lang="en-US" dirty="0" smtClean="0"/>
+              <a:t>conclusion</a:t>
+            </a:r>
+            <a:endParaRPr lang="en-US" dirty="0"/>
+          </a:p>
+        </p:txBody>
+      </p:sp>
+      <p:sp>
+        <p:nvSpPr>
+          <p:cNvPr id="2" name="Content Placeholder 1"/>
+          <p:cNvSpPr>
+            <a:spLocks noGrp="1"/>
+          </p:cNvSpPr>
+          <p:nvPr>
+            <p:ph sz="quarter" idx="1"/>
+          </p:nvPr>
+        </p:nvSpPr>
+        <p:spPr/>
+        <p:txBody>
+          <a:bodyPr/>
+          <a:lstStyle/>
+          <a:p>
+            <a:r>
+              <a:rPr lang="en-US" dirty="0" smtClean="0"/>
+              <a:t>Finally the required stock management system was successfully designed and implement at the time. The web based system for managing the stock allow to edit the stock and record of it. It also keeps the record of purchase with billing and helps to edits the available products. With the help of different diagrams and methods the stock management system completed successfully without complications and obstacles.</a:t>
+            </a:r>
+            <a:endParaRPr lang="en-US" dirty="0"/>
+          </a:p>
+        </p:txBody>
+      </p:sp>
+    </p:spTree>
+    <p:extLst>
+      <p:ext uri="{BB962C8B-B14F-4D97-AF65-F5344CB8AC3E}">
+        <p14:creationId xmlns:p14="http://schemas.microsoft.com/office/powerpoint/2010/main" val="814669846"/>
+      </p:ext>
+    </p:extLst>
+  </p:cSld>
+  <p:clrMapOvr>
+    <a:masterClrMapping/>
+  </p:clrMapOvr>
+  <p:timing>
+    <p:tnLst>
+      <p:par>
+        <p:cTn id="1" dur="indefinite" restart="never" nodeType="tmRoot"/>
+      </p:par>
+    </p:tnLst>
+  </p:timing>
+</p:sld>
+</file>
+
+<file path=ppt/slides/slide104.xml><?xml version="1.0" encoding="utf-8"?>
+<p:sld xmlns:a="http://schemas.openxmlformats.org/drawingml/2006/main" xmlns:r="http://schemas.openxmlformats.org/officeDocument/2006/relationships" xmlns:p="http://schemas.openxmlformats.org/presentationml/2006/main">
+  <p:cSld>
+    <p:spTree>
+      <p:nvGrpSpPr>
+        <p:cNvPr id="1" name=""/>
+        <p:cNvGrpSpPr/>
+        <p:nvPr/>
+      </p:nvGrpSpPr>
+      <p:grpSpPr>
+        <a:xfrm>
+          <a:off x="0" y="0"/>
+          <a:ext cx="0" cy="0"/>
+          <a:chOff x="0" y="0"/>
+          <a:chExt cx="0" cy="0"/>
+        </a:xfrm>
+      </p:grpSpPr>
+      <p:sp>
+        <p:nvSpPr>
+          <p:cNvPr id="3" name="Title 2"/>
+          <p:cNvSpPr>
+            <a:spLocks noGrp="1"/>
+          </p:cNvSpPr>
+          <p:nvPr>
+            <p:ph type="title"/>
+          </p:nvPr>
+        </p:nvSpPr>
+        <p:spPr/>
+        <p:txBody>
+          <a:bodyPr/>
+          <a:lstStyle/>
+          <a:p>
+            <a:r>
+              <a:rPr lang="en-US" dirty="0" smtClean="0"/>
+              <a:t>references</a:t>
+            </a:r>
+            <a:endParaRPr lang="en-US" dirty="0"/>
+          </a:p>
+        </p:txBody>
+      </p:sp>
+      <p:sp>
+        <p:nvSpPr>
+          <p:cNvPr id="2" name="Content Placeholder 1"/>
+          <p:cNvSpPr>
+            <a:spLocks noGrp="1"/>
+          </p:cNvSpPr>
+          <p:nvPr>
+            <p:ph sz="quarter" idx="1"/>
+          </p:nvPr>
+        </p:nvSpPr>
+        <p:spPr/>
+        <p:txBody>
+          <a:bodyPr/>
+          <a:lstStyle/>
+          <a:p>
+            <a:r>
+              <a:rPr lang="en-US" dirty="0">
+                <a:hlinkClick r:id="rId2"/>
+              </a:rPr>
+              <a:t>https://</a:t>
+            </a:r>
+            <a:r>
+              <a:rPr lang="en-US" dirty="0" smtClean="0">
+                <a:hlinkClick r:id="rId2"/>
+              </a:rPr>
+              <a:t>en.wikipedia.org</a:t>
+            </a:r>
+            <a:endParaRPr lang="en-US" dirty="0" smtClean="0"/>
+          </a:p>
+          <a:p>
+            <a:r>
+              <a:rPr lang="en-US" u="sng" dirty="0" smtClean="0">
+                <a:hlinkClick r:id="rId3"/>
+              </a:rPr>
+              <a:t>http</a:t>
+            </a:r>
+            <a:r>
+              <a:rPr lang="en-US" u="sng" dirty="0">
+                <a:hlinkClick r:id="rId3"/>
+              </a:rPr>
+              <a:t>://</a:t>
+            </a:r>
+            <a:r>
+              <a:rPr lang="en-US" u="sng" dirty="0" smtClean="0">
+                <a:hlinkClick r:id="rId3"/>
+              </a:rPr>
+              <a:t>www.tutorialspoint.com</a:t>
+            </a:r>
+            <a:endParaRPr lang="en-US" dirty="0"/>
+          </a:p>
+          <a:p>
+            <a:r>
+              <a:rPr lang="en-US" u="sng" dirty="0" smtClean="0">
+                <a:hlinkClick r:id="rId4"/>
+              </a:rPr>
+              <a:t>https</a:t>
+            </a:r>
+            <a:r>
+              <a:rPr lang="en-US" u="sng" dirty="0">
+                <a:hlinkClick r:id="rId4"/>
+              </a:rPr>
+              <a:t>://www.carajaclasses.com</a:t>
+            </a:r>
+            <a:endParaRPr lang="en-US" dirty="0"/>
+          </a:p>
+          <a:p>
+            <a:r>
+              <a:rPr lang="en-US" u="sng" dirty="0" smtClean="0">
+                <a:hlinkClick r:id="rId5"/>
+              </a:rPr>
+              <a:t>http</a:t>
+            </a:r>
+            <a:r>
+              <a:rPr lang="en-US" u="sng" dirty="0">
+                <a:hlinkClick r:id="rId5"/>
+              </a:rPr>
+              <a:t>://</a:t>
+            </a:r>
+            <a:r>
+              <a:rPr lang="en-US" u="sng" dirty="0" smtClean="0">
+                <a:hlinkClick r:id="rId5"/>
+              </a:rPr>
+              <a:t>www.lynda.com</a:t>
+            </a:r>
+            <a:endParaRPr lang="en-US" u="sng" dirty="0" smtClean="0"/>
+          </a:p>
+          <a:p>
+            <a:pPr marL="0" indent="0">
+              <a:buNone/>
+            </a:pPr>
+            <a:endParaRPr lang="en-US" dirty="0"/>
+          </a:p>
+          <a:p>
+            <a:endParaRPr lang="en-US" dirty="0"/>
+          </a:p>
+        </p:txBody>
+      </p:sp>
+    </p:spTree>
+    <p:extLst>
+      <p:ext uri="{BB962C8B-B14F-4D97-AF65-F5344CB8AC3E}">
+        <p14:creationId xmlns:p14="http://schemas.microsoft.com/office/powerpoint/2010/main" val="3156000321"/>
+      </p:ext>
+    </p:extLst>
+  </p:cSld>
+  <p:clrMapOvr>
+    <a:masterClrMapping/>
+  </p:clrMapOvr>
+  <p:timing>
+    <p:tnLst>
+      <p:par>
+        <p:cTn id="1" dur="indefinite" restart="never" nodeType="tmRoot"/>
+      </p:par>
+    </p:tnLst>
+  </p:timing>
+</p:sld>
+</file>
+
 <file path=ppt/slides/slide11.xml><?xml version="1.0" encoding="utf-8"?>
 <p:sld xmlns:a="http://schemas.openxmlformats.org/drawingml/2006/main" xmlns:r="http://schemas.openxmlformats.org/officeDocument/2006/relationships" xmlns:p="http://schemas.openxmlformats.org/presentationml/2006/main">
   <p:cSld>
@@ -6830,8 +7374,8 @@
         </p:nvSpPr>
         <p:spPr>
           <a:xfrm>
-            <a:off x="609600" y="304800"/>
-            <a:ext cx="8534400" cy="758952"/>
+            <a:off x="609600" y="381000"/>
+            <a:ext cx="7239000" cy="606552"/>
           </a:xfrm>
         </p:spPr>
         <p:txBody>
@@ -6848,16 +7392,16 @@
               <a:rPr lang="en-US" dirty="0" smtClean="0"/>
             </a:br>
             <a:r>
-              <a:rPr lang="en-US" dirty="0" smtClean="0"/>
-              <a:t>System </a:t>
-            </a:r>
-            <a:r>
               <a:rPr lang="en-US" dirty="0"/>
-              <a:t>Architecture	</a:t>
+              <a:t>	</a:t>
             </a:r>
             <a:br>
               <a:rPr lang="en-US" dirty="0"/>
             </a:br>
+            <a:r>
+              <a:rPr lang="en-US" dirty="0"/>
+              <a:t>System Architecture</a:t>
+            </a:r>
             <a:endParaRPr lang="en-US" dirty="0"/>
           </a:p>
         </p:txBody>
@@ -9492,7 +10036,7 @@
       </p:grpSpPr>
       <p:sp>
         <p:nvSpPr>
-          <p:cNvPr id="3" name="Title 2"/>
+          <p:cNvPr id="2" name="Title 1"/>
           <p:cNvSpPr>
             <a:spLocks noGrp="1"/>
           </p:cNvSpPr>
@@ -9502,14 +10046,12 @@
         </p:nvSpPr>
         <p:spPr/>
         <p:txBody>
-          <a:bodyPr>
-            <a:normAutofit/>
-          </a:bodyPr>
-          <a:lstStyle/>
-          <a:p>
-            <a:r>
-              <a:rPr lang="en-US" dirty="0" smtClean="0"/>
-              <a:t>Diagram of configuration management</a:t>
+          <a:bodyPr/>
+          <a:lstStyle/>
+          <a:p>
+            <a:r>
+              <a:rPr lang="en-US" dirty="0" smtClean="0"/>
+              <a:t>Configuration management</a:t>
             </a:r>
             <a:endParaRPr lang="en-US" dirty="0"/>
           </a:p>
@@ -9517,78 +10059,37 @@
       </p:sp>
       <p:pic>
         <p:nvPicPr>
-          <p:cNvPr id="4" name="Content Placeholder 3" descr="F:\4th semester\Mandira\CP\cp proposal\8.PNG"/>
+          <p:cNvPr id="6" name="Content Placeholder 5"/>
           <p:cNvPicPr>
-            <a:picLocks noGrp="1"/>
+            <a:picLocks noGrp="1" noChangeAspect="1"/>
           </p:cNvPicPr>
           <p:nvPr>
             <p:ph sz="quarter" idx="1"/>
           </p:nvPr>
         </p:nvPicPr>
         <p:blipFill>
-          <a:blip r:embed="rId2" cstate="print">
+          <a:blip r:embed="rId2">
             <a:extLst>
               <a:ext uri="{28A0092B-C50C-407E-A947-70E740481C1C}">
                 <a14:useLocalDpi xmlns:a14="http://schemas.microsoft.com/office/drawing/2010/main" val="0"/>
               </a:ext>
             </a:extLst>
           </a:blip>
-          <a:srcRect/>
           <a:stretch>
             <a:fillRect/>
           </a:stretch>
         </p:blipFill>
-        <p:spPr bwMode="auto">
+        <p:spPr>
           <a:xfrm>
-            <a:off x="381000" y="2819400"/>
-            <a:ext cx="4419600" cy="3067982"/>
+            <a:off x="301625" y="2301880"/>
+            <a:ext cx="8504238" cy="3413120"/>
           </a:xfrm>
-          <a:prstGeom prst="rect">
-            <a:avLst/>
-          </a:prstGeom>
-          <a:noFill/>
-          <a:ln>
-            <a:noFill/>
-          </a:ln>
-        </p:spPr>
-      </p:pic>
-      <p:pic>
-        <p:nvPicPr>
-          <p:cNvPr id="5" name="Picture 4" descr="C:\Users\Dell\Desktop\3.PNG"/>
-          <p:cNvPicPr/>
-          <p:nvPr/>
-        </p:nvPicPr>
-        <p:blipFill>
-          <a:blip r:embed="rId3" cstate="print">
-            <a:extLst>
-              <a:ext uri="{28A0092B-C50C-407E-A947-70E740481C1C}">
-                <a14:useLocalDpi xmlns:a14="http://schemas.microsoft.com/office/drawing/2010/main" val="0"/>
-              </a:ext>
-            </a:extLst>
-          </a:blip>
-          <a:srcRect/>
-          <a:stretch>
-            <a:fillRect/>
-          </a:stretch>
-        </p:blipFill>
-        <p:spPr bwMode="auto">
-          <a:xfrm>
-            <a:off x="3657600" y="2514600"/>
-            <a:ext cx="5181600" cy="3505200"/>
-          </a:xfrm>
-          <a:prstGeom prst="rect">
-            <a:avLst/>
-          </a:prstGeom>
-          <a:noFill/>
-          <a:ln>
-            <a:noFill/>
-          </a:ln>
         </p:spPr>
       </p:pic>
     </p:spTree>
     <p:extLst>
       <p:ext uri="{BB962C8B-B14F-4D97-AF65-F5344CB8AC3E}">
-        <p14:creationId xmlns:p14="http://schemas.microsoft.com/office/powerpoint/2010/main" val="826294066"/>
+        <p14:creationId xmlns:p14="http://schemas.microsoft.com/office/powerpoint/2010/main" val="3964925293"/>
       </p:ext>
     </p:extLst>
   </p:cSld>
@@ -9624,6 +10125,177 @@
       </p:grpSpPr>
       <p:sp>
         <p:nvSpPr>
+          <p:cNvPr id="2" name="Title 1"/>
+          <p:cNvSpPr>
+            <a:spLocks noGrp="1"/>
+          </p:cNvSpPr>
+          <p:nvPr>
+            <p:ph type="title"/>
+          </p:nvPr>
+        </p:nvSpPr>
+        <p:spPr/>
+        <p:txBody>
+          <a:bodyPr/>
+          <a:lstStyle/>
+          <a:p>
+            <a:r>
+              <a:rPr lang="en-US" dirty="0" smtClean="0"/>
+              <a:t>Configuration Management</a:t>
+            </a:r>
+            <a:endParaRPr lang="en-US" dirty="0"/>
+          </a:p>
+        </p:txBody>
+      </p:sp>
+      <p:pic>
+        <p:nvPicPr>
+          <p:cNvPr id="4" name="Content Placeholder 3"/>
+          <p:cNvPicPr>
+            <a:picLocks noGrp="1" noChangeAspect="1"/>
+          </p:cNvPicPr>
+          <p:nvPr>
+            <p:ph sz="quarter" idx="1"/>
+          </p:nvPr>
+        </p:nvPicPr>
+        <p:blipFill>
+          <a:blip r:embed="rId2">
+            <a:extLst>
+              <a:ext uri="{28A0092B-C50C-407E-A947-70E740481C1C}">
+                <a14:useLocalDpi xmlns:a14="http://schemas.microsoft.com/office/drawing/2010/main" val="0"/>
+              </a:ext>
+            </a:extLst>
+          </a:blip>
+          <a:stretch>
+            <a:fillRect/>
+          </a:stretch>
+        </p:blipFill>
+        <p:spPr>
+          <a:xfrm>
+            <a:off x="301752" y="1527048"/>
+            <a:ext cx="8503920" cy="4572000"/>
+          </a:xfrm>
+        </p:spPr>
+      </p:pic>
+    </p:spTree>
+    <p:extLst>
+      <p:ext uri="{BB962C8B-B14F-4D97-AF65-F5344CB8AC3E}">
+        <p14:creationId xmlns:p14="http://schemas.microsoft.com/office/powerpoint/2010/main" val="2113597517"/>
+      </p:ext>
+    </p:extLst>
+  </p:cSld>
+  <p:clrMapOvr>
+    <a:masterClrMapping/>
+  </p:clrMapOvr>
+  <p:timing>
+    <p:tnLst>
+      <p:par>
+        <p:cTn id="1" dur="indefinite" restart="never" nodeType="tmRoot"/>
+      </p:par>
+    </p:tnLst>
+  </p:timing>
+</p:sld>
+</file>
+
+<file path=ppt/slides/slide22.xml><?xml version="1.0" encoding="utf-8"?>
+<p:sld xmlns:a="http://schemas.openxmlformats.org/drawingml/2006/main" xmlns:r="http://schemas.openxmlformats.org/officeDocument/2006/relationships" xmlns:p="http://schemas.openxmlformats.org/presentationml/2006/main">
+  <p:cSld>
+    <p:spTree>
+      <p:nvGrpSpPr>
+        <p:cNvPr id="1" name=""/>
+        <p:cNvGrpSpPr/>
+        <p:nvPr/>
+      </p:nvGrpSpPr>
+      <p:grpSpPr>
+        <a:xfrm>
+          <a:off x="0" y="0"/>
+          <a:ext cx="0" cy="0"/>
+          <a:chOff x="0" y="0"/>
+          <a:chExt cx="0" cy="0"/>
+        </a:xfrm>
+      </p:grpSpPr>
+      <p:sp>
+        <p:nvSpPr>
+          <p:cNvPr id="2" name="Title 1"/>
+          <p:cNvSpPr>
+            <a:spLocks noGrp="1"/>
+          </p:cNvSpPr>
+          <p:nvPr>
+            <p:ph type="title"/>
+          </p:nvPr>
+        </p:nvSpPr>
+        <p:spPr/>
+        <p:txBody>
+          <a:bodyPr/>
+          <a:lstStyle/>
+          <a:p>
+            <a:r>
+              <a:rPr lang="en-US" dirty="0" smtClean="0"/>
+              <a:t>Configuration Management</a:t>
+            </a:r>
+            <a:endParaRPr lang="en-US" dirty="0"/>
+          </a:p>
+        </p:txBody>
+      </p:sp>
+      <p:pic>
+        <p:nvPicPr>
+          <p:cNvPr id="4" name="Content Placeholder 3"/>
+          <p:cNvPicPr>
+            <a:picLocks noGrp="1" noChangeAspect="1"/>
+          </p:cNvPicPr>
+          <p:nvPr>
+            <p:ph sz="quarter" idx="1"/>
+          </p:nvPr>
+        </p:nvPicPr>
+        <p:blipFill>
+          <a:blip r:embed="rId2">
+            <a:extLst>
+              <a:ext uri="{28A0092B-C50C-407E-A947-70E740481C1C}">
+                <a14:useLocalDpi xmlns:a14="http://schemas.microsoft.com/office/drawing/2010/main" val="0"/>
+              </a:ext>
+            </a:extLst>
+          </a:blip>
+          <a:stretch>
+            <a:fillRect/>
+          </a:stretch>
+        </p:blipFill>
+        <p:spPr>
+          <a:xfrm>
+            <a:off x="838200" y="1527175"/>
+            <a:ext cx="7543800" cy="4572000"/>
+          </a:xfrm>
+        </p:spPr>
+      </p:pic>
+    </p:spTree>
+    <p:extLst>
+      <p:ext uri="{BB962C8B-B14F-4D97-AF65-F5344CB8AC3E}">
+        <p14:creationId xmlns:p14="http://schemas.microsoft.com/office/powerpoint/2010/main" val="1576652431"/>
+      </p:ext>
+    </p:extLst>
+  </p:cSld>
+  <p:clrMapOvr>
+    <a:masterClrMapping/>
+  </p:clrMapOvr>
+</p:sld>
+</file>
+
+<file path=ppt/slides/slide23.xml><?xml version="1.0" encoding="utf-8"?>
+<p:sld xmlns:a="http://schemas.openxmlformats.org/drawingml/2006/main" xmlns:r="http://schemas.openxmlformats.org/officeDocument/2006/relationships" xmlns:p="http://schemas.openxmlformats.org/presentationml/2006/main">
+  <p:cSld>
+    <p:spTree>
+      <p:nvGrpSpPr>
+        <p:cNvPr id="1" name=""/>
+        <p:cNvGrpSpPr/>
+        <p:nvPr/>
+      </p:nvGrpSpPr>
+      <p:grpSpPr>
+        <a:xfrm>
+          <a:off x="0" y="0"/>
+          <a:ext cx="0" cy="0"/>
+          <a:chOff x="0" y="0"/>
+          <a:chExt cx="0" cy="0"/>
+        </a:xfrm>
+      </p:grpSpPr>
+      <p:sp>
+        <p:nvSpPr>
           <p:cNvPr id="3" name="Title 2"/>
           <p:cNvSpPr>
             <a:spLocks noGrp="1"/>
@@ -9798,7 +10470,7 @@
 </p:sld>
 </file>
 
-<file path=ppt/slides/slide22.xml><?xml version="1.0" encoding="utf-8"?>
+<file path=ppt/slides/slide24.xml><?xml version="1.0" encoding="utf-8"?>
 <p:sld xmlns:a="http://schemas.openxmlformats.org/drawingml/2006/main" xmlns:r="http://schemas.openxmlformats.org/officeDocument/2006/relationships" xmlns:p="http://schemas.openxmlformats.org/presentationml/2006/main">
   <p:cSld>
     <p:spTree>
@@ -9898,7 +10570,7 @@
 </p:sld>
 </file>
 
-<file path=ppt/slides/slide23.xml><?xml version="1.0" encoding="utf-8"?>
+<file path=ppt/slides/slide25.xml><?xml version="1.0" encoding="utf-8"?>
 <p:sld xmlns:a="http://schemas.openxmlformats.org/drawingml/2006/main" xmlns:r="http://schemas.openxmlformats.org/officeDocument/2006/relationships" xmlns:p="http://schemas.openxmlformats.org/presentationml/2006/main">
   <p:cSld>
     <p:spTree>
@@ -10062,7 +10734,7 @@
 </p:sld>
 </file>
 
-<file path=ppt/slides/slide24.xml><?xml version="1.0" encoding="utf-8"?>
+<file path=ppt/slides/slide26.xml><?xml version="1.0" encoding="utf-8"?>
 <p:sld xmlns:a="http://schemas.openxmlformats.org/drawingml/2006/main" xmlns:r="http://schemas.openxmlformats.org/officeDocument/2006/relationships" xmlns:p="http://schemas.openxmlformats.org/presentationml/2006/main">
   <p:cSld>
     <p:spTree>
@@ -10151,7 +10823,7 @@
 </p:sld>
 </file>
 
-<file path=ppt/slides/slide25.xml><?xml version="1.0" encoding="utf-8"?>
+<file path=ppt/slides/slide27.xml><?xml version="1.0" encoding="utf-8"?>
 <p:sld xmlns:a="http://schemas.openxmlformats.org/drawingml/2006/main" xmlns:r="http://schemas.openxmlformats.org/officeDocument/2006/relationships" xmlns:p="http://schemas.openxmlformats.org/presentationml/2006/main">
   <p:cSld>
     <p:spTree>
@@ -10264,7 +10936,7 @@
 </p:sld>
 </file>
 
-<file path=ppt/slides/slide26.xml><?xml version="1.0" encoding="utf-8"?>
+<file path=ppt/slides/slide28.xml><?xml version="1.0" encoding="utf-8"?>
 <p:sld xmlns:a="http://schemas.openxmlformats.org/drawingml/2006/main" xmlns:r="http://schemas.openxmlformats.org/officeDocument/2006/relationships" xmlns:p="http://schemas.openxmlformats.org/presentationml/2006/main">
   <p:cSld>
     <p:spTree>
@@ -10415,7 +11087,7 @@
 </p:sld>
 </file>
 
-<file path=ppt/slides/slide27.xml><?xml version="1.0" encoding="utf-8"?>
+<file path=ppt/slides/slide29.xml><?xml version="1.0" encoding="utf-8"?>
 <p:sld xmlns:a="http://schemas.openxmlformats.org/drawingml/2006/main" xmlns:r="http://schemas.openxmlformats.org/officeDocument/2006/relationships" xmlns:p="http://schemas.openxmlformats.org/presentationml/2006/main">
   <p:cSld>
     <p:spTree>
@@ -10504,7 +11176,112 @@
 </p:sld>
 </file>
 
-<file path=ppt/slides/slide28.xml><?xml version="1.0" encoding="utf-8"?>
+<file path=ppt/slides/slide3.xml><?xml version="1.0" encoding="utf-8"?>
+<p:sld xmlns:a="http://schemas.openxmlformats.org/drawingml/2006/main" xmlns:r="http://schemas.openxmlformats.org/officeDocument/2006/relationships" xmlns:p="http://schemas.openxmlformats.org/presentationml/2006/main">
+  <p:cSld>
+    <p:spTree>
+      <p:nvGrpSpPr>
+        <p:cNvPr id="1" name=""/>
+        <p:cNvGrpSpPr/>
+        <p:nvPr/>
+      </p:nvGrpSpPr>
+      <p:grpSpPr>
+        <a:xfrm>
+          <a:off x="0" y="0"/>
+          <a:ext cx="0" cy="0"/>
+          <a:chOff x="0" y="0"/>
+          <a:chExt cx="0" cy="0"/>
+        </a:xfrm>
+      </p:grpSpPr>
+      <p:sp>
+        <p:nvSpPr>
+          <p:cNvPr id="3" name="Title 2"/>
+          <p:cNvSpPr>
+            <a:spLocks noGrp="1"/>
+          </p:cNvSpPr>
+          <p:nvPr>
+            <p:ph type="title"/>
+          </p:nvPr>
+        </p:nvSpPr>
+        <p:spPr/>
+        <p:txBody>
+          <a:bodyPr/>
+          <a:lstStyle/>
+          <a:p>
+            <a:r>
+              <a:rPr lang="en-US" dirty="0" smtClean="0"/>
+              <a:t>Problem statement</a:t>
+            </a:r>
+            <a:endParaRPr lang="en-US" dirty="0"/>
+          </a:p>
+        </p:txBody>
+      </p:sp>
+      <p:sp>
+        <p:nvSpPr>
+          <p:cNvPr id="2" name="Content Placeholder 1"/>
+          <p:cNvSpPr>
+            <a:spLocks noGrp="1"/>
+          </p:cNvSpPr>
+          <p:nvPr>
+            <p:ph sz="quarter" idx="1"/>
+          </p:nvPr>
+        </p:nvSpPr>
+        <p:spPr/>
+        <p:txBody>
+          <a:bodyPr>
+            <a:normAutofit lnSpcReduction="10000"/>
+          </a:bodyPr>
+          <a:lstStyle/>
+          <a:p>
+            <a:r>
+              <a:rPr lang="en-US" dirty="0" smtClean="0"/>
+              <a:t>This project is develop for the management of the stock exchange.</a:t>
+            </a:r>
+          </a:p>
+          <a:p>
+            <a:r>
+              <a:rPr lang="en-US" dirty="0" smtClean="0"/>
+              <a:t>It helps to keep the stock record safely and provide the available product to the buyer who order it. </a:t>
+            </a:r>
+          </a:p>
+          <a:p>
+            <a:r>
+              <a:rPr lang="en-US" dirty="0" smtClean="0"/>
+              <a:t>Currently it was difficult to manage the stock in systematic way. It was creating difficulty to keep record of stock and manage the orders which was costly as well as time consuming. </a:t>
+            </a:r>
+          </a:p>
+          <a:p>
+            <a:r>
+              <a:rPr lang="en-US" dirty="0" smtClean="0"/>
+              <a:t>This project helps to solve these problems that provides the simple and effective management of the stock.</a:t>
+            </a:r>
+          </a:p>
+          <a:p>
+            <a:endParaRPr lang="en-US" dirty="0"/>
+          </a:p>
+        </p:txBody>
+      </p:sp>
+    </p:spTree>
+    <p:extLst>
+      <p:ext uri="{BB962C8B-B14F-4D97-AF65-F5344CB8AC3E}">
+        <p14:creationId xmlns:p14="http://schemas.microsoft.com/office/powerpoint/2010/main" val="453349830"/>
+      </p:ext>
+    </p:extLst>
+  </p:cSld>
+  <p:clrMapOvr>
+    <a:masterClrMapping/>
+  </p:clrMapOvr>
+  <p:timing>
+    <p:tnLst>
+      <p:par>
+        <p:cTn id="1" dur="indefinite" restart="never" nodeType="tmRoot"/>
+      </p:par>
+    </p:tnLst>
+  </p:timing>
+</p:sld>
+</file>
+
+<file path=ppt/slides/slide30.xml><?xml version="1.0" encoding="utf-8"?>
 <p:sld xmlns:a="http://schemas.openxmlformats.org/drawingml/2006/main" xmlns:r="http://schemas.openxmlformats.org/officeDocument/2006/relationships" xmlns:p="http://schemas.openxmlformats.org/presentationml/2006/main">
   <p:cSld>
     <p:spTree>
@@ -10613,7 +11390,7 @@
 </p:sld>
 </file>
 
-<file path=ppt/slides/slide29.xml><?xml version="1.0" encoding="utf-8"?>
+<file path=ppt/slides/slide31.xml><?xml version="1.0" encoding="utf-8"?>
 <p:sld xmlns:a="http://schemas.openxmlformats.org/drawingml/2006/main" xmlns:r="http://schemas.openxmlformats.org/officeDocument/2006/relationships" xmlns:p="http://schemas.openxmlformats.org/presentationml/2006/main">
   <p:cSld>
     <p:spTree>
@@ -10781,7 +11558,7 @@
 </p:sld>
 </file>
 
-<file path=ppt/slides/slide3.xml><?xml version="1.0" encoding="utf-8"?>
+<file path=ppt/slides/slide32.xml><?xml version="1.0" encoding="utf-8"?>
 <p:sld xmlns:a="http://schemas.openxmlformats.org/drawingml/2006/main" xmlns:r="http://schemas.openxmlformats.org/officeDocument/2006/relationships" xmlns:p="http://schemas.openxmlformats.org/presentationml/2006/main">
   <p:cSld>
     <p:spTree>
@@ -10800,111 +11577,6 @@
       </p:grpSpPr>
       <p:sp>
         <p:nvSpPr>
-          <p:cNvPr id="3" name="Title 2"/>
-          <p:cNvSpPr>
-            <a:spLocks noGrp="1"/>
-          </p:cNvSpPr>
-          <p:nvPr>
-            <p:ph type="title"/>
-          </p:nvPr>
-        </p:nvSpPr>
-        <p:spPr/>
-        <p:txBody>
-          <a:bodyPr/>
-          <a:lstStyle/>
-          <a:p>
-            <a:r>
-              <a:rPr lang="en-US" dirty="0" smtClean="0"/>
-              <a:t>Problem statement</a:t>
-            </a:r>
-            <a:endParaRPr lang="en-US" dirty="0"/>
-          </a:p>
-        </p:txBody>
-      </p:sp>
-      <p:sp>
-        <p:nvSpPr>
-          <p:cNvPr id="2" name="Content Placeholder 1"/>
-          <p:cNvSpPr>
-            <a:spLocks noGrp="1"/>
-          </p:cNvSpPr>
-          <p:nvPr>
-            <p:ph sz="quarter" idx="1"/>
-          </p:nvPr>
-        </p:nvSpPr>
-        <p:spPr/>
-        <p:txBody>
-          <a:bodyPr>
-            <a:normAutofit lnSpcReduction="10000"/>
-          </a:bodyPr>
-          <a:lstStyle/>
-          <a:p>
-            <a:r>
-              <a:rPr lang="en-US" dirty="0" smtClean="0"/>
-              <a:t>This project is develop for the management of the stock exchange.</a:t>
-            </a:r>
-          </a:p>
-          <a:p>
-            <a:r>
-              <a:rPr lang="en-US" dirty="0" smtClean="0"/>
-              <a:t>It helps to keep the stock record safely and provide the available product to the buyer who order it. </a:t>
-            </a:r>
-          </a:p>
-          <a:p>
-            <a:r>
-              <a:rPr lang="en-US" dirty="0" smtClean="0"/>
-              <a:t>Currently it was difficult to manage the stock in systematic way. It was creating difficulty to keep record of stock and manage the orders which was costly as well as time consuming. </a:t>
-            </a:r>
-          </a:p>
-          <a:p>
-            <a:r>
-              <a:rPr lang="en-US" dirty="0" smtClean="0"/>
-              <a:t>This project helps to solve these problems that provides the simple and effective management of the stock.</a:t>
-            </a:r>
-          </a:p>
-          <a:p>
-            <a:endParaRPr lang="en-US" dirty="0"/>
-          </a:p>
-        </p:txBody>
-      </p:sp>
-    </p:spTree>
-    <p:extLst>
-      <p:ext uri="{BB962C8B-B14F-4D97-AF65-F5344CB8AC3E}">
-        <p14:creationId xmlns:p14="http://schemas.microsoft.com/office/powerpoint/2010/main" val="453349830"/>
-      </p:ext>
-    </p:extLst>
-  </p:cSld>
-  <p:clrMapOvr>
-    <a:masterClrMapping/>
-  </p:clrMapOvr>
-  <p:timing>
-    <p:tnLst>
-      <p:par>
-        <p:cTn id="1" dur="indefinite" restart="never" nodeType="tmRoot"/>
-      </p:par>
-    </p:tnLst>
-  </p:timing>
-</p:sld>
-</file>
-
-<file path=ppt/slides/slide30.xml><?xml version="1.0" encoding="utf-8"?>
-<p:sld xmlns:a="http://schemas.openxmlformats.org/drawingml/2006/main" xmlns:r="http://schemas.openxmlformats.org/officeDocument/2006/relationships" xmlns:p="http://schemas.openxmlformats.org/presentationml/2006/main">
-  <p:cSld>
-    <p:spTree>
-      <p:nvGrpSpPr>
-        <p:cNvPr id="1" name=""/>
-        <p:cNvGrpSpPr/>
-        <p:nvPr/>
-      </p:nvGrpSpPr>
-      <p:grpSpPr>
-        <a:xfrm>
-          <a:off x="0" y="0"/>
-          <a:ext cx="0" cy="0"/>
-          <a:chOff x="0" y="0"/>
-          <a:chExt cx="0" cy="0"/>
-        </a:xfrm>
-      </p:grpSpPr>
-      <p:sp>
-        <p:nvSpPr>
           <p:cNvPr id="5" name="Title 4"/>
           <p:cNvSpPr>
             <a:spLocks noGrp="1"/>
@@ -10986,7 +11658,7 @@
 </p:sld>
 </file>
 
-<file path=ppt/slides/slide31.xml><?xml version="1.0" encoding="utf-8"?>
+<file path=ppt/slides/slide33.xml><?xml version="1.0" encoding="utf-8"?>
 <p:sld xmlns:a="http://schemas.openxmlformats.org/drawingml/2006/main" xmlns:r="http://schemas.openxmlformats.org/officeDocument/2006/relationships" xmlns:p="http://schemas.openxmlformats.org/presentationml/2006/main">
   <p:cSld>
     <p:spTree>
@@ -11140,7 +11812,7 @@
 </p:sld>
 </file>
 
-<file path=ppt/slides/slide32.xml><?xml version="1.0" encoding="utf-8"?>
+<file path=ppt/slides/slide34.xml><?xml version="1.0" encoding="utf-8"?>
 <p:sld xmlns:a="http://schemas.openxmlformats.org/drawingml/2006/main" xmlns:r="http://schemas.openxmlformats.org/officeDocument/2006/relationships" xmlns:p="http://schemas.openxmlformats.org/presentationml/2006/main">
   <p:cSld>
     <p:spTree>
@@ -11250,7 +11922,7 @@
 </p:sld>
 </file>
 
-<file path=ppt/slides/slide33.xml><?xml version="1.0" encoding="utf-8"?>
+<file path=ppt/slides/slide35.xml><?xml version="1.0" encoding="utf-8"?>
 <p:sld xmlns:a="http://schemas.openxmlformats.org/drawingml/2006/main" xmlns:r="http://schemas.openxmlformats.org/officeDocument/2006/relationships" xmlns:p="http://schemas.openxmlformats.org/presentationml/2006/main">
   <p:cSld>
     <p:spTree>
@@ -11351,7 +12023,7 @@
 </p:sld>
 </file>
 
-<file path=ppt/slides/slide34.xml><?xml version="1.0" encoding="utf-8"?>
+<file path=ppt/slides/slide36.xml><?xml version="1.0" encoding="utf-8"?>
 <p:sld xmlns:a="http://schemas.openxmlformats.org/drawingml/2006/main" xmlns:r="http://schemas.openxmlformats.org/officeDocument/2006/relationships" xmlns:p="http://schemas.openxmlformats.org/presentationml/2006/main">
   <p:cSld>
     <p:spTree>
@@ -11440,7 +12112,7 @@
 </p:sld>
 </file>
 
-<file path=ppt/slides/slide35.xml><?xml version="1.0" encoding="utf-8"?>
+<file path=ppt/slides/slide37.xml><?xml version="1.0" encoding="utf-8"?>
 <p:sld xmlns:a="http://schemas.openxmlformats.org/drawingml/2006/main" xmlns:r="http://schemas.openxmlformats.org/officeDocument/2006/relationships" xmlns:p="http://schemas.openxmlformats.org/presentationml/2006/main">
   <p:cSld>
     <p:spTree>
@@ -11540,7 +12212,7 @@
 </p:sld>
 </file>
 
-<file path=ppt/slides/slide36.xml><?xml version="1.0" encoding="utf-8"?>
+<file path=ppt/slides/slide38.xml><?xml version="1.0" encoding="utf-8"?>
 <p:sld xmlns:a="http://schemas.openxmlformats.org/drawingml/2006/main" xmlns:r="http://schemas.openxmlformats.org/officeDocument/2006/relationships" xmlns:p="http://schemas.openxmlformats.org/presentationml/2006/main">
   <p:cSld>
     <p:spTree>
@@ -11640,7 +12312,7 @@
 </p:sld>
 </file>
 
-<file path=ppt/slides/slide37.xml><?xml version="1.0" encoding="utf-8"?>
+<file path=ppt/slides/slide39.xml><?xml version="1.0" encoding="utf-8"?>
 <p:sld xmlns:a="http://schemas.openxmlformats.org/drawingml/2006/main" xmlns:r="http://schemas.openxmlformats.org/officeDocument/2006/relationships" xmlns:p="http://schemas.openxmlformats.org/presentationml/2006/main">
   <p:cSld>
     <p:spTree>
@@ -11759,7 +12431,136 @@
 </p:sld>
 </file>
 
-<file path=ppt/slides/slide38.xml><?xml version="1.0" encoding="utf-8"?>
+<file path=ppt/slides/slide4.xml><?xml version="1.0" encoding="utf-8"?>
+<p:sld xmlns:a="http://schemas.openxmlformats.org/drawingml/2006/main" xmlns:r="http://schemas.openxmlformats.org/officeDocument/2006/relationships" xmlns:p="http://schemas.openxmlformats.org/presentationml/2006/main">
+  <p:cSld>
+    <p:spTree>
+      <p:nvGrpSpPr>
+        <p:cNvPr id="1" name=""/>
+        <p:cNvGrpSpPr/>
+        <p:nvPr/>
+      </p:nvGrpSpPr>
+      <p:grpSpPr>
+        <a:xfrm>
+          <a:off x="0" y="0"/>
+          <a:ext cx="0" cy="0"/>
+          <a:chOff x="0" y="0"/>
+          <a:chExt cx="0" cy="0"/>
+        </a:xfrm>
+      </p:grpSpPr>
+      <p:sp>
+        <p:nvSpPr>
+          <p:cNvPr id="3" name="Title 2"/>
+          <p:cNvSpPr>
+            <a:spLocks noGrp="1"/>
+          </p:cNvSpPr>
+          <p:nvPr>
+            <p:ph type="title"/>
+          </p:nvPr>
+        </p:nvSpPr>
+        <p:spPr/>
+        <p:txBody>
+          <a:bodyPr/>
+          <a:lstStyle/>
+          <a:p>
+            <a:r>
+              <a:rPr lang="en-US" dirty="0" smtClean="0"/>
+              <a:t>Background of project</a:t>
+            </a:r>
+            <a:endParaRPr lang="en-US" dirty="0"/>
+          </a:p>
+        </p:txBody>
+      </p:sp>
+      <p:sp>
+        <p:nvSpPr>
+          <p:cNvPr id="2" name="Content Placeholder 1"/>
+          <p:cNvSpPr>
+            <a:spLocks noGrp="1"/>
+          </p:cNvSpPr>
+          <p:nvPr>
+            <p:ph sz="quarter" idx="1"/>
+          </p:nvPr>
+        </p:nvSpPr>
+        <p:spPr/>
+        <p:txBody>
+          <a:bodyPr>
+            <a:normAutofit fontScale="92500" lnSpcReduction="10000"/>
+          </a:bodyPr>
+          <a:lstStyle/>
+          <a:p>
+            <a:pPr marL="342900" indent="-342900">
+              <a:buFont typeface="Wingdings" pitchFamily="2" charset="2"/>
+              <a:buChar char="Ø"/>
+            </a:pPr>
+            <a:r>
+              <a:rPr lang="en-US" dirty="0" smtClean="0"/>
+              <a:t>Stock management system plays the vital role in the business field and helps to reach out the goal of the business.</a:t>
+            </a:r>
+          </a:p>
+          <a:p>
+            <a:pPr marL="342900" indent="-342900">
+              <a:buFont typeface="Wingdings" pitchFamily="2" charset="2"/>
+              <a:buChar char="Ø"/>
+            </a:pPr>
+            <a:r>
+              <a:rPr lang="en-US" dirty="0" smtClean="0"/>
+              <a:t> It helps to keep the record of the stock and manage the order in the systematic way within the small period of the time.</a:t>
+            </a:r>
+          </a:p>
+          <a:p>
+            <a:pPr marL="342900" indent="-342900">
+              <a:buFont typeface="Wingdings" pitchFamily="2" charset="2"/>
+              <a:buChar char="Ø"/>
+            </a:pPr>
+            <a:r>
+              <a:rPr lang="en-US" dirty="0" smtClean="0"/>
+              <a:t> It helps to maintain the quality of the product and save the time as well as the cost.</a:t>
+            </a:r>
+          </a:p>
+          <a:p>
+            <a:pPr marL="342900" indent="-342900">
+              <a:buFont typeface="Wingdings" pitchFamily="2" charset="2"/>
+              <a:buChar char="Ø"/>
+            </a:pPr>
+            <a:r>
+              <a:rPr lang="en-US" dirty="0" smtClean="0"/>
+              <a:t>It helps to edit the stock available and create the bill of the product that is order by the buyer. </a:t>
+            </a:r>
+          </a:p>
+          <a:p>
+            <a:pPr marL="342900" indent="-342900">
+              <a:buFont typeface="Wingdings" pitchFamily="2" charset="2"/>
+              <a:buChar char="Ø"/>
+            </a:pPr>
+            <a:r>
+              <a:rPr lang="en-US" dirty="0" smtClean="0"/>
+              <a:t>It is simple and easy to understand as well as the work flow in the smooth way.</a:t>
+            </a:r>
+            <a:endParaRPr lang="en-US" dirty="0"/>
+          </a:p>
+        </p:txBody>
+      </p:sp>
+    </p:spTree>
+    <p:extLst>
+      <p:ext uri="{BB962C8B-B14F-4D97-AF65-F5344CB8AC3E}">
+        <p14:creationId xmlns:p14="http://schemas.microsoft.com/office/powerpoint/2010/main" val="181987163"/>
+      </p:ext>
+    </p:extLst>
+  </p:cSld>
+  <p:clrMapOvr>
+    <a:masterClrMapping/>
+  </p:clrMapOvr>
+  <p:timing>
+    <p:tnLst>
+      <p:par>
+        <p:cTn id="1" dur="indefinite" restart="never" nodeType="tmRoot"/>
+      </p:par>
+    </p:tnLst>
+  </p:timing>
+</p:sld>
+</file>
+
+<file path=ppt/slides/slide40.xml><?xml version="1.0" encoding="utf-8"?>
 <p:sld xmlns:a="http://schemas.openxmlformats.org/drawingml/2006/main" xmlns:r="http://schemas.openxmlformats.org/officeDocument/2006/relationships" xmlns:p="http://schemas.openxmlformats.org/presentationml/2006/main">
   <p:cSld>
     <p:spTree>
@@ -11896,7 +12697,7 @@
 </p:sld>
 </file>
 
-<file path=ppt/slides/slide39.xml><?xml version="1.0" encoding="utf-8"?>
+<file path=ppt/slides/slide41.xml><?xml version="1.0" encoding="utf-8"?>
 <p:sld xmlns:a="http://schemas.openxmlformats.org/drawingml/2006/main" xmlns:r="http://schemas.openxmlformats.org/officeDocument/2006/relationships" xmlns:p="http://schemas.openxmlformats.org/presentationml/2006/main">
   <p:cSld>
     <p:spTree>
@@ -12021,136 +12822,7 @@
 </p:sld>
 </file>
 
-<file path=ppt/slides/slide4.xml><?xml version="1.0" encoding="utf-8"?>
-<p:sld xmlns:a="http://schemas.openxmlformats.org/drawingml/2006/main" xmlns:r="http://schemas.openxmlformats.org/officeDocument/2006/relationships" xmlns:p="http://schemas.openxmlformats.org/presentationml/2006/main">
-  <p:cSld>
-    <p:spTree>
-      <p:nvGrpSpPr>
-        <p:cNvPr id="1" name=""/>
-        <p:cNvGrpSpPr/>
-        <p:nvPr/>
-      </p:nvGrpSpPr>
-      <p:grpSpPr>
-        <a:xfrm>
-          <a:off x="0" y="0"/>
-          <a:ext cx="0" cy="0"/>
-          <a:chOff x="0" y="0"/>
-          <a:chExt cx="0" cy="0"/>
-        </a:xfrm>
-      </p:grpSpPr>
-      <p:sp>
-        <p:nvSpPr>
-          <p:cNvPr id="3" name="Title 2"/>
-          <p:cNvSpPr>
-            <a:spLocks noGrp="1"/>
-          </p:cNvSpPr>
-          <p:nvPr>
-            <p:ph type="title"/>
-          </p:nvPr>
-        </p:nvSpPr>
-        <p:spPr/>
-        <p:txBody>
-          <a:bodyPr/>
-          <a:lstStyle/>
-          <a:p>
-            <a:r>
-              <a:rPr lang="en-US" dirty="0" smtClean="0"/>
-              <a:t>Background of project</a:t>
-            </a:r>
-            <a:endParaRPr lang="en-US" dirty="0"/>
-          </a:p>
-        </p:txBody>
-      </p:sp>
-      <p:sp>
-        <p:nvSpPr>
-          <p:cNvPr id="2" name="Content Placeholder 1"/>
-          <p:cNvSpPr>
-            <a:spLocks noGrp="1"/>
-          </p:cNvSpPr>
-          <p:nvPr>
-            <p:ph sz="quarter" idx="1"/>
-          </p:nvPr>
-        </p:nvSpPr>
-        <p:spPr/>
-        <p:txBody>
-          <a:bodyPr>
-            <a:normAutofit fontScale="92500" lnSpcReduction="10000"/>
-          </a:bodyPr>
-          <a:lstStyle/>
-          <a:p>
-            <a:pPr marL="342900" indent="-342900">
-              <a:buFont typeface="Wingdings" pitchFamily="2" charset="2"/>
-              <a:buChar char="Ø"/>
-            </a:pPr>
-            <a:r>
-              <a:rPr lang="en-US" dirty="0" smtClean="0"/>
-              <a:t>Stock management system plays the vital role in the business field and helps to reach out the goal of the business.</a:t>
-            </a:r>
-          </a:p>
-          <a:p>
-            <a:pPr marL="342900" indent="-342900">
-              <a:buFont typeface="Wingdings" pitchFamily="2" charset="2"/>
-              <a:buChar char="Ø"/>
-            </a:pPr>
-            <a:r>
-              <a:rPr lang="en-US" dirty="0" smtClean="0"/>
-              <a:t> It helps to keep the record of the stock and manage the order in the systematic way within the small period of the time.</a:t>
-            </a:r>
-          </a:p>
-          <a:p>
-            <a:pPr marL="342900" indent="-342900">
-              <a:buFont typeface="Wingdings" pitchFamily="2" charset="2"/>
-              <a:buChar char="Ø"/>
-            </a:pPr>
-            <a:r>
-              <a:rPr lang="en-US" dirty="0" smtClean="0"/>
-              <a:t> It helps to maintain the quality of the product and save the time as well as the cost.</a:t>
-            </a:r>
-          </a:p>
-          <a:p>
-            <a:pPr marL="342900" indent="-342900">
-              <a:buFont typeface="Wingdings" pitchFamily="2" charset="2"/>
-              <a:buChar char="Ø"/>
-            </a:pPr>
-            <a:r>
-              <a:rPr lang="en-US" dirty="0" smtClean="0"/>
-              <a:t>It helps to edit the stock available and create the bill of the product that is order by the buyer. </a:t>
-            </a:r>
-          </a:p>
-          <a:p>
-            <a:pPr marL="342900" indent="-342900">
-              <a:buFont typeface="Wingdings" pitchFamily="2" charset="2"/>
-              <a:buChar char="Ø"/>
-            </a:pPr>
-            <a:r>
-              <a:rPr lang="en-US" dirty="0" smtClean="0"/>
-              <a:t>It is simple and easy to understand as well as the work flow in the smooth way.</a:t>
-            </a:r>
-            <a:endParaRPr lang="en-US" dirty="0"/>
-          </a:p>
-        </p:txBody>
-      </p:sp>
-    </p:spTree>
-    <p:extLst>
-      <p:ext uri="{BB962C8B-B14F-4D97-AF65-F5344CB8AC3E}">
-        <p14:creationId xmlns:p14="http://schemas.microsoft.com/office/powerpoint/2010/main" val="181987163"/>
-      </p:ext>
-    </p:extLst>
-  </p:cSld>
-  <p:clrMapOvr>
-    <a:masterClrMapping/>
-  </p:clrMapOvr>
-  <p:timing>
-    <p:tnLst>
-      <p:par>
-        <p:cTn id="1" dur="indefinite" restart="never" nodeType="tmRoot"/>
-      </p:par>
-    </p:tnLst>
-  </p:timing>
-</p:sld>
-</file>
-
-<file path=ppt/slides/slide40.xml><?xml version="1.0" encoding="utf-8"?>
+<file path=ppt/slides/slide42.xml><?xml version="1.0" encoding="utf-8"?>
 <p:sld xmlns:a="http://schemas.openxmlformats.org/drawingml/2006/main" xmlns:r="http://schemas.openxmlformats.org/officeDocument/2006/relationships" xmlns:p="http://schemas.openxmlformats.org/presentationml/2006/main">
   <p:cSld>
     <p:spTree>
@@ -12281,7 +12953,7 @@
 </p:sld>
 </file>
 
-<file path=ppt/slides/slide41.xml><?xml version="1.0" encoding="utf-8"?>
+<file path=ppt/slides/slide43.xml><?xml version="1.0" encoding="utf-8"?>
 <p:sld xmlns:a="http://schemas.openxmlformats.org/drawingml/2006/main" xmlns:r="http://schemas.openxmlformats.org/officeDocument/2006/relationships" xmlns:p="http://schemas.openxmlformats.org/presentationml/2006/main">
   <p:cSld>
     <p:spTree>
@@ -12366,7 +13038,7 @@
 </p:sld>
 </file>
 
-<file path=ppt/slides/slide42.xml><?xml version="1.0" encoding="utf-8"?>
+<file path=ppt/slides/slide44.xml><?xml version="1.0" encoding="utf-8"?>
 <p:sld xmlns:a="http://schemas.openxmlformats.org/drawingml/2006/main" xmlns:r="http://schemas.openxmlformats.org/officeDocument/2006/relationships" xmlns:p="http://schemas.openxmlformats.org/presentationml/2006/main">
   <p:cSld>
     <p:spTree>
@@ -12419,6 +13091,10 @@
           </a:bodyPr>
           <a:lstStyle/>
           <a:p>
+            <a:pPr>
+              <a:buFont typeface="Wingdings" pitchFamily="2" charset="2"/>
+              <a:buChar char="Ø"/>
+            </a:pPr>
             <a:r>
               <a:rPr lang="en-US" dirty="0" smtClean="0"/>
               <a:t>Likewise the admin is the actor in this diagram. The login success, brand management, category management, product management, bill management and customer management are the objects.</a:t>
@@ -12497,7 +13173,7 @@
 </p:sld>
 </file>
 
-<file path=ppt/slides/slide43.xml><?xml version="1.0" encoding="utf-8"?>
+<file path=ppt/slides/slide45.xml><?xml version="1.0" encoding="utf-8"?>
 <p:sld xmlns:a="http://schemas.openxmlformats.org/drawingml/2006/main" xmlns:r="http://schemas.openxmlformats.org/officeDocument/2006/relationships" xmlns:p="http://schemas.openxmlformats.org/presentationml/2006/main">
   <p:cSld>
     <p:spTree>
@@ -12586,7 +13262,7 @@
 </p:sld>
 </file>
 
-<file path=ppt/slides/slide44.xml><?xml version="1.0" encoding="utf-8"?>
+<file path=ppt/slides/slide46.xml><?xml version="1.0" encoding="utf-8"?>
 <p:sld xmlns:a="http://schemas.openxmlformats.org/drawingml/2006/main" xmlns:r="http://schemas.openxmlformats.org/officeDocument/2006/relationships" xmlns:p="http://schemas.openxmlformats.org/presentationml/2006/main">
   <p:cSld>
     <p:spTree>
@@ -12651,19 +13327,49 @@
           <a:p>
             <a:r>
               <a:rPr lang="en-US" dirty="0" smtClean="0"/>
-              <a:t>After entering select the category.</a:t>
-            </a:r>
-          </a:p>
-          <a:p>
-            <a:r>
-              <a:rPr lang="en-US" dirty="0" smtClean="0"/>
-              <a:t>After selecting category, select the brand.</a:t>
-            </a:r>
-          </a:p>
-          <a:p>
-            <a:r>
-              <a:rPr lang="en-US" dirty="0" smtClean="0"/>
-              <a:t>Likewise after brand, name the  product and manage the rate.</a:t>
+              <a:t>After entering select </a:t>
+            </a:r>
+            <a:r>
+              <a:rPr lang="en-US" dirty="0" smtClean="0"/>
+              <a:t>the brand.</a:t>
+            </a:r>
+            <a:endParaRPr lang="en-US" dirty="0" smtClean="0"/>
+          </a:p>
+          <a:p>
+            <a:r>
+              <a:rPr lang="en-US" dirty="0" smtClean="0"/>
+              <a:t>After selecting </a:t>
+            </a:r>
+            <a:r>
+              <a:rPr lang="en-US" dirty="0" smtClean="0"/>
+              <a:t>brand</a:t>
+            </a:r>
+            <a:r>
+              <a:rPr lang="en-US" dirty="0" smtClean="0"/>
+              <a:t>, </a:t>
+            </a:r>
+            <a:r>
+              <a:rPr lang="en-US" dirty="0" smtClean="0"/>
+              <a:t>select the </a:t>
+            </a:r>
+            <a:r>
+              <a:rPr lang="en-US" dirty="0"/>
+              <a:t>category.</a:t>
+            </a:r>
+            <a:endParaRPr lang="en-US" dirty="0" smtClean="0"/>
+          </a:p>
+          <a:p>
+            <a:r>
+              <a:rPr lang="en-US" dirty="0" smtClean="0"/>
+              <a:t>Likewise after </a:t>
+            </a:r>
+            <a:r>
+              <a:rPr lang="en-US" dirty="0"/>
+              <a:t>category, </a:t>
+            </a:r>
+            <a:r>
+              <a:rPr lang="en-US" dirty="0" smtClean="0"/>
+              <a:t>name the  product and manage the rate.</a:t>
             </a:r>
           </a:p>
           <a:p>
@@ -12695,7 +13401,7 @@
 </p:sld>
 </file>
 
-<file path=ppt/slides/slide45.xml><?xml version="1.0" encoding="utf-8"?>
+<file path=ppt/slides/slide47.xml><?xml version="1.0" encoding="utf-8"?>
 <p:sld xmlns:a="http://schemas.openxmlformats.org/drawingml/2006/main" xmlns:r="http://schemas.openxmlformats.org/officeDocument/2006/relationships" xmlns:p="http://schemas.openxmlformats.org/presentationml/2006/main">
   <p:cSld>
     <p:spTree>
@@ -12797,7 +13503,7 @@
 </p:sld>
 </file>
 
-<file path=ppt/slides/slide46.xml><?xml version="1.0" encoding="utf-8"?>
+<file path=ppt/slides/slide48.xml><?xml version="1.0" encoding="utf-8"?>
 <p:sld xmlns:a="http://schemas.openxmlformats.org/drawingml/2006/main" xmlns:r="http://schemas.openxmlformats.org/officeDocument/2006/relationships" xmlns:p="http://schemas.openxmlformats.org/presentationml/2006/main">
   <p:cSld>
     <p:spTree>
@@ -12895,7 +13601,7 @@
 </p:sld>
 </file>
 
-<file path=ppt/slides/slide47.xml><?xml version="1.0" encoding="utf-8"?>
+<file path=ppt/slides/slide49.xml><?xml version="1.0" encoding="utf-8"?>
 <p:sld xmlns:a="http://schemas.openxmlformats.org/drawingml/2006/main" xmlns:r="http://schemas.openxmlformats.org/officeDocument/2006/relationships" xmlns:p="http://schemas.openxmlformats.org/presentationml/2006/main">
   <p:cSld>
     <p:spTree>
@@ -12993,7 +13699,135 @@
 </p:sld>
 </file>
 
-<file path=ppt/slides/slide48.xml><?xml version="1.0" encoding="utf-8"?>
+<file path=ppt/slides/slide5.xml><?xml version="1.0" encoding="utf-8"?>
+<p:sld xmlns:a="http://schemas.openxmlformats.org/drawingml/2006/main" xmlns:r="http://schemas.openxmlformats.org/officeDocument/2006/relationships" xmlns:p="http://schemas.openxmlformats.org/presentationml/2006/main">
+  <p:cSld>
+    <p:spTree>
+      <p:nvGrpSpPr>
+        <p:cNvPr id="1" name=""/>
+        <p:cNvGrpSpPr/>
+        <p:nvPr/>
+      </p:nvGrpSpPr>
+      <p:grpSpPr>
+        <a:xfrm>
+          <a:off x="0" y="0"/>
+          <a:ext cx="0" cy="0"/>
+          <a:chOff x="0" y="0"/>
+          <a:chExt cx="0" cy="0"/>
+        </a:xfrm>
+      </p:grpSpPr>
+      <p:sp>
+        <p:nvSpPr>
+          <p:cNvPr id="2" name="Title 1"/>
+          <p:cNvSpPr>
+            <a:spLocks noGrp="1"/>
+          </p:cNvSpPr>
+          <p:nvPr>
+            <p:ph type="title"/>
+          </p:nvPr>
+        </p:nvSpPr>
+        <p:spPr/>
+        <p:txBody>
+          <a:bodyPr>
+            <a:normAutofit/>
+          </a:bodyPr>
+          <a:lstStyle/>
+          <a:p>
+            <a:r>
+              <a:rPr lang="en-US" dirty="0" smtClean="0"/>
+              <a:t>Aims of Stock Management System</a:t>
+            </a:r>
+            <a:endParaRPr lang="en-US" dirty="0"/>
+          </a:p>
+        </p:txBody>
+      </p:sp>
+      <p:sp>
+        <p:nvSpPr>
+          <p:cNvPr id="3" name="Content Placeholder 2"/>
+          <p:cNvSpPr>
+            <a:spLocks noGrp="1"/>
+          </p:cNvSpPr>
+          <p:nvPr>
+            <p:ph sz="quarter" idx="1"/>
+          </p:nvPr>
+        </p:nvSpPr>
+        <p:spPr>
+          <a:xfrm>
+            <a:off x="533400" y="2057400"/>
+            <a:ext cx="8229600" cy="4075176"/>
+          </a:xfrm>
+        </p:spPr>
+        <p:txBody>
+          <a:bodyPr>
+            <a:normAutofit lnSpcReduction="10000"/>
+          </a:bodyPr>
+          <a:lstStyle/>
+          <a:p>
+            <a:r>
+              <a:rPr lang="en-US" sz="3200" dirty="0" smtClean="0"/>
+              <a:t>Followings are the aims of sms</a:t>
+            </a:r>
+          </a:p>
+          <a:p>
+            <a:pPr marL="457200" indent="-457200">
+              <a:buFont typeface="Wingdings" pitchFamily="2" charset="2"/>
+              <a:buChar char="§"/>
+            </a:pPr>
+            <a:r>
+              <a:rPr lang="en-US" sz="3200" dirty="0" smtClean="0"/>
+              <a:t>The main aim is to manage the product available in the stock in the systematic way.</a:t>
+            </a:r>
+          </a:p>
+          <a:p>
+            <a:pPr marL="457200" indent="-457200">
+              <a:buFont typeface="Wingdings" pitchFamily="2" charset="2"/>
+              <a:buChar char="§"/>
+            </a:pPr>
+            <a:r>
+              <a:rPr lang="en-US" sz="3200" dirty="0" smtClean="0"/>
+              <a:t>To keep the records of products and manage it properly in the database.</a:t>
+            </a:r>
+          </a:p>
+          <a:p>
+            <a:pPr marL="457200" indent="-457200">
+              <a:buFont typeface="Wingdings" pitchFamily="2" charset="2"/>
+              <a:buChar char="§"/>
+            </a:pPr>
+            <a:r>
+              <a:rPr lang="en-US" sz="3200" dirty="0" smtClean="0"/>
+              <a:t>To display the available products and their details.</a:t>
+            </a:r>
+          </a:p>
+          <a:p>
+            <a:pPr marL="457200" indent="-457200">
+              <a:buFont typeface="Wingdings" pitchFamily="2" charset="2"/>
+              <a:buChar char="§"/>
+            </a:pPr>
+            <a:endParaRPr lang="en-US" sz="3200" dirty="0"/>
+          </a:p>
+        </p:txBody>
+      </p:sp>
+    </p:spTree>
+    <p:extLst>
+      <p:ext uri="{BB962C8B-B14F-4D97-AF65-F5344CB8AC3E}">
+        <p14:creationId xmlns:p14="http://schemas.microsoft.com/office/powerpoint/2010/main" val="3046616702"/>
+      </p:ext>
+    </p:extLst>
+  </p:cSld>
+  <p:clrMapOvr>
+    <a:masterClrMapping/>
+  </p:clrMapOvr>
+  <p:timing>
+    <p:tnLst>
+      <p:par>
+        <p:cTn id="1" dur="indefinite" restart="never" nodeType="tmRoot"/>
+      </p:par>
+    </p:tnLst>
+  </p:timing>
+</p:sld>
+</file>
+
+<file path=ppt/slides/slide50.xml><?xml version="1.0" encoding="utf-8"?>
 <p:sld xmlns:a="http://schemas.openxmlformats.org/drawingml/2006/main" xmlns:r="http://schemas.openxmlformats.org/officeDocument/2006/relationships" xmlns:p="http://schemas.openxmlformats.org/presentationml/2006/main">
   <p:cSld>
     <p:spTree>
@@ -13091,7 +13925,7 @@
 </p:sld>
 </file>
 
-<file path=ppt/slides/slide49.xml><?xml version="1.0" encoding="utf-8"?>
+<file path=ppt/slides/slide51.xml><?xml version="1.0" encoding="utf-8"?>
 <p:sld xmlns:a="http://schemas.openxmlformats.org/drawingml/2006/main" xmlns:r="http://schemas.openxmlformats.org/officeDocument/2006/relationships" xmlns:p="http://schemas.openxmlformats.org/presentationml/2006/main">
   <p:cSld>
     <p:spTree>
@@ -13189,135 +14023,7 @@
 </p:sld>
 </file>
 
-<file path=ppt/slides/slide5.xml><?xml version="1.0" encoding="utf-8"?>
-<p:sld xmlns:a="http://schemas.openxmlformats.org/drawingml/2006/main" xmlns:r="http://schemas.openxmlformats.org/officeDocument/2006/relationships" xmlns:p="http://schemas.openxmlformats.org/presentationml/2006/main">
-  <p:cSld>
-    <p:spTree>
-      <p:nvGrpSpPr>
-        <p:cNvPr id="1" name=""/>
-        <p:cNvGrpSpPr/>
-        <p:nvPr/>
-      </p:nvGrpSpPr>
-      <p:grpSpPr>
-        <a:xfrm>
-          <a:off x="0" y="0"/>
-          <a:ext cx="0" cy="0"/>
-          <a:chOff x="0" y="0"/>
-          <a:chExt cx="0" cy="0"/>
-        </a:xfrm>
-      </p:grpSpPr>
-      <p:sp>
-        <p:nvSpPr>
-          <p:cNvPr id="2" name="Title 1"/>
-          <p:cNvSpPr>
-            <a:spLocks noGrp="1"/>
-          </p:cNvSpPr>
-          <p:nvPr>
-            <p:ph type="title"/>
-          </p:nvPr>
-        </p:nvSpPr>
-        <p:spPr/>
-        <p:txBody>
-          <a:bodyPr>
-            <a:normAutofit/>
-          </a:bodyPr>
-          <a:lstStyle/>
-          <a:p>
-            <a:r>
-              <a:rPr lang="en-US" dirty="0" smtClean="0"/>
-              <a:t>Aims of Stock Management System</a:t>
-            </a:r>
-            <a:endParaRPr lang="en-US" dirty="0"/>
-          </a:p>
-        </p:txBody>
-      </p:sp>
-      <p:sp>
-        <p:nvSpPr>
-          <p:cNvPr id="3" name="Content Placeholder 2"/>
-          <p:cNvSpPr>
-            <a:spLocks noGrp="1"/>
-          </p:cNvSpPr>
-          <p:nvPr>
-            <p:ph sz="quarter" idx="1"/>
-          </p:nvPr>
-        </p:nvSpPr>
-        <p:spPr>
-          <a:xfrm>
-            <a:off x="533400" y="2057400"/>
-            <a:ext cx="8229600" cy="4075176"/>
-          </a:xfrm>
-        </p:spPr>
-        <p:txBody>
-          <a:bodyPr>
-            <a:normAutofit lnSpcReduction="10000"/>
-          </a:bodyPr>
-          <a:lstStyle/>
-          <a:p>
-            <a:r>
-              <a:rPr lang="en-US" sz="3200" dirty="0" smtClean="0"/>
-              <a:t>Followings are the aims of sms</a:t>
-            </a:r>
-          </a:p>
-          <a:p>
-            <a:pPr marL="457200" indent="-457200">
-              <a:buFont typeface="Wingdings" pitchFamily="2" charset="2"/>
-              <a:buChar char="§"/>
-            </a:pPr>
-            <a:r>
-              <a:rPr lang="en-US" sz="3200" dirty="0" smtClean="0"/>
-              <a:t>The main aim is to manage the product available in the stock in the systematic way.</a:t>
-            </a:r>
-          </a:p>
-          <a:p>
-            <a:pPr marL="457200" indent="-457200">
-              <a:buFont typeface="Wingdings" pitchFamily="2" charset="2"/>
-              <a:buChar char="§"/>
-            </a:pPr>
-            <a:r>
-              <a:rPr lang="en-US" sz="3200" dirty="0" smtClean="0"/>
-              <a:t>To keep the records of products and manage it properly in the database.</a:t>
-            </a:r>
-          </a:p>
-          <a:p>
-            <a:pPr marL="457200" indent="-457200">
-              <a:buFont typeface="Wingdings" pitchFamily="2" charset="2"/>
-              <a:buChar char="§"/>
-            </a:pPr>
-            <a:r>
-              <a:rPr lang="en-US" sz="3200" dirty="0" smtClean="0"/>
-              <a:t>To display the available products and their details.</a:t>
-            </a:r>
-          </a:p>
-          <a:p>
-            <a:pPr marL="457200" indent="-457200">
-              <a:buFont typeface="Wingdings" pitchFamily="2" charset="2"/>
-              <a:buChar char="§"/>
-            </a:pPr>
-            <a:endParaRPr lang="en-US" sz="3200" dirty="0"/>
-          </a:p>
-        </p:txBody>
-      </p:sp>
-    </p:spTree>
-    <p:extLst>
-      <p:ext uri="{BB962C8B-B14F-4D97-AF65-F5344CB8AC3E}">
-        <p14:creationId xmlns:p14="http://schemas.microsoft.com/office/powerpoint/2010/main" val="3046616702"/>
-      </p:ext>
-    </p:extLst>
-  </p:cSld>
-  <p:clrMapOvr>
-    <a:masterClrMapping/>
-  </p:clrMapOvr>
-  <p:timing>
-    <p:tnLst>
-      <p:par>
-        <p:cTn id="1" dur="indefinite" restart="never" nodeType="tmRoot"/>
-      </p:par>
-    </p:tnLst>
-  </p:timing>
-</p:sld>
-</file>
-
-<file path=ppt/slides/slide50.xml><?xml version="1.0" encoding="utf-8"?>
+<file path=ppt/slides/slide52.xml><?xml version="1.0" encoding="utf-8"?>
 <p:sld xmlns:a="http://schemas.openxmlformats.org/drawingml/2006/main" xmlns:r="http://schemas.openxmlformats.org/officeDocument/2006/relationships" xmlns:p="http://schemas.openxmlformats.org/presentationml/2006/main">
   <p:cSld>
     <p:spTree>
@@ -13415,7 +14121,7 @@
 </p:sld>
 </file>
 
-<file path=ppt/slides/slide51.xml><?xml version="1.0" encoding="utf-8"?>
+<file path=ppt/slides/slide53.xml><?xml version="1.0" encoding="utf-8"?>
 <p:sld xmlns:a="http://schemas.openxmlformats.org/drawingml/2006/main" xmlns:r="http://schemas.openxmlformats.org/officeDocument/2006/relationships" xmlns:p="http://schemas.openxmlformats.org/presentationml/2006/main">
   <p:cSld>
     <p:spTree>
@@ -13513,7 +14219,7 @@
 </p:sld>
 </file>
 
-<file path=ppt/slides/slide52.xml><?xml version="1.0" encoding="utf-8"?>
+<file path=ppt/slides/slide54.xml><?xml version="1.0" encoding="utf-8"?>
 <p:sld xmlns:a="http://schemas.openxmlformats.org/drawingml/2006/main" xmlns:r="http://schemas.openxmlformats.org/officeDocument/2006/relationships" xmlns:p="http://schemas.openxmlformats.org/presentationml/2006/main">
   <p:cSld>
     <p:spTree>
@@ -13611,7 +14317,7 @@
 </p:sld>
 </file>
 
-<file path=ppt/slides/slide53.xml><?xml version="1.0" encoding="utf-8"?>
+<file path=ppt/slides/slide55.xml><?xml version="1.0" encoding="utf-8"?>
 <p:sld xmlns:a="http://schemas.openxmlformats.org/drawingml/2006/main" xmlns:r="http://schemas.openxmlformats.org/officeDocument/2006/relationships" xmlns:p="http://schemas.openxmlformats.org/presentationml/2006/main">
   <p:cSld>
     <p:spTree>
@@ -13709,7 +14415,7 @@
 </p:sld>
 </file>
 
-<file path=ppt/slides/slide54.xml><?xml version="1.0" encoding="utf-8"?>
+<file path=ppt/slides/slide56.xml><?xml version="1.0" encoding="utf-8"?>
 <p:sld xmlns:a="http://schemas.openxmlformats.org/drawingml/2006/main" xmlns:r="http://schemas.openxmlformats.org/officeDocument/2006/relationships" xmlns:p="http://schemas.openxmlformats.org/presentationml/2006/main">
   <p:cSld>
     <p:spTree>
@@ -13807,7 +14513,7 @@
 </p:sld>
 </file>
 
-<file path=ppt/slides/slide55.xml><?xml version="1.0" encoding="utf-8"?>
+<file path=ppt/slides/slide57.xml><?xml version="1.0" encoding="utf-8"?>
 <p:sld xmlns:a="http://schemas.openxmlformats.org/drawingml/2006/main" xmlns:r="http://schemas.openxmlformats.org/officeDocument/2006/relationships" xmlns:p="http://schemas.openxmlformats.org/presentationml/2006/main">
   <p:cSld>
     <p:spTree>
@@ -13905,7 +14611,7 @@
 </p:sld>
 </file>
 
-<file path=ppt/slides/slide56.xml><?xml version="1.0" encoding="utf-8"?>
+<file path=ppt/slides/slide58.xml><?xml version="1.0" encoding="utf-8"?>
 <p:sld xmlns:a="http://schemas.openxmlformats.org/drawingml/2006/main" xmlns:r="http://schemas.openxmlformats.org/officeDocument/2006/relationships" xmlns:p="http://schemas.openxmlformats.org/presentationml/2006/main">
   <p:cSld>
     <p:spTree>
@@ -14003,7 +14709,7 @@
 </p:sld>
 </file>
 
-<file path=ppt/slides/slide57.xml><?xml version="1.0" encoding="utf-8"?>
+<file path=ppt/slides/slide59.xml><?xml version="1.0" encoding="utf-8"?>
 <p:sld xmlns:a="http://schemas.openxmlformats.org/drawingml/2006/main" xmlns:r="http://schemas.openxmlformats.org/officeDocument/2006/relationships" xmlns:p="http://schemas.openxmlformats.org/presentationml/2006/main">
   <p:cSld>
     <p:spTree>
@@ -14101,7 +14807,186 @@
 </p:sld>
 </file>
 
-<file path=ppt/slides/slide58.xml><?xml version="1.0" encoding="utf-8"?>
+<file path=ppt/slides/slide6.xml><?xml version="1.0" encoding="utf-8"?>
+<p:sld xmlns:a="http://schemas.openxmlformats.org/drawingml/2006/main" xmlns:r="http://schemas.openxmlformats.org/officeDocument/2006/relationships" xmlns:p="http://schemas.openxmlformats.org/presentationml/2006/main">
+  <p:cSld>
+    <p:spTree>
+      <p:nvGrpSpPr>
+        <p:cNvPr id="1" name=""/>
+        <p:cNvGrpSpPr/>
+        <p:nvPr/>
+      </p:nvGrpSpPr>
+      <p:grpSpPr>
+        <a:xfrm>
+          <a:off x="0" y="0"/>
+          <a:ext cx="0" cy="0"/>
+          <a:chOff x="0" y="0"/>
+          <a:chExt cx="0" cy="0"/>
+        </a:xfrm>
+      </p:grpSpPr>
+      <p:sp>
+        <p:nvSpPr>
+          <p:cNvPr id="2" name="Title 1"/>
+          <p:cNvSpPr>
+            <a:spLocks noGrp="1"/>
+          </p:cNvSpPr>
+          <p:nvPr>
+            <p:ph type="title"/>
+          </p:nvPr>
+        </p:nvSpPr>
+        <p:spPr>
+          <a:xfrm>
+            <a:off x="1219200" y="304800"/>
+            <a:ext cx="7010400" cy="685800"/>
+          </a:xfrm>
+        </p:spPr>
+        <p:style>
+          <a:lnRef idx="2">
+            <a:schemeClr val="accent4"/>
+          </a:lnRef>
+          <a:fillRef idx="1">
+            <a:schemeClr val="lt1"/>
+          </a:fillRef>
+          <a:effectRef idx="0">
+            <a:schemeClr val="accent4"/>
+          </a:effectRef>
+          <a:fontRef idx="minor">
+            <a:schemeClr val="dk1"/>
+          </a:fontRef>
+        </p:style>
+        <p:txBody>
+          <a:bodyPr>
+            <a:normAutofit fontScale="90000"/>
+          </a:bodyPr>
+          <a:lstStyle/>
+          <a:p>
+            <a:r>
+              <a:rPr lang="en-US" dirty="0" smtClean="0"/>
+              <a:t/>
+            </a:r>
+            <a:br>
+              <a:rPr lang="en-US" dirty="0" smtClean="0"/>
+            </a:br>
+            <a:r>
+              <a:rPr lang="en-US" dirty="0" smtClean="0"/>
+              <a:t>objectives of stock management system </a:t>
+            </a:r>
+            <a:endParaRPr lang="en-US" dirty="0"/>
+          </a:p>
+        </p:txBody>
+      </p:sp>
+      <p:sp>
+        <p:nvSpPr>
+          <p:cNvPr id="3" name="Content Placeholder 2"/>
+          <p:cNvSpPr>
+            <a:spLocks noGrp="1"/>
+          </p:cNvSpPr>
+          <p:nvPr>
+            <p:ph sz="quarter" idx="1"/>
+          </p:nvPr>
+        </p:nvSpPr>
+        <p:spPr/>
+        <p:txBody>
+          <a:bodyPr>
+            <a:noAutofit/>
+          </a:bodyPr>
+          <a:lstStyle/>
+          <a:p>
+            <a:r>
+              <a:rPr lang="en-US" sz="3200" dirty="0" smtClean="0"/>
+              <a:t>To meet the given aims here are the objectives of sms</a:t>
+            </a:r>
+          </a:p>
+          <a:p>
+            <a:pPr marL="457200" indent="-457200">
+              <a:buFont typeface="Wingdings" pitchFamily="2" charset="2"/>
+              <a:buChar char="Ø"/>
+            </a:pPr>
+            <a:r>
+              <a:rPr lang="en-US" sz="3200" dirty="0" smtClean="0"/>
+              <a:t>Firstly collecting the requirements</a:t>
+            </a:r>
+          </a:p>
+          <a:p>
+            <a:pPr marL="457200" indent="-457200">
+              <a:buFont typeface="Wingdings" pitchFamily="2" charset="2"/>
+              <a:buChar char="Ø"/>
+            </a:pPr>
+            <a:r>
+              <a:rPr lang="en-US" sz="3200" dirty="0" smtClean="0"/>
+              <a:t>Designing the database for sms</a:t>
+            </a:r>
+          </a:p>
+          <a:p>
+            <a:pPr marL="457200" indent="-457200">
+              <a:buFont typeface="Wingdings" pitchFamily="2" charset="2"/>
+              <a:buChar char="Ø"/>
+            </a:pPr>
+            <a:r>
+              <a:rPr lang="en-US" sz="3200" dirty="0" smtClean="0"/>
+              <a:t>Performing the installation</a:t>
+            </a:r>
+          </a:p>
+          <a:p>
+            <a:pPr marL="457200" indent="-457200">
+              <a:buFont typeface="Wingdings" pitchFamily="2" charset="2"/>
+              <a:buChar char="Ø"/>
+            </a:pPr>
+            <a:r>
+              <a:rPr lang="en-US" sz="3200" dirty="0" smtClean="0"/>
+              <a:t>Performing the planning</a:t>
+            </a:r>
+          </a:p>
+          <a:p>
+            <a:pPr marL="457200" indent="-457200">
+              <a:buFont typeface="Wingdings" pitchFamily="2" charset="2"/>
+              <a:buChar char="Ø"/>
+            </a:pPr>
+            <a:r>
+              <a:rPr lang="en-US" sz="3200" dirty="0" smtClean="0"/>
+              <a:t>Performing the testing</a:t>
+            </a:r>
+          </a:p>
+          <a:p>
+            <a:pPr marL="457200" indent="-457200">
+              <a:buFont typeface="Wingdings" pitchFamily="2" charset="2"/>
+              <a:buChar char="Ø"/>
+            </a:pPr>
+            <a:r>
+              <a:rPr lang="en-US" sz="3200" dirty="0" smtClean="0"/>
+              <a:t>Performing the release</a:t>
+            </a:r>
+          </a:p>
+          <a:p>
+            <a:pPr marL="457200" indent="-457200">
+              <a:buFont typeface="Wingdings" pitchFamily="2" charset="2"/>
+              <a:buChar char="Ø"/>
+            </a:pPr>
+            <a:endParaRPr lang="en-US" sz="3200" dirty="0"/>
+          </a:p>
+        </p:txBody>
+      </p:sp>
+    </p:spTree>
+    <p:extLst>
+      <p:ext uri="{BB962C8B-B14F-4D97-AF65-F5344CB8AC3E}">
+        <p14:creationId xmlns:p14="http://schemas.microsoft.com/office/powerpoint/2010/main" val="2320549971"/>
+      </p:ext>
+    </p:extLst>
+  </p:cSld>
+  <p:clrMapOvr>
+    <a:masterClrMapping/>
+  </p:clrMapOvr>
+  <p:timing>
+    <p:tnLst>
+      <p:par>
+        <p:cTn id="1" dur="indefinite" restart="never" nodeType="tmRoot"/>
+      </p:par>
+    </p:tnLst>
+  </p:timing>
+</p:sld>
+</file>
+
+<file path=ppt/slides/slide60.xml><?xml version="1.0" encoding="utf-8"?>
 <p:sld xmlns:a="http://schemas.openxmlformats.org/drawingml/2006/main" xmlns:r="http://schemas.openxmlformats.org/officeDocument/2006/relationships" xmlns:p="http://schemas.openxmlformats.org/presentationml/2006/main">
   <p:cSld>
     <p:spTree>
@@ -14199,7 +15084,7 @@
 </p:sld>
 </file>
 
-<file path=ppt/slides/slide59.xml><?xml version="1.0" encoding="utf-8"?>
+<file path=ppt/slides/slide61.xml><?xml version="1.0" encoding="utf-8"?>
 <p:sld xmlns:a="http://schemas.openxmlformats.org/drawingml/2006/main" xmlns:r="http://schemas.openxmlformats.org/officeDocument/2006/relationships" xmlns:p="http://schemas.openxmlformats.org/presentationml/2006/main">
   <p:cSld>
     <p:spTree>
@@ -14307,186 +15192,7 @@
 </p:sld>
 </file>
 
-<file path=ppt/slides/slide6.xml><?xml version="1.0" encoding="utf-8"?>
-<p:sld xmlns:a="http://schemas.openxmlformats.org/drawingml/2006/main" xmlns:r="http://schemas.openxmlformats.org/officeDocument/2006/relationships" xmlns:p="http://schemas.openxmlformats.org/presentationml/2006/main">
-  <p:cSld>
-    <p:spTree>
-      <p:nvGrpSpPr>
-        <p:cNvPr id="1" name=""/>
-        <p:cNvGrpSpPr/>
-        <p:nvPr/>
-      </p:nvGrpSpPr>
-      <p:grpSpPr>
-        <a:xfrm>
-          <a:off x="0" y="0"/>
-          <a:ext cx="0" cy="0"/>
-          <a:chOff x="0" y="0"/>
-          <a:chExt cx="0" cy="0"/>
-        </a:xfrm>
-      </p:grpSpPr>
-      <p:sp>
-        <p:nvSpPr>
-          <p:cNvPr id="2" name="Title 1"/>
-          <p:cNvSpPr>
-            <a:spLocks noGrp="1"/>
-          </p:cNvSpPr>
-          <p:nvPr>
-            <p:ph type="title"/>
-          </p:nvPr>
-        </p:nvSpPr>
-        <p:spPr>
-          <a:xfrm>
-            <a:off x="2514600" y="304800"/>
-            <a:ext cx="3733800" cy="685800"/>
-          </a:xfrm>
-        </p:spPr>
-        <p:style>
-          <a:lnRef idx="2">
-            <a:schemeClr val="accent4"/>
-          </a:lnRef>
-          <a:fillRef idx="1">
-            <a:schemeClr val="lt1"/>
-          </a:fillRef>
-          <a:effectRef idx="0">
-            <a:schemeClr val="accent4"/>
-          </a:effectRef>
-          <a:fontRef idx="minor">
-            <a:schemeClr val="dk1"/>
-          </a:fontRef>
-        </p:style>
-        <p:txBody>
-          <a:bodyPr>
-            <a:normAutofit fontScale="90000"/>
-          </a:bodyPr>
-          <a:lstStyle/>
-          <a:p>
-            <a:r>
-              <a:rPr lang="en-US" dirty="0" smtClean="0"/>
-              <a:t/>
-            </a:r>
-            <a:br>
-              <a:rPr lang="en-US" dirty="0" smtClean="0"/>
-            </a:br>
-            <a:r>
-              <a:rPr lang="en-US" dirty="0" smtClean="0"/>
-              <a:t>objectives </a:t>
-            </a:r>
-            <a:endParaRPr lang="en-US" dirty="0"/>
-          </a:p>
-        </p:txBody>
-      </p:sp>
-      <p:sp>
-        <p:nvSpPr>
-          <p:cNvPr id="3" name="Content Placeholder 2"/>
-          <p:cNvSpPr>
-            <a:spLocks noGrp="1"/>
-          </p:cNvSpPr>
-          <p:nvPr>
-            <p:ph sz="quarter" idx="1"/>
-          </p:nvPr>
-        </p:nvSpPr>
-        <p:spPr/>
-        <p:txBody>
-          <a:bodyPr>
-            <a:noAutofit/>
-          </a:bodyPr>
-          <a:lstStyle/>
-          <a:p>
-            <a:r>
-              <a:rPr lang="en-US" sz="3200" dirty="0" smtClean="0"/>
-              <a:t>To meet the given aims here are the objectives of sms</a:t>
-            </a:r>
-          </a:p>
-          <a:p>
-            <a:pPr marL="457200" indent="-457200">
-              <a:buFont typeface="Wingdings" pitchFamily="2" charset="2"/>
-              <a:buChar char="Ø"/>
-            </a:pPr>
-            <a:r>
-              <a:rPr lang="en-US" sz="3200" dirty="0" smtClean="0"/>
-              <a:t>Firstly collecting the requirements</a:t>
-            </a:r>
-          </a:p>
-          <a:p>
-            <a:pPr marL="457200" indent="-457200">
-              <a:buFont typeface="Wingdings" pitchFamily="2" charset="2"/>
-              <a:buChar char="Ø"/>
-            </a:pPr>
-            <a:r>
-              <a:rPr lang="en-US" sz="3200" dirty="0" smtClean="0"/>
-              <a:t>Designing the database for sms</a:t>
-            </a:r>
-          </a:p>
-          <a:p>
-            <a:pPr marL="457200" indent="-457200">
-              <a:buFont typeface="Wingdings" pitchFamily="2" charset="2"/>
-              <a:buChar char="Ø"/>
-            </a:pPr>
-            <a:r>
-              <a:rPr lang="en-US" sz="3200" dirty="0" smtClean="0"/>
-              <a:t>Performing the installation</a:t>
-            </a:r>
-          </a:p>
-          <a:p>
-            <a:pPr marL="457200" indent="-457200">
-              <a:buFont typeface="Wingdings" pitchFamily="2" charset="2"/>
-              <a:buChar char="Ø"/>
-            </a:pPr>
-            <a:r>
-              <a:rPr lang="en-US" sz="3200" dirty="0" smtClean="0"/>
-              <a:t>Performing the planning</a:t>
-            </a:r>
-          </a:p>
-          <a:p>
-            <a:pPr marL="457200" indent="-457200">
-              <a:buFont typeface="Wingdings" pitchFamily="2" charset="2"/>
-              <a:buChar char="Ø"/>
-            </a:pPr>
-            <a:r>
-              <a:rPr lang="en-US" sz="3200" dirty="0" smtClean="0"/>
-              <a:t>Performing the testing</a:t>
-            </a:r>
-          </a:p>
-          <a:p>
-            <a:pPr marL="457200" indent="-457200">
-              <a:buFont typeface="Wingdings" pitchFamily="2" charset="2"/>
-              <a:buChar char="Ø"/>
-            </a:pPr>
-            <a:r>
-              <a:rPr lang="en-US" sz="3200" dirty="0" smtClean="0"/>
-              <a:t>Performing the release</a:t>
-            </a:r>
-          </a:p>
-          <a:p>
-            <a:pPr marL="457200" indent="-457200">
-              <a:buFont typeface="Wingdings" pitchFamily="2" charset="2"/>
-              <a:buChar char="Ø"/>
-            </a:pPr>
-            <a:endParaRPr lang="en-US" sz="3200" dirty="0"/>
-          </a:p>
-        </p:txBody>
-      </p:sp>
-    </p:spTree>
-    <p:extLst>
-      <p:ext uri="{BB962C8B-B14F-4D97-AF65-F5344CB8AC3E}">
-        <p14:creationId xmlns:p14="http://schemas.microsoft.com/office/powerpoint/2010/main" val="2320549971"/>
-      </p:ext>
-    </p:extLst>
-  </p:cSld>
-  <p:clrMapOvr>
-    <a:masterClrMapping/>
-  </p:clrMapOvr>
-  <p:timing>
-    <p:tnLst>
-      <p:par>
-        <p:cTn id="1" dur="indefinite" restart="never" nodeType="tmRoot"/>
-      </p:par>
-    </p:tnLst>
-  </p:timing>
-</p:sld>
-</file>
-
-<file path=ppt/slides/slide60.xml><?xml version="1.0" encoding="utf-8"?>
+<file path=ppt/slides/slide62.xml><?xml version="1.0" encoding="utf-8"?>
 <p:sld xmlns:a="http://schemas.openxmlformats.org/drawingml/2006/main" xmlns:r="http://schemas.openxmlformats.org/officeDocument/2006/relationships" xmlns:p="http://schemas.openxmlformats.org/presentationml/2006/main">
   <p:cSld>
     <p:spTree>
@@ -14568,7 +15274,7 @@
 </p:sld>
 </file>
 
-<file path=ppt/slides/slide61.xml><?xml version="1.0" encoding="utf-8"?>
+<file path=ppt/slides/slide63.xml><?xml version="1.0" encoding="utf-8"?>
 <p:sld xmlns:a="http://schemas.openxmlformats.org/drawingml/2006/main" xmlns:r="http://schemas.openxmlformats.org/officeDocument/2006/relationships" xmlns:p="http://schemas.openxmlformats.org/presentationml/2006/main">
   <p:cSld>
     <p:spTree>
@@ -14650,7 +15356,7 @@
 </p:sld>
 </file>
 
-<file path=ppt/slides/slide62.xml><?xml version="1.0" encoding="utf-8"?>
+<file path=ppt/slides/slide64.xml><?xml version="1.0" encoding="utf-8"?>
 <p:sld xmlns:a="http://schemas.openxmlformats.org/drawingml/2006/main" xmlns:r="http://schemas.openxmlformats.org/officeDocument/2006/relationships" xmlns:p="http://schemas.openxmlformats.org/presentationml/2006/main">
   <p:cSld>
     <p:spTree>
@@ -14749,7 +15455,7 @@
 </p:sld>
 </file>
 
-<file path=ppt/slides/slide63.xml><?xml version="1.0" encoding="utf-8"?>
+<file path=ppt/slides/slide65.xml><?xml version="1.0" encoding="utf-8"?>
 <p:sld xmlns:a="http://schemas.openxmlformats.org/drawingml/2006/main" xmlns:r="http://schemas.openxmlformats.org/officeDocument/2006/relationships" xmlns:p="http://schemas.openxmlformats.org/presentationml/2006/main">
   <p:cSld>
     <p:spTree>
@@ -14856,7 +15562,7 @@
 </p:sld>
 </file>
 
-<file path=ppt/slides/slide64.xml><?xml version="1.0" encoding="utf-8"?>
+<file path=ppt/slides/slide66.xml><?xml version="1.0" encoding="utf-8"?>
 <p:sld xmlns:a="http://schemas.openxmlformats.org/drawingml/2006/main" xmlns:r="http://schemas.openxmlformats.org/officeDocument/2006/relationships" xmlns:p="http://schemas.openxmlformats.org/presentationml/2006/main">
   <p:cSld>
     <p:spTree>
@@ -14902,7 +15608,7 @@
             <p:ph sz="quarter" idx="1"/>
             <p:extLst>
               <p:ext uri="{D42A27DB-BD31-4B8C-83A1-F6EECF244321}">
-                <p14:modId xmlns:p14="http://schemas.microsoft.com/office/powerpoint/2010/main" val="66576192"/>
+                <p14:modId xmlns:p14="http://schemas.microsoft.com/office/powerpoint/2010/main" val="163052517"/>
               </p:ext>
             </p:extLst>
           </p:nvPr>
@@ -15019,7 +15725,7 @@
                     <a:p>
                       <a:r>
                         <a:rPr lang="en-US" sz="1100" dirty="0" smtClean="0"/>
-                        <a:t>Test_01</a:t>
+                        <a:t>Test_001</a:t>
                       </a:r>
                       <a:endParaRPr lang="en-US" sz="1100" dirty="0"/>
                     </a:p>
@@ -15136,7 +15842,7 @@
                     <a:p>
                       <a:r>
                         <a:rPr lang="en-US" sz="1100" dirty="0" smtClean="0"/>
-                        <a:t>Test_02</a:t>
+                        <a:t>Test_002</a:t>
                       </a:r>
                       <a:endParaRPr lang="en-US" sz="1100" dirty="0"/>
                     </a:p>
@@ -15262,7 +15968,7 @@
                     <a:p>
                       <a:r>
                         <a:rPr lang="en-US" sz="1100" dirty="0" smtClean="0"/>
-                        <a:t>Test_03</a:t>
+                        <a:t>Test_003</a:t>
                       </a:r>
                       <a:endParaRPr lang="en-US" sz="1100" dirty="0"/>
                     </a:p>
@@ -15365,7 +16071,7 @@
                     <a:p>
                       <a:r>
                         <a:rPr lang="en-US" sz="1100" dirty="0" smtClean="0"/>
-                        <a:t>Test_04</a:t>
+                        <a:t>Test_004</a:t>
                       </a:r>
                       <a:endParaRPr lang="en-US" sz="1100" dirty="0"/>
                     </a:p>
@@ -15481,7 +16187,7 @@
                     <a:p>
                       <a:r>
                         <a:rPr lang="en-US" sz="1100" dirty="0" smtClean="0"/>
-                        <a:t>Test_05</a:t>
+                        <a:t>Test_005</a:t>
                       </a:r>
                       <a:endParaRPr lang="en-US" sz="1100" dirty="0"/>
                     </a:p>
@@ -15581,7 +16287,7 @@
                     <a:p>
                       <a:r>
                         <a:rPr lang="en-US" sz="1100" dirty="0" smtClean="0"/>
-                        <a:t>Test_06</a:t>
+                        <a:t>Test_006</a:t>
                       </a:r>
                       <a:endParaRPr lang="en-US" sz="1100" dirty="0"/>
                     </a:p>
@@ -15753,7 +16459,7 @@
 </p:sld>
 </file>
 
-<file path=ppt/slides/slide65.xml><?xml version="1.0" encoding="utf-8"?>
+<file path=ppt/slides/slide67.xml><?xml version="1.0" encoding="utf-8"?>
 <p:sld xmlns:a="http://schemas.openxmlformats.org/drawingml/2006/main" xmlns:r="http://schemas.openxmlformats.org/officeDocument/2006/relationships" xmlns:p="http://schemas.openxmlformats.org/presentationml/2006/main">
   <p:cSld>
     <p:spTree>
@@ -15799,14 +16505,14 @@
             <p:ph sz="quarter" idx="1"/>
             <p:extLst>
               <p:ext uri="{D42A27DB-BD31-4B8C-83A1-F6EECF244321}">
-                <p14:modId xmlns:p14="http://schemas.microsoft.com/office/powerpoint/2010/main" val="257453950"/>
+                <p14:modId xmlns:p14="http://schemas.microsoft.com/office/powerpoint/2010/main" val="2272402332"/>
               </p:ext>
             </p:extLst>
           </p:nvPr>
         </p:nvGraphicFramePr>
         <p:xfrm>
           <a:off x="301625" y="1527175"/>
-          <a:ext cx="8504236" cy="3048000"/>
+          <a:ext cx="8504236" cy="3789680"/>
         </p:xfrm>
         <a:graphic>
           <a:graphicData uri="http://schemas.openxmlformats.org/drawingml/2006/table">
@@ -15972,7 +16678,7 @@
                     <a:p>
                       <a:r>
                         <a:rPr lang="en-US" sz="1100" dirty="0" smtClean="0"/>
-                        <a:t>Test_08</a:t>
+                        <a:t>Test_008</a:t>
                       </a:r>
                       <a:endParaRPr lang="en-US" sz="1100" dirty="0"/>
                     </a:p>
@@ -16091,7 +16797,7 @@
                     <a:p>
                       <a:r>
                         <a:rPr lang="en-US" sz="1100" dirty="0" smtClean="0"/>
-                        <a:t>Test_09</a:t>
+                        <a:t>Test_009</a:t>
                       </a:r>
                       <a:endParaRPr lang="en-US" sz="1100" dirty="0"/>
                     </a:p>
@@ -16221,7 +16927,7 @@
                     <a:p>
                       <a:r>
                         <a:rPr lang="en-US" sz="1100" dirty="0" smtClean="0"/>
-                        <a:t>Test_010</a:t>
+                        <a:t>Test_0010</a:t>
                       </a:r>
                       <a:endParaRPr lang="en-US" sz="1100" dirty="0"/>
                     </a:p>
@@ -16341,6 +17047,395 @@
                   <a:tcPr marL="94490" marR="94490"/>
                 </a:tc>
               </a:tr>
+              <a:tr h="370840">
+                <a:tc>
+                  <a:txBody>
+                    <a:bodyPr/>
+                    <a:lstStyle/>
+                    <a:p>
+                      <a:pPr marL="0" marR="0" algn="l">
+                        <a:spcBef>
+                          <a:spcPts val="0"/>
+                        </a:spcBef>
+                        <a:spcAft>
+                          <a:spcPts val="0"/>
+                        </a:spcAft>
+                      </a:pPr>
+                      <a:r>
+                        <a:rPr lang="en-US" sz="1100" kern="1200" dirty="0">
+                          <a:solidFill>
+                            <a:srgbClr val="000000"/>
+                          </a:solidFill>
+                          <a:effectLst/>
+                          <a:latin typeface="+mn-lt"/>
+                          <a:ea typeface="Times New Roman"/>
+                          <a:cs typeface="Mangal"/>
+                        </a:rPr>
+                        <a:t>Test_oo11</a:t>
+                      </a:r>
+                      <a:endParaRPr lang="en-US" sz="1100" dirty="0">
+                        <a:effectLst/>
+                        <a:latin typeface="+mn-lt"/>
+                        <a:ea typeface="Times New Roman"/>
+                        <a:cs typeface="Mangal"/>
+                      </a:endParaRPr>
+                    </a:p>
+                  </a:txBody>
+                  <a:tcPr marL="68580" marR="68580" marT="0" marB="0"/>
+                </a:tc>
+                <a:tc>
+                  <a:txBody>
+                    <a:bodyPr/>
+                    <a:lstStyle/>
+                    <a:p>
+                      <a:pPr marL="0" marR="0" algn="l"/>
+                      <a:r>
+                        <a:rPr lang="en-US" sz="1100" kern="1200" dirty="0">
+                          <a:solidFill>
+                            <a:srgbClr val="000000"/>
+                          </a:solidFill>
+                          <a:effectLst/>
+                          <a:latin typeface="+mn-lt"/>
+                          <a:ea typeface="Times New Roman"/>
+                          <a:cs typeface="Mangal"/>
+                        </a:rPr>
+                        <a:t>Testing: inserting the brand</a:t>
+                      </a:r>
+                      <a:endParaRPr lang="en-US" sz="1100" dirty="0">
+                        <a:effectLst/>
+                        <a:latin typeface="+mn-lt"/>
+                        <a:ea typeface="Times New Roman"/>
+                        <a:cs typeface="Mangal"/>
+                      </a:endParaRPr>
+                    </a:p>
+                  </a:txBody>
+                  <a:tcPr marL="68580" marR="68580" marT="0" marB="0"/>
+                </a:tc>
+                <a:tc>
+                  <a:txBody>
+                    <a:bodyPr/>
+                    <a:lstStyle/>
+                    <a:p>
+                      <a:pPr marL="0" marR="0" algn="l"/>
+                      <a:r>
+                        <a:rPr lang="en-US" sz="1100" kern="1200" dirty="0">
+                          <a:solidFill>
+                            <a:srgbClr val="000000"/>
+                          </a:solidFill>
+                          <a:effectLst/>
+                          <a:latin typeface="+mn-lt"/>
+                          <a:ea typeface="Times New Roman"/>
+                          <a:cs typeface="Mangal"/>
+                        </a:rPr>
+                        <a:t>Brand=Gucci</a:t>
+                      </a:r>
+                      <a:endParaRPr lang="en-US" sz="1100" dirty="0">
+                        <a:effectLst/>
+                        <a:latin typeface="+mn-lt"/>
+                        <a:ea typeface="Times New Roman"/>
+                        <a:cs typeface="Mangal"/>
+                      </a:endParaRPr>
+                    </a:p>
+                  </a:txBody>
+                  <a:tcPr marL="68580" marR="68580" marT="0" marB="0"/>
+                </a:tc>
+                <a:tc>
+                  <a:txBody>
+                    <a:bodyPr/>
+                    <a:lstStyle/>
+                    <a:p>
+                      <a:pPr marL="0" marR="0" algn="l"/>
+                      <a:r>
+                        <a:rPr lang="en-US" sz="1100" kern="1200" dirty="0">
+                          <a:solidFill>
+                            <a:srgbClr val="000000"/>
+                          </a:solidFill>
+                          <a:effectLst/>
+                          <a:latin typeface="+mn-lt"/>
+                          <a:ea typeface="Times New Roman"/>
+                          <a:cs typeface="Mangal"/>
+                        </a:rPr>
+                        <a:t>Message box with successfully added</a:t>
+                      </a:r>
+                      <a:endParaRPr lang="en-US" sz="1100" dirty="0">
+                        <a:effectLst/>
+                        <a:latin typeface="+mn-lt"/>
+                        <a:ea typeface="Times New Roman"/>
+                        <a:cs typeface="Mangal"/>
+                      </a:endParaRPr>
+                    </a:p>
+                  </a:txBody>
+                  <a:tcPr marL="68580" marR="68580" marT="0" marB="0"/>
+                </a:tc>
+                <a:tc>
+                  <a:txBody>
+                    <a:bodyPr/>
+                    <a:lstStyle/>
+                    <a:p>
+                      <a:pPr marL="0" marR="0" algn="l"/>
+                      <a:r>
+                        <a:rPr lang="en-US" sz="1100" kern="1200" dirty="0">
+                          <a:solidFill>
+                            <a:srgbClr val="000000"/>
+                          </a:solidFill>
+                          <a:effectLst/>
+                          <a:latin typeface="+mn-lt"/>
+                          <a:ea typeface="Times New Roman"/>
+                          <a:cs typeface="Mangal"/>
+                        </a:rPr>
+                        <a:t>Successfully added</a:t>
+                      </a:r>
+                      <a:endParaRPr lang="en-US" sz="1100" dirty="0">
+                        <a:effectLst/>
+                        <a:latin typeface="+mn-lt"/>
+                        <a:ea typeface="Times New Roman"/>
+                        <a:cs typeface="Mangal"/>
+                      </a:endParaRPr>
+                    </a:p>
+                  </a:txBody>
+                  <a:tcPr marL="68580" marR="68580" marT="0" marB="0"/>
+                </a:tc>
+                <a:tc>
+                  <a:txBody>
+                    <a:bodyPr/>
+                    <a:lstStyle/>
+                    <a:p>
+                      <a:pPr marL="0" marR="0" algn="l">
+                        <a:spcBef>
+                          <a:spcPts val="0"/>
+                        </a:spcBef>
+                        <a:spcAft>
+                          <a:spcPts val="0"/>
+                        </a:spcAft>
+                      </a:pPr>
+                      <a:r>
+                        <a:rPr lang="en-US" sz="1100" kern="1200" dirty="0">
+                          <a:solidFill>
+                            <a:srgbClr val="000000"/>
+                          </a:solidFill>
+                          <a:effectLst/>
+                          <a:latin typeface="+mn-lt"/>
+                          <a:ea typeface="Times New Roman"/>
+                          <a:cs typeface="Mangal"/>
+                        </a:rPr>
+                        <a:t>Yes </a:t>
+                      </a:r>
+                      <a:endParaRPr lang="en-US" sz="1100" dirty="0">
+                        <a:effectLst/>
+                        <a:latin typeface="+mn-lt"/>
+                        <a:ea typeface="Times New Roman"/>
+                        <a:cs typeface="Mangal"/>
+                      </a:endParaRPr>
+                    </a:p>
+                  </a:txBody>
+                  <a:tcPr marL="68580" marR="68580" marT="0" marB="0"/>
+                </a:tc>
+              </a:tr>
+              <a:tr h="370840">
+                <a:tc>
+                  <a:txBody>
+                    <a:bodyPr/>
+                    <a:lstStyle/>
+                    <a:p>
+                      <a:pPr marL="0" marR="0" algn="l">
+                        <a:spcBef>
+                          <a:spcPts val="0"/>
+                        </a:spcBef>
+                        <a:spcAft>
+                          <a:spcPts val="0"/>
+                        </a:spcAft>
+                      </a:pPr>
+                      <a:r>
+                        <a:rPr lang="en-US" sz="1100" kern="1200">
+                          <a:solidFill>
+                            <a:srgbClr val="000000"/>
+                          </a:solidFill>
+                          <a:effectLst/>
+                          <a:latin typeface="+mn-lt"/>
+                          <a:ea typeface="Times New Roman"/>
+                          <a:cs typeface="Mangal"/>
+                        </a:rPr>
+                        <a:t>Test_0012</a:t>
+                      </a:r>
+                      <a:endParaRPr lang="en-US" sz="1100">
+                        <a:effectLst/>
+                        <a:latin typeface="+mn-lt"/>
+                        <a:ea typeface="Times New Roman"/>
+                        <a:cs typeface="Mangal"/>
+                      </a:endParaRPr>
+                    </a:p>
+                  </a:txBody>
+                  <a:tcPr marL="68580" marR="68580" marT="0" marB="0"/>
+                </a:tc>
+                <a:tc>
+                  <a:txBody>
+                    <a:bodyPr/>
+                    <a:lstStyle/>
+                    <a:p>
+                      <a:pPr marL="0" marR="0" algn="l"/>
+                      <a:r>
+                        <a:rPr lang="en-US" sz="1100" kern="1200" dirty="0">
+                          <a:solidFill>
+                            <a:srgbClr val="000000"/>
+                          </a:solidFill>
+                          <a:effectLst/>
+                          <a:latin typeface="+mn-lt"/>
+                          <a:ea typeface="Times New Roman"/>
+                          <a:cs typeface="Mangal"/>
+                        </a:rPr>
+                        <a:t>Testing: updating the brand</a:t>
+                      </a:r>
+                      <a:endParaRPr lang="en-US" sz="1100" dirty="0">
+                        <a:effectLst/>
+                        <a:latin typeface="+mn-lt"/>
+                        <a:ea typeface="Times New Roman"/>
+                        <a:cs typeface="Mangal"/>
+                      </a:endParaRPr>
+                    </a:p>
+                  </a:txBody>
+                  <a:tcPr marL="68580" marR="68580" marT="0" marB="0"/>
+                </a:tc>
+                <a:tc>
+                  <a:txBody>
+                    <a:bodyPr/>
+                    <a:lstStyle/>
+                    <a:p>
+                      <a:pPr marL="0" marR="0" algn="l"/>
+                      <a:r>
+                        <a:rPr lang="en-US" sz="1100" kern="1200" dirty="0">
+                          <a:solidFill>
+                            <a:srgbClr val="000000"/>
+                          </a:solidFill>
+                          <a:effectLst/>
+                          <a:latin typeface="+mn-lt"/>
+                          <a:ea typeface="Times New Roman"/>
+                          <a:cs typeface="Mangal"/>
+                        </a:rPr>
+                        <a:t>Brand=Gucci</a:t>
+                      </a:r>
+                      <a:endParaRPr lang="en-US" sz="1100" dirty="0">
+                        <a:effectLst/>
+                        <a:latin typeface="+mn-lt"/>
+                        <a:ea typeface="Times New Roman"/>
+                        <a:cs typeface="Mangal"/>
+                      </a:endParaRPr>
+                    </a:p>
+                    <a:p>
+                      <a:pPr marL="0" marR="0" algn="l"/>
+                      <a:r>
+                        <a:rPr lang="en-US" sz="1100" kern="1200" dirty="0">
+                          <a:solidFill>
+                            <a:srgbClr val="000000"/>
+                          </a:solidFill>
+                          <a:effectLst/>
+                          <a:latin typeface="+mn-lt"/>
+                          <a:ea typeface="Times New Roman"/>
+                          <a:cs typeface="Mangal"/>
+                        </a:rPr>
+                        <a:t>Status=inactive</a:t>
+                      </a:r>
+                      <a:endParaRPr lang="en-US" sz="1100" dirty="0">
+                        <a:effectLst/>
+                        <a:latin typeface="+mn-lt"/>
+                        <a:ea typeface="Times New Roman"/>
+                        <a:cs typeface="Mangal"/>
+                      </a:endParaRPr>
+                    </a:p>
+                  </a:txBody>
+                  <a:tcPr marL="68580" marR="68580" marT="0" marB="0"/>
+                </a:tc>
+                <a:tc>
+                  <a:txBody>
+                    <a:bodyPr/>
+                    <a:lstStyle/>
+                    <a:p>
+                      <a:pPr marL="0" marR="0" algn="l"/>
+                      <a:r>
+                        <a:rPr lang="en-US" sz="1100" kern="1200" dirty="0">
+                          <a:solidFill>
+                            <a:srgbClr val="000000"/>
+                          </a:solidFill>
+                          <a:effectLst/>
+                          <a:latin typeface="+mn-lt"/>
+                          <a:ea typeface="Times New Roman"/>
+                          <a:cs typeface="Mangal"/>
+                        </a:rPr>
+                        <a:t>Message box with successfully updated </a:t>
+                      </a:r>
+                      <a:endParaRPr lang="en-US" sz="1100" dirty="0">
+                        <a:effectLst/>
+                        <a:latin typeface="+mn-lt"/>
+                        <a:ea typeface="Times New Roman"/>
+                        <a:cs typeface="Mangal"/>
+                      </a:endParaRPr>
+                    </a:p>
+                  </a:txBody>
+                  <a:tcPr marL="68580" marR="68580" marT="0" marB="0"/>
+                </a:tc>
+                <a:tc>
+                  <a:txBody>
+                    <a:bodyPr/>
+                    <a:lstStyle/>
+                    <a:p>
+                      <a:pPr marL="0" marR="0" algn="l"/>
+                      <a:r>
+                        <a:rPr lang="en-US" sz="1100" kern="1200" dirty="0">
+                          <a:solidFill>
+                            <a:srgbClr val="000000"/>
+                          </a:solidFill>
+                          <a:effectLst/>
+                          <a:latin typeface="+mn-lt"/>
+                          <a:ea typeface="Times New Roman"/>
+                          <a:cs typeface="Mangal"/>
+                        </a:rPr>
+                        <a:t>Successfully updated.</a:t>
+                      </a:r>
+                      <a:endParaRPr lang="en-US" sz="1100" dirty="0">
+                        <a:effectLst/>
+                        <a:latin typeface="+mn-lt"/>
+                        <a:ea typeface="Times New Roman"/>
+                        <a:cs typeface="Mangal"/>
+                      </a:endParaRPr>
+                    </a:p>
+                  </a:txBody>
+                  <a:tcPr marL="68580" marR="68580" marT="0" marB="0"/>
+                </a:tc>
+                <a:tc>
+                  <a:txBody>
+                    <a:bodyPr/>
+                    <a:lstStyle/>
+                    <a:p>
+                      <a:pPr marL="0" marR="0" algn="l">
+                        <a:spcBef>
+                          <a:spcPts val="0"/>
+                        </a:spcBef>
+                        <a:spcAft>
+                          <a:spcPts val="0"/>
+                        </a:spcAft>
+                      </a:pPr>
+                      <a:r>
+                        <a:rPr lang="en-US" sz="1100" kern="1200" dirty="0">
+                          <a:solidFill>
+                            <a:srgbClr val="000000"/>
+                          </a:solidFill>
+                          <a:effectLst/>
+                          <a:latin typeface="+mn-lt"/>
+                          <a:ea typeface="Times New Roman"/>
+                          <a:cs typeface="Mangal"/>
+                        </a:rPr>
+                        <a:t>Yes</a:t>
+                      </a:r>
+                      <a:endParaRPr lang="en-US" sz="1100" dirty="0">
+                        <a:effectLst/>
+                        <a:latin typeface="+mn-lt"/>
+                        <a:ea typeface="Times New Roman"/>
+                        <a:cs typeface="Mangal"/>
+                      </a:endParaRPr>
+                    </a:p>
+                  </a:txBody>
+                  <a:tcPr marL="68580" marR="68580" marT="0" marB="0"/>
+                </a:tc>
+              </a:tr>
             </a:tbl>
           </a:graphicData>
         </a:graphic>
@@ -16365,7 +17460,7 @@
 </p:sld>
 </file>
 
-<file path=ppt/slides/slide66.xml><?xml version="1.0" encoding="utf-8"?>
+<file path=ppt/slides/slide68.xml><?xml version="1.0" encoding="utf-8"?>
 <p:sld xmlns:a="http://schemas.openxmlformats.org/drawingml/2006/main" xmlns:r="http://schemas.openxmlformats.org/officeDocument/2006/relationships" xmlns:p="http://schemas.openxmlformats.org/presentationml/2006/main">
   <p:cSld>
     <p:spTree>
@@ -16411,7 +17506,7 @@
             <p:ph sz="quarter" idx="1"/>
             <p:extLst>
               <p:ext uri="{D42A27DB-BD31-4B8C-83A1-F6EECF244321}">
-                <p14:modId xmlns:p14="http://schemas.microsoft.com/office/powerpoint/2010/main" val="883845842"/>
+                <p14:modId xmlns:p14="http://schemas.microsoft.com/office/powerpoint/2010/main" val="1765368559"/>
               </p:ext>
             </p:extLst>
           </p:nvPr>
@@ -16468,7 +17563,7 @@
                     <a:p>
                       <a:r>
                         <a:rPr lang="en-US" dirty="0" smtClean="0"/>
-                        <a:t>Test_01</a:t>
+                        <a:t>Test_001</a:t>
                       </a:r>
                       <a:endParaRPr lang="en-US" dirty="0"/>
                     </a:p>
@@ -16574,7 +17669,7 @@
 </p:sld>
 </file>
 
-<file path=ppt/slides/slide67.xml><?xml version="1.0" encoding="utf-8"?>
+<file path=ppt/slides/slide69.xml><?xml version="1.0" encoding="utf-8"?>
 <p:sld xmlns:a="http://schemas.openxmlformats.org/drawingml/2006/main" xmlns:r="http://schemas.openxmlformats.org/officeDocument/2006/relationships" xmlns:p="http://schemas.openxmlformats.org/presentationml/2006/main">
   <p:cSld>
     <p:spTree>
@@ -16620,7 +17715,7 @@
             <p:ph sz="quarter" idx="1"/>
             <p:extLst>
               <p:ext uri="{D42A27DB-BD31-4B8C-83A1-F6EECF244321}">
-                <p14:modId xmlns:p14="http://schemas.microsoft.com/office/powerpoint/2010/main" val="264330105"/>
+                <p14:modId xmlns:p14="http://schemas.microsoft.com/office/powerpoint/2010/main" val="1294149385"/>
               </p:ext>
             </p:extLst>
           </p:nvPr>
@@ -16677,7 +17772,7 @@
                     <a:p>
                       <a:r>
                         <a:rPr lang="en-US" dirty="0" smtClean="0"/>
-                        <a:t>Test_02</a:t>
+                        <a:t>Test_002</a:t>
                       </a:r>
                       <a:endParaRPr lang="en-US" dirty="0"/>
                     </a:p>
@@ -16847,7 +17942,7 @@
 </p:sld>
 </file>
 
-<file path=ppt/slides/slide68.xml><?xml version="1.0" encoding="utf-8"?>
+<file path=ppt/slides/slide7.xml><?xml version="1.0" encoding="utf-8"?>
 <p:sld xmlns:a="http://schemas.openxmlformats.org/drawingml/2006/main" xmlns:r="http://schemas.openxmlformats.org/officeDocument/2006/relationships" xmlns:p="http://schemas.openxmlformats.org/presentationml/2006/main">
   <p:cSld>
     <p:spTree>
@@ -16879,6 +17974,138 @@
           <a:bodyPr/>
           <a:lstStyle/>
           <a:p>
+            <a:r>
+              <a:rPr lang="en-US" dirty="0" smtClean="0"/>
+              <a:t>features</a:t>
+            </a:r>
+            <a:endParaRPr lang="en-US" dirty="0"/>
+          </a:p>
+        </p:txBody>
+      </p:sp>
+      <p:sp>
+        <p:nvSpPr>
+          <p:cNvPr id="2" name="Content Placeholder 1"/>
+          <p:cNvSpPr>
+            <a:spLocks noGrp="1"/>
+          </p:cNvSpPr>
+          <p:nvPr>
+            <p:ph sz="quarter" idx="1"/>
+          </p:nvPr>
+        </p:nvSpPr>
+        <p:spPr/>
+        <p:txBody>
+          <a:bodyPr>
+            <a:normAutofit fontScale="77500" lnSpcReduction="20000"/>
+          </a:bodyPr>
+          <a:lstStyle/>
+          <a:p>
+            <a:r>
+              <a:rPr lang="en-US" dirty="0" smtClean="0"/>
+              <a:t>Following are the features of the stock management system</a:t>
+            </a:r>
+          </a:p>
+          <a:p>
+            <a:r>
+              <a:rPr lang="en-US" dirty="0" smtClean="0"/>
+              <a:t>1.Customer management</a:t>
+            </a:r>
+          </a:p>
+          <a:p>
+            <a:r>
+              <a:rPr lang="en-US" dirty="0" smtClean="0"/>
+              <a:t>It keeps the details of the customer and keep the record safely. It keeps the order of customer and provide with bill.</a:t>
+            </a:r>
+          </a:p>
+          <a:p>
+            <a:r>
+              <a:rPr lang="en-US" dirty="0" smtClean="0"/>
+              <a:t>2.Point of sales management</a:t>
+            </a:r>
+          </a:p>
+          <a:p>
+            <a:r>
+              <a:rPr lang="en-US" dirty="0" smtClean="0"/>
+              <a:t>It has the billing system which keep the record of payments. It helps to ensure the customer transaction complete correctly and keep the record safe.</a:t>
+            </a:r>
+          </a:p>
+          <a:p>
+            <a:r>
+              <a:rPr lang="en-US" dirty="0" smtClean="0"/>
+              <a:t>3.Stock control</a:t>
+            </a:r>
+          </a:p>
+          <a:p>
+            <a:r>
+              <a:rPr lang="en-US" dirty="0" smtClean="0"/>
+              <a:t>It manages the stock and keep the record of the stock. It shows the available of the stock and helps to edit the stock.</a:t>
+            </a:r>
+          </a:p>
+          <a:p>
+            <a:r>
+              <a:rPr lang="en-US" dirty="0" smtClean="0"/>
+              <a:t>4.It provides the best security and keeps the data and information safely.</a:t>
+            </a:r>
+          </a:p>
+          <a:p>
+            <a:r>
+              <a:rPr lang="en-US" dirty="0" smtClean="0"/>
+              <a:t>5. It helps to save the cost as well as time while approaching the data and information.</a:t>
+            </a:r>
+          </a:p>
+        </p:txBody>
+      </p:sp>
+    </p:spTree>
+    <p:extLst>
+      <p:ext uri="{BB962C8B-B14F-4D97-AF65-F5344CB8AC3E}">
+        <p14:creationId xmlns:p14="http://schemas.microsoft.com/office/powerpoint/2010/main" val="2306280887"/>
+      </p:ext>
+    </p:extLst>
+  </p:cSld>
+  <p:clrMapOvr>
+    <a:masterClrMapping/>
+  </p:clrMapOvr>
+  <p:timing>
+    <p:tnLst>
+      <p:par>
+        <p:cTn id="1" dur="indefinite" restart="never" nodeType="tmRoot"/>
+      </p:par>
+    </p:tnLst>
+  </p:timing>
+</p:sld>
+</file>
+
+<file path=ppt/slides/slide70.xml><?xml version="1.0" encoding="utf-8"?>
+<p:sld xmlns:a="http://schemas.openxmlformats.org/drawingml/2006/main" xmlns:r="http://schemas.openxmlformats.org/officeDocument/2006/relationships" xmlns:p="http://schemas.openxmlformats.org/presentationml/2006/main">
+  <p:cSld>
+    <p:spTree>
+      <p:nvGrpSpPr>
+        <p:cNvPr id="1" name=""/>
+        <p:cNvGrpSpPr/>
+        <p:nvPr/>
+      </p:nvGrpSpPr>
+      <p:grpSpPr>
+        <a:xfrm>
+          <a:off x="0" y="0"/>
+          <a:ext cx="0" cy="0"/>
+          <a:chOff x="0" y="0"/>
+          <a:chExt cx="0" cy="0"/>
+        </a:xfrm>
+      </p:grpSpPr>
+      <p:sp>
+        <p:nvSpPr>
+          <p:cNvPr id="3" name="Title 2"/>
+          <p:cNvSpPr>
+            <a:spLocks noGrp="1"/>
+          </p:cNvSpPr>
+          <p:nvPr>
+            <p:ph type="title"/>
+          </p:nvPr>
+        </p:nvSpPr>
+        <p:spPr/>
+        <p:txBody>
+          <a:bodyPr/>
+          <a:lstStyle/>
+          <a:p>
             <a:endParaRPr lang="en-US"/>
           </a:p>
         </p:txBody>
@@ -16893,7 +18120,7 @@
             <p:ph sz="quarter" idx="1"/>
             <p:extLst>
               <p:ext uri="{D42A27DB-BD31-4B8C-83A1-F6EECF244321}">
-                <p14:modId xmlns:p14="http://schemas.microsoft.com/office/powerpoint/2010/main" val="900835502"/>
+                <p14:modId xmlns:p14="http://schemas.microsoft.com/office/powerpoint/2010/main" val="2342153672"/>
               </p:ext>
             </p:extLst>
           </p:nvPr>
@@ -16950,7 +18177,7 @@
                     <a:p>
                       <a:r>
                         <a:rPr lang="en-US" dirty="0" smtClean="0"/>
-                        <a:t>Test_03</a:t>
+                        <a:t>Test_003</a:t>
                       </a:r>
                       <a:endParaRPr lang="en-US" dirty="0"/>
                     </a:p>
@@ -17120,7 +18347,7 @@
 </p:sld>
 </file>
 
-<file path=ppt/slides/slide69.xml><?xml version="1.0" encoding="utf-8"?>
+<file path=ppt/slides/slide71.xml><?xml version="1.0" encoding="utf-8"?>
 <p:sld xmlns:a="http://schemas.openxmlformats.org/drawingml/2006/main" xmlns:r="http://schemas.openxmlformats.org/officeDocument/2006/relationships" xmlns:p="http://schemas.openxmlformats.org/presentationml/2006/main">
   <p:cSld>
     <p:spTree>
@@ -17166,7 +18393,7 @@
             <p:ph sz="quarter" idx="1"/>
             <p:extLst>
               <p:ext uri="{D42A27DB-BD31-4B8C-83A1-F6EECF244321}">
-                <p14:modId xmlns:p14="http://schemas.microsoft.com/office/powerpoint/2010/main" val="1957452085"/>
+                <p14:modId xmlns:p14="http://schemas.microsoft.com/office/powerpoint/2010/main" val="2476079612"/>
               </p:ext>
             </p:extLst>
           </p:nvPr>
@@ -17223,7 +18450,7 @@
                     <a:p>
                       <a:r>
                         <a:rPr lang="en-US" dirty="0" smtClean="0"/>
-                        <a:t>Test_04</a:t>
+                        <a:t>Test_004</a:t>
                       </a:r>
                       <a:endParaRPr lang="en-US" dirty="0"/>
                     </a:p>
@@ -17393,7 +18620,7 @@
 </p:sld>
 </file>
 
-<file path=ppt/slides/slide7.xml><?xml version="1.0" encoding="utf-8"?>
+<file path=ppt/slides/slide72.xml><?xml version="1.0" encoding="utf-8"?>
 <p:sld xmlns:a="http://schemas.openxmlformats.org/drawingml/2006/main" xmlns:r="http://schemas.openxmlformats.org/officeDocument/2006/relationships" xmlns:p="http://schemas.openxmlformats.org/presentationml/2006/main">
   <p:cSld>
     <p:spTree>
@@ -17425,138 +18652,6 @@
           <a:bodyPr/>
           <a:lstStyle/>
           <a:p>
-            <a:r>
-              <a:rPr lang="en-US" dirty="0" smtClean="0"/>
-              <a:t>features</a:t>
-            </a:r>
-            <a:endParaRPr lang="en-US" dirty="0"/>
-          </a:p>
-        </p:txBody>
-      </p:sp>
-      <p:sp>
-        <p:nvSpPr>
-          <p:cNvPr id="2" name="Content Placeholder 1"/>
-          <p:cNvSpPr>
-            <a:spLocks noGrp="1"/>
-          </p:cNvSpPr>
-          <p:nvPr>
-            <p:ph sz="quarter" idx="1"/>
-          </p:nvPr>
-        </p:nvSpPr>
-        <p:spPr/>
-        <p:txBody>
-          <a:bodyPr>
-            <a:normAutofit fontScale="77500" lnSpcReduction="20000"/>
-          </a:bodyPr>
-          <a:lstStyle/>
-          <a:p>
-            <a:r>
-              <a:rPr lang="en-US" dirty="0" smtClean="0"/>
-              <a:t>Following are the features of the stock management system</a:t>
-            </a:r>
-          </a:p>
-          <a:p>
-            <a:r>
-              <a:rPr lang="en-US" dirty="0" smtClean="0"/>
-              <a:t>1.Customer management</a:t>
-            </a:r>
-          </a:p>
-          <a:p>
-            <a:r>
-              <a:rPr lang="en-US" dirty="0" smtClean="0"/>
-              <a:t>It keeps the details of the customer and keep the record safely. It keeps the order of customer and provide with bill.</a:t>
-            </a:r>
-          </a:p>
-          <a:p>
-            <a:r>
-              <a:rPr lang="en-US" dirty="0" smtClean="0"/>
-              <a:t>2.Point of sales management</a:t>
-            </a:r>
-          </a:p>
-          <a:p>
-            <a:r>
-              <a:rPr lang="en-US" dirty="0" smtClean="0"/>
-              <a:t>It has the billing system which keep the record of payments. It helps to ensure the customer transaction complete correctly and keep the record safe.</a:t>
-            </a:r>
-          </a:p>
-          <a:p>
-            <a:r>
-              <a:rPr lang="en-US" dirty="0" smtClean="0"/>
-              <a:t>3.Stock control</a:t>
-            </a:r>
-          </a:p>
-          <a:p>
-            <a:r>
-              <a:rPr lang="en-US" dirty="0" smtClean="0"/>
-              <a:t>It manages the stock and keep the record of the stock. It shows the available of the stock and helps to edit the stock.</a:t>
-            </a:r>
-          </a:p>
-          <a:p>
-            <a:r>
-              <a:rPr lang="en-US" dirty="0" smtClean="0"/>
-              <a:t>4.It provides the best security and keeps the data and information safely.</a:t>
-            </a:r>
-          </a:p>
-          <a:p>
-            <a:r>
-              <a:rPr lang="en-US" dirty="0" smtClean="0"/>
-              <a:t>5. It helps to save the cost as well as time while approaching the data and information.</a:t>
-            </a:r>
-          </a:p>
-        </p:txBody>
-      </p:sp>
-    </p:spTree>
-    <p:extLst>
-      <p:ext uri="{BB962C8B-B14F-4D97-AF65-F5344CB8AC3E}">
-        <p14:creationId xmlns:p14="http://schemas.microsoft.com/office/powerpoint/2010/main" val="2306280887"/>
-      </p:ext>
-    </p:extLst>
-  </p:cSld>
-  <p:clrMapOvr>
-    <a:masterClrMapping/>
-  </p:clrMapOvr>
-  <p:timing>
-    <p:tnLst>
-      <p:par>
-        <p:cTn id="1" dur="indefinite" restart="never" nodeType="tmRoot"/>
-      </p:par>
-    </p:tnLst>
-  </p:timing>
-</p:sld>
-</file>
-
-<file path=ppt/slides/slide70.xml><?xml version="1.0" encoding="utf-8"?>
-<p:sld xmlns:a="http://schemas.openxmlformats.org/drawingml/2006/main" xmlns:r="http://schemas.openxmlformats.org/officeDocument/2006/relationships" xmlns:p="http://schemas.openxmlformats.org/presentationml/2006/main">
-  <p:cSld>
-    <p:spTree>
-      <p:nvGrpSpPr>
-        <p:cNvPr id="1" name=""/>
-        <p:cNvGrpSpPr/>
-        <p:nvPr/>
-      </p:nvGrpSpPr>
-      <p:grpSpPr>
-        <a:xfrm>
-          <a:off x="0" y="0"/>
-          <a:ext cx="0" cy="0"/>
-          <a:chOff x="0" y="0"/>
-          <a:chExt cx="0" cy="0"/>
-        </a:xfrm>
-      </p:grpSpPr>
-      <p:sp>
-        <p:nvSpPr>
-          <p:cNvPr id="3" name="Title 2"/>
-          <p:cNvSpPr>
-            <a:spLocks noGrp="1"/>
-          </p:cNvSpPr>
-          <p:nvPr>
-            <p:ph type="title"/>
-          </p:nvPr>
-        </p:nvSpPr>
-        <p:spPr/>
-        <p:txBody>
-          <a:bodyPr/>
-          <a:lstStyle/>
-          <a:p>
             <a:endParaRPr lang="en-US"/>
           </a:p>
         </p:txBody>
@@ -17571,7 +18666,7 @@
             <p:ph sz="quarter" idx="1"/>
             <p:extLst>
               <p:ext uri="{D42A27DB-BD31-4B8C-83A1-F6EECF244321}">
-                <p14:modId xmlns:p14="http://schemas.microsoft.com/office/powerpoint/2010/main" val="3073069425"/>
+                <p14:modId xmlns:p14="http://schemas.microsoft.com/office/powerpoint/2010/main" val="276575715"/>
               </p:ext>
             </p:extLst>
           </p:nvPr>
@@ -17677,7 +18772,7 @@
                         <a:rPr lang="en-US" sz="1800" dirty="0" smtClean="0">
                           <a:effectLst/>
                         </a:rPr>
-                        <a:t>Test_05</a:t>
+                        <a:t>Test_005</a:t>
                       </a:r>
                       <a:endParaRPr lang="en-US" sz="1800" dirty="0">
                         <a:effectLst/>
@@ -17896,7 +18991,7 @@
 </p:sld>
 </file>
 
-<file path=ppt/slides/slide71.xml><?xml version="1.0" encoding="utf-8"?>
+<file path=ppt/slides/slide73.xml><?xml version="1.0" encoding="utf-8"?>
 <p:sld xmlns:a="http://schemas.openxmlformats.org/drawingml/2006/main" xmlns:r="http://schemas.openxmlformats.org/officeDocument/2006/relationships" xmlns:p="http://schemas.openxmlformats.org/presentationml/2006/main">
   <p:cSld>
     <p:spTree>
@@ -17942,7 +19037,7 @@
             <p:ph sz="quarter" idx="1"/>
             <p:extLst>
               <p:ext uri="{D42A27DB-BD31-4B8C-83A1-F6EECF244321}">
-                <p14:modId xmlns:p14="http://schemas.microsoft.com/office/powerpoint/2010/main" val="1261732615"/>
+                <p14:modId xmlns:p14="http://schemas.microsoft.com/office/powerpoint/2010/main" val="2422880390"/>
               </p:ext>
             </p:extLst>
           </p:nvPr>
@@ -18048,7 +19143,7 @@
                         <a:rPr lang="en-US" sz="1800" dirty="0" smtClean="0">
                           <a:effectLst/>
                         </a:rPr>
-                        <a:t>Test_06</a:t>
+                        <a:t>Test_006</a:t>
                       </a:r>
                       <a:endParaRPr lang="en-US" sz="1100" dirty="0">
                         <a:effectLst/>
@@ -18267,7 +19362,7 @@
 </p:sld>
 </file>
 
-<file path=ppt/slides/slide72.xml><?xml version="1.0" encoding="utf-8"?>
+<file path=ppt/slides/slide74.xml><?xml version="1.0" encoding="utf-8"?>
 <p:sld xmlns:a="http://schemas.openxmlformats.org/drawingml/2006/main" xmlns:r="http://schemas.openxmlformats.org/officeDocument/2006/relationships" xmlns:p="http://schemas.openxmlformats.org/presentationml/2006/main">
   <p:cSld>
     <p:spTree>
@@ -18313,7 +19408,7 @@
             <p:ph sz="quarter" idx="1"/>
             <p:extLst>
               <p:ext uri="{D42A27DB-BD31-4B8C-83A1-F6EECF244321}">
-                <p14:modId xmlns:p14="http://schemas.microsoft.com/office/powerpoint/2010/main" val="95532379"/>
+                <p14:modId xmlns:p14="http://schemas.microsoft.com/office/powerpoint/2010/main" val="496641710"/>
               </p:ext>
             </p:extLst>
           </p:nvPr>
@@ -18419,7 +19514,7 @@
                         <a:rPr lang="en-US" sz="1800" dirty="0" smtClean="0">
                           <a:effectLst/>
                         </a:rPr>
-                        <a:t>Test_07</a:t>
+                        <a:t>Test_007</a:t>
                       </a:r>
                       <a:endParaRPr lang="en-US" sz="1100" dirty="0">
                         <a:effectLst/>
@@ -18613,7 +19708,7 @@
 </p:sld>
 </file>
 
-<file path=ppt/slides/slide73.xml><?xml version="1.0" encoding="utf-8"?>
+<file path=ppt/slides/slide75.xml><?xml version="1.0" encoding="utf-8"?>
 <p:sld xmlns:a="http://schemas.openxmlformats.org/drawingml/2006/main" xmlns:r="http://schemas.openxmlformats.org/officeDocument/2006/relationships" xmlns:p="http://schemas.openxmlformats.org/presentationml/2006/main">
   <p:cSld>
     <p:spTree>
@@ -18659,7 +19754,7 @@
             <p:ph sz="quarter" idx="1"/>
             <p:extLst>
               <p:ext uri="{D42A27DB-BD31-4B8C-83A1-F6EECF244321}">
-                <p14:modId xmlns:p14="http://schemas.microsoft.com/office/powerpoint/2010/main" val="989599931"/>
+                <p14:modId xmlns:p14="http://schemas.microsoft.com/office/powerpoint/2010/main" val="2424527559"/>
               </p:ext>
             </p:extLst>
           </p:nvPr>
@@ -18765,7 +19860,7 @@
                         <a:rPr lang="en-US" sz="1800" dirty="0" smtClean="0">
                           <a:effectLst/>
                         </a:rPr>
-                        <a:t>Test_08</a:t>
+                        <a:t>Test_008</a:t>
                       </a:r>
                       <a:endParaRPr lang="en-US" sz="1100" dirty="0">
                         <a:effectLst/>
@@ -18984,7 +20079,7 @@
 </p:sld>
 </file>
 
-<file path=ppt/slides/slide74.xml><?xml version="1.0" encoding="utf-8"?>
+<file path=ppt/slides/slide76.xml><?xml version="1.0" encoding="utf-8"?>
 <p:sld xmlns:a="http://schemas.openxmlformats.org/drawingml/2006/main" xmlns:r="http://schemas.openxmlformats.org/officeDocument/2006/relationships" xmlns:p="http://schemas.openxmlformats.org/presentationml/2006/main">
   <p:cSld>
     <p:spTree>
@@ -19030,7 +20125,7 @@
             <p:ph sz="quarter" idx="1"/>
             <p:extLst>
               <p:ext uri="{D42A27DB-BD31-4B8C-83A1-F6EECF244321}">
-                <p14:modId xmlns:p14="http://schemas.microsoft.com/office/powerpoint/2010/main" val="651557823"/>
+                <p14:modId xmlns:p14="http://schemas.microsoft.com/office/powerpoint/2010/main" val="3651724115"/>
               </p:ext>
             </p:extLst>
           </p:nvPr>
@@ -19136,7 +20231,7 @@
                         <a:rPr lang="en-US" sz="1800" dirty="0" smtClean="0">
                           <a:effectLst/>
                         </a:rPr>
-                        <a:t>Test_09</a:t>
+                        <a:t>Test_009</a:t>
                       </a:r>
                       <a:endParaRPr lang="en-US" sz="1100" dirty="0">
                         <a:effectLst/>
@@ -19291,7 +20386,7 @@
 </p:sld>
 </file>
 
-<file path=ppt/slides/slide75.xml><?xml version="1.0" encoding="utf-8"?>
+<file path=ppt/slides/slide77.xml><?xml version="1.0" encoding="utf-8"?>
 <p:sld xmlns:a="http://schemas.openxmlformats.org/drawingml/2006/main" xmlns:r="http://schemas.openxmlformats.org/officeDocument/2006/relationships" xmlns:p="http://schemas.openxmlformats.org/presentationml/2006/main">
   <p:cSld>
     <p:spTree>
@@ -19341,7 +20436,7 @@
             <p:ph sz="quarter" idx="1"/>
             <p:extLst>
               <p:ext uri="{D42A27DB-BD31-4B8C-83A1-F6EECF244321}">
-                <p14:modId xmlns:p14="http://schemas.microsoft.com/office/powerpoint/2010/main" val="2932155840"/>
+                <p14:modId xmlns:p14="http://schemas.microsoft.com/office/powerpoint/2010/main" val="3628405704"/>
               </p:ext>
             </p:extLst>
           </p:nvPr>
@@ -19447,7 +20542,7 @@
                         <a:rPr lang="en-US" sz="1800" dirty="0" smtClean="0">
                           <a:effectLst/>
                         </a:rPr>
-                        <a:t>Test_010</a:t>
+                        <a:t>Test_0010</a:t>
                       </a:r>
                       <a:endParaRPr lang="en-US" sz="1100" dirty="0">
                         <a:effectLst/>
@@ -19602,184 +20697,6 @@
 </p:sld>
 </file>
 
-<file path=ppt/slides/slide76.xml><?xml version="1.0" encoding="utf-8"?>
-<p:sld xmlns:a="http://schemas.openxmlformats.org/drawingml/2006/main" xmlns:r="http://schemas.openxmlformats.org/officeDocument/2006/relationships" xmlns:p="http://schemas.openxmlformats.org/presentationml/2006/main">
-  <p:cSld>
-    <p:spTree>
-      <p:nvGrpSpPr>
-        <p:cNvPr id="1" name=""/>
-        <p:cNvGrpSpPr/>
-        <p:nvPr/>
-      </p:nvGrpSpPr>
-      <p:grpSpPr>
-        <a:xfrm>
-          <a:off x="0" y="0"/>
-          <a:ext cx="0" cy="0"/>
-          <a:chOff x="0" y="0"/>
-          <a:chExt cx="0" cy="0"/>
-        </a:xfrm>
-      </p:grpSpPr>
-      <p:sp>
-        <p:nvSpPr>
-          <p:cNvPr id="2" name="Title 1"/>
-          <p:cNvSpPr>
-            <a:spLocks noGrp="1"/>
-          </p:cNvSpPr>
-          <p:nvPr>
-            <p:ph type="title"/>
-          </p:nvPr>
-        </p:nvSpPr>
-        <p:spPr/>
-        <p:txBody>
-          <a:bodyPr/>
-          <a:lstStyle/>
-          <a:p>
-            <a:r>
-              <a:rPr lang="en-US" dirty="0" smtClean="0"/>
-              <a:t>Unit testing</a:t>
-            </a:r>
-            <a:endParaRPr lang="en-US" dirty="0"/>
-          </a:p>
-        </p:txBody>
-      </p:sp>
-      <p:sp>
-        <p:nvSpPr>
-          <p:cNvPr id="3" name="Content Placeholder 2"/>
-          <p:cNvSpPr>
-            <a:spLocks noGrp="1"/>
-          </p:cNvSpPr>
-          <p:nvPr>
-            <p:ph sz="quarter" idx="1"/>
-          </p:nvPr>
-        </p:nvSpPr>
-        <p:spPr/>
-        <p:txBody>
-          <a:bodyPr/>
-          <a:lstStyle/>
-          <a:p>
-            <a:r>
-              <a:rPr lang="en-US" dirty="0" smtClean="0"/>
-              <a:t>It is one the testing method which is used to test the software.</a:t>
-            </a:r>
-          </a:p>
-          <a:p>
-            <a:r>
-              <a:rPr lang="en-US" dirty="0" smtClean="0"/>
-              <a:t>It test the internal parts of the software.</a:t>
-            </a:r>
-          </a:p>
-          <a:p>
-            <a:r>
-              <a:rPr lang="en-US" dirty="0" smtClean="0"/>
-              <a:t>To use this test should have the knowledge of the programming and coding.</a:t>
-            </a:r>
-            <a:endParaRPr lang="en-US" dirty="0"/>
-          </a:p>
-        </p:txBody>
-      </p:sp>
-    </p:spTree>
-    <p:extLst>
-      <p:ext uri="{BB962C8B-B14F-4D97-AF65-F5344CB8AC3E}">
-        <p14:creationId xmlns:p14="http://schemas.microsoft.com/office/powerpoint/2010/main" val="1670465089"/>
-      </p:ext>
-    </p:extLst>
-  </p:cSld>
-  <p:clrMapOvr>
-    <a:masterClrMapping/>
-  </p:clrMapOvr>
-</p:sld>
-</file>
-
-<file path=ppt/slides/slide77.xml><?xml version="1.0" encoding="utf-8"?>
-<p:sld xmlns:a="http://schemas.openxmlformats.org/drawingml/2006/main" xmlns:r="http://schemas.openxmlformats.org/officeDocument/2006/relationships" xmlns:p="http://schemas.openxmlformats.org/presentationml/2006/main">
-  <p:cSld>
-    <p:spTree>
-      <p:nvGrpSpPr>
-        <p:cNvPr id="1" name=""/>
-        <p:cNvGrpSpPr/>
-        <p:nvPr/>
-      </p:nvGrpSpPr>
-      <p:grpSpPr>
-        <a:xfrm>
-          <a:off x="0" y="0"/>
-          <a:ext cx="0" cy="0"/>
-          <a:chOff x="0" y="0"/>
-          <a:chExt cx="0" cy="0"/>
-        </a:xfrm>
-      </p:grpSpPr>
-      <p:sp>
-        <p:nvSpPr>
-          <p:cNvPr id="2" name="Title 1"/>
-          <p:cNvSpPr>
-            <a:spLocks noGrp="1"/>
-          </p:cNvSpPr>
-          <p:nvPr>
-            <p:ph type="title"/>
-          </p:nvPr>
-        </p:nvSpPr>
-        <p:spPr/>
-        <p:txBody>
-          <a:bodyPr/>
-          <a:lstStyle/>
-          <a:p>
-            <a:r>
-              <a:rPr lang="en-US" dirty="0" smtClean="0"/>
-              <a:t>Unit testing</a:t>
-            </a:r>
-            <a:endParaRPr lang="en-US" dirty="0"/>
-          </a:p>
-        </p:txBody>
-      </p:sp>
-      <p:pic>
-        <p:nvPicPr>
-          <p:cNvPr id="4" name="Content Placeholder 3" descr="E:\SMS\analysis\images\ut.PNG"/>
-          <p:cNvPicPr>
-            <a:picLocks noGrp="1"/>
-          </p:cNvPicPr>
-          <p:nvPr>
-            <p:ph sz="quarter" idx="1"/>
-          </p:nvPr>
-        </p:nvPicPr>
-        <p:blipFill>
-          <a:blip r:embed="rId2">
-            <a:extLst>
-              <a:ext uri="{28A0092B-C50C-407E-A947-70E740481C1C}">
-                <a14:useLocalDpi xmlns:a14="http://schemas.microsoft.com/office/drawing/2010/main" val="0"/>
-              </a:ext>
-            </a:extLst>
-          </a:blip>
-          <a:srcRect/>
-          <a:stretch>
-            <a:fillRect/>
-          </a:stretch>
-        </p:blipFill>
-        <p:spPr bwMode="auto">
-          <a:xfrm>
-            <a:off x="301625" y="3023909"/>
-            <a:ext cx="8504238" cy="1578532"/>
-          </a:xfrm>
-          <a:prstGeom prst="rect">
-            <a:avLst/>
-          </a:prstGeom>
-          <a:noFill/>
-          <a:ln>
-            <a:noFill/>
-          </a:ln>
-        </p:spPr>
-      </p:pic>
-    </p:spTree>
-    <p:extLst>
-      <p:ext uri="{BB962C8B-B14F-4D97-AF65-F5344CB8AC3E}">
-        <p14:creationId xmlns:p14="http://schemas.microsoft.com/office/powerpoint/2010/main" val="819150937"/>
-      </p:ext>
-    </p:extLst>
-  </p:cSld>
-  <p:clrMapOvr>
-    <a:masterClrMapping/>
-  </p:clrMapOvr>
-</p:sld>
-</file>
-
 <file path=ppt/slides/slide78.xml><?xml version="1.0" encoding="utf-8"?>
 <p:sld xmlns:a="http://schemas.openxmlformats.org/drawingml/2006/main" xmlns:r="http://schemas.openxmlformats.org/officeDocument/2006/relationships" xmlns:p="http://schemas.openxmlformats.org/presentationml/2006/main">
   <p:cSld>
@@ -19799,7 +20716,7 @@
       </p:grpSpPr>
       <p:sp>
         <p:nvSpPr>
-          <p:cNvPr id="3" name="Title 2"/>
+          <p:cNvPr id="2" name="Title 1"/>
           <p:cNvSpPr>
             <a:spLocks noGrp="1"/>
           </p:cNvSpPr>
@@ -19812,59 +20729,171 @@
           <a:bodyPr/>
           <a:lstStyle/>
           <a:p>
-            <a:r>
-              <a:rPr lang="en-US" dirty="0" smtClean="0"/>
-              <a:t>Future work</a:t>
-            </a:r>
-            <a:endParaRPr lang="en-US" dirty="0"/>
-          </a:p>
-        </p:txBody>
-      </p:sp>
-      <p:sp>
-        <p:nvSpPr>
-          <p:cNvPr id="2" name="Content Placeholder 1"/>
-          <p:cNvSpPr>
-            <a:spLocks noGrp="1"/>
-          </p:cNvSpPr>
+            <a:endParaRPr lang="en-US"/>
+          </a:p>
+        </p:txBody>
+      </p:sp>
+      <p:graphicFrame>
+        <p:nvGraphicFramePr>
+          <p:cNvPr id="4" name="Content Placeholder 3"/>
+          <p:cNvGraphicFramePr>
+            <a:graphicFrameLocks noGrp="1"/>
+          </p:cNvGraphicFramePr>
           <p:nvPr>
             <p:ph sz="quarter" idx="1"/>
-          </p:nvPr>
-        </p:nvSpPr>
-        <p:spPr/>
-        <p:txBody>
-          <a:bodyPr/>
-          <a:lstStyle/>
-          <a:p>
-            <a:r>
-              <a:rPr lang="en-US" dirty="0" smtClean="0"/>
-              <a:t>It is not only use for the business but also the shops as it is related to the product and its management in the systematic way.</a:t>
-            </a:r>
-          </a:p>
-          <a:p>
-            <a:r>
-              <a:rPr lang="en-US" dirty="0" smtClean="0"/>
-              <a:t>If the admin wants to use the staffs to control the some features in the near future then they can allow it.</a:t>
-            </a:r>
-          </a:p>
-          <a:p>
-            <a:r>
-              <a:rPr lang="en-US" dirty="0" smtClean="0"/>
-              <a:t>The admin can completely add and edit the new products.</a:t>
-            </a:r>
-          </a:p>
-          <a:p>
-            <a:r>
-              <a:rPr lang="en-US" dirty="0" smtClean="0"/>
-              <a:t> </a:t>
-            </a:r>
-            <a:endParaRPr lang="en-US" dirty="0"/>
-          </a:p>
-        </p:txBody>
-      </p:sp>
+            <p:extLst>
+              <p:ext uri="{D42A27DB-BD31-4B8C-83A1-F6EECF244321}">
+                <p14:modId xmlns:p14="http://schemas.microsoft.com/office/powerpoint/2010/main" val="1151564556"/>
+              </p:ext>
+            </p:extLst>
+          </p:nvPr>
+        </p:nvGraphicFramePr>
+        <p:xfrm>
+          <a:off x="301625" y="1527175"/>
+          <a:ext cx="8504238" cy="4873625"/>
+        </p:xfrm>
+        <a:graphic>
+          <a:graphicData uri="http://schemas.openxmlformats.org/drawingml/2006/table">
+            <a:tbl>
+              <a:tblPr firstRow="1" bandRow="1">
+                <a:tableStyleId>{5C22544A-7EE6-4342-B048-85BDC9FD1C3A}</a:tableStyleId>
+              </a:tblPr>
+              <a:tblGrid>
+                <a:gridCol w="1222375"/>
+                <a:gridCol w="7281863"/>
+              </a:tblGrid>
+              <a:tr h="370840">
+                <a:tc>
+                  <a:txBody>
+                    <a:bodyPr/>
+                    <a:lstStyle/>
+                    <a:p>
+                      <a:r>
+                        <a:rPr lang="en-US" dirty="0" smtClean="0"/>
+                        <a:t>Test_id</a:t>
+                      </a:r>
+                      <a:endParaRPr lang="en-US" dirty="0"/>
+                    </a:p>
+                  </a:txBody>
+                  <a:tcPr/>
+                </a:tc>
+                <a:tc>
+                  <a:txBody>
+                    <a:bodyPr/>
+                    <a:lstStyle/>
+                    <a:p>
+                      <a:r>
+                        <a:rPr lang="en-US" dirty="0" smtClean="0"/>
+                        <a:t>Output </a:t>
+                      </a:r>
+                      <a:endParaRPr lang="en-US" dirty="0"/>
+                    </a:p>
+                  </a:txBody>
+                  <a:tcPr/>
+                </a:tc>
+              </a:tr>
+              <a:tr h="4502785">
+                <a:tc>
+                  <a:txBody>
+                    <a:bodyPr/>
+                    <a:lstStyle/>
+                    <a:p>
+                      <a:pPr marL="0" marR="0" indent="0" algn="l" defTabSz="914400" rtl="0" eaLnBrk="1" fontAlgn="auto" latinLnBrk="0" hangingPunct="1">
+                        <a:lnSpc>
+                          <a:spcPct val="100000"/>
+                        </a:lnSpc>
+                        <a:spcBef>
+                          <a:spcPts val="0"/>
+                        </a:spcBef>
+                        <a:spcAft>
+                          <a:spcPts val="0"/>
+                        </a:spcAft>
+                        <a:buClrTx/>
+                        <a:buSzTx/>
+                        <a:buFontTx/>
+                        <a:buNone/>
+                        <a:tabLst/>
+                        <a:defRPr/>
+                      </a:pPr>
+                      <a:r>
+                        <a:rPr lang="en-US" sz="1800" dirty="0" smtClean="0">
+                          <a:effectLst/>
+                        </a:rPr>
+                        <a:t>Test_0011</a:t>
+                      </a:r>
+                      <a:endParaRPr lang="en-US" sz="1100" dirty="0" smtClean="0">
+                        <a:effectLst/>
+                      </a:endParaRPr>
+                    </a:p>
+                    <a:p>
+                      <a:endParaRPr lang="en-US" dirty="0"/>
+                    </a:p>
+                  </a:txBody>
+                  <a:tcPr/>
+                </a:tc>
+                <a:tc>
+                  <a:txBody>
+                    <a:bodyPr/>
+                    <a:lstStyle/>
+                    <a:p>
+                      <a:endParaRPr lang="en-US" dirty="0"/>
+                    </a:p>
+                  </a:txBody>
+                  <a:tcPr/>
+                </a:tc>
+              </a:tr>
+            </a:tbl>
+          </a:graphicData>
+        </a:graphic>
+      </p:graphicFrame>
+      <p:pic>
+        <p:nvPicPr>
+          <p:cNvPr id="5" name="Picture 4"/>
+          <p:cNvPicPr/>
+          <p:nvPr/>
+        </p:nvPicPr>
+        <p:blipFill>
+          <a:blip r:embed="rId2"/>
+          <a:stretch>
+            <a:fillRect/>
+          </a:stretch>
+        </p:blipFill>
+        <p:spPr>
+          <a:xfrm>
+            <a:off x="1905000" y="2247900"/>
+            <a:ext cx="5562599" cy="1866900"/>
+          </a:xfrm>
+          <a:prstGeom prst="rect">
+            <a:avLst/>
+          </a:prstGeom>
+        </p:spPr>
+      </p:pic>
+      <p:pic>
+        <p:nvPicPr>
+          <p:cNvPr id="6" name="Picture 5"/>
+          <p:cNvPicPr/>
+          <p:nvPr/>
+        </p:nvPicPr>
+        <p:blipFill>
+          <a:blip r:embed="rId3"/>
+          <a:stretch>
+            <a:fillRect/>
+          </a:stretch>
+        </p:blipFill>
+        <p:spPr>
+          <a:xfrm>
+            <a:off x="1909118" y="4127157"/>
+            <a:ext cx="5560540" cy="2171700"/>
+          </a:xfrm>
+          <a:prstGeom prst="rect">
+            <a:avLst/>
+          </a:prstGeom>
+        </p:spPr>
+      </p:pic>
     </p:spTree>
     <p:extLst>
       <p:ext uri="{BB962C8B-B14F-4D97-AF65-F5344CB8AC3E}">
-        <p14:creationId xmlns:p14="http://schemas.microsoft.com/office/powerpoint/2010/main" val="1555483637"/>
+        <p14:creationId xmlns:p14="http://schemas.microsoft.com/office/powerpoint/2010/main" val="3249528362"/>
       </p:ext>
     </p:extLst>
   </p:cSld>
@@ -19900,7 +20929,7 @@
       </p:grpSpPr>
       <p:sp>
         <p:nvSpPr>
-          <p:cNvPr id="3" name="Title 2"/>
+          <p:cNvPr id="2" name="Title 1"/>
           <p:cNvSpPr>
             <a:spLocks noGrp="1"/>
           </p:cNvSpPr>
@@ -19913,59 +20942,158 @@
           <a:bodyPr/>
           <a:lstStyle/>
           <a:p>
-            <a:r>
-              <a:rPr lang="en-US" dirty="0" smtClean="0"/>
-              <a:t>limitation</a:t>
-            </a:r>
-            <a:endParaRPr lang="en-US" dirty="0"/>
-          </a:p>
-        </p:txBody>
-      </p:sp>
-      <p:sp>
-        <p:nvSpPr>
-          <p:cNvPr id="2" name="Content Placeholder 1"/>
-          <p:cNvSpPr>
-            <a:spLocks noGrp="1"/>
-          </p:cNvSpPr>
+            <a:endParaRPr lang="en-US"/>
+          </a:p>
+        </p:txBody>
+      </p:sp>
+      <p:graphicFrame>
+        <p:nvGraphicFramePr>
+          <p:cNvPr id="4" name="Content Placeholder 3"/>
+          <p:cNvGraphicFramePr>
+            <a:graphicFrameLocks noGrp="1"/>
+          </p:cNvGraphicFramePr>
           <p:nvPr>
             <p:ph sz="quarter" idx="1"/>
-          </p:nvPr>
-        </p:nvSpPr>
-        <p:spPr/>
-        <p:txBody>
-          <a:bodyPr/>
-          <a:lstStyle/>
-          <a:p>
-            <a:r>
-              <a:rPr lang="en-US" dirty="0" smtClean="0"/>
-              <a:t>The project is made under the step by step method with rules and regulation. We can say that the project works under the waterfall model.</a:t>
-            </a:r>
-          </a:p>
-          <a:p>
-            <a:r>
-              <a:rPr lang="en-US" dirty="0" smtClean="0"/>
-              <a:t> The work flows like the waterfall so we cannot go back to the first step after entering the second step.</a:t>
-            </a:r>
-          </a:p>
-          <a:p>
-            <a:r>
-              <a:rPr lang="en-US" dirty="0" smtClean="0"/>
-              <a:t>We cannot change it in the middle.</a:t>
-            </a:r>
-          </a:p>
-          <a:p>
-            <a:r>
-              <a:rPr lang="en-US" dirty="0" smtClean="0"/>
-              <a:t>This project is not the online website which is only control by the admin so the outside user cannot open it.</a:t>
-            </a:r>
-            <a:endParaRPr lang="en-US" dirty="0"/>
-          </a:p>
-        </p:txBody>
-      </p:sp>
+            <p:extLst>
+              <p:ext uri="{D42A27DB-BD31-4B8C-83A1-F6EECF244321}">
+                <p14:modId xmlns:p14="http://schemas.microsoft.com/office/powerpoint/2010/main" val="1499705314"/>
+              </p:ext>
+            </p:extLst>
+          </p:nvPr>
+        </p:nvGraphicFramePr>
+        <p:xfrm>
+          <a:off x="301625" y="1527175"/>
+          <a:ext cx="8504238" cy="4949825"/>
+        </p:xfrm>
+        <a:graphic>
+          <a:graphicData uri="http://schemas.openxmlformats.org/drawingml/2006/table">
+            <a:tbl>
+              <a:tblPr firstRow="1" bandRow="1">
+                <a:tableStyleId>{5C22544A-7EE6-4342-B048-85BDC9FD1C3A}</a:tableStyleId>
+              </a:tblPr>
+              <a:tblGrid>
+                <a:gridCol w="1374775"/>
+                <a:gridCol w="7129463"/>
+              </a:tblGrid>
+              <a:tr h="370840">
+                <a:tc>
+                  <a:txBody>
+                    <a:bodyPr/>
+                    <a:lstStyle/>
+                    <a:p>
+                      <a:r>
+                        <a:rPr lang="en-US" dirty="0" smtClean="0"/>
+                        <a:t>Test_id</a:t>
+                      </a:r>
+                      <a:endParaRPr lang="en-US" dirty="0"/>
+                    </a:p>
+                  </a:txBody>
+                  <a:tcPr/>
+                </a:tc>
+                <a:tc>
+                  <a:txBody>
+                    <a:bodyPr/>
+                    <a:lstStyle/>
+                    <a:p>
+                      <a:r>
+                        <a:rPr lang="en-US" dirty="0" smtClean="0"/>
+                        <a:t>Output </a:t>
+                      </a:r>
+                      <a:endParaRPr lang="en-US" dirty="0"/>
+                    </a:p>
+                  </a:txBody>
+                  <a:tcPr/>
+                </a:tc>
+              </a:tr>
+              <a:tr h="4578985">
+                <a:tc>
+                  <a:txBody>
+                    <a:bodyPr/>
+                    <a:lstStyle/>
+                    <a:p>
+                      <a:r>
+                        <a:rPr lang="en-US" dirty="0" smtClean="0"/>
+                        <a:t>Test_0012</a:t>
+                      </a:r>
+                      <a:endParaRPr lang="en-US" dirty="0"/>
+                    </a:p>
+                  </a:txBody>
+                  <a:tcPr/>
+                </a:tc>
+                <a:tc>
+                  <a:txBody>
+                    <a:bodyPr/>
+                    <a:lstStyle/>
+                    <a:p>
+                      <a:endParaRPr lang="en-US" dirty="0"/>
+                    </a:p>
+                  </a:txBody>
+                  <a:tcPr/>
+                </a:tc>
+              </a:tr>
+            </a:tbl>
+          </a:graphicData>
+        </a:graphic>
+      </p:graphicFrame>
+      <p:pic>
+        <p:nvPicPr>
+          <p:cNvPr id="5" name="Picture 4" descr="E:\SMS\testing\test18.PNG"/>
+          <p:cNvPicPr/>
+          <p:nvPr/>
+        </p:nvPicPr>
+        <p:blipFill>
+          <a:blip r:embed="rId2">
+            <a:extLst>
+              <a:ext uri="{28A0092B-C50C-407E-A947-70E740481C1C}">
+                <a14:useLocalDpi xmlns:a14="http://schemas.microsoft.com/office/drawing/2010/main" val="0"/>
+              </a:ext>
+            </a:extLst>
+          </a:blip>
+          <a:srcRect/>
+          <a:stretch>
+            <a:fillRect/>
+          </a:stretch>
+        </p:blipFill>
+        <p:spPr bwMode="auto">
+          <a:xfrm>
+            <a:off x="1919287" y="1938337"/>
+            <a:ext cx="6234113" cy="2100263"/>
+          </a:xfrm>
+          <a:prstGeom prst="rect">
+            <a:avLst/>
+          </a:prstGeom>
+          <a:noFill/>
+          <a:ln>
+            <a:noFill/>
+          </a:ln>
+        </p:spPr>
+      </p:pic>
+      <p:pic>
+        <p:nvPicPr>
+          <p:cNvPr id="6" name="Picture 5"/>
+          <p:cNvPicPr/>
+          <p:nvPr/>
+        </p:nvPicPr>
+        <p:blipFill>
+          <a:blip r:embed="rId3"/>
+          <a:stretch>
+            <a:fillRect/>
+          </a:stretch>
+        </p:blipFill>
+        <p:spPr>
+          <a:xfrm>
+            <a:off x="1919287" y="4038600"/>
+            <a:ext cx="6234113" cy="2371725"/>
+          </a:xfrm>
+          <a:prstGeom prst="rect">
+            <a:avLst/>
+          </a:prstGeom>
+        </p:spPr>
+      </p:pic>
     </p:spTree>
     <p:extLst>
       <p:ext uri="{BB962C8B-B14F-4D97-AF65-F5344CB8AC3E}">
-        <p14:creationId xmlns:p14="http://schemas.microsoft.com/office/powerpoint/2010/main" val="76047110"/>
+        <p14:creationId xmlns:p14="http://schemas.microsoft.com/office/powerpoint/2010/main" val="3502538773"/>
       </p:ext>
     </p:extLst>
   </p:cSld>
@@ -20084,6 +21212,535 @@
 </file>
 
 <file path=ppt/slides/slide80.xml><?xml version="1.0" encoding="utf-8"?>
+<p:sld xmlns:a="http://schemas.openxmlformats.org/drawingml/2006/main" xmlns:r="http://schemas.openxmlformats.org/officeDocument/2006/relationships" xmlns:p="http://schemas.openxmlformats.org/presentationml/2006/main">
+  <p:cSld>
+    <p:spTree>
+      <p:nvGrpSpPr>
+        <p:cNvPr id="1" name=""/>
+        <p:cNvGrpSpPr/>
+        <p:nvPr/>
+      </p:nvGrpSpPr>
+      <p:grpSpPr>
+        <a:xfrm>
+          <a:off x="0" y="0"/>
+          <a:ext cx="0" cy="0"/>
+          <a:chOff x="0" y="0"/>
+          <a:chExt cx="0" cy="0"/>
+        </a:xfrm>
+      </p:grpSpPr>
+      <p:sp>
+        <p:nvSpPr>
+          <p:cNvPr id="2" name="Title 1"/>
+          <p:cNvSpPr>
+            <a:spLocks noGrp="1"/>
+          </p:cNvSpPr>
+          <p:nvPr>
+            <p:ph type="title"/>
+          </p:nvPr>
+        </p:nvSpPr>
+        <p:spPr/>
+        <p:txBody>
+          <a:bodyPr/>
+          <a:lstStyle/>
+          <a:p>
+            <a:r>
+              <a:rPr lang="en-US" dirty="0" smtClean="0"/>
+              <a:t>Unit testing</a:t>
+            </a:r>
+            <a:endParaRPr lang="en-US" dirty="0"/>
+          </a:p>
+        </p:txBody>
+      </p:sp>
+      <p:sp>
+        <p:nvSpPr>
+          <p:cNvPr id="3" name="Content Placeholder 2"/>
+          <p:cNvSpPr>
+            <a:spLocks noGrp="1"/>
+          </p:cNvSpPr>
+          <p:nvPr>
+            <p:ph sz="quarter" idx="1"/>
+          </p:nvPr>
+        </p:nvSpPr>
+        <p:spPr/>
+        <p:txBody>
+          <a:bodyPr/>
+          <a:lstStyle/>
+          <a:p>
+            <a:r>
+              <a:rPr lang="en-US" dirty="0" smtClean="0"/>
+              <a:t>It is one the testing method which is used to test the software.</a:t>
+            </a:r>
+          </a:p>
+          <a:p>
+            <a:r>
+              <a:rPr lang="en-US" dirty="0" smtClean="0"/>
+              <a:t>It test the internal parts of the software.</a:t>
+            </a:r>
+          </a:p>
+          <a:p>
+            <a:r>
+              <a:rPr lang="en-US" dirty="0" smtClean="0"/>
+              <a:t>To use this test should have the knowledge of the programming and coding.</a:t>
+            </a:r>
+            <a:endParaRPr lang="en-US" dirty="0"/>
+          </a:p>
+        </p:txBody>
+      </p:sp>
+    </p:spTree>
+    <p:extLst>
+      <p:ext uri="{BB962C8B-B14F-4D97-AF65-F5344CB8AC3E}">
+        <p14:creationId xmlns:p14="http://schemas.microsoft.com/office/powerpoint/2010/main" val="1670465089"/>
+      </p:ext>
+    </p:extLst>
+  </p:cSld>
+  <p:clrMapOvr>
+    <a:masterClrMapping/>
+  </p:clrMapOvr>
+  <p:timing>
+    <p:tnLst>
+      <p:par>
+        <p:cTn id="1" dur="indefinite" restart="never" nodeType="tmRoot"/>
+      </p:par>
+    </p:tnLst>
+  </p:timing>
+</p:sld>
+</file>
+
+<file path=ppt/slides/slide81.xml><?xml version="1.0" encoding="utf-8"?>
+<p:sld xmlns:a="http://schemas.openxmlformats.org/drawingml/2006/main" xmlns:r="http://schemas.openxmlformats.org/officeDocument/2006/relationships" xmlns:p="http://schemas.openxmlformats.org/presentationml/2006/main">
+  <p:cSld>
+    <p:spTree>
+      <p:nvGrpSpPr>
+        <p:cNvPr id="1" name=""/>
+        <p:cNvGrpSpPr/>
+        <p:nvPr/>
+      </p:nvGrpSpPr>
+      <p:grpSpPr>
+        <a:xfrm>
+          <a:off x="0" y="0"/>
+          <a:ext cx="0" cy="0"/>
+          <a:chOff x="0" y="0"/>
+          <a:chExt cx="0" cy="0"/>
+        </a:xfrm>
+      </p:grpSpPr>
+      <p:sp>
+        <p:nvSpPr>
+          <p:cNvPr id="2" name="Title 1"/>
+          <p:cNvSpPr>
+            <a:spLocks noGrp="1"/>
+          </p:cNvSpPr>
+          <p:nvPr>
+            <p:ph type="title"/>
+          </p:nvPr>
+        </p:nvSpPr>
+        <p:spPr/>
+        <p:txBody>
+          <a:bodyPr/>
+          <a:lstStyle/>
+          <a:p>
+            <a:r>
+              <a:rPr lang="en-US" dirty="0" smtClean="0"/>
+              <a:t>Unit testing</a:t>
+            </a:r>
+            <a:endParaRPr lang="en-US" dirty="0"/>
+          </a:p>
+        </p:txBody>
+      </p:sp>
+      <p:pic>
+        <p:nvPicPr>
+          <p:cNvPr id="5" name="Picture 4" descr="E:\SMS\testing\ut1.1.PNG"/>
+          <p:cNvPicPr/>
+          <p:nvPr/>
+        </p:nvPicPr>
+        <p:blipFill>
+          <a:blip r:embed="rId2">
+            <a:extLst>
+              <a:ext uri="{28A0092B-C50C-407E-A947-70E740481C1C}">
+                <a14:useLocalDpi xmlns:a14="http://schemas.microsoft.com/office/drawing/2010/main" val="0"/>
+              </a:ext>
+            </a:extLst>
+          </a:blip>
+          <a:srcRect/>
+          <a:stretch>
+            <a:fillRect/>
+          </a:stretch>
+        </p:blipFill>
+        <p:spPr bwMode="auto">
+          <a:xfrm>
+            <a:off x="381000" y="1676400"/>
+            <a:ext cx="8077200" cy="2438400"/>
+          </a:xfrm>
+          <a:prstGeom prst="rect">
+            <a:avLst/>
+          </a:prstGeom>
+          <a:noFill/>
+          <a:ln>
+            <a:noFill/>
+          </a:ln>
+        </p:spPr>
+      </p:pic>
+      <p:pic>
+        <p:nvPicPr>
+          <p:cNvPr id="9" name="Content Placeholder 8"/>
+          <p:cNvPicPr>
+            <a:picLocks noGrp="1" noChangeAspect="1"/>
+          </p:cNvPicPr>
+          <p:nvPr>
+            <p:ph sz="quarter" idx="1"/>
+          </p:nvPr>
+        </p:nvPicPr>
+        <p:blipFill>
+          <a:blip r:embed="rId3">
+            <a:extLst>
+              <a:ext uri="{28A0092B-C50C-407E-A947-70E740481C1C}">
+                <a14:useLocalDpi xmlns:a14="http://schemas.microsoft.com/office/drawing/2010/main" val="0"/>
+              </a:ext>
+            </a:extLst>
+          </a:blip>
+          <a:stretch>
+            <a:fillRect/>
+          </a:stretch>
+        </p:blipFill>
+        <p:spPr>
+          <a:xfrm>
+            <a:off x="403654" y="4267200"/>
+            <a:ext cx="8054546" cy="1981200"/>
+          </a:xfrm>
+        </p:spPr>
+      </p:pic>
+    </p:spTree>
+    <p:extLst>
+      <p:ext uri="{BB962C8B-B14F-4D97-AF65-F5344CB8AC3E}">
+        <p14:creationId xmlns:p14="http://schemas.microsoft.com/office/powerpoint/2010/main" val="819150937"/>
+      </p:ext>
+    </p:extLst>
+  </p:cSld>
+  <p:clrMapOvr>
+    <a:masterClrMapping/>
+  </p:clrMapOvr>
+  <p:timing>
+    <p:tnLst>
+      <p:par>
+        <p:cTn id="1" dur="indefinite" restart="never" nodeType="tmRoot"/>
+      </p:par>
+    </p:tnLst>
+  </p:timing>
+</p:sld>
+</file>
+
+<file path=ppt/slides/slide82.xml><?xml version="1.0" encoding="utf-8"?>
+<p:sld xmlns:a="http://schemas.openxmlformats.org/drawingml/2006/main" xmlns:r="http://schemas.openxmlformats.org/officeDocument/2006/relationships" xmlns:p="http://schemas.openxmlformats.org/presentationml/2006/main">
+  <p:cSld>
+    <p:spTree>
+      <p:nvGrpSpPr>
+        <p:cNvPr id="1" name=""/>
+        <p:cNvGrpSpPr/>
+        <p:nvPr/>
+      </p:nvGrpSpPr>
+      <p:grpSpPr>
+        <a:xfrm>
+          <a:off x="0" y="0"/>
+          <a:ext cx="0" cy="0"/>
+          <a:chOff x="0" y="0"/>
+          <a:chExt cx="0" cy="0"/>
+        </a:xfrm>
+      </p:grpSpPr>
+      <p:sp>
+        <p:nvSpPr>
+          <p:cNvPr id="2" name="Title 1"/>
+          <p:cNvSpPr>
+            <a:spLocks noGrp="1"/>
+          </p:cNvSpPr>
+          <p:nvPr>
+            <p:ph type="title"/>
+          </p:nvPr>
+        </p:nvSpPr>
+        <p:spPr/>
+        <p:txBody>
+          <a:bodyPr/>
+          <a:lstStyle/>
+          <a:p>
+            <a:endParaRPr lang="en-US"/>
+          </a:p>
+        </p:txBody>
+      </p:sp>
+      <p:pic>
+        <p:nvPicPr>
+          <p:cNvPr id="4" name="Content Placeholder 3"/>
+          <p:cNvPicPr>
+            <a:picLocks noGrp="1" noChangeAspect="1"/>
+          </p:cNvPicPr>
+          <p:nvPr>
+            <p:ph sz="quarter" idx="1"/>
+          </p:nvPr>
+        </p:nvPicPr>
+        <p:blipFill>
+          <a:blip r:embed="rId2">
+            <a:extLst>
+              <a:ext uri="{28A0092B-C50C-407E-A947-70E740481C1C}">
+                <a14:useLocalDpi xmlns:a14="http://schemas.microsoft.com/office/drawing/2010/main" val="0"/>
+              </a:ext>
+            </a:extLst>
+          </a:blip>
+          <a:stretch>
+            <a:fillRect/>
+          </a:stretch>
+        </p:blipFill>
+        <p:spPr>
+          <a:xfrm>
+            <a:off x="381000" y="4267200"/>
+            <a:ext cx="7924800" cy="1578532"/>
+          </a:xfrm>
+        </p:spPr>
+      </p:pic>
+      <p:pic>
+        <p:nvPicPr>
+          <p:cNvPr id="5" name="Picture 4" descr="E:\SMS\testing\ut3.PNG"/>
+          <p:cNvPicPr/>
+          <p:nvPr/>
+        </p:nvPicPr>
+        <p:blipFill>
+          <a:blip r:embed="rId3">
+            <a:extLst>
+              <a:ext uri="{28A0092B-C50C-407E-A947-70E740481C1C}">
+                <a14:useLocalDpi xmlns:a14="http://schemas.microsoft.com/office/drawing/2010/main" val="0"/>
+              </a:ext>
+            </a:extLst>
+          </a:blip>
+          <a:srcRect/>
+          <a:stretch>
+            <a:fillRect/>
+          </a:stretch>
+        </p:blipFill>
+        <p:spPr bwMode="auto">
+          <a:xfrm>
+            <a:off x="381000" y="1600201"/>
+            <a:ext cx="7924800" cy="2590800"/>
+          </a:xfrm>
+          <a:prstGeom prst="rect">
+            <a:avLst/>
+          </a:prstGeom>
+          <a:noFill/>
+          <a:ln>
+            <a:noFill/>
+          </a:ln>
+        </p:spPr>
+      </p:pic>
+    </p:spTree>
+    <p:extLst>
+      <p:ext uri="{BB962C8B-B14F-4D97-AF65-F5344CB8AC3E}">
+        <p14:creationId xmlns:p14="http://schemas.microsoft.com/office/powerpoint/2010/main" val="2547042756"/>
+      </p:ext>
+    </p:extLst>
+  </p:cSld>
+  <p:clrMapOvr>
+    <a:masterClrMapping/>
+  </p:clrMapOvr>
+</p:sld>
+</file>
+
+<file path=ppt/slides/slide83.xml><?xml version="1.0" encoding="utf-8"?>
+<p:sld xmlns:a="http://schemas.openxmlformats.org/drawingml/2006/main" xmlns:r="http://schemas.openxmlformats.org/officeDocument/2006/relationships" xmlns:p="http://schemas.openxmlformats.org/presentationml/2006/main">
+  <p:cSld>
+    <p:spTree>
+      <p:nvGrpSpPr>
+        <p:cNvPr id="1" name=""/>
+        <p:cNvGrpSpPr/>
+        <p:nvPr/>
+      </p:nvGrpSpPr>
+      <p:grpSpPr>
+        <a:xfrm>
+          <a:off x="0" y="0"/>
+          <a:ext cx="0" cy="0"/>
+          <a:chOff x="0" y="0"/>
+          <a:chExt cx="0" cy="0"/>
+        </a:xfrm>
+      </p:grpSpPr>
+      <p:sp>
+        <p:nvSpPr>
+          <p:cNvPr id="3" name="Title 2"/>
+          <p:cNvSpPr>
+            <a:spLocks noGrp="1"/>
+          </p:cNvSpPr>
+          <p:nvPr>
+            <p:ph type="title"/>
+          </p:nvPr>
+        </p:nvSpPr>
+        <p:spPr/>
+        <p:txBody>
+          <a:bodyPr/>
+          <a:lstStyle/>
+          <a:p>
+            <a:r>
+              <a:rPr lang="en-US" dirty="0" smtClean="0"/>
+              <a:t>Future work</a:t>
+            </a:r>
+            <a:endParaRPr lang="en-US" dirty="0"/>
+          </a:p>
+        </p:txBody>
+      </p:sp>
+      <p:sp>
+        <p:nvSpPr>
+          <p:cNvPr id="2" name="Content Placeholder 1"/>
+          <p:cNvSpPr>
+            <a:spLocks noGrp="1"/>
+          </p:cNvSpPr>
+          <p:nvPr>
+            <p:ph sz="quarter" idx="1"/>
+          </p:nvPr>
+        </p:nvSpPr>
+        <p:spPr/>
+        <p:txBody>
+          <a:bodyPr/>
+          <a:lstStyle/>
+          <a:p>
+            <a:r>
+              <a:rPr lang="en-US" dirty="0" smtClean="0"/>
+              <a:t>It is not only use for the business but also the shops as it is related to the product and its management in the systematic way.</a:t>
+            </a:r>
+          </a:p>
+          <a:p>
+            <a:r>
+              <a:rPr lang="en-US" dirty="0" smtClean="0"/>
+              <a:t>If the admin wants to use the staffs to control the some features in the near future then they can allow it.</a:t>
+            </a:r>
+          </a:p>
+          <a:p>
+            <a:r>
+              <a:rPr lang="en-US" dirty="0" smtClean="0"/>
+              <a:t>The admin can completely add and edit the new products.</a:t>
+            </a:r>
+          </a:p>
+          <a:p>
+            <a:pPr marL="0" indent="0">
+              <a:buNone/>
+            </a:pPr>
+            <a:endParaRPr lang="en-US" dirty="0"/>
+          </a:p>
+        </p:txBody>
+      </p:sp>
+    </p:spTree>
+    <p:extLst>
+      <p:ext uri="{BB962C8B-B14F-4D97-AF65-F5344CB8AC3E}">
+        <p14:creationId xmlns:p14="http://schemas.microsoft.com/office/powerpoint/2010/main" val="1555483637"/>
+      </p:ext>
+    </p:extLst>
+  </p:cSld>
+  <p:clrMapOvr>
+    <a:masterClrMapping/>
+  </p:clrMapOvr>
+  <p:timing>
+    <p:tnLst>
+      <p:par>
+        <p:cTn id="1" dur="indefinite" restart="never" nodeType="tmRoot"/>
+      </p:par>
+    </p:tnLst>
+  </p:timing>
+</p:sld>
+</file>
+
+<file path=ppt/slides/slide84.xml><?xml version="1.0" encoding="utf-8"?>
+<p:sld xmlns:a="http://schemas.openxmlformats.org/drawingml/2006/main" xmlns:r="http://schemas.openxmlformats.org/officeDocument/2006/relationships" xmlns:p="http://schemas.openxmlformats.org/presentationml/2006/main">
+  <p:cSld>
+    <p:spTree>
+      <p:nvGrpSpPr>
+        <p:cNvPr id="1" name=""/>
+        <p:cNvGrpSpPr/>
+        <p:nvPr/>
+      </p:nvGrpSpPr>
+      <p:grpSpPr>
+        <a:xfrm>
+          <a:off x="0" y="0"/>
+          <a:ext cx="0" cy="0"/>
+          <a:chOff x="0" y="0"/>
+          <a:chExt cx="0" cy="0"/>
+        </a:xfrm>
+      </p:grpSpPr>
+      <p:sp>
+        <p:nvSpPr>
+          <p:cNvPr id="3" name="Title 2"/>
+          <p:cNvSpPr>
+            <a:spLocks noGrp="1"/>
+          </p:cNvSpPr>
+          <p:nvPr>
+            <p:ph type="title"/>
+          </p:nvPr>
+        </p:nvSpPr>
+        <p:spPr/>
+        <p:txBody>
+          <a:bodyPr/>
+          <a:lstStyle/>
+          <a:p>
+            <a:r>
+              <a:rPr lang="en-US" dirty="0" smtClean="0"/>
+              <a:t>limitation</a:t>
+            </a:r>
+            <a:endParaRPr lang="en-US" dirty="0"/>
+          </a:p>
+        </p:txBody>
+      </p:sp>
+      <p:sp>
+        <p:nvSpPr>
+          <p:cNvPr id="2" name="Content Placeholder 1"/>
+          <p:cNvSpPr>
+            <a:spLocks noGrp="1"/>
+          </p:cNvSpPr>
+          <p:nvPr>
+            <p:ph sz="quarter" idx="1"/>
+          </p:nvPr>
+        </p:nvSpPr>
+        <p:spPr/>
+        <p:txBody>
+          <a:bodyPr/>
+          <a:lstStyle/>
+          <a:p>
+            <a:r>
+              <a:rPr lang="en-US" dirty="0" smtClean="0"/>
+              <a:t>The project is made under the step by step method with rules and regulation. We can say that the project works under the waterfall model.</a:t>
+            </a:r>
+          </a:p>
+          <a:p>
+            <a:r>
+              <a:rPr lang="en-US" dirty="0" smtClean="0"/>
+              <a:t> The work flows like the waterfall so we cannot go back to the first step after entering the second step.</a:t>
+            </a:r>
+          </a:p>
+          <a:p>
+            <a:r>
+              <a:rPr lang="en-US" dirty="0" smtClean="0"/>
+              <a:t>We cannot change it in the middle.</a:t>
+            </a:r>
+          </a:p>
+          <a:p>
+            <a:r>
+              <a:rPr lang="en-US" dirty="0" smtClean="0"/>
+              <a:t>This project is not the online website which is only control by the admin so the outside user cannot open it.</a:t>
+            </a:r>
+            <a:endParaRPr lang="en-US" dirty="0"/>
+          </a:p>
+        </p:txBody>
+      </p:sp>
+    </p:spTree>
+    <p:extLst>
+      <p:ext uri="{BB962C8B-B14F-4D97-AF65-F5344CB8AC3E}">
+        <p14:creationId xmlns:p14="http://schemas.microsoft.com/office/powerpoint/2010/main" val="76047110"/>
+      </p:ext>
+    </p:extLst>
+  </p:cSld>
+  <p:clrMapOvr>
+    <a:masterClrMapping/>
+  </p:clrMapOvr>
+  <p:timing>
+    <p:tnLst>
+      <p:par>
+        <p:cTn id="1" dur="indefinite" restart="never" nodeType="tmRoot"/>
+      </p:par>
+    </p:tnLst>
+  </p:timing>
+</p:sld>
+</file>
+
+<file path=ppt/slides/slide85.xml><?xml version="1.0" encoding="utf-8"?>
 <p:sld xmlns:a="http://schemas.openxmlformats.org/drawingml/2006/main" xmlns:r="http://schemas.openxmlformats.org/officeDocument/2006/relationships" xmlns:p="http://schemas.openxmlformats.org/presentationml/2006/main">
   <p:cSld>
     <p:spTree>
@@ -20201,7 +21858,7 @@
 </p:sld>
 </file>
 
-<file path=ppt/slides/slide81.xml><?xml version="1.0" encoding="utf-8"?>
+<file path=ppt/slides/slide86.xml><?xml version="1.0" encoding="utf-8"?>
 <p:sld xmlns:a="http://schemas.openxmlformats.org/drawingml/2006/main" xmlns:r="http://schemas.openxmlformats.org/officeDocument/2006/relationships" xmlns:p="http://schemas.openxmlformats.org/presentationml/2006/main">
   <p:cSld>
     <p:spTree>
@@ -20296,7 +21953,7 @@
 </p:sld>
 </file>
 
-<file path=ppt/slides/slide82.xml><?xml version="1.0" encoding="utf-8"?>
+<file path=ppt/slides/slide87.xml><?xml version="1.0" encoding="utf-8"?>
 <p:sld xmlns:a="http://schemas.openxmlformats.org/drawingml/2006/main" xmlns:r="http://schemas.openxmlformats.org/officeDocument/2006/relationships" xmlns:p="http://schemas.openxmlformats.org/presentationml/2006/main">
   <p:cSld>
     <p:spTree>
@@ -20404,7 +22061,7 @@
 </p:sld>
 </file>
 
-<file path=ppt/slides/slide83.xml><?xml version="1.0" encoding="utf-8"?>
+<file path=ppt/slides/slide88.xml><?xml version="1.0" encoding="utf-8"?>
 <p:sld xmlns:a="http://schemas.openxmlformats.org/drawingml/2006/main" xmlns:r="http://schemas.openxmlformats.org/officeDocument/2006/relationships" xmlns:p="http://schemas.openxmlformats.org/presentationml/2006/main">
   <p:cSld>
     <p:spTree>
@@ -20506,7 +22163,7 @@
 </p:sld>
 </file>
 
-<file path=ppt/slides/slide84.xml><?xml version="1.0" encoding="utf-8"?>
+<file path=ppt/slides/slide89.xml><?xml version="1.0" encoding="utf-8"?>
 <p:sld xmlns:a="http://schemas.openxmlformats.org/drawingml/2006/main" xmlns:r="http://schemas.openxmlformats.org/officeDocument/2006/relationships" xmlns:p="http://schemas.openxmlformats.org/presentationml/2006/main">
   <p:cSld>
     <p:spTree>
@@ -20592,477 +22249,6 @@
       </p:par>
     </p:tnLst>
   </p:timing>
-</p:sld>
-</file>
-
-<file path=ppt/slides/slide85.xml><?xml version="1.0" encoding="utf-8"?>
-<p:sld xmlns:a="http://schemas.openxmlformats.org/drawingml/2006/main" xmlns:r="http://schemas.openxmlformats.org/officeDocument/2006/relationships" xmlns:p="http://schemas.openxmlformats.org/presentationml/2006/main">
-  <p:cSld>
-    <p:spTree>
-      <p:nvGrpSpPr>
-        <p:cNvPr id="1" name=""/>
-        <p:cNvGrpSpPr/>
-        <p:nvPr/>
-      </p:nvGrpSpPr>
-      <p:grpSpPr>
-        <a:xfrm>
-          <a:off x="0" y="0"/>
-          <a:ext cx="0" cy="0"/>
-          <a:chOff x="0" y="0"/>
-          <a:chExt cx="0" cy="0"/>
-        </a:xfrm>
-      </p:grpSpPr>
-      <p:sp>
-        <p:nvSpPr>
-          <p:cNvPr id="2" name="Title 1"/>
-          <p:cNvSpPr>
-            <a:spLocks noGrp="1"/>
-          </p:cNvSpPr>
-          <p:nvPr>
-            <p:ph type="title"/>
-          </p:nvPr>
-        </p:nvSpPr>
-        <p:spPr/>
-        <p:txBody>
-          <a:bodyPr/>
-          <a:lstStyle/>
-          <a:p>
-            <a:r>
-              <a:rPr lang="en-US" dirty="0" smtClean="0"/>
-              <a:t>Display the product</a:t>
-            </a:r>
-            <a:endParaRPr lang="en-US" dirty="0"/>
-          </a:p>
-        </p:txBody>
-      </p:sp>
-      <p:sp>
-        <p:nvSpPr>
-          <p:cNvPr id="3" name="Content Placeholder 2"/>
-          <p:cNvSpPr>
-            <a:spLocks noGrp="1"/>
-          </p:cNvSpPr>
-          <p:nvPr>
-            <p:ph sz="quarter" idx="1"/>
-          </p:nvPr>
-        </p:nvSpPr>
-        <p:spPr/>
-        <p:txBody>
-          <a:bodyPr/>
-          <a:lstStyle/>
-          <a:p>
-            <a:r>
-              <a:rPr lang="en-US" dirty="0"/>
-              <a:t>After entering the valid email/password, the dashboard will open.</a:t>
-            </a:r>
-          </a:p>
-          <a:p>
-            <a:r>
-              <a:rPr lang="en-US" dirty="0"/>
-              <a:t>Click on the product which is in the side menu bar of the dashboard</a:t>
-            </a:r>
-            <a:r>
-              <a:rPr lang="en-US" dirty="0" smtClean="0"/>
-              <a:t>.</a:t>
-            </a:r>
-          </a:p>
-          <a:p>
-            <a:r>
-              <a:rPr lang="en-US" dirty="0" smtClean="0"/>
-              <a:t>Click on the manage the product in the dropdown menu.</a:t>
-            </a:r>
-            <a:endParaRPr lang="en-US" dirty="0"/>
-          </a:p>
-          <a:p>
-            <a:r>
-              <a:rPr lang="en-US" dirty="0" smtClean="0"/>
-              <a:t>It display all the products of the warehouse.</a:t>
-            </a:r>
-            <a:endParaRPr lang="en-US" dirty="0"/>
-          </a:p>
-        </p:txBody>
-      </p:sp>
-    </p:spTree>
-    <p:extLst>
-      <p:ext uri="{BB962C8B-B14F-4D97-AF65-F5344CB8AC3E}">
-        <p14:creationId xmlns:p14="http://schemas.microsoft.com/office/powerpoint/2010/main" val="237115106"/>
-      </p:ext>
-    </p:extLst>
-  </p:cSld>
-  <p:clrMapOvr>
-    <a:masterClrMapping/>
-  </p:clrMapOvr>
-</p:sld>
-</file>
-
-<file path=ppt/slides/slide86.xml><?xml version="1.0" encoding="utf-8"?>
-<p:sld xmlns:a="http://schemas.openxmlformats.org/drawingml/2006/main" xmlns:r="http://schemas.openxmlformats.org/officeDocument/2006/relationships" xmlns:p="http://schemas.openxmlformats.org/presentationml/2006/main">
-  <p:cSld>
-    <p:spTree>
-      <p:nvGrpSpPr>
-        <p:cNvPr id="1" name=""/>
-        <p:cNvGrpSpPr/>
-        <p:nvPr/>
-      </p:nvGrpSpPr>
-      <p:grpSpPr>
-        <a:xfrm>
-          <a:off x="0" y="0"/>
-          <a:ext cx="0" cy="0"/>
-          <a:chOff x="0" y="0"/>
-          <a:chExt cx="0" cy="0"/>
-        </a:xfrm>
-      </p:grpSpPr>
-      <p:sp>
-        <p:nvSpPr>
-          <p:cNvPr id="2" name="Title 1"/>
-          <p:cNvSpPr>
-            <a:spLocks noGrp="1"/>
-          </p:cNvSpPr>
-          <p:nvPr>
-            <p:ph type="title"/>
-          </p:nvPr>
-        </p:nvSpPr>
-        <p:spPr/>
-        <p:txBody>
-          <a:bodyPr/>
-          <a:lstStyle/>
-          <a:p>
-            <a:r>
-              <a:rPr lang="en-US" dirty="0" smtClean="0"/>
-              <a:t>Searching and sorting result-&gt;product</a:t>
-            </a:r>
-            <a:endParaRPr lang="en-US" dirty="0"/>
-          </a:p>
-        </p:txBody>
-      </p:sp>
-      <p:pic>
-        <p:nvPicPr>
-          <p:cNvPr id="4" name="Content Placeholder 3"/>
-          <p:cNvPicPr>
-            <a:picLocks noGrp="1" noChangeAspect="1"/>
-          </p:cNvPicPr>
-          <p:nvPr>
-            <p:ph sz="quarter" idx="1"/>
-          </p:nvPr>
-        </p:nvPicPr>
-        <p:blipFill>
-          <a:blip r:embed="rId2">
-            <a:extLst>
-              <a:ext uri="{28A0092B-C50C-407E-A947-70E740481C1C}">
-                <a14:useLocalDpi xmlns:a14="http://schemas.microsoft.com/office/drawing/2010/main" val="0"/>
-              </a:ext>
-            </a:extLst>
-          </a:blip>
-          <a:stretch>
-            <a:fillRect/>
-          </a:stretch>
-        </p:blipFill>
-        <p:spPr>
-          <a:xfrm>
-            <a:off x="301625" y="1845870"/>
-            <a:ext cx="8504238" cy="3934610"/>
-          </a:xfrm>
-        </p:spPr>
-      </p:pic>
-    </p:spTree>
-    <p:extLst>
-      <p:ext uri="{BB962C8B-B14F-4D97-AF65-F5344CB8AC3E}">
-        <p14:creationId xmlns:p14="http://schemas.microsoft.com/office/powerpoint/2010/main" val="1882530946"/>
-      </p:ext>
-    </p:extLst>
-  </p:cSld>
-  <p:clrMapOvr>
-    <a:masterClrMapping/>
-  </p:clrMapOvr>
-</p:sld>
-</file>
-
-<file path=ppt/slides/slide87.xml><?xml version="1.0" encoding="utf-8"?>
-<p:sld xmlns:a="http://schemas.openxmlformats.org/drawingml/2006/main" xmlns:r="http://schemas.openxmlformats.org/officeDocument/2006/relationships" xmlns:p="http://schemas.openxmlformats.org/presentationml/2006/main">
-  <p:cSld>
-    <p:spTree>
-      <p:nvGrpSpPr>
-        <p:cNvPr id="1" name=""/>
-        <p:cNvGrpSpPr/>
-        <p:nvPr/>
-      </p:nvGrpSpPr>
-      <p:grpSpPr>
-        <a:xfrm>
-          <a:off x="0" y="0"/>
-          <a:ext cx="0" cy="0"/>
-          <a:chOff x="0" y="0"/>
-          <a:chExt cx="0" cy="0"/>
-        </a:xfrm>
-      </p:grpSpPr>
-      <p:sp>
-        <p:nvSpPr>
-          <p:cNvPr id="2" name="Title 1"/>
-          <p:cNvSpPr>
-            <a:spLocks noGrp="1"/>
-          </p:cNvSpPr>
-          <p:nvPr>
-            <p:ph type="title"/>
-          </p:nvPr>
-        </p:nvSpPr>
-        <p:spPr/>
-        <p:txBody>
-          <a:bodyPr/>
-          <a:lstStyle/>
-          <a:p>
-            <a:r>
-              <a:rPr lang="en-US" dirty="0" smtClean="0"/>
-              <a:t>Searching and sorting result-&gt;product</a:t>
-            </a:r>
-            <a:endParaRPr lang="en-US" dirty="0"/>
-          </a:p>
-        </p:txBody>
-      </p:sp>
-      <p:sp>
-        <p:nvSpPr>
-          <p:cNvPr id="3" name="Content Placeholder 2"/>
-          <p:cNvSpPr>
-            <a:spLocks noGrp="1"/>
-          </p:cNvSpPr>
-          <p:nvPr>
-            <p:ph sz="quarter" idx="1"/>
-          </p:nvPr>
-        </p:nvSpPr>
-        <p:spPr/>
-        <p:txBody>
-          <a:bodyPr/>
-          <a:lstStyle/>
-          <a:p>
-            <a:r>
-              <a:rPr lang="en-US" dirty="0" smtClean="0"/>
-              <a:t>After entering the valid email/password, the dashboard will open.</a:t>
-            </a:r>
-          </a:p>
-          <a:p>
-            <a:r>
-              <a:rPr lang="en-US" dirty="0" smtClean="0"/>
-              <a:t>Click on the product which is in the side menu bar of the dashboard.</a:t>
-            </a:r>
-          </a:p>
-          <a:p>
-            <a:r>
-              <a:rPr lang="en-US" dirty="0" smtClean="0"/>
-              <a:t>Click to the manage product in the dropdown menu.</a:t>
-            </a:r>
-          </a:p>
-          <a:p>
-            <a:r>
-              <a:rPr lang="en-US" dirty="0" smtClean="0"/>
-              <a:t>On the top right side, there is search box where enter the search string.</a:t>
-            </a:r>
-          </a:p>
-          <a:p>
-            <a:r>
-              <a:rPr lang="en-US" dirty="0" smtClean="0"/>
-              <a:t>It will appears the search result.</a:t>
-            </a:r>
-            <a:endParaRPr lang="en-US" dirty="0"/>
-          </a:p>
-        </p:txBody>
-      </p:sp>
-    </p:spTree>
-    <p:extLst>
-      <p:ext uri="{BB962C8B-B14F-4D97-AF65-F5344CB8AC3E}">
-        <p14:creationId xmlns:p14="http://schemas.microsoft.com/office/powerpoint/2010/main" val="796860997"/>
-      </p:ext>
-    </p:extLst>
-  </p:cSld>
-  <p:clrMapOvr>
-    <a:masterClrMapping/>
-  </p:clrMapOvr>
-</p:sld>
-</file>
-
-<file path=ppt/slides/slide88.xml><?xml version="1.0" encoding="utf-8"?>
-<p:sld xmlns:a="http://schemas.openxmlformats.org/drawingml/2006/main" xmlns:r="http://schemas.openxmlformats.org/officeDocument/2006/relationships" xmlns:p="http://schemas.openxmlformats.org/presentationml/2006/main">
-  <p:cSld>
-    <p:spTree>
-      <p:nvGrpSpPr>
-        <p:cNvPr id="1" name=""/>
-        <p:cNvGrpSpPr/>
-        <p:nvPr/>
-      </p:nvGrpSpPr>
-      <p:grpSpPr>
-        <a:xfrm>
-          <a:off x="0" y="0"/>
-          <a:ext cx="0" cy="0"/>
-          <a:chOff x="0" y="0"/>
-          <a:chExt cx="0" cy="0"/>
-        </a:xfrm>
-      </p:grpSpPr>
-      <p:sp>
-        <p:nvSpPr>
-          <p:cNvPr id="2" name="Title 1"/>
-          <p:cNvSpPr>
-            <a:spLocks noGrp="1"/>
-          </p:cNvSpPr>
-          <p:nvPr>
-            <p:ph type="title"/>
-          </p:nvPr>
-        </p:nvSpPr>
-        <p:spPr/>
-        <p:txBody>
-          <a:bodyPr/>
-          <a:lstStyle/>
-          <a:p>
-            <a:r>
-              <a:rPr lang="en-US" dirty="0" smtClean="0"/>
-              <a:t>Delete the product</a:t>
-            </a:r>
-            <a:endParaRPr lang="en-US" dirty="0"/>
-          </a:p>
-        </p:txBody>
-      </p:sp>
-      <p:pic>
-        <p:nvPicPr>
-          <p:cNvPr id="4" name="Content Placeholder 3"/>
-          <p:cNvPicPr>
-            <a:picLocks noGrp="1" noChangeAspect="1"/>
-          </p:cNvPicPr>
-          <p:nvPr>
-            <p:ph sz="quarter" idx="1"/>
-          </p:nvPr>
-        </p:nvPicPr>
-        <p:blipFill>
-          <a:blip r:embed="rId2">
-            <a:extLst>
-              <a:ext uri="{28A0092B-C50C-407E-A947-70E740481C1C}">
-                <a14:useLocalDpi xmlns:a14="http://schemas.microsoft.com/office/drawing/2010/main" val="0"/>
-              </a:ext>
-            </a:extLst>
-          </a:blip>
-          <a:stretch>
-            <a:fillRect/>
-          </a:stretch>
-        </p:blipFill>
-        <p:spPr>
-          <a:xfrm>
-            <a:off x="301625" y="1870772"/>
-            <a:ext cx="8504238" cy="3884805"/>
-          </a:xfrm>
-        </p:spPr>
-      </p:pic>
-    </p:spTree>
-    <p:extLst>
-      <p:ext uri="{BB962C8B-B14F-4D97-AF65-F5344CB8AC3E}">
-        <p14:creationId xmlns:p14="http://schemas.microsoft.com/office/powerpoint/2010/main" val="1956632358"/>
-      </p:ext>
-    </p:extLst>
-  </p:cSld>
-  <p:clrMapOvr>
-    <a:masterClrMapping/>
-  </p:clrMapOvr>
-</p:sld>
-</file>
-
-<file path=ppt/slides/slide89.xml><?xml version="1.0" encoding="utf-8"?>
-<p:sld xmlns:a="http://schemas.openxmlformats.org/drawingml/2006/main" xmlns:r="http://schemas.openxmlformats.org/officeDocument/2006/relationships" xmlns:p="http://schemas.openxmlformats.org/presentationml/2006/main">
-  <p:cSld>
-    <p:spTree>
-      <p:nvGrpSpPr>
-        <p:cNvPr id="1" name=""/>
-        <p:cNvGrpSpPr/>
-        <p:nvPr/>
-      </p:nvGrpSpPr>
-      <p:grpSpPr>
-        <a:xfrm>
-          <a:off x="0" y="0"/>
-          <a:ext cx="0" cy="0"/>
-          <a:chOff x="0" y="0"/>
-          <a:chExt cx="0" cy="0"/>
-        </a:xfrm>
-      </p:grpSpPr>
-      <p:sp>
-        <p:nvSpPr>
-          <p:cNvPr id="2" name="Title 1"/>
-          <p:cNvSpPr>
-            <a:spLocks noGrp="1"/>
-          </p:cNvSpPr>
-          <p:nvPr>
-            <p:ph type="title"/>
-          </p:nvPr>
-        </p:nvSpPr>
-        <p:spPr/>
-        <p:txBody>
-          <a:bodyPr/>
-          <a:lstStyle/>
-          <a:p>
-            <a:r>
-              <a:rPr lang="en-US" dirty="0" smtClean="0"/>
-              <a:t>Deleting the product</a:t>
-            </a:r>
-            <a:endParaRPr lang="en-US" dirty="0"/>
-          </a:p>
-        </p:txBody>
-      </p:sp>
-      <p:sp>
-        <p:nvSpPr>
-          <p:cNvPr id="3" name="Content Placeholder 2"/>
-          <p:cNvSpPr>
-            <a:spLocks noGrp="1"/>
-          </p:cNvSpPr>
-          <p:nvPr>
-            <p:ph sz="quarter" idx="1"/>
-          </p:nvPr>
-        </p:nvSpPr>
-        <p:spPr/>
-        <p:txBody>
-          <a:bodyPr>
-            <a:normAutofit fontScale="92500" lnSpcReduction="10000"/>
-          </a:bodyPr>
-          <a:lstStyle/>
-          <a:p>
-            <a:r>
-              <a:rPr lang="en-US" dirty="0"/>
-              <a:t>After entering the valid email/password, the dashboard will open.</a:t>
-            </a:r>
-          </a:p>
-          <a:p>
-            <a:r>
-              <a:rPr lang="en-US" dirty="0"/>
-              <a:t>Click on the product which is in the side menu bar of the dashboard.</a:t>
-            </a:r>
-          </a:p>
-          <a:p>
-            <a:r>
-              <a:rPr lang="en-US" dirty="0" smtClean="0"/>
-              <a:t>Click to the manage the product in the drop down menu.</a:t>
-            </a:r>
-          </a:p>
-          <a:p>
-            <a:r>
-              <a:rPr lang="en-US" dirty="0" smtClean="0"/>
-              <a:t>All the product of warehouse is display in the form where there is also the delete symbol in the right side in the action field.</a:t>
-            </a:r>
-          </a:p>
-          <a:p>
-            <a:r>
-              <a:rPr lang="en-US" dirty="0" smtClean="0"/>
-              <a:t>Click it and message box appears with ‘do you really want to delete?’</a:t>
-            </a:r>
-          </a:p>
-          <a:p>
-            <a:r>
-              <a:rPr lang="en-US" dirty="0" smtClean="0"/>
-              <a:t>Click to yes button to delete the product.</a:t>
-            </a:r>
-            <a:endParaRPr lang="en-US" dirty="0"/>
-          </a:p>
-        </p:txBody>
-      </p:sp>
-    </p:spTree>
-    <p:extLst>
-      <p:ext uri="{BB962C8B-B14F-4D97-AF65-F5344CB8AC3E}">
-        <p14:creationId xmlns:p14="http://schemas.microsoft.com/office/powerpoint/2010/main" val="1587346751"/>
-      </p:ext>
-    </p:extLst>
-  </p:cSld>
-  <p:clrMapOvr>
-    <a:masterClrMapping/>
-  </p:clrMapOvr>
 </p:sld>
 </file>
 
@@ -21198,6 +22384,477 @@
           <a:p>
             <a:r>
               <a:rPr lang="en-US" dirty="0" smtClean="0"/>
+              <a:t>Display the product</a:t>
+            </a:r>
+            <a:endParaRPr lang="en-US" dirty="0"/>
+          </a:p>
+        </p:txBody>
+      </p:sp>
+      <p:sp>
+        <p:nvSpPr>
+          <p:cNvPr id="3" name="Content Placeholder 2"/>
+          <p:cNvSpPr>
+            <a:spLocks noGrp="1"/>
+          </p:cNvSpPr>
+          <p:nvPr>
+            <p:ph sz="quarter" idx="1"/>
+          </p:nvPr>
+        </p:nvSpPr>
+        <p:spPr/>
+        <p:txBody>
+          <a:bodyPr/>
+          <a:lstStyle/>
+          <a:p>
+            <a:r>
+              <a:rPr lang="en-US" dirty="0"/>
+              <a:t>After entering the valid email/password, the dashboard will open.</a:t>
+            </a:r>
+          </a:p>
+          <a:p>
+            <a:r>
+              <a:rPr lang="en-US" dirty="0"/>
+              <a:t>Click on the product which is in the side menu bar of the dashboard</a:t>
+            </a:r>
+            <a:r>
+              <a:rPr lang="en-US" dirty="0" smtClean="0"/>
+              <a:t>.</a:t>
+            </a:r>
+          </a:p>
+          <a:p>
+            <a:r>
+              <a:rPr lang="en-US" dirty="0" smtClean="0"/>
+              <a:t>Click on the manage the product in the dropdown menu.</a:t>
+            </a:r>
+            <a:endParaRPr lang="en-US" dirty="0"/>
+          </a:p>
+          <a:p>
+            <a:r>
+              <a:rPr lang="en-US" dirty="0" smtClean="0"/>
+              <a:t>It display all the products of the warehouse.</a:t>
+            </a:r>
+            <a:endParaRPr lang="en-US" dirty="0"/>
+          </a:p>
+        </p:txBody>
+      </p:sp>
+    </p:spTree>
+    <p:extLst>
+      <p:ext uri="{BB962C8B-B14F-4D97-AF65-F5344CB8AC3E}">
+        <p14:creationId xmlns:p14="http://schemas.microsoft.com/office/powerpoint/2010/main" val="237115106"/>
+      </p:ext>
+    </p:extLst>
+  </p:cSld>
+  <p:clrMapOvr>
+    <a:masterClrMapping/>
+  </p:clrMapOvr>
+</p:sld>
+</file>
+
+<file path=ppt/slides/slide91.xml><?xml version="1.0" encoding="utf-8"?>
+<p:sld xmlns:a="http://schemas.openxmlformats.org/drawingml/2006/main" xmlns:r="http://schemas.openxmlformats.org/officeDocument/2006/relationships" xmlns:p="http://schemas.openxmlformats.org/presentationml/2006/main">
+  <p:cSld>
+    <p:spTree>
+      <p:nvGrpSpPr>
+        <p:cNvPr id="1" name=""/>
+        <p:cNvGrpSpPr/>
+        <p:nvPr/>
+      </p:nvGrpSpPr>
+      <p:grpSpPr>
+        <a:xfrm>
+          <a:off x="0" y="0"/>
+          <a:ext cx="0" cy="0"/>
+          <a:chOff x="0" y="0"/>
+          <a:chExt cx="0" cy="0"/>
+        </a:xfrm>
+      </p:grpSpPr>
+      <p:sp>
+        <p:nvSpPr>
+          <p:cNvPr id="2" name="Title 1"/>
+          <p:cNvSpPr>
+            <a:spLocks noGrp="1"/>
+          </p:cNvSpPr>
+          <p:nvPr>
+            <p:ph type="title"/>
+          </p:nvPr>
+        </p:nvSpPr>
+        <p:spPr/>
+        <p:txBody>
+          <a:bodyPr/>
+          <a:lstStyle/>
+          <a:p>
+            <a:r>
+              <a:rPr lang="en-US" dirty="0" smtClean="0"/>
+              <a:t>Searching and sorting result-&gt;product</a:t>
+            </a:r>
+            <a:endParaRPr lang="en-US" dirty="0"/>
+          </a:p>
+        </p:txBody>
+      </p:sp>
+      <p:pic>
+        <p:nvPicPr>
+          <p:cNvPr id="4" name="Content Placeholder 3"/>
+          <p:cNvPicPr>
+            <a:picLocks noGrp="1" noChangeAspect="1"/>
+          </p:cNvPicPr>
+          <p:nvPr>
+            <p:ph sz="quarter" idx="1"/>
+          </p:nvPr>
+        </p:nvPicPr>
+        <p:blipFill>
+          <a:blip r:embed="rId2">
+            <a:extLst>
+              <a:ext uri="{28A0092B-C50C-407E-A947-70E740481C1C}">
+                <a14:useLocalDpi xmlns:a14="http://schemas.microsoft.com/office/drawing/2010/main" val="0"/>
+              </a:ext>
+            </a:extLst>
+          </a:blip>
+          <a:stretch>
+            <a:fillRect/>
+          </a:stretch>
+        </p:blipFill>
+        <p:spPr>
+          <a:xfrm>
+            <a:off x="301625" y="1845870"/>
+            <a:ext cx="8504238" cy="3934610"/>
+          </a:xfrm>
+        </p:spPr>
+      </p:pic>
+    </p:spTree>
+    <p:extLst>
+      <p:ext uri="{BB962C8B-B14F-4D97-AF65-F5344CB8AC3E}">
+        <p14:creationId xmlns:p14="http://schemas.microsoft.com/office/powerpoint/2010/main" val="1882530946"/>
+      </p:ext>
+    </p:extLst>
+  </p:cSld>
+  <p:clrMapOvr>
+    <a:masterClrMapping/>
+  </p:clrMapOvr>
+</p:sld>
+</file>
+
+<file path=ppt/slides/slide92.xml><?xml version="1.0" encoding="utf-8"?>
+<p:sld xmlns:a="http://schemas.openxmlformats.org/drawingml/2006/main" xmlns:r="http://schemas.openxmlformats.org/officeDocument/2006/relationships" xmlns:p="http://schemas.openxmlformats.org/presentationml/2006/main">
+  <p:cSld>
+    <p:spTree>
+      <p:nvGrpSpPr>
+        <p:cNvPr id="1" name=""/>
+        <p:cNvGrpSpPr/>
+        <p:nvPr/>
+      </p:nvGrpSpPr>
+      <p:grpSpPr>
+        <a:xfrm>
+          <a:off x="0" y="0"/>
+          <a:ext cx="0" cy="0"/>
+          <a:chOff x="0" y="0"/>
+          <a:chExt cx="0" cy="0"/>
+        </a:xfrm>
+      </p:grpSpPr>
+      <p:sp>
+        <p:nvSpPr>
+          <p:cNvPr id="2" name="Title 1"/>
+          <p:cNvSpPr>
+            <a:spLocks noGrp="1"/>
+          </p:cNvSpPr>
+          <p:nvPr>
+            <p:ph type="title"/>
+          </p:nvPr>
+        </p:nvSpPr>
+        <p:spPr/>
+        <p:txBody>
+          <a:bodyPr/>
+          <a:lstStyle/>
+          <a:p>
+            <a:r>
+              <a:rPr lang="en-US" dirty="0" smtClean="0"/>
+              <a:t>Searching and sorting result-&gt;product</a:t>
+            </a:r>
+            <a:endParaRPr lang="en-US" dirty="0"/>
+          </a:p>
+        </p:txBody>
+      </p:sp>
+      <p:sp>
+        <p:nvSpPr>
+          <p:cNvPr id="3" name="Content Placeholder 2"/>
+          <p:cNvSpPr>
+            <a:spLocks noGrp="1"/>
+          </p:cNvSpPr>
+          <p:nvPr>
+            <p:ph sz="quarter" idx="1"/>
+          </p:nvPr>
+        </p:nvSpPr>
+        <p:spPr/>
+        <p:txBody>
+          <a:bodyPr/>
+          <a:lstStyle/>
+          <a:p>
+            <a:r>
+              <a:rPr lang="en-US" dirty="0" smtClean="0"/>
+              <a:t>After entering the valid email/password, the dashboard will open.</a:t>
+            </a:r>
+          </a:p>
+          <a:p>
+            <a:r>
+              <a:rPr lang="en-US" dirty="0" smtClean="0"/>
+              <a:t>Click on the product which is in the side menu bar of the dashboard.</a:t>
+            </a:r>
+          </a:p>
+          <a:p>
+            <a:r>
+              <a:rPr lang="en-US" dirty="0" smtClean="0"/>
+              <a:t>Click to the manage product in the dropdown menu.</a:t>
+            </a:r>
+          </a:p>
+          <a:p>
+            <a:r>
+              <a:rPr lang="en-US" dirty="0" smtClean="0"/>
+              <a:t>On the top right side, there is search box where enter the search string.</a:t>
+            </a:r>
+          </a:p>
+          <a:p>
+            <a:r>
+              <a:rPr lang="en-US" dirty="0" smtClean="0"/>
+              <a:t>It will appears the search result.</a:t>
+            </a:r>
+            <a:endParaRPr lang="en-US" dirty="0"/>
+          </a:p>
+        </p:txBody>
+      </p:sp>
+    </p:spTree>
+    <p:extLst>
+      <p:ext uri="{BB962C8B-B14F-4D97-AF65-F5344CB8AC3E}">
+        <p14:creationId xmlns:p14="http://schemas.microsoft.com/office/powerpoint/2010/main" val="796860997"/>
+      </p:ext>
+    </p:extLst>
+  </p:cSld>
+  <p:clrMapOvr>
+    <a:masterClrMapping/>
+  </p:clrMapOvr>
+</p:sld>
+</file>
+
+<file path=ppt/slides/slide93.xml><?xml version="1.0" encoding="utf-8"?>
+<p:sld xmlns:a="http://schemas.openxmlformats.org/drawingml/2006/main" xmlns:r="http://schemas.openxmlformats.org/officeDocument/2006/relationships" xmlns:p="http://schemas.openxmlformats.org/presentationml/2006/main">
+  <p:cSld>
+    <p:spTree>
+      <p:nvGrpSpPr>
+        <p:cNvPr id="1" name=""/>
+        <p:cNvGrpSpPr/>
+        <p:nvPr/>
+      </p:nvGrpSpPr>
+      <p:grpSpPr>
+        <a:xfrm>
+          <a:off x="0" y="0"/>
+          <a:ext cx="0" cy="0"/>
+          <a:chOff x="0" y="0"/>
+          <a:chExt cx="0" cy="0"/>
+        </a:xfrm>
+      </p:grpSpPr>
+      <p:sp>
+        <p:nvSpPr>
+          <p:cNvPr id="2" name="Title 1"/>
+          <p:cNvSpPr>
+            <a:spLocks noGrp="1"/>
+          </p:cNvSpPr>
+          <p:nvPr>
+            <p:ph type="title"/>
+          </p:nvPr>
+        </p:nvSpPr>
+        <p:spPr/>
+        <p:txBody>
+          <a:bodyPr/>
+          <a:lstStyle/>
+          <a:p>
+            <a:r>
+              <a:rPr lang="en-US" dirty="0" smtClean="0"/>
+              <a:t>Delete the product</a:t>
+            </a:r>
+            <a:endParaRPr lang="en-US" dirty="0"/>
+          </a:p>
+        </p:txBody>
+      </p:sp>
+      <p:pic>
+        <p:nvPicPr>
+          <p:cNvPr id="4" name="Content Placeholder 3"/>
+          <p:cNvPicPr>
+            <a:picLocks noGrp="1" noChangeAspect="1"/>
+          </p:cNvPicPr>
+          <p:nvPr>
+            <p:ph sz="quarter" idx="1"/>
+          </p:nvPr>
+        </p:nvPicPr>
+        <p:blipFill>
+          <a:blip r:embed="rId2">
+            <a:extLst>
+              <a:ext uri="{28A0092B-C50C-407E-A947-70E740481C1C}">
+                <a14:useLocalDpi xmlns:a14="http://schemas.microsoft.com/office/drawing/2010/main" val="0"/>
+              </a:ext>
+            </a:extLst>
+          </a:blip>
+          <a:stretch>
+            <a:fillRect/>
+          </a:stretch>
+        </p:blipFill>
+        <p:spPr>
+          <a:xfrm>
+            <a:off x="301625" y="1870772"/>
+            <a:ext cx="8504238" cy="3884805"/>
+          </a:xfrm>
+        </p:spPr>
+      </p:pic>
+    </p:spTree>
+    <p:extLst>
+      <p:ext uri="{BB962C8B-B14F-4D97-AF65-F5344CB8AC3E}">
+        <p14:creationId xmlns:p14="http://schemas.microsoft.com/office/powerpoint/2010/main" val="1956632358"/>
+      </p:ext>
+    </p:extLst>
+  </p:cSld>
+  <p:clrMapOvr>
+    <a:masterClrMapping/>
+  </p:clrMapOvr>
+</p:sld>
+</file>
+
+<file path=ppt/slides/slide94.xml><?xml version="1.0" encoding="utf-8"?>
+<p:sld xmlns:a="http://schemas.openxmlformats.org/drawingml/2006/main" xmlns:r="http://schemas.openxmlformats.org/officeDocument/2006/relationships" xmlns:p="http://schemas.openxmlformats.org/presentationml/2006/main">
+  <p:cSld>
+    <p:spTree>
+      <p:nvGrpSpPr>
+        <p:cNvPr id="1" name=""/>
+        <p:cNvGrpSpPr/>
+        <p:nvPr/>
+      </p:nvGrpSpPr>
+      <p:grpSpPr>
+        <a:xfrm>
+          <a:off x="0" y="0"/>
+          <a:ext cx="0" cy="0"/>
+          <a:chOff x="0" y="0"/>
+          <a:chExt cx="0" cy="0"/>
+        </a:xfrm>
+      </p:grpSpPr>
+      <p:sp>
+        <p:nvSpPr>
+          <p:cNvPr id="2" name="Title 1"/>
+          <p:cNvSpPr>
+            <a:spLocks noGrp="1"/>
+          </p:cNvSpPr>
+          <p:nvPr>
+            <p:ph type="title"/>
+          </p:nvPr>
+        </p:nvSpPr>
+        <p:spPr/>
+        <p:txBody>
+          <a:bodyPr/>
+          <a:lstStyle/>
+          <a:p>
+            <a:r>
+              <a:rPr lang="en-US" dirty="0" smtClean="0"/>
+              <a:t>Deleting the product</a:t>
+            </a:r>
+            <a:endParaRPr lang="en-US" dirty="0"/>
+          </a:p>
+        </p:txBody>
+      </p:sp>
+      <p:sp>
+        <p:nvSpPr>
+          <p:cNvPr id="3" name="Content Placeholder 2"/>
+          <p:cNvSpPr>
+            <a:spLocks noGrp="1"/>
+          </p:cNvSpPr>
+          <p:nvPr>
+            <p:ph sz="quarter" idx="1"/>
+          </p:nvPr>
+        </p:nvSpPr>
+        <p:spPr/>
+        <p:txBody>
+          <a:bodyPr>
+            <a:normAutofit fontScale="92500" lnSpcReduction="10000"/>
+          </a:bodyPr>
+          <a:lstStyle/>
+          <a:p>
+            <a:r>
+              <a:rPr lang="en-US" dirty="0"/>
+              <a:t>After entering the valid email/password, the dashboard will open.</a:t>
+            </a:r>
+          </a:p>
+          <a:p>
+            <a:r>
+              <a:rPr lang="en-US" dirty="0"/>
+              <a:t>Click on the product which is in the side menu bar of the dashboard.</a:t>
+            </a:r>
+          </a:p>
+          <a:p>
+            <a:r>
+              <a:rPr lang="en-US" dirty="0" smtClean="0"/>
+              <a:t>Click to the manage the product in the drop down menu.</a:t>
+            </a:r>
+          </a:p>
+          <a:p>
+            <a:r>
+              <a:rPr lang="en-US" dirty="0" smtClean="0"/>
+              <a:t>All the product of warehouse is display in the form where there is also the delete symbol in the right side in the action field.</a:t>
+            </a:r>
+          </a:p>
+          <a:p>
+            <a:r>
+              <a:rPr lang="en-US" dirty="0" smtClean="0"/>
+              <a:t>Click it and message box appears with ‘do you really want to delete?’</a:t>
+            </a:r>
+          </a:p>
+          <a:p>
+            <a:r>
+              <a:rPr lang="en-US" dirty="0" smtClean="0"/>
+              <a:t>Click to yes button to delete the product.</a:t>
+            </a:r>
+            <a:endParaRPr lang="en-US" dirty="0"/>
+          </a:p>
+        </p:txBody>
+      </p:sp>
+    </p:spTree>
+    <p:extLst>
+      <p:ext uri="{BB962C8B-B14F-4D97-AF65-F5344CB8AC3E}">
+        <p14:creationId xmlns:p14="http://schemas.microsoft.com/office/powerpoint/2010/main" val="1587346751"/>
+      </p:ext>
+    </p:extLst>
+  </p:cSld>
+  <p:clrMapOvr>
+    <a:masterClrMapping/>
+  </p:clrMapOvr>
+</p:sld>
+</file>
+
+<file path=ppt/slides/slide95.xml><?xml version="1.0" encoding="utf-8"?>
+<p:sld xmlns:a="http://schemas.openxmlformats.org/drawingml/2006/main" xmlns:r="http://schemas.openxmlformats.org/officeDocument/2006/relationships" xmlns:p="http://schemas.openxmlformats.org/presentationml/2006/main">
+  <p:cSld>
+    <p:spTree>
+      <p:nvGrpSpPr>
+        <p:cNvPr id="1" name=""/>
+        <p:cNvGrpSpPr/>
+        <p:nvPr/>
+      </p:nvGrpSpPr>
+      <p:grpSpPr>
+        <a:xfrm>
+          <a:off x="0" y="0"/>
+          <a:ext cx="0" cy="0"/>
+          <a:chOff x="0" y="0"/>
+          <a:chExt cx="0" cy="0"/>
+        </a:xfrm>
+      </p:grpSpPr>
+      <p:sp>
+        <p:nvSpPr>
+          <p:cNvPr id="2" name="Title 1"/>
+          <p:cNvSpPr>
+            <a:spLocks noGrp="1"/>
+          </p:cNvSpPr>
+          <p:nvPr>
+            <p:ph type="title"/>
+          </p:nvPr>
+        </p:nvSpPr>
+        <p:spPr/>
+        <p:txBody>
+          <a:bodyPr/>
+          <a:lstStyle/>
+          <a:p>
+            <a:r>
+              <a:rPr lang="en-US" dirty="0" smtClean="0"/>
               <a:t>Updating the product</a:t>
             </a:r>
             <a:endParaRPr lang="en-US" dirty="0"/>
@@ -21265,7 +22922,7 @@
 </p:sld>
 </file>
 
-<file path=ppt/slides/slide91.xml><?xml version="1.0" encoding="utf-8"?>
+<file path=ppt/slides/slide96.xml><?xml version="1.0" encoding="utf-8"?>
 <p:sld xmlns:a="http://schemas.openxmlformats.org/drawingml/2006/main" xmlns:r="http://schemas.openxmlformats.org/officeDocument/2006/relationships" xmlns:p="http://schemas.openxmlformats.org/presentationml/2006/main">
   <p:cSld>
     <p:spTree>
@@ -21394,7 +23051,7 @@
 </p:sld>
 </file>
 
-<file path=ppt/slides/slide92.xml><?xml version="1.0" encoding="utf-8"?>
+<file path=ppt/slides/slide97.xml><?xml version="1.0" encoding="utf-8"?>
 <p:sld xmlns:a="http://schemas.openxmlformats.org/drawingml/2006/main" xmlns:r="http://schemas.openxmlformats.org/officeDocument/2006/relationships" xmlns:p="http://schemas.openxmlformats.org/presentationml/2006/main">
   <p:cSld>
     <p:spTree>
@@ -21495,7 +23152,7 @@
 </p:sld>
 </file>
 
-<file path=ppt/slides/slide93.xml><?xml version="1.0" encoding="utf-8"?>
+<file path=ppt/slides/slide98.xml><?xml version="1.0" encoding="utf-8"?>
 <p:sld xmlns:a="http://schemas.openxmlformats.org/drawingml/2006/main" xmlns:r="http://schemas.openxmlformats.org/officeDocument/2006/relationships" xmlns:p="http://schemas.openxmlformats.org/presentationml/2006/main">
   <p:cSld>
     <p:spTree>
@@ -21612,7 +23269,7 @@
 </p:sld>
 </file>
 
-<file path=ppt/slides/slide94.xml><?xml version="1.0" encoding="utf-8"?>
+<file path=ppt/slides/slide99.xml><?xml version="1.0" encoding="utf-8"?>
 <p:sld xmlns:a="http://schemas.openxmlformats.org/drawingml/2006/main" xmlns:r="http://schemas.openxmlformats.org/officeDocument/2006/relationships" xmlns:p="http://schemas.openxmlformats.org/presentationml/2006/main">
   <p:cSld>
     <p:spTree>
@@ -21710,545 +23367,6 @@
   <p:clrMapOvr>
     <a:masterClrMapping/>
   </p:clrMapOvr>
-</p:sld>
-</file>
-
-<file path=ppt/slides/slide95.xml><?xml version="1.0" encoding="utf-8"?>
-<p:sld xmlns:a="http://schemas.openxmlformats.org/drawingml/2006/main" xmlns:r="http://schemas.openxmlformats.org/officeDocument/2006/relationships" xmlns:p="http://schemas.openxmlformats.org/presentationml/2006/main">
-  <p:cSld>
-    <p:spTree>
-      <p:nvGrpSpPr>
-        <p:cNvPr id="1" name=""/>
-        <p:cNvGrpSpPr/>
-        <p:nvPr/>
-      </p:nvGrpSpPr>
-      <p:grpSpPr>
-        <a:xfrm>
-          <a:off x="0" y="0"/>
-          <a:ext cx="0" cy="0"/>
-          <a:chOff x="0" y="0"/>
-          <a:chExt cx="0" cy="0"/>
-        </a:xfrm>
-      </p:grpSpPr>
-      <p:sp>
-        <p:nvSpPr>
-          <p:cNvPr id="2" name="Title 1"/>
-          <p:cNvSpPr>
-            <a:spLocks noGrp="1"/>
-          </p:cNvSpPr>
-          <p:nvPr>
-            <p:ph type="title"/>
-          </p:nvPr>
-        </p:nvSpPr>
-        <p:spPr/>
-        <p:txBody>
-          <a:bodyPr/>
-          <a:lstStyle/>
-          <a:p>
-            <a:r>
-              <a:rPr lang="en-US" dirty="0" smtClean="0"/>
-              <a:t>Print the order</a:t>
-            </a:r>
-            <a:endParaRPr lang="en-US" dirty="0"/>
-          </a:p>
-        </p:txBody>
-      </p:sp>
-      <p:sp>
-        <p:nvSpPr>
-          <p:cNvPr id="3" name="Content Placeholder 2"/>
-          <p:cNvSpPr>
-            <a:spLocks noGrp="1"/>
-          </p:cNvSpPr>
-          <p:nvPr>
-            <p:ph sz="quarter" idx="1"/>
-          </p:nvPr>
-        </p:nvSpPr>
-        <p:spPr/>
-        <p:txBody>
-          <a:bodyPr/>
-          <a:lstStyle/>
-          <a:p>
-            <a:r>
-              <a:rPr lang="en-US" dirty="0"/>
-              <a:t>After entering the valid email/password, the dashboard will open.</a:t>
-            </a:r>
-          </a:p>
-          <a:p>
-            <a:r>
-              <a:rPr lang="en-US" dirty="0"/>
-              <a:t>Click on the </a:t>
-            </a:r>
-            <a:r>
-              <a:rPr lang="en-US" dirty="0" smtClean="0"/>
-              <a:t>order </a:t>
-            </a:r>
-            <a:r>
-              <a:rPr lang="en-US" dirty="0"/>
-              <a:t>which is in the side menu bar of the dashboard.</a:t>
-            </a:r>
-          </a:p>
-          <a:p>
-            <a:r>
-              <a:rPr lang="en-US" dirty="0"/>
-              <a:t>Click to the </a:t>
-            </a:r>
-            <a:r>
-              <a:rPr lang="en-US" dirty="0" smtClean="0"/>
-              <a:t>manage order </a:t>
-            </a:r>
-            <a:r>
-              <a:rPr lang="en-US" dirty="0"/>
-              <a:t>in the drop down menu</a:t>
-            </a:r>
-            <a:r>
-              <a:rPr lang="en-US" dirty="0" smtClean="0"/>
-              <a:t>.</a:t>
-            </a:r>
-          </a:p>
-          <a:p>
-            <a:r>
-              <a:rPr lang="en-US" dirty="0" smtClean="0"/>
-              <a:t>All the orders are available in it and click to the print button which is show at the bottom of the form.</a:t>
-            </a:r>
-            <a:endParaRPr lang="en-US" dirty="0"/>
-          </a:p>
-          <a:p>
-            <a:endParaRPr lang="en-US" dirty="0"/>
-          </a:p>
-        </p:txBody>
-      </p:sp>
-    </p:spTree>
-    <p:extLst>
-      <p:ext uri="{BB962C8B-B14F-4D97-AF65-F5344CB8AC3E}">
-        <p14:creationId xmlns:p14="http://schemas.microsoft.com/office/powerpoint/2010/main" val="2762407151"/>
-      </p:ext>
-    </p:extLst>
-  </p:cSld>
-  <p:clrMapOvr>
-    <a:masterClrMapping/>
-  </p:clrMapOvr>
-</p:sld>
-</file>
-
-<file path=ppt/slides/slide96.xml><?xml version="1.0" encoding="utf-8"?>
-<p:sld xmlns:a="http://schemas.openxmlformats.org/drawingml/2006/main" xmlns:r="http://schemas.openxmlformats.org/officeDocument/2006/relationships" xmlns:p="http://schemas.openxmlformats.org/presentationml/2006/main">
-  <p:cSld>
-    <p:spTree>
-      <p:nvGrpSpPr>
-        <p:cNvPr id="1" name=""/>
-        <p:cNvGrpSpPr/>
-        <p:nvPr/>
-      </p:nvGrpSpPr>
-      <p:grpSpPr>
-        <a:xfrm>
-          <a:off x="0" y="0"/>
-          <a:ext cx="0" cy="0"/>
-          <a:chOff x="0" y="0"/>
-          <a:chExt cx="0" cy="0"/>
-        </a:xfrm>
-      </p:grpSpPr>
-      <p:sp>
-        <p:nvSpPr>
-          <p:cNvPr id="2" name="Title 1"/>
-          <p:cNvSpPr>
-            <a:spLocks noGrp="1"/>
-          </p:cNvSpPr>
-          <p:nvPr>
-            <p:ph type="title"/>
-          </p:nvPr>
-        </p:nvSpPr>
-        <p:spPr/>
-        <p:txBody>
-          <a:bodyPr/>
-          <a:lstStyle/>
-          <a:p>
-            <a:r>
-              <a:rPr lang="en-US" dirty="0" smtClean="0"/>
-              <a:t>Bill of the product</a:t>
-            </a:r>
-            <a:endParaRPr lang="en-US" dirty="0"/>
-          </a:p>
-        </p:txBody>
-      </p:sp>
-      <p:pic>
-        <p:nvPicPr>
-          <p:cNvPr id="4" name="Content Placeholder 3"/>
-          <p:cNvPicPr>
-            <a:picLocks noGrp="1" noChangeAspect="1"/>
-          </p:cNvPicPr>
-          <p:nvPr>
-            <p:ph sz="quarter" idx="1"/>
-          </p:nvPr>
-        </p:nvPicPr>
-        <p:blipFill>
-          <a:blip r:embed="rId2">
-            <a:extLst>
-              <a:ext uri="{28A0092B-C50C-407E-A947-70E740481C1C}">
-                <a14:useLocalDpi xmlns:a14="http://schemas.microsoft.com/office/drawing/2010/main" val="0"/>
-              </a:ext>
-            </a:extLst>
-          </a:blip>
-          <a:stretch>
-            <a:fillRect/>
-          </a:stretch>
-        </p:blipFill>
-        <p:spPr>
-          <a:xfrm>
-            <a:off x="301625" y="2104734"/>
-            <a:ext cx="8504238" cy="3416881"/>
-          </a:xfrm>
-        </p:spPr>
-      </p:pic>
-    </p:spTree>
-    <p:extLst>
-      <p:ext uri="{BB962C8B-B14F-4D97-AF65-F5344CB8AC3E}">
-        <p14:creationId xmlns:p14="http://schemas.microsoft.com/office/powerpoint/2010/main" val="1342407059"/>
-      </p:ext>
-    </p:extLst>
-  </p:cSld>
-  <p:clrMapOvr>
-    <a:masterClrMapping/>
-  </p:clrMapOvr>
-</p:sld>
-</file>
-
-<file path=ppt/slides/slide97.xml><?xml version="1.0" encoding="utf-8"?>
-<p:sld xmlns:a="http://schemas.openxmlformats.org/drawingml/2006/main" xmlns:r="http://schemas.openxmlformats.org/officeDocument/2006/relationships" xmlns:p="http://schemas.openxmlformats.org/presentationml/2006/main">
-  <p:cSld>
-    <p:spTree>
-      <p:nvGrpSpPr>
-        <p:cNvPr id="1" name=""/>
-        <p:cNvGrpSpPr/>
-        <p:nvPr/>
-      </p:nvGrpSpPr>
-      <p:grpSpPr>
-        <a:xfrm>
-          <a:off x="0" y="0"/>
-          <a:ext cx="0" cy="0"/>
-          <a:chOff x="0" y="0"/>
-          <a:chExt cx="0" cy="0"/>
-        </a:xfrm>
-      </p:grpSpPr>
-      <p:sp>
-        <p:nvSpPr>
-          <p:cNvPr id="2" name="Title 1"/>
-          <p:cNvSpPr>
-            <a:spLocks noGrp="1"/>
-          </p:cNvSpPr>
-          <p:nvPr>
-            <p:ph type="title"/>
-          </p:nvPr>
-        </p:nvSpPr>
-        <p:spPr/>
-        <p:txBody>
-          <a:bodyPr/>
-          <a:lstStyle/>
-          <a:p>
-            <a:r>
-              <a:rPr lang="en-US" dirty="0" smtClean="0"/>
-              <a:t>Bill of the product</a:t>
-            </a:r>
-            <a:endParaRPr lang="en-US" dirty="0"/>
-          </a:p>
-        </p:txBody>
-      </p:sp>
-      <p:sp>
-        <p:nvSpPr>
-          <p:cNvPr id="3" name="Content Placeholder 2"/>
-          <p:cNvSpPr>
-            <a:spLocks noGrp="1"/>
-          </p:cNvSpPr>
-          <p:nvPr>
-            <p:ph sz="quarter" idx="1"/>
-          </p:nvPr>
-        </p:nvSpPr>
-        <p:spPr/>
-        <p:txBody>
-          <a:bodyPr/>
-          <a:lstStyle/>
-          <a:p>
-            <a:r>
-              <a:rPr lang="en-US" dirty="0"/>
-              <a:t>After entering the valid email/password, the dashboard will open.</a:t>
-            </a:r>
-          </a:p>
-          <a:p>
-            <a:r>
-              <a:rPr lang="en-US" dirty="0"/>
-              <a:t>Click on the order which is in the side menu bar of the dashboard.</a:t>
-            </a:r>
-          </a:p>
-          <a:p>
-            <a:r>
-              <a:rPr lang="en-US" dirty="0"/>
-              <a:t>Click to the manage order in the drop down menu.</a:t>
-            </a:r>
-          </a:p>
-          <a:p>
-            <a:r>
-              <a:rPr lang="en-US" dirty="0"/>
-              <a:t>All the orders are available in it and click to the print button which is show at the bottom of the form.</a:t>
-            </a:r>
-          </a:p>
-          <a:p>
-            <a:r>
-              <a:rPr lang="en-US" dirty="0" smtClean="0"/>
-              <a:t>The bill is produce after clicking the print button.</a:t>
-            </a:r>
-            <a:endParaRPr lang="en-US" dirty="0"/>
-          </a:p>
-        </p:txBody>
-      </p:sp>
-    </p:spTree>
-    <p:extLst>
-      <p:ext uri="{BB962C8B-B14F-4D97-AF65-F5344CB8AC3E}">
-        <p14:creationId xmlns:p14="http://schemas.microsoft.com/office/powerpoint/2010/main" val="4233977570"/>
-      </p:ext>
-    </p:extLst>
-  </p:cSld>
-  <p:clrMapOvr>
-    <a:masterClrMapping/>
-  </p:clrMapOvr>
-</p:sld>
-</file>
-
-<file path=ppt/slides/slide98.xml><?xml version="1.0" encoding="utf-8"?>
-<p:sld xmlns:a="http://schemas.openxmlformats.org/drawingml/2006/main" xmlns:r="http://schemas.openxmlformats.org/officeDocument/2006/relationships" xmlns:p="http://schemas.openxmlformats.org/presentationml/2006/main">
-  <p:cSld>
-    <p:spTree>
-      <p:nvGrpSpPr>
-        <p:cNvPr id="1" name=""/>
-        <p:cNvGrpSpPr/>
-        <p:nvPr/>
-      </p:nvGrpSpPr>
-      <p:grpSpPr>
-        <a:xfrm>
-          <a:off x="0" y="0"/>
-          <a:ext cx="0" cy="0"/>
-          <a:chOff x="0" y="0"/>
-          <a:chExt cx="0" cy="0"/>
-        </a:xfrm>
-      </p:grpSpPr>
-      <p:sp>
-        <p:nvSpPr>
-          <p:cNvPr id="3" name="Title 2"/>
-          <p:cNvSpPr>
-            <a:spLocks noGrp="1"/>
-          </p:cNvSpPr>
-          <p:nvPr>
-            <p:ph type="title"/>
-          </p:nvPr>
-        </p:nvSpPr>
-        <p:spPr/>
-        <p:txBody>
-          <a:bodyPr/>
-          <a:lstStyle/>
-          <a:p>
-            <a:r>
-              <a:rPr lang="en-US" dirty="0" smtClean="0"/>
-              <a:t>conclusion</a:t>
-            </a:r>
-            <a:endParaRPr lang="en-US" dirty="0"/>
-          </a:p>
-        </p:txBody>
-      </p:sp>
-      <p:sp>
-        <p:nvSpPr>
-          <p:cNvPr id="2" name="Content Placeholder 1"/>
-          <p:cNvSpPr>
-            <a:spLocks noGrp="1"/>
-          </p:cNvSpPr>
-          <p:nvPr>
-            <p:ph sz="quarter" idx="1"/>
-          </p:nvPr>
-        </p:nvSpPr>
-        <p:spPr/>
-        <p:txBody>
-          <a:bodyPr/>
-          <a:lstStyle/>
-          <a:p>
-            <a:r>
-              <a:rPr lang="en-US" dirty="0" smtClean="0"/>
-              <a:t>Finally the required stock management system was successfully designed and implement at the time. The web based system for managing the stock allow to edit the stock and record of it. It also keeps the record of purchase with billing and helps to edits the available products. With the help of different diagrams and methods the stock management system completed successfully without complications and obstacles.</a:t>
-            </a:r>
-            <a:endParaRPr lang="en-US" dirty="0"/>
-          </a:p>
-        </p:txBody>
-      </p:sp>
-    </p:spTree>
-    <p:extLst>
-      <p:ext uri="{BB962C8B-B14F-4D97-AF65-F5344CB8AC3E}">
-        <p14:creationId xmlns:p14="http://schemas.microsoft.com/office/powerpoint/2010/main" val="814669846"/>
-      </p:ext>
-    </p:extLst>
-  </p:cSld>
-  <p:clrMapOvr>
-    <a:masterClrMapping/>
-  </p:clrMapOvr>
-  <p:timing>
-    <p:tnLst>
-      <p:par>
-        <p:cTn id="1" dur="indefinite" restart="never" nodeType="tmRoot"/>
-      </p:par>
-    </p:tnLst>
-  </p:timing>
-</p:sld>
-</file>
-
-<file path=ppt/slides/slide99.xml><?xml version="1.0" encoding="utf-8"?>
-<p:sld xmlns:a="http://schemas.openxmlformats.org/drawingml/2006/main" xmlns:r="http://schemas.openxmlformats.org/officeDocument/2006/relationships" xmlns:p="http://schemas.openxmlformats.org/presentationml/2006/main">
-  <p:cSld>
-    <p:spTree>
-      <p:nvGrpSpPr>
-        <p:cNvPr id="1" name=""/>
-        <p:cNvGrpSpPr/>
-        <p:nvPr/>
-      </p:nvGrpSpPr>
-      <p:grpSpPr>
-        <a:xfrm>
-          <a:off x="0" y="0"/>
-          <a:ext cx="0" cy="0"/>
-          <a:chOff x="0" y="0"/>
-          <a:chExt cx="0" cy="0"/>
-        </a:xfrm>
-      </p:grpSpPr>
-      <p:sp>
-        <p:nvSpPr>
-          <p:cNvPr id="3" name="Title 2"/>
-          <p:cNvSpPr>
-            <a:spLocks noGrp="1"/>
-          </p:cNvSpPr>
-          <p:nvPr>
-            <p:ph type="title"/>
-          </p:nvPr>
-        </p:nvSpPr>
-        <p:spPr/>
-        <p:txBody>
-          <a:bodyPr/>
-          <a:lstStyle/>
-          <a:p>
-            <a:r>
-              <a:rPr lang="en-US" dirty="0" smtClean="0"/>
-              <a:t>references</a:t>
-            </a:r>
-            <a:endParaRPr lang="en-US" dirty="0"/>
-          </a:p>
-        </p:txBody>
-      </p:sp>
-      <p:sp>
-        <p:nvSpPr>
-          <p:cNvPr id="2" name="Content Placeholder 1"/>
-          <p:cNvSpPr>
-            <a:spLocks noGrp="1"/>
-          </p:cNvSpPr>
-          <p:nvPr>
-            <p:ph sz="quarter" idx="1"/>
-          </p:nvPr>
-        </p:nvSpPr>
-        <p:spPr/>
-        <p:txBody>
-          <a:bodyPr/>
-          <a:lstStyle/>
-          <a:p>
-            <a:r>
-              <a:rPr lang="en-US" dirty="0">
-                <a:hlinkClick r:id="rId2"/>
-              </a:rPr>
-              <a:t>https://</a:t>
-            </a:r>
-            <a:r>
-              <a:rPr lang="en-US" dirty="0" smtClean="0">
-                <a:hlinkClick r:id="rId2"/>
-              </a:rPr>
-              <a:t>en.wikipedia.org</a:t>
-            </a:r>
-            <a:endParaRPr lang="en-US" dirty="0" smtClean="0"/>
-          </a:p>
-          <a:p>
-            <a:r>
-              <a:rPr lang="en-US" u="sng" dirty="0" smtClean="0">
-                <a:hlinkClick r:id="rId3"/>
-              </a:rPr>
-              <a:t>http</a:t>
-            </a:r>
-            <a:r>
-              <a:rPr lang="en-US" u="sng" dirty="0">
-                <a:hlinkClick r:id="rId3"/>
-              </a:rPr>
-              <a:t>://</a:t>
-            </a:r>
-            <a:r>
-              <a:rPr lang="en-US" u="sng" dirty="0" smtClean="0">
-                <a:hlinkClick r:id="rId3"/>
-              </a:rPr>
-              <a:t>www.tutorialspoint.com</a:t>
-            </a:r>
-            <a:endParaRPr lang="en-US" dirty="0"/>
-          </a:p>
-          <a:p>
-            <a:r>
-              <a:rPr lang="en-US" u="sng" dirty="0" smtClean="0">
-                <a:hlinkClick r:id="rId4"/>
-              </a:rPr>
-              <a:t>https</a:t>
-            </a:r>
-            <a:r>
-              <a:rPr lang="en-US" u="sng" dirty="0">
-                <a:hlinkClick r:id="rId4"/>
-              </a:rPr>
-              <a:t>://www.carajaclasses.com</a:t>
-            </a:r>
-            <a:endParaRPr lang="en-US" dirty="0"/>
-          </a:p>
-          <a:p>
-            <a:r>
-              <a:rPr lang="en-US" u="sng" dirty="0" smtClean="0">
-                <a:hlinkClick r:id="rId5"/>
-              </a:rPr>
-              <a:t>http</a:t>
-            </a:r>
-            <a:r>
-              <a:rPr lang="en-US" u="sng" dirty="0">
-                <a:hlinkClick r:id="rId5"/>
-              </a:rPr>
-              <a:t>://</a:t>
-            </a:r>
-            <a:r>
-              <a:rPr lang="en-US" u="sng" dirty="0" smtClean="0">
-                <a:hlinkClick r:id="rId5"/>
-              </a:rPr>
-              <a:t>www.lynda.com</a:t>
-            </a:r>
-            <a:endParaRPr lang="en-US" u="sng" dirty="0" smtClean="0"/>
-          </a:p>
-          <a:p>
-            <a:pPr marL="0" indent="0">
-              <a:buNone/>
-            </a:pPr>
-            <a:endParaRPr lang="en-US" dirty="0"/>
-          </a:p>
-          <a:p>
-            <a:endParaRPr lang="en-US" dirty="0"/>
-          </a:p>
-        </p:txBody>
-      </p:sp>
-    </p:spTree>
-    <p:extLst>
-      <p:ext uri="{BB962C8B-B14F-4D97-AF65-F5344CB8AC3E}">
-        <p14:creationId xmlns:p14="http://schemas.microsoft.com/office/powerpoint/2010/main" val="3156000321"/>
-      </p:ext>
-    </p:extLst>
-  </p:cSld>
-  <p:clrMapOvr>
-    <a:masterClrMapping/>
-  </p:clrMapOvr>
-  <p:timing>
-    <p:tnLst>
-      <p:par>
-        <p:cTn id="1" dur="indefinite" restart="never" nodeType="tmRoot"/>
-      </p:par>
-    </p:tnLst>
-  </p:timing>
 </p:sld>
 </file>
 

--- a/implementation/pp of sms.pptx
+++ b/implementation/pp of sms.pptx
@@ -84,31 +84,32 @@
     <p:sldId id="317" r:id="rId78"/>
     <p:sldId id="361" r:id="rId79"/>
     <p:sldId id="362" r:id="rId80"/>
-    <p:sldId id="357" r:id="rId81"/>
-    <p:sldId id="356" r:id="rId82"/>
-    <p:sldId id="363" r:id="rId83"/>
-    <p:sldId id="305" r:id="rId84"/>
-    <p:sldId id="306" r:id="rId85"/>
-    <p:sldId id="320" r:id="rId86"/>
-    <p:sldId id="338" r:id="rId87"/>
-    <p:sldId id="335" r:id="rId88"/>
-    <p:sldId id="339" r:id="rId89"/>
-    <p:sldId id="334" r:id="rId90"/>
-    <p:sldId id="340" r:id="rId91"/>
-    <p:sldId id="341" r:id="rId92"/>
-    <p:sldId id="342" r:id="rId93"/>
-    <p:sldId id="343" r:id="rId94"/>
-    <p:sldId id="344" r:id="rId95"/>
-    <p:sldId id="345" r:id="rId96"/>
-    <p:sldId id="346" r:id="rId97"/>
-    <p:sldId id="347" r:id="rId98"/>
-    <p:sldId id="348" r:id="rId99"/>
-    <p:sldId id="349" r:id="rId100"/>
-    <p:sldId id="350" r:id="rId101"/>
-    <p:sldId id="351" r:id="rId102"/>
-    <p:sldId id="352" r:id="rId103"/>
-    <p:sldId id="304" r:id="rId104"/>
-    <p:sldId id="277" r:id="rId105"/>
+    <p:sldId id="364" r:id="rId81"/>
+    <p:sldId id="357" r:id="rId82"/>
+    <p:sldId id="356" r:id="rId83"/>
+    <p:sldId id="363" r:id="rId84"/>
+    <p:sldId id="305" r:id="rId85"/>
+    <p:sldId id="306" r:id="rId86"/>
+    <p:sldId id="320" r:id="rId87"/>
+    <p:sldId id="338" r:id="rId88"/>
+    <p:sldId id="335" r:id="rId89"/>
+    <p:sldId id="339" r:id="rId90"/>
+    <p:sldId id="334" r:id="rId91"/>
+    <p:sldId id="340" r:id="rId92"/>
+    <p:sldId id="341" r:id="rId93"/>
+    <p:sldId id="342" r:id="rId94"/>
+    <p:sldId id="343" r:id="rId95"/>
+    <p:sldId id="344" r:id="rId96"/>
+    <p:sldId id="345" r:id="rId97"/>
+    <p:sldId id="346" r:id="rId98"/>
+    <p:sldId id="347" r:id="rId99"/>
+    <p:sldId id="348" r:id="rId100"/>
+    <p:sldId id="349" r:id="rId101"/>
+    <p:sldId id="350" r:id="rId102"/>
+    <p:sldId id="351" r:id="rId103"/>
+    <p:sldId id="352" r:id="rId104"/>
+    <p:sldId id="304" r:id="rId105"/>
+    <p:sldId id="277" r:id="rId106"/>
   </p:sldIdLst>
   <p:sldSz cx="9144000" cy="6858000" type="screen4x3"/>
   <p:notesSz cx="6858000" cy="9144000"/>
@@ -490,7 +491,7 @@
           <a:p>
             <a:fld id="{C8CE3B9A-6D67-41F8-8453-F151FCDFD414}" type="datetimeFigureOut">
               <a:rPr lang="en-US" smtClean="0"/>
-              <a:t>4/24/2019</a:t>
+              <a:t>4/25/2019</a:t>
             </a:fld>
             <a:endParaRPr lang="en-US"/>
           </a:p>
@@ -883,7 +884,7 @@
           <a:p>
             <a:fld id="{C8CE3B9A-6D67-41F8-8453-F151FCDFD414}" type="datetimeFigureOut">
               <a:rPr lang="en-US" smtClean="0"/>
-              <a:t>4/24/2019</a:t>
+              <a:t>4/25/2019</a:t>
             </a:fld>
             <a:endParaRPr lang="en-US"/>
           </a:p>
@@ -1415,7 +1416,7 @@
           <a:p>
             <a:fld id="{C8CE3B9A-6D67-41F8-8453-F151FCDFD414}" type="datetimeFigureOut">
               <a:rPr lang="en-US" smtClean="0"/>
-              <a:t>4/24/2019</a:t>
+              <a:t>4/25/2019</a:t>
             </a:fld>
             <a:endParaRPr lang="en-US"/>
           </a:p>
@@ -1548,7 +1549,7 @@
           <a:p>
             <a:fld id="{C8CE3B9A-6D67-41F8-8453-F151FCDFD414}" type="datetimeFigureOut">
               <a:rPr lang="en-US" smtClean="0"/>
-              <a:t>4/24/2019</a:t>
+              <a:t>4/25/2019</a:t>
             </a:fld>
             <a:endParaRPr lang="en-US"/>
           </a:p>
@@ -2091,7 +2092,7 @@
           <a:p>
             <a:fld id="{C8CE3B9A-6D67-41F8-8453-F151FCDFD414}" type="datetimeFigureOut">
               <a:rPr lang="en-US" smtClean="0"/>
-              <a:t>4/24/2019</a:t>
+              <a:t>4/25/2019</a:t>
             </a:fld>
             <a:endParaRPr lang="en-US"/>
           </a:p>
@@ -2386,7 +2387,7 @@
           <a:p>
             <a:fld id="{C8CE3B9A-6D67-41F8-8453-F151FCDFD414}" type="datetimeFigureOut">
               <a:rPr lang="en-US" smtClean="0"/>
-              <a:t>4/24/2019</a:t>
+              <a:t>4/25/2019</a:t>
             </a:fld>
             <a:endParaRPr lang="en-US"/>
           </a:p>
@@ -3045,7 +3046,7 @@
           <a:p>
             <a:fld id="{C8CE3B9A-6D67-41F8-8453-F151FCDFD414}" type="datetimeFigureOut">
               <a:rPr lang="en-US" smtClean="0"/>
-              <a:t>4/24/2019</a:t>
+              <a:t>4/25/2019</a:t>
             </a:fld>
             <a:endParaRPr lang="en-US"/>
           </a:p>
@@ -3481,7 +3482,7 @@
           <a:p>
             <a:fld id="{C8CE3B9A-6D67-41F8-8453-F151FCDFD414}" type="datetimeFigureOut">
               <a:rPr lang="en-US" smtClean="0"/>
-              <a:t>4/24/2019</a:t>
+              <a:t>4/25/2019</a:t>
             </a:fld>
             <a:endParaRPr lang="en-US"/>
           </a:p>
@@ -3794,7 +3795,7 @@
           <a:p>
             <a:fld id="{C8CE3B9A-6D67-41F8-8453-F151FCDFD414}" type="datetimeFigureOut">
               <a:rPr lang="en-US" smtClean="0"/>
-              <a:t>4/24/2019</a:t>
+              <a:t>4/25/2019</a:t>
             </a:fld>
             <a:endParaRPr lang="en-US"/>
           </a:p>
@@ -4526,7 +4527,7 @@
           <a:p>
             <a:fld id="{C8CE3B9A-6D67-41F8-8453-F151FCDFD414}" type="datetimeFigureOut">
               <a:rPr lang="en-US" smtClean="0"/>
-              <a:t>4/24/2019</a:t>
+              <a:t>4/25/2019</a:t>
             </a:fld>
             <a:endParaRPr lang="en-US"/>
           </a:p>
@@ -5190,7 +5191,7 @@
           <a:p>
             <a:fld id="{C8CE3B9A-6D67-41F8-8453-F151FCDFD414}" type="datetimeFigureOut">
               <a:rPr lang="en-US" smtClean="0"/>
-              <a:t>4/24/2019</a:t>
+              <a:t>4/25/2019</a:t>
             </a:fld>
             <a:endParaRPr lang="en-US"/>
           </a:p>
@@ -5463,7 +5464,7 @@
           <a:p>
             <a:fld id="{C8CE3B9A-6D67-41F8-8453-F151FCDFD414}" type="datetimeFigureOut">
               <a:rPr lang="en-US" smtClean="0"/>
-              <a:t>4/24/2019</a:t>
+              <a:t>4/25/2019</a:t>
             </a:fld>
             <a:endParaRPr lang="en-US"/>
           </a:p>
@@ -6432,6 +6433,107 @@
           </a:p>
         </p:txBody>
       </p:sp>
+      <p:pic>
+        <p:nvPicPr>
+          <p:cNvPr id="4" name="Content Placeholder 3"/>
+          <p:cNvPicPr>
+            <a:picLocks noGrp="1"/>
+          </p:cNvPicPr>
+          <p:nvPr>
+            <p:ph sz="quarter" idx="1"/>
+          </p:nvPr>
+        </p:nvPicPr>
+        <p:blipFill>
+          <a:blip r:embed="rId2"/>
+          <a:stretch>
+            <a:fillRect/>
+          </a:stretch>
+        </p:blipFill>
+        <p:spPr>
+          <a:xfrm>
+            <a:off x="304800" y="1659883"/>
+            <a:ext cx="8504238" cy="2866079"/>
+          </a:xfrm>
+          <a:prstGeom prst="rect">
+            <a:avLst/>
+          </a:prstGeom>
+        </p:spPr>
+      </p:pic>
+      <p:pic>
+        <p:nvPicPr>
+          <p:cNvPr id="5" name="Picture 4"/>
+          <p:cNvPicPr/>
+          <p:nvPr/>
+        </p:nvPicPr>
+        <p:blipFill>
+          <a:blip r:embed="rId3"/>
+          <a:stretch>
+            <a:fillRect/>
+          </a:stretch>
+        </p:blipFill>
+        <p:spPr>
+          <a:xfrm>
+            <a:off x="304800" y="4572000"/>
+            <a:ext cx="8534400" cy="1279525"/>
+          </a:xfrm>
+          <a:prstGeom prst="rect">
+            <a:avLst/>
+          </a:prstGeom>
+        </p:spPr>
+      </p:pic>
+    </p:spTree>
+    <p:extLst>
+      <p:ext uri="{BB962C8B-B14F-4D97-AF65-F5344CB8AC3E}">
+        <p14:creationId xmlns:p14="http://schemas.microsoft.com/office/powerpoint/2010/main" val="4004599364"/>
+      </p:ext>
+    </p:extLst>
+  </p:cSld>
+  <p:clrMapOvr>
+    <a:masterClrMapping/>
+  </p:clrMapOvr>
+</p:sld>
+</file>
+
+<file path=ppt/slides/slide101.xml><?xml version="1.0" encoding="utf-8"?>
+<p:sld xmlns:a="http://schemas.openxmlformats.org/drawingml/2006/main" xmlns:r="http://schemas.openxmlformats.org/officeDocument/2006/relationships" xmlns:p="http://schemas.openxmlformats.org/presentationml/2006/main">
+  <p:cSld>
+    <p:spTree>
+      <p:nvGrpSpPr>
+        <p:cNvPr id="1" name=""/>
+        <p:cNvGrpSpPr/>
+        <p:nvPr/>
+      </p:nvGrpSpPr>
+      <p:grpSpPr>
+        <a:xfrm>
+          <a:off x="0" y="0"/>
+          <a:ext cx="0" cy="0"/>
+          <a:chOff x="0" y="0"/>
+          <a:chExt cx="0" cy="0"/>
+        </a:xfrm>
+      </p:grpSpPr>
+      <p:sp>
+        <p:nvSpPr>
+          <p:cNvPr id="2" name="Title 1"/>
+          <p:cNvSpPr>
+            <a:spLocks noGrp="1"/>
+          </p:cNvSpPr>
+          <p:nvPr>
+            <p:ph type="title"/>
+          </p:nvPr>
+        </p:nvSpPr>
+        <p:spPr/>
+        <p:txBody>
+          <a:bodyPr/>
+          <a:lstStyle/>
+          <a:p>
+            <a:r>
+              <a:rPr lang="en-US" dirty="0" smtClean="0"/>
+              <a:t>Print the order</a:t>
+            </a:r>
+            <a:endParaRPr lang="en-US" dirty="0"/>
+          </a:p>
+        </p:txBody>
+      </p:sp>
       <p:sp>
         <p:nvSpPr>
           <p:cNvPr id="3" name="Content Placeholder 2"/>
@@ -6509,7 +6611,7 @@
 </p:sld>
 </file>
 
-<file path=ppt/slides/slide101.xml><?xml version="1.0" encoding="utf-8"?>
+<file path=ppt/slides/slide102.xml><?xml version="1.0" encoding="utf-8"?>
 <p:sld xmlns:a="http://schemas.openxmlformats.org/drawingml/2006/main" xmlns:r="http://schemas.openxmlformats.org/officeDocument/2006/relationships" xmlns:p="http://schemas.openxmlformats.org/presentationml/2006/main">
   <p:cSld>
     <p:spTree>
@@ -6591,7 +6693,7 @@
 </p:sld>
 </file>
 
-<file path=ppt/slides/slide102.xml><?xml version="1.0" encoding="utf-8"?>
+<file path=ppt/slides/slide103.xml><?xml version="1.0" encoding="utf-8"?>
 <p:sld xmlns:a="http://schemas.openxmlformats.org/drawingml/2006/main" xmlns:r="http://schemas.openxmlformats.org/officeDocument/2006/relationships" xmlns:p="http://schemas.openxmlformats.org/presentationml/2006/main">
   <p:cSld>
     <p:spTree>
@@ -6691,7 +6793,7 @@
 </p:sld>
 </file>
 
-<file path=ppt/slides/slide103.xml><?xml version="1.0" encoding="utf-8"?>
+<file path=ppt/slides/slide104.xml><?xml version="1.0" encoding="utf-8"?>
 <p:sld xmlns:a="http://schemas.openxmlformats.org/drawingml/2006/main" xmlns:r="http://schemas.openxmlformats.org/officeDocument/2006/relationships" xmlns:p="http://schemas.openxmlformats.org/presentationml/2006/main">
   <p:cSld>
     <p:spTree>
@@ -6774,7 +6876,7 @@
 </p:sld>
 </file>
 
-<file path=ppt/slides/slide104.xml><?xml version="1.0" encoding="utf-8"?>
+<file path=ppt/slides/slide105.xml><?xml version="1.0" encoding="utf-8"?>
 <p:sld xmlns:a="http://schemas.openxmlformats.org/drawingml/2006/main" xmlns:r="http://schemas.openxmlformats.org/officeDocument/2006/relationships" xmlns:p="http://schemas.openxmlformats.org/presentationml/2006/main">
   <p:cSld>
     <p:spTree>
@@ -7402,7 +7504,6 @@
               <a:rPr lang="en-US" dirty="0"/>
               <a:t>System Architecture</a:t>
             </a:r>
-            <a:endParaRPr lang="en-US" dirty="0"/>
           </a:p>
         </p:txBody>
       </p:sp>
@@ -13327,30 +13428,13 @@
           <a:p>
             <a:r>
               <a:rPr lang="en-US" dirty="0" smtClean="0"/>
-              <a:t>After entering select </a:t>
-            </a:r>
-            <a:r>
-              <a:rPr lang="en-US" dirty="0" smtClean="0"/>
-              <a:t>the brand.</a:t>
-            </a:r>
-            <a:endParaRPr lang="en-US" dirty="0" smtClean="0"/>
-          </a:p>
-          <a:p>
-            <a:r>
-              <a:rPr lang="en-US" dirty="0" smtClean="0"/>
-              <a:t>After selecting </a:t>
-            </a:r>
-            <a:r>
-              <a:rPr lang="en-US" dirty="0" smtClean="0"/>
-              <a:t>brand</a:t>
-            </a:r>
-            <a:r>
-              <a:rPr lang="en-US" dirty="0" smtClean="0"/>
-              <a:t>, </a:t>
-            </a:r>
-            <a:r>
-              <a:rPr lang="en-US" dirty="0" smtClean="0"/>
-              <a:t>select the </a:t>
+              <a:t>After entering select the brand.</a:t>
+            </a:r>
+          </a:p>
+          <a:p>
+            <a:r>
+              <a:rPr lang="en-US" dirty="0" smtClean="0"/>
+              <a:t>After selecting brand, select the </a:t>
             </a:r>
             <a:r>
               <a:rPr lang="en-US" dirty="0"/>
@@ -16505,14 +16589,14 @@
             <p:ph sz="quarter" idx="1"/>
             <p:extLst>
               <p:ext uri="{D42A27DB-BD31-4B8C-83A1-F6EECF244321}">
-                <p14:modId xmlns:p14="http://schemas.microsoft.com/office/powerpoint/2010/main" val="2272402332"/>
+                <p14:modId xmlns:p14="http://schemas.microsoft.com/office/powerpoint/2010/main" val="3791799926"/>
               </p:ext>
             </p:extLst>
           </p:nvPr>
         </p:nvGraphicFramePr>
         <p:xfrm>
           <a:off x="301625" y="1527175"/>
-          <a:ext cx="8504236" cy="3789680"/>
+          <a:ext cx="8504236" cy="4160520"/>
         </p:xfrm>
         <a:graphic>
           <a:graphicData uri="http://schemas.openxmlformats.org/drawingml/2006/table">
@@ -17246,7 +17330,7 @@
                         </a:spcAft>
                       </a:pPr>
                       <a:r>
-                        <a:rPr lang="en-US" sz="1100" kern="1200">
+                        <a:rPr lang="en-US" sz="1100" kern="1200" dirty="0">
                           <a:solidFill>
                             <a:srgbClr val="000000"/>
                           </a:solidFill>
@@ -17257,7 +17341,7 @@
                         </a:rPr>
                         <a:t>Test_0012</a:t>
                       </a:r>
-                      <a:endParaRPr lang="en-US" sz="1100">
+                      <a:endParaRPr lang="en-US" sz="1100" dirty="0">
                         <a:effectLst/>
                         <a:latin typeface="+mn-lt"/>
                         <a:ea typeface="Times New Roman"/>
@@ -17389,6 +17473,271 @@
                           <a:cs typeface="Mangal"/>
                         </a:rPr>
                         <a:t>Successfully updated.</a:t>
+                      </a:r>
+                      <a:endParaRPr lang="en-US" sz="1100" dirty="0">
+                        <a:effectLst/>
+                        <a:latin typeface="+mn-lt"/>
+                        <a:ea typeface="Times New Roman"/>
+                        <a:cs typeface="Mangal"/>
+                      </a:endParaRPr>
+                    </a:p>
+                  </a:txBody>
+                  <a:tcPr marL="68580" marR="68580" marT="0" marB="0"/>
+                </a:tc>
+                <a:tc>
+                  <a:txBody>
+                    <a:bodyPr/>
+                    <a:lstStyle/>
+                    <a:p>
+                      <a:pPr marL="0" marR="0" algn="l">
+                        <a:spcBef>
+                          <a:spcPts val="0"/>
+                        </a:spcBef>
+                        <a:spcAft>
+                          <a:spcPts val="0"/>
+                        </a:spcAft>
+                      </a:pPr>
+                      <a:r>
+                        <a:rPr lang="en-US" sz="1100" kern="1200" dirty="0">
+                          <a:solidFill>
+                            <a:srgbClr val="000000"/>
+                          </a:solidFill>
+                          <a:effectLst/>
+                          <a:latin typeface="+mn-lt"/>
+                          <a:ea typeface="Times New Roman"/>
+                          <a:cs typeface="Mangal"/>
+                        </a:rPr>
+                        <a:t>Yes</a:t>
+                      </a:r>
+                      <a:endParaRPr lang="en-US" sz="1100" dirty="0">
+                        <a:effectLst/>
+                        <a:latin typeface="+mn-lt"/>
+                        <a:ea typeface="Times New Roman"/>
+                        <a:cs typeface="Mangal"/>
+                      </a:endParaRPr>
+                    </a:p>
+                  </a:txBody>
+                  <a:tcPr marL="68580" marR="68580" marT="0" marB="0"/>
+                </a:tc>
+              </a:tr>
+              <a:tr h="370840">
+                <a:tc>
+                  <a:txBody>
+                    <a:bodyPr/>
+                    <a:lstStyle/>
+                    <a:p>
+                      <a:pPr marL="0" marR="0" algn="l">
+                        <a:spcBef>
+                          <a:spcPts val="0"/>
+                        </a:spcBef>
+                        <a:spcAft>
+                          <a:spcPts val="0"/>
+                        </a:spcAft>
+                      </a:pPr>
+                      <a:r>
+                        <a:rPr lang="en-US" sz="1100" kern="1200" dirty="0">
+                          <a:solidFill>
+                            <a:srgbClr val="000000"/>
+                          </a:solidFill>
+                          <a:effectLst/>
+                          <a:latin typeface="+mn-lt"/>
+                          <a:ea typeface="Times New Roman"/>
+                          <a:cs typeface="Mangal"/>
+                        </a:rPr>
+                        <a:t>Test_0012</a:t>
+                      </a:r>
+                      <a:endParaRPr lang="en-US" sz="1100" dirty="0">
+                        <a:effectLst/>
+                        <a:latin typeface="+mn-lt"/>
+                        <a:ea typeface="Times New Roman"/>
+                        <a:cs typeface="Mangal"/>
+                      </a:endParaRPr>
+                    </a:p>
+                  </a:txBody>
+                  <a:tcPr marL="68580" marR="68580" marT="0" marB="0"/>
+                </a:tc>
+                <a:tc>
+                  <a:txBody>
+                    <a:bodyPr/>
+                    <a:lstStyle/>
+                    <a:p>
+                      <a:pPr marL="0" marR="0" algn="l"/>
+                      <a:r>
+                        <a:rPr lang="en-US" sz="1100" kern="1200" dirty="0">
+                          <a:solidFill>
+                            <a:srgbClr val="000000"/>
+                          </a:solidFill>
+                          <a:effectLst/>
+                          <a:latin typeface="+mn-lt"/>
+                          <a:ea typeface="Times New Roman"/>
+                          <a:cs typeface="Mangal"/>
+                        </a:rPr>
+                        <a:t>Testing: </a:t>
+                      </a:r>
+                      <a:r>
+                        <a:rPr lang="en-US" sz="1100" kern="1200" dirty="0" smtClean="0">
+                          <a:solidFill>
+                            <a:srgbClr val="000000"/>
+                          </a:solidFill>
+                          <a:effectLst/>
+                          <a:latin typeface="+mn-lt"/>
+                          <a:ea typeface="Times New Roman"/>
+                          <a:cs typeface="Mangal"/>
+                        </a:rPr>
+                        <a:t>deleting </a:t>
+                      </a:r>
+                      <a:r>
+                        <a:rPr lang="en-US" sz="1100" kern="1200" dirty="0">
+                          <a:solidFill>
+                            <a:srgbClr val="000000"/>
+                          </a:solidFill>
+                          <a:effectLst/>
+                          <a:latin typeface="+mn-lt"/>
+                          <a:ea typeface="Times New Roman"/>
+                          <a:cs typeface="Mangal"/>
+                        </a:rPr>
+                        <a:t>the brand</a:t>
+                      </a:r>
+                      <a:endParaRPr lang="en-US" sz="1100" dirty="0">
+                        <a:effectLst/>
+                        <a:latin typeface="+mn-lt"/>
+                        <a:ea typeface="Times New Roman"/>
+                        <a:cs typeface="Mangal"/>
+                      </a:endParaRPr>
+                    </a:p>
+                  </a:txBody>
+                  <a:tcPr marL="68580" marR="68580" marT="0" marB="0"/>
+                </a:tc>
+                <a:tc>
+                  <a:txBody>
+                    <a:bodyPr/>
+                    <a:lstStyle/>
+                    <a:p>
+                      <a:pPr marL="0" marR="0" algn="l"/>
+                      <a:r>
+                        <a:rPr lang="en-US" sz="1100" kern="1200" dirty="0">
+                          <a:solidFill>
+                            <a:srgbClr val="000000"/>
+                          </a:solidFill>
+                          <a:effectLst/>
+                          <a:latin typeface="+mn-lt"/>
+                          <a:ea typeface="Times New Roman"/>
+                          <a:cs typeface="Mangal"/>
+                        </a:rPr>
+                        <a:t>Brand=Gucci</a:t>
+                      </a:r>
+                      <a:endParaRPr lang="en-US" sz="1100" dirty="0">
+                        <a:effectLst/>
+                        <a:latin typeface="+mn-lt"/>
+                        <a:ea typeface="Times New Roman"/>
+                        <a:cs typeface="Mangal"/>
+                      </a:endParaRPr>
+                    </a:p>
+                    <a:p>
+                      <a:pPr marL="0" marR="0" algn="l"/>
+                      <a:r>
+                        <a:rPr lang="en-US" sz="1100" kern="1200" dirty="0">
+                          <a:solidFill>
+                            <a:srgbClr val="000000"/>
+                          </a:solidFill>
+                          <a:effectLst/>
+                          <a:latin typeface="+mn-lt"/>
+                          <a:ea typeface="Times New Roman"/>
+                          <a:cs typeface="Mangal"/>
+                        </a:rPr>
+                        <a:t>Status=inactive</a:t>
+                      </a:r>
+                      <a:endParaRPr lang="en-US" sz="1100" dirty="0">
+                        <a:effectLst/>
+                        <a:latin typeface="+mn-lt"/>
+                        <a:ea typeface="Times New Roman"/>
+                        <a:cs typeface="Mangal"/>
+                      </a:endParaRPr>
+                    </a:p>
+                  </a:txBody>
+                  <a:tcPr marL="68580" marR="68580" marT="0" marB="0"/>
+                </a:tc>
+                <a:tc>
+                  <a:txBody>
+                    <a:bodyPr/>
+                    <a:lstStyle/>
+                    <a:p>
+                      <a:pPr marL="0" marR="0" algn="l"/>
+                      <a:r>
+                        <a:rPr lang="en-US" sz="1100" kern="1200" dirty="0">
+                          <a:solidFill>
+                            <a:srgbClr val="000000"/>
+                          </a:solidFill>
+                          <a:effectLst/>
+                          <a:latin typeface="+mn-lt"/>
+                          <a:ea typeface="Times New Roman"/>
+                          <a:cs typeface="Mangal"/>
+                        </a:rPr>
+                        <a:t>Message box with successfully </a:t>
+                      </a:r>
+                      <a:r>
+                        <a:rPr lang="en-US" sz="1100" kern="1200" dirty="0" smtClean="0">
+                          <a:solidFill>
+                            <a:srgbClr val="000000"/>
+                          </a:solidFill>
+                          <a:effectLst/>
+                          <a:latin typeface="+mn-lt"/>
+                          <a:ea typeface="Times New Roman"/>
+                          <a:cs typeface="Mangal"/>
+                        </a:rPr>
+                        <a:t>removed </a:t>
+                      </a:r>
+                      <a:endParaRPr lang="en-US" sz="1100" dirty="0">
+                        <a:effectLst/>
+                        <a:latin typeface="+mn-lt"/>
+                        <a:ea typeface="Times New Roman"/>
+                        <a:cs typeface="Mangal"/>
+                      </a:endParaRPr>
+                    </a:p>
+                  </a:txBody>
+                  <a:tcPr marL="68580" marR="68580" marT="0" marB="0"/>
+                </a:tc>
+                <a:tc>
+                  <a:txBody>
+                    <a:bodyPr/>
+                    <a:lstStyle/>
+                    <a:p>
+                      <a:pPr marL="0" marR="0" algn="l"/>
+                      <a:r>
+                        <a:rPr lang="en-US" sz="1100" kern="1200" dirty="0">
+                          <a:solidFill>
+                            <a:srgbClr val="000000"/>
+                          </a:solidFill>
+                          <a:effectLst/>
+                          <a:latin typeface="+mn-lt"/>
+                          <a:ea typeface="Times New Roman"/>
+                          <a:cs typeface="Mangal"/>
+                        </a:rPr>
+                        <a:t>Successfully </a:t>
+                      </a:r>
+                      <a:r>
+                        <a:rPr lang="en-US" sz="1100" kern="1200" dirty="0" smtClean="0">
+                          <a:solidFill>
+                            <a:srgbClr val="000000"/>
+                          </a:solidFill>
+                          <a:effectLst/>
+                          <a:latin typeface="+mn-lt"/>
+                          <a:ea typeface="Times New Roman"/>
+                          <a:cs typeface="Mangal"/>
+                        </a:rPr>
+                        <a:t>removed</a:t>
+                      </a:r>
+                      <a:r>
+                        <a:rPr lang="en-US" sz="1100" kern="1200" dirty="0">
+                          <a:solidFill>
+                            <a:srgbClr val="000000"/>
+                          </a:solidFill>
+                          <a:effectLst/>
+                          <a:latin typeface="+mn-lt"/>
+                          <a:ea typeface="Times New Roman"/>
+                          <a:cs typeface="Mangal"/>
+                        </a:rPr>
+                        <a:t>.</a:t>
                       </a:r>
                       <a:endParaRPr lang="en-US" sz="1100" dirty="0">
                         <a:effectLst/>
@@ -21243,6 +21592,233 @@
           <a:bodyPr/>
           <a:lstStyle/>
           <a:p>
+            <a:endParaRPr lang="en-US"/>
+          </a:p>
+        </p:txBody>
+      </p:sp>
+      <p:graphicFrame>
+        <p:nvGraphicFramePr>
+          <p:cNvPr id="4" name="Content Placeholder 3"/>
+          <p:cNvGraphicFramePr>
+            <a:graphicFrameLocks noGrp="1"/>
+          </p:cNvGraphicFramePr>
+          <p:nvPr>
+            <p:ph sz="quarter" idx="1"/>
+            <p:extLst>
+              <p:ext uri="{D42A27DB-BD31-4B8C-83A1-F6EECF244321}">
+                <p14:modId xmlns:p14="http://schemas.microsoft.com/office/powerpoint/2010/main" val="3855562348"/>
+              </p:ext>
+            </p:extLst>
+          </p:nvPr>
+        </p:nvGraphicFramePr>
+        <p:xfrm>
+          <a:off x="301625" y="1527175"/>
+          <a:ext cx="8504238" cy="4949825"/>
+        </p:xfrm>
+        <a:graphic>
+          <a:graphicData uri="http://schemas.openxmlformats.org/drawingml/2006/table">
+            <a:tbl>
+              <a:tblPr firstRow="1" bandRow="1">
+                <a:tableStyleId>{5C22544A-7EE6-4342-B048-85BDC9FD1C3A}</a:tableStyleId>
+              </a:tblPr>
+              <a:tblGrid>
+                <a:gridCol w="1298575"/>
+                <a:gridCol w="7205663"/>
+              </a:tblGrid>
+              <a:tr h="370840">
+                <a:tc>
+                  <a:txBody>
+                    <a:bodyPr/>
+                    <a:lstStyle/>
+                    <a:p>
+                      <a:r>
+                        <a:rPr lang="en-US" dirty="0" smtClean="0"/>
+                        <a:t>Test_id</a:t>
+                      </a:r>
+                      <a:endParaRPr lang="en-US" dirty="0"/>
+                    </a:p>
+                  </a:txBody>
+                  <a:tcPr/>
+                </a:tc>
+                <a:tc>
+                  <a:txBody>
+                    <a:bodyPr/>
+                    <a:lstStyle/>
+                    <a:p>
+                      <a:r>
+                        <a:rPr lang="en-US" dirty="0" smtClean="0"/>
+                        <a:t>Output </a:t>
+                      </a:r>
+                      <a:endParaRPr lang="en-US" dirty="0"/>
+                    </a:p>
+                  </a:txBody>
+                  <a:tcPr/>
+                </a:tc>
+              </a:tr>
+              <a:tr h="4578985">
+                <a:tc>
+                  <a:txBody>
+                    <a:bodyPr/>
+                    <a:lstStyle/>
+                    <a:p>
+                      <a:r>
+                        <a:rPr lang="en-US" dirty="0" smtClean="0"/>
+                        <a:t>Test_0013</a:t>
+                      </a:r>
+                      <a:endParaRPr lang="en-US" dirty="0"/>
+                    </a:p>
+                  </a:txBody>
+                  <a:tcPr/>
+                </a:tc>
+                <a:tc>
+                  <a:txBody>
+                    <a:bodyPr/>
+                    <a:lstStyle/>
+                    <a:p>
+                      <a:endParaRPr lang="en-US" dirty="0"/>
+                    </a:p>
+                  </a:txBody>
+                  <a:tcPr/>
+                </a:tc>
+              </a:tr>
+            </a:tbl>
+          </a:graphicData>
+        </a:graphic>
+      </p:graphicFrame>
+      <p:pic>
+        <p:nvPicPr>
+          <p:cNvPr id="1026" name="Picture 2" descr="E:\SMS\testing\test22.PNG"/>
+          <p:cNvPicPr>
+            <a:picLocks noChangeAspect="1" noChangeArrowheads="1"/>
+          </p:cNvPicPr>
+          <p:nvPr/>
+        </p:nvPicPr>
+        <p:blipFill>
+          <a:blip r:embed="rId2">
+            <a:extLst>
+              <a:ext uri="{28A0092B-C50C-407E-A947-70E740481C1C}">
+                <a14:useLocalDpi xmlns:a14="http://schemas.microsoft.com/office/drawing/2010/main" val="0"/>
+              </a:ext>
+            </a:extLst>
+          </a:blip>
+          <a:srcRect/>
+          <a:stretch>
+            <a:fillRect/>
+          </a:stretch>
+        </p:blipFill>
+        <p:spPr bwMode="auto">
+          <a:xfrm>
+            <a:off x="1676400" y="1981201"/>
+            <a:ext cx="5867400" cy="1905000"/>
+          </a:xfrm>
+          <a:prstGeom prst="rect">
+            <a:avLst/>
+          </a:prstGeom>
+          <a:noFill/>
+          <a:extLst>
+            <a:ext uri="{909E8E84-426E-40DD-AFC4-6F175D3DCCD1}">
+              <a14:hiddenFill xmlns:a14="http://schemas.microsoft.com/office/drawing/2010/main">
+                <a:solidFill>
+                  <a:srgbClr val="FFFFFF"/>
+                </a:solidFill>
+              </a14:hiddenFill>
+            </a:ext>
+          </a:extLst>
+        </p:spPr>
+      </p:pic>
+      <p:pic>
+        <p:nvPicPr>
+          <p:cNvPr id="1027" name="Picture 3" descr="E:\SMS\testing\test23.PNG"/>
+          <p:cNvPicPr>
+            <a:picLocks noChangeAspect="1" noChangeArrowheads="1"/>
+          </p:cNvPicPr>
+          <p:nvPr/>
+        </p:nvPicPr>
+        <p:blipFill>
+          <a:blip r:embed="rId3">
+            <a:extLst>
+              <a:ext uri="{28A0092B-C50C-407E-A947-70E740481C1C}">
+                <a14:useLocalDpi xmlns:a14="http://schemas.microsoft.com/office/drawing/2010/main" val="0"/>
+              </a:ext>
+            </a:extLst>
+          </a:blip>
+          <a:srcRect/>
+          <a:stretch>
+            <a:fillRect/>
+          </a:stretch>
+        </p:blipFill>
+        <p:spPr bwMode="auto">
+          <a:xfrm>
+            <a:off x="1676400" y="3886201"/>
+            <a:ext cx="5867400" cy="2590799"/>
+          </a:xfrm>
+          <a:prstGeom prst="rect">
+            <a:avLst/>
+          </a:prstGeom>
+          <a:noFill/>
+          <a:extLst>
+            <a:ext uri="{909E8E84-426E-40DD-AFC4-6F175D3DCCD1}">
+              <a14:hiddenFill xmlns:a14="http://schemas.microsoft.com/office/drawing/2010/main">
+                <a:solidFill>
+                  <a:srgbClr val="FFFFFF"/>
+                </a:solidFill>
+              </a14:hiddenFill>
+            </a:ext>
+          </a:extLst>
+        </p:spPr>
+      </p:pic>
+    </p:spTree>
+    <p:extLst>
+      <p:ext uri="{BB962C8B-B14F-4D97-AF65-F5344CB8AC3E}">
+        <p14:creationId xmlns:p14="http://schemas.microsoft.com/office/powerpoint/2010/main" val="93956057"/>
+      </p:ext>
+    </p:extLst>
+  </p:cSld>
+  <p:clrMapOvr>
+    <a:masterClrMapping/>
+  </p:clrMapOvr>
+  <p:timing>
+    <p:tnLst>
+      <p:par>
+        <p:cTn id="1" dur="indefinite" restart="never" nodeType="tmRoot"/>
+      </p:par>
+    </p:tnLst>
+  </p:timing>
+</p:sld>
+</file>
+
+<file path=ppt/slides/slide81.xml><?xml version="1.0" encoding="utf-8"?>
+<p:sld xmlns:a="http://schemas.openxmlformats.org/drawingml/2006/main" xmlns:r="http://schemas.openxmlformats.org/officeDocument/2006/relationships" xmlns:p="http://schemas.openxmlformats.org/presentationml/2006/main">
+  <p:cSld>
+    <p:spTree>
+      <p:nvGrpSpPr>
+        <p:cNvPr id="1" name=""/>
+        <p:cNvGrpSpPr/>
+        <p:nvPr/>
+      </p:nvGrpSpPr>
+      <p:grpSpPr>
+        <a:xfrm>
+          <a:off x="0" y="0"/>
+          <a:ext cx="0" cy="0"/>
+          <a:chOff x="0" y="0"/>
+          <a:chExt cx="0" cy="0"/>
+        </a:xfrm>
+      </p:grpSpPr>
+      <p:sp>
+        <p:nvSpPr>
+          <p:cNvPr id="2" name="Title 1"/>
+          <p:cNvSpPr>
+            <a:spLocks noGrp="1"/>
+          </p:cNvSpPr>
+          <p:nvPr>
+            <p:ph type="title"/>
+          </p:nvPr>
+        </p:nvSpPr>
+        <p:spPr/>
+        <p:txBody>
+          <a:bodyPr/>
+          <a:lstStyle/>
+          <a:p>
             <a:r>
               <a:rPr lang="en-US" dirty="0" smtClean="0"/>
               <a:t>Unit testing</a:t>
@@ -21306,7 +21882,7 @@
 </p:sld>
 </file>
 
-<file path=ppt/slides/slide81.xml><?xml version="1.0" encoding="utf-8"?>
+<file path=ppt/slides/slide82.xml><?xml version="1.0" encoding="utf-8"?>
 <p:sld xmlns:a="http://schemas.openxmlformats.org/drawingml/2006/main" xmlns:r="http://schemas.openxmlformats.org/officeDocument/2006/relationships" xmlns:p="http://schemas.openxmlformats.org/presentationml/2006/main">
   <p:cSld>
     <p:spTree>
@@ -21428,7 +22004,7 @@
 </p:sld>
 </file>
 
-<file path=ppt/slides/slide82.xml><?xml version="1.0" encoding="utf-8"?>
+<file path=ppt/slides/slide83.xml><?xml version="1.0" encoding="utf-8"?>
 <p:sld xmlns:a="http://schemas.openxmlformats.org/drawingml/2006/main" xmlns:r="http://schemas.openxmlformats.org/officeDocument/2006/relationships" xmlns:p="http://schemas.openxmlformats.org/presentationml/2006/main">
   <p:cSld>
     <p:spTree>
@@ -21539,7 +22115,7 @@
 </p:sld>
 </file>
 
-<file path=ppt/slides/slide83.xml><?xml version="1.0" encoding="utf-8"?>
+<file path=ppt/slides/slide84.xml><?xml version="1.0" encoding="utf-8"?>
 <p:sld xmlns:a="http://schemas.openxmlformats.org/drawingml/2006/main" xmlns:r="http://schemas.openxmlformats.org/officeDocument/2006/relationships" xmlns:p="http://schemas.openxmlformats.org/presentationml/2006/main">
   <p:cSld>
     <p:spTree>
@@ -21639,7 +22215,7 @@
 </p:sld>
 </file>
 
-<file path=ppt/slides/slide84.xml><?xml version="1.0" encoding="utf-8"?>
+<file path=ppt/slides/slide85.xml><?xml version="1.0" encoding="utf-8"?>
 <p:sld xmlns:a="http://schemas.openxmlformats.org/drawingml/2006/main" xmlns:r="http://schemas.openxmlformats.org/officeDocument/2006/relationships" xmlns:p="http://schemas.openxmlformats.org/presentationml/2006/main">
   <p:cSld>
     <p:spTree>
@@ -21740,7 +22316,7 @@
 </p:sld>
 </file>
 
-<file path=ppt/slides/slide85.xml><?xml version="1.0" encoding="utf-8"?>
+<file path=ppt/slides/slide86.xml><?xml version="1.0" encoding="utf-8"?>
 <p:sld xmlns:a="http://schemas.openxmlformats.org/drawingml/2006/main" xmlns:r="http://schemas.openxmlformats.org/officeDocument/2006/relationships" xmlns:p="http://schemas.openxmlformats.org/presentationml/2006/main">
   <p:cSld>
     <p:spTree>
@@ -21858,7 +22434,7 @@
 </p:sld>
 </file>
 
-<file path=ppt/slides/slide86.xml><?xml version="1.0" encoding="utf-8"?>
+<file path=ppt/slides/slide87.xml><?xml version="1.0" encoding="utf-8"?>
 <p:sld xmlns:a="http://schemas.openxmlformats.org/drawingml/2006/main" xmlns:r="http://schemas.openxmlformats.org/officeDocument/2006/relationships" xmlns:p="http://schemas.openxmlformats.org/presentationml/2006/main">
   <p:cSld>
     <p:spTree>
@@ -21953,7 +22529,7 @@
 </p:sld>
 </file>
 
-<file path=ppt/slides/slide87.xml><?xml version="1.0" encoding="utf-8"?>
+<file path=ppt/slides/slide88.xml><?xml version="1.0" encoding="utf-8"?>
 <p:sld xmlns:a="http://schemas.openxmlformats.org/drawingml/2006/main" xmlns:r="http://schemas.openxmlformats.org/officeDocument/2006/relationships" xmlns:p="http://schemas.openxmlformats.org/presentationml/2006/main">
   <p:cSld>
     <p:spTree>
@@ -22061,108 +22637,6 @@
 </p:sld>
 </file>
 
-<file path=ppt/slides/slide88.xml><?xml version="1.0" encoding="utf-8"?>
-<p:sld xmlns:a="http://schemas.openxmlformats.org/drawingml/2006/main" xmlns:r="http://schemas.openxmlformats.org/officeDocument/2006/relationships" xmlns:p="http://schemas.openxmlformats.org/presentationml/2006/main">
-  <p:cSld>
-    <p:spTree>
-      <p:nvGrpSpPr>
-        <p:cNvPr id="1" name=""/>
-        <p:cNvGrpSpPr/>
-        <p:nvPr/>
-      </p:nvGrpSpPr>
-      <p:grpSpPr>
-        <a:xfrm>
-          <a:off x="0" y="0"/>
-          <a:ext cx="0" cy="0"/>
-          <a:chOff x="0" y="0"/>
-          <a:chExt cx="0" cy="0"/>
-        </a:xfrm>
-      </p:grpSpPr>
-      <p:sp>
-        <p:nvSpPr>
-          <p:cNvPr id="2" name="Title 1"/>
-          <p:cNvSpPr>
-            <a:spLocks noGrp="1"/>
-          </p:cNvSpPr>
-          <p:nvPr>
-            <p:ph type="title"/>
-          </p:nvPr>
-        </p:nvSpPr>
-        <p:spPr/>
-        <p:txBody>
-          <a:bodyPr/>
-          <a:lstStyle/>
-          <a:p>
-            <a:r>
-              <a:rPr lang="en-US" dirty="0" smtClean="0"/>
-              <a:t>Adding the product</a:t>
-            </a:r>
-            <a:endParaRPr lang="en-US" dirty="0"/>
-          </a:p>
-        </p:txBody>
-      </p:sp>
-      <p:sp>
-        <p:nvSpPr>
-          <p:cNvPr id="3" name="Content Placeholder 2"/>
-          <p:cNvSpPr>
-            <a:spLocks noGrp="1"/>
-          </p:cNvSpPr>
-          <p:nvPr>
-            <p:ph sz="quarter" idx="1"/>
-          </p:nvPr>
-        </p:nvSpPr>
-        <p:spPr/>
-        <p:txBody>
-          <a:bodyPr/>
-          <a:lstStyle/>
-          <a:p>
-            <a:r>
-              <a:rPr lang="en-US" dirty="0"/>
-              <a:t>After entering the valid email/password, the dashboard will open.</a:t>
-            </a:r>
-          </a:p>
-          <a:p>
-            <a:r>
-              <a:rPr lang="en-US" dirty="0"/>
-              <a:t>Click on the product which is in the side menu bar of the dashboard</a:t>
-            </a:r>
-            <a:r>
-              <a:rPr lang="en-US" dirty="0" smtClean="0"/>
-              <a:t>.</a:t>
-            </a:r>
-          </a:p>
-          <a:p>
-            <a:r>
-              <a:rPr lang="en-US" dirty="0"/>
-              <a:t>C</a:t>
-            </a:r>
-            <a:r>
-              <a:rPr lang="en-US" dirty="0" smtClean="0"/>
-              <a:t>lick add product in the dropdown menu.</a:t>
-            </a:r>
-          </a:p>
-          <a:p>
-            <a:r>
-              <a:rPr lang="en-US" dirty="0" smtClean="0"/>
-              <a:t>Insert the values in the form and click to add button to add the product.</a:t>
-            </a:r>
-            <a:endParaRPr lang="en-US" dirty="0"/>
-          </a:p>
-        </p:txBody>
-      </p:sp>
-    </p:spTree>
-    <p:extLst>
-      <p:ext uri="{BB962C8B-B14F-4D97-AF65-F5344CB8AC3E}">
-        <p14:creationId xmlns:p14="http://schemas.microsoft.com/office/powerpoint/2010/main" val="1577042299"/>
-      </p:ext>
-    </p:extLst>
-  </p:cSld>
-  <p:clrMapOvr>
-    <a:masterClrMapping/>
-  </p:clrMapOvr>
-</p:sld>
-</file>
-
 <file path=ppt/slides/slide89.xml><?xml version="1.0" encoding="utf-8"?>
 <p:sld xmlns:a="http://schemas.openxmlformats.org/drawingml/2006/main" xmlns:r="http://schemas.openxmlformats.org/officeDocument/2006/relationships" xmlns:p="http://schemas.openxmlformats.org/presentationml/2006/main">
   <p:cSld>
@@ -22182,7 +22656,7 @@
       </p:grpSpPr>
       <p:sp>
         <p:nvSpPr>
-          <p:cNvPr id="3" name="Title 2"/>
+          <p:cNvPr id="2" name="Title 1"/>
           <p:cNvSpPr>
             <a:spLocks noGrp="1"/>
           </p:cNvSpPr>
@@ -22197,58 +22671,71 @@
           <a:p>
             <a:r>
               <a:rPr lang="en-US" dirty="0" smtClean="0"/>
-              <a:t>Displaying the product</a:t>
+              <a:t>Adding the product</a:t>
             </a:r>
             <a:endParaRPr lang="en-US" dirty="0"/>
           </a:p>
         </p:txBody>
       </p:sp>
-      <p:pic>
-        <p:nvPicPr>
-          <p:cNvPr id="4" name="Content Placeholder 3"/>
-          <p:cNvPicPr>
-            <a:picLocks noGrp="1" noChangeAspect="1"/>
-          </p:cNvPicPr>
+      <p:sp>
+        <p:nvSpPr>
+          <p:cNvPr id="3" name="Content Placeholder 2"/>
+          <p:cNvSpPr>
+            <a:spLocks noGrp="1"/>
+          </p:cNvSpPr>
           <p:nvPr>
             <p:ph sz="quarter" idx="1"/>
           </p:nvPr>
-        </p:nvPicPr>
-        <p:blipFill>
-          <a:blip r:embed="rId2">
-            <a:extLst>
-              <a:ext uri="{28A0092B-C50C-407E-A947-70E740481C1C}">
-                <a14:useLocalDpi xmlns:a14="http://schemas.microsoft.com/office/drawing/2010/main" val="0"/>
-              </a:ext>
-            </a:extLst>
-          </a:blip>
-          <a:stretch>
-            <a:fillRect/>
-          </a:stretch>
-        </p:blipFill>
-        <p:spPr>
-          <a:xfrm>
-            <a:off x="301752" y="1527048"/>
-            <a:ext cx="8503920" cy="4572000"/>
-          </a:xfrm>
-        </p:spPr>
-      </p:pic>
+        </p:nvSpPr>
+        <p:spPr/>
+        <p:txBody>
+          <a:bodyPr/>
+          <a:lstStyle/>
+          <a:p>
+            <a:r>
+              <a:rPr lang="en-US" dirty="0"/>
+              <a:t>After entering the valid email/password, the dashboard will open.</a:t>
+            </a:r>
+          </a:p>
+          <a:p>
+            <a:r>
+              <a:rPr lang="en-US" dirty="0"/>
+              <a:t>Click on the product which is in the side menu bar of the dashboard</a:t>
+            </a:r>
+            <a:r>
+              <a:rPr lang="en-US" dirty="0" smtClean="0"/>
+              <a:t>.</a:t>
+            </a:r>
+          </a:p>
+          <a:p>
+            <a:r>
+              <a:rPr lang="en-US" dirty="0"/>
+              <a:t>C</a:t>
+            </a:r>
+            <a:r>
+              <a:rPr lang="en-US" dirty="0" smtClean="0"/>
+              <a:t>lick add product in the dropdown menu.</a:t>
+            </a:r>
+          </a:p>
+          <a:p>
+            <a:r>
+              <a:rPr lang="en-US" dirty="0" smtClean="0"/>
+              <a:t>Insert the values in the form and click to add button to add the product.</a:t>
+            </a:r>
+            <a:endParaRPr lang="en-US" dirty="0"/>
+          </a:p>
+        </p:txBody>
+      </p:sp>
     </p:spTree>
     <p:extLst>
       <p:ext uri="{BB962C8B-B14F-4D97-AF65-F5344CB8AC3E}">
-        <p14:creationId xmlns:p14="http://schemas.microsoft.com/office/powerpoint/2010/main" val="3414818043"/>
+        <p14:creationId xmlns:p14="http://schemas.microsoft.com/office/powerpoint/2010/main" val="1577042299"/>
       </p:ext>
     </p:extLst>
   </p:cSld>
   <p:clrMapOvr>
     <a:masterClrMapping/>
   </p:clrMapOvr>
-  <p:timing>
-    <p:tnLst>
-      <p:par>
-        <p:cTn id="1" dur="indefinite" restart="never" nodeType="tmRoot"/>
-      </p:par>
-    </p:tnLst>
-  </p:timing>
 </p:sld>
 </file>
 
@@ -22369,6 +22856,95 @@
       </p:grpSpPr>
       <p:sp>
         <p:nvSpPr>
+          <p:cNvPr id="3" name="Title 2"/>
+          <p:cNvSpPr>
+            <a:spLocks noGrp="1"/>
+          </p:cNvSpPr>
+          <p:nvPr>
+            <p:ph type="title"/>
+          </p:nvPr>
+        </p:nvSpPr>
+        <p:spPr/>
+        <p:txBody>
+          <a:bodyPr/>
+          <a:lstStyle/>
+          <a:p>
+            <a:r>
+              <a:rPr lang="en-US" dirty="0" smtClean="0"/>
+              <a:t>Displaying the product</a:t>
+            </a:r>
+            <a:endParaRPr lang="en-US" dirty="0"/>
+          </a:p>
+        </p:txBody>
+      </p:sp>
+      <p:pic>
+        <p:nvPicPr>
+          <p:cNvPr id="4" name="Content Placeholder 3"/>
+          <p:cNvPicPr>
+            <a:picLocks noGrp="1" noChangeAspect="1"/>
+          </p:cNvPicPr>
+          <p:nvPr>
+            <p:ph sz="quarter" idx="1"/>
+          </p:nvPr>
+        </p:nvPicPr>
+        <p:blipFill>
+          <a:blip r:embed="rId2">
+            <a:extLst>
+              <a:ext uri="{28A0092B-C50C-407E-A947-70E740481C1C}">
+                <a14:useLocalDpi xmlns:a14="http://schemas.microsoft.com/office/drawing/2010/main" val="0"/>
+              </a:ext>
+            </a:extLst>
+          </a:blip>
+          <a:stretch>
+            <a:fillRect/>
+          </a:stretch>
+        </p:blipFill>
+        <p:spPr>
+          <a:xfrm>
+            <a:off x="301752" y="1527048"/>
+            <a:ext cx="8503920" cy="4572000"/>
+          </a:xfrm>
+        </p:spPr>
+      </p:pic>
+    </p:spTree>
+    <p:extLst>
+      <p:ext uri="{BB962C8B-B14F-4D97-AF65-F5344CB8AC3E}">
+        <p14:creationId xmlns:p14="http://schemas.microsoft.com/office/powerpoint/2010/main" val="3414818043"/>
+      </p:ext>
+    </p:extLst>
+  </p:cSld>
+  <p:clrMapOvr>
+    <a:masterClrMapping/>
+  </p:clrMapOvr>
+  <p:timing>
+    <p:tnLst>
+      <p:par>
+        <p:cTn id="1" dur="indefinite" restart="never" nodeType="tmRoot"/>
+      </p:par>
+    </p:tnLst>
+  </p:timing>
+</p:sld>
+</file>
+
+<file path=ppt/slides/slide91.xml><?xml version="1.0" encoding="utf-8"?>
+<p:sld xmlns:a="http://schemas.openxmlformats.org/drawingml/2006/main" xmlns:r="http://schemas.openxmlformats.org/officeDocument/2006/relationships" xmlns:p="http://schemas.openxmlformats.org/presentationml/2006/main">
+  <p:cSld>
+    <p:spTree>
+      <p:nvGrpSpPr>
+        <p:cNvPr id="1" name=""/>
+        <p:cNvGrpSpPr/>
+        <p:nvPr/>
+      </p:nvGrpSpPr>
+      <p:grpSpPr>
+        <a:xfrm>
+          <a:off x="0" y="0"/>
+          <a:ext cx="0" cy="0"/>
+          <a:chOff x="0" y="0"/>
+          <a:chExt cx="0" cy="0"/>
+        </a:xfrm>
+      </p:grpSpPr>
+      <p:sp>
+        <p:nvSpPr>
           <p:cNvPr id="2" name="Title 1"/>
           <p:cNvSpPr>
             <a:spLocks noGrp="1"/>
@@ -22449,7 +23025,7 @@
 </p:sld>
 </file>
 
-<file path=ppt/slides/slide91.xml><?xml version="1.0" encoding="utf-8"?>
+<file path=ppt/slides/slide92.xml><?xml version="1.0" encoding="utf-8"?>
 <p:sld xmlns:a="http://schemas.openxmlformats.org/drawingml/2006/main" xmlns:r="http://schemas.openxmlformats.org/officeDocument/2006/relationships" xmlns:p="http://schemas.openxmlformats.org/presentationml/2006/main">
   <p:cSld>
     <p:spTree>
@@ -22531,7 +23107,7 @@
 </p:sld>
 </file>
 
-<file path=ppt/slides/slide92.xml><?xml version="1.0" encoding="utf-8"?>
+<file path=ppt/slides/slide93.xml><?xml version="1.0" encoding="utf-8"?>
 <p:sld xmlns:a="http://schemas.openxmlformats.org/drawingml/2006/main" xmlns:r="http://schemas.openxmlformats.org/officeDocument/2006/relationships" xmlns:p="http://schemas.openxmlformats.org/presentationml/2006/main">
   <p:cSld>
     <p:spTree>
@@ -22631,7 +23207,7 @@
 </p:sld>
 </file>
 
-<file path=ppt/slides/slide93.xml><?xml version="1.0" encoding="utf-8"?>
+<file path=ppt/slides/slide94.xml><?xml version="1.0" encoding="utf-8"?>
 <p:sld xmlns:a="http://schemas.openxmlformats.org/drawingml/2006/main" xmlns:r="http://schemas.openxmlformats.org/officeDocument/2006/relationships" xmlns:p="http://schemas.openxmlformats.org/presentationml/2006/main">
   <p:cSld>
     <p:spTree>
@@ -22713,7 +23289,7 @@
 </p:sld>
 </file>
 
-<file path=ppt/slides/slide94.xml><?xml version="1.0" encoding="utf-8"?>
+<file path=ppt/slides/slide95.xml><?xml version="1.0" encoding="utf-8"?>
 <p:sld xmlns:a="http://schemas.openxmlformats.org/drawingml/2006/main" xmlns:r="http://schemas.openxmlformats.org/officeDocument/2006/relationships" xmlns:p="http://schemas.openxmlformats.org/presentationml/2006/main">
   <p:cSld>
     <p:spTree>
@@ -22821,7 +23397,7 @@
 </p:sld>
 </file>
 
-<file path=ppt/slides/slide95.xml><?xml version="1.0" encoding="utf-8"?>
+<file path=ppt/slides/slide96.xml><?xml version="1.0" encoding="utf-8"?>
 <p:sld xmlns:a="http://schemas.openxmlformats.org/drawingml/2006/main" xmlns:r="http://schemas.openxmlformats.org/officeDocument/2006/relationships" xmlns:p="http://schemas.openxmlformats.org/presentationml/2006/main">
   <p:cSld>
     <p:spTree>
@@ -22922,7 +23498,7 @@
 </p:sld>
 </file>
 
-<file path=ppt/slides/slide96.xml><?xml version="1.0" encoding="utf-8"?>
+<file path=ppt/slides/slide97.xml><?xml version="1.0" encoding="utf-8"?>
 <p:sld xmlns:a="http://schemas.openxmlformats.org/drawingml/2006/main" xmlns:r="http://schemas.openxmlformats.org/officeDocument/2006/relationships" xmlns:p="http://schemas.openxmlformats.org/presentationml/2006/main">
   <p:cSld>
     <p:spTree>
@@ -23051,7 +23627,7 @@
 </p:sld>
 </file>
 
-<file path=ppt/slides/slide97.xml><?xml version="1.0" encoding="utf-8"?>
+<file path=ppt/slides/slide98.xml><?xml version="1.0" encoding="utf-8"?>
 <p:sld xmlns:a="http://schemas.openxmlformats.org/drawingml/2006/main" xmlns:r="http://schemas.openxmlformats.org/officeDocument/2006/relationships" xmlns:p="http://schemas.openxmlformats.org/presentationml/2006/main">
   <p:cSld>
     <p:spTree>
@@ -23152,123 +23728,6 @@
 </p:sld>
 </file>
 
-<file path=ppt/slides/slide98.xml><?xml version="1.0" encoding="utf-8"?>
-<p:sld xmlns:a="http://schemas.openxmlformats.org/drawingml/2006/main" xmlns:r="http://schemas.openxmlformats.org/officeDocument/2006/relationships" xmlns:p="http://schemas.openxmlformats.org/presentationml/2006/main">
-  <p:cSld>
-    <p:spTree>
-      <p:nvGrpSpPr>
-        <p:cNvPr id="1" name=""/>
-        <p:cNvGrpSpPr/>
-        <p:nvPr/>
-      </p:nvGrpSpPr>
-      <p:grpSpPr>
-        <a:xfrm>
-          <a:off x="0" y="0"/>
-          <a:ext cx="0" cy="0"/>
-          <a:chOff x="0" y="0"/>
-          <a:chExt cx="0" cy="0"/>
-        </a:xfrm>
-      </p:grpSpPr>
-      <p:sp>
-        <p:nvSpPr>
-          <p:cNvPr id="2" name="Title 1"/>
-          <p:cNvSpPr>
-            <a:spLocks noGrp="1"/>
-          </p:cNvSpPr>
-          <p:nvPr>
-            <p:ph type="title"/>
-          </p:nvPr>
-        </p:nvSpPr>
-        <p:spPr/>
-        <p:txBody>
-          <a:bodyPr/>
-          <a:lstStyle/>
-          <a:p>
-            <a:r>
-              <a:rPr lang="en-US" dirty="0" smtClean="0"/>
-              <a:t>Add the order</a:t>
-            </a:r>
-            <a:endParaRPr lang="en-US" dirty="0"/>
-          </a:p>
-        </p:txBody>
-      </p:sp>
-      <p:sp>
-        <p:nvSpPr>
-          <p:cNvPr id="3" name="Content Placeholder 2"/>
-          <p:cNvSpPr>
-            <a:spLocks noGrp="1"/>
-          </p:cNvSpPr>
-          <p:nvPr>
-            <p:ph sz="quarter" idx="1"/>
-          </p:nvPr>
-        </p:nvSpPr>
-        <p:spPr/>
-        <p:txBody>
-          <a:bodyPr/>
-          <a:lstStyle/>
-          <a:p>
-            <a:r>
-              <a:rPr lang="en-US" dirty="0"/>
-              <a:t>After entering the valid email/password, the dashboard will open.</a:t>
-            </a:r>
-          </a:p>
-          <a:p>
-            <a:r>
-              <a:rPr lang="en-US" dirty="0"/>
-              <a:t>Click on the </a:t>
-            </a:r>
-            <a:r>
-              <a:rPr lang="en-US" dirty="0" smtClean="0"/>
-              <a:t>order </a:t>
-            </a:r>
-            <a:r>
-              <a:rPr lang="en-US" dirty="0"/>
-              <a:t>which is in the side menu bar of the dashboard.</a:t>
-            </a:r>
-          </a:p>
-          <a:p>
-            <a:r>
-              <a:rPr lang="en-US" dirty="0"/>
-              <a:t>Click to the </a:t>
-            </a:r>
-            <a:r>
-              <a:rPr lang="en-US" dirty="0" smtClean="0"/>
-              <a:t>add order </a:t>
-            </a:r>
-            <a:r>
-              <a:rPr lang="en-US" dirty="0"/>
-              <a:t>in the drop down menu</a:t>
-            </a:r>
-            <a:r>
-              <a:rPr lang="en-US" dirty="0" smtClean="0"/>
-              <a:t>.</a:t>
-            </a:r>
-          </a:p>
-          <a:p>
-            <a:r>
-              <a:rPr lang="en-US" dirty="0" smtClean="0"/>
-              <a:t>Insert the value in the form and click to the add to add the order.</a:t>
-            </a:r>
-            <a:endParaRPr lang="en-US" dirty="0"/>
-          </a:p>
-          <a:p>
-            <a:endParaRPr lang="en-US" dirty="0"/>
-          </a:p>
-        </p:txBody>
-      </p:sp>
-    </p:spTree>
-    <p:extLst>
-      <p:ext uri="{BB962C8B-B14F-4D97-AF65-F5344CB8AC3E}">
-        <p14:creationId xmlns:p14="http://schemas.microsoft.com/office/powerpoint/2010/main" val="691212518"/>
-      </p:ext>
-    </p:extLst>
-  </p:cSld>
-  <p:clrMapOvr>
-    <a:masterClrMapping/>
-  </p:clrMapOvr>
-</p:sld>
-</file>
-
 <file path=ppt/slides/slide99.xml><?xml version="1.0" encoding="utf-8"?>
 <p:sld xmlns:a="http://schemas.openxmlformats.org/drawingml/2006/main" xmlns:r="http://schemas.openxmlformats.org/officeDocument/2006/relationships" xmlns:p="http://schemas.openxmlformats.org/presentationml/2006/main">
   <p:cSld>
@@ -23303,64 +23762,80 @@
           <a:p>
             <a:r>
               <a:rPr lang="en-US" dirty="0" smtClean="0"/>
-              <a:t>Print the order</a:t>
+              <a:t>Add the order</a:t>
             </a:r>
             <a:endParaRPr lang="en-US" dirty="0"/>
           </a:p>
         </p:txBody>
       </p:sp>
-      <p:pic>
-        <p:nvPicPr>
-          <p:cNvPr id="4" name="Content Placeholder 3"/>
-          <p:cNvPicPr>
-            <a:picLocks noGrp="1"/>
-          </p:cNvPicPr>
+      <p:sp>
+        <p:nvSpPr>
+          <p:cNvPr id="3" name="Content Placeholder 2"/>
+          <p:cNvSpPr>
+            <a:spLocks noGrp="1"/>
+          </p:cNvSpPr>
           <p:nvPr>
             <p:ph sz="quarter" idx="1"/>
           </p:nvPr>
-        </p:nvPicPr>
-        <p:blipFill>
-          <a:blip r:embed="rId2"/>
-          <a:stretch>
-            <a:fillRect/>
-          </a:stretch>
-        </p:blipFill>
-        <p:spPr>
-          <a:xfrm>
-            <a:off x="304800" y="1659883"/>
-            <a:ext cx="8504238" cy="2866079"/>
-          </a:xfrm>
-          <a:prstGeom prst="rect">
-            <a:avLst/>
-          </a:prstGeom>
-        </p:spPr>
-      </p:pic>
-      <p:pic>
-        <p:nvPicPr>
-          <p:cNvPr id="5" name="Picture 4"/>
-          <p:cNvPicPr/>
-          <p:nvPr/>
-        </p:nvPicPr>
-        <p:blipFill>
-          <a:blip r:embed="rId3"/>
-          <a:stretch>
-            <a:fillRect/>
-          </a:stretch>
-        </p:blipFill>
-        <p:spPr>
-          <a:xfrm>
-            <a:off x="304800" y="4572000"/>
-            <a:ext cx="8534400" cy="1279525"/>
-          </a:xfrm>
-          <a:prstGeom prst="rect">
-            <a:avLst/>
-          </a:prstGeom>
-        </p:spPr>
-      </p:pic>
+        </p:nvSpPr>
+        <p:spPr/>
+        <p:txBody>
+          <a:bodyPr/>
+          <a:lstStyle/>
+          <a:p>
+            <a:r>
+              <a:rPr lang="en-US" dirty="0"/>
+              <a:t>After entering the valid email/password, the dashboard will open.</a:t>
+            </a:r>
+          </a:p>
+          <a:p>
+            <a:r>
+              <a:rPr lang="en-US" dirty="0"/>
+              <a:t>Click on the </a:t>
+            </a:r>
+            <a:r>
+              <a:rPr lang="en-US" dirty="0" smtClean="0"/>
+              <a:t>order </a:t>
+            </a:r>
+            <a:r>
+              <a:rPr lang="en-US" dirty="0"/>
+              <a:t>which is in the side menu bar of the dashboard.</a:t>
+            </a:r>
+          </a:p>
+          <a:p>
+            <a:r>
+              <a:rPr lang="en-US" dirty="0"/>
+              <a:t>Click to the </a:t>
+            </a:r>
+            <a:r>
+              <a:rPr lang="en-US" dirty="0" smtClean="0"/>
+              <a:t>add order </a:t>
+            </a:r>
+            <a:r>
+              <a:rPr lang="en-US" dirty="0"/>
+              <a:t>in the drop down menu</a:t>
+            </a:r>
+            <a:r>
+              <a:rPr lang="en-US" dirty="0" smtClean="0"/>
+              <a:t>.</a:t>
+            </a:r>
+          </a:p>
+          <a:p>
+            <a:r>
+              <a:rPr lang="en-US" dirty="0" smtClean="0"/>
+              <a:t>Insert the value in the form and click to the add to add the order.</a:t>
+            </a:r>
+            <a:endParaRPr lang="en-US" dirty="0"/>
+          </a:p>
+          <a:p>
+            <a:endParaRPr lang="en-US" dirty="0"/>
+          </a:p>
+        </p:txBody>
+      </p:sp>
     </p:spTree>
     <p:extLst>
       <p:ext uri="{BB962C8B-B14F-4D97-AF65-F5344CB8AC3E}">
-        <p14:creationId xmlns:p14="http://schemas.microsoft.com/office/powerpoint/2010/main" val="4004599364"/>
+        <p14:creationId xmlns:p14="http://schemas.microsoft.com/office/powerpoint/2010/main" val="691212518"/>
       </p:ext>
     </p:extLst>
   </p:cSld>

--- a/implementation/pp of sms.pptx
+++ b/implementation/pp of sms.pptx
@@ -51,20 +51,20 @@
     <p:sldId id="281" r:id="rId45"/>
     <p:sldId id="287" r:id="rId46"/>
     <p:sldId id="288" r:id="rId47"/>
-    <p:sldId id="319" r:id="rId48"/>
-    <p:sldId id="321" r:id="rId49"/>
-    <p:sldId id="322" r:id="rId50"/>
-    <p:sldId id="323" r:id="rId51"/>
-    <p:sldId id="324" r:id="rId52"/>
-    <p:sldId id="325" r:id="rId53"/>
-    <p:sldId id="326" r:id="rId54"/>
-    <p:sldId id="327" r:id="rId55"/>
-    <p:sldId id="328" r:id="rId56"/>
-    <p:sldId id="329" r:id="rId57"/>
-    <p:sldId id="330" r:id="rId58"/>
-    <p:sldId id="331" r:id="rId59"/>
-    <p:sldId id="332" r:id="rId60"/>
-    <p:sldId id="333" r:id="rId61"/>
+    <p:sldId id="365" r:id="rId48"/>
+    <p:sldId id="319" r:id="rId49"/>
+    <p:sldId id="321" r:id="rId50"/>
+    <p:sldId id="322" r:id="rId51"/>
+    <p:sldId id="323" r:id="rId52"/>
+    <p:sldId id="324" r:id="rId53"/>
+    <p:sldId id="325" r:id="rId54"/>
+    <p:sldId id="326" r:id="rId55"/>
+    <p:sldId id="327" r:id="rId56"/>
+    <p:sldId id="328" r:id="rId57"/>
+    <p:sldId id="329" r:id="rId58"/>
+    <p:sldId id="330" r:id="rId59"/>
+    <p:sldId id="331" r:id="rId60"/>
+    <p:sldId id="332" r:id="rId61"/>
     <p:sldId id="353" r:id="rId62"/>
     <p:sldId id="354" r:id="rId63"/>
     <p:sldId id="355" r:id="rId64"/>
@@ -491,7 +491,7 @@
           <a:p>
             <a:fld id="{C8CE3B9A-6D67-41F8-8453-F151FCDFD414}" type="datetimeFigureOut">
               <a:rPr lang="en-US" smtClean="0"/>
-              <a:t>4/25/2019</a:t>
+              <a:t>4/30/2019</a:t>
             </a:fld>
             <a:endParaRPr lang="en-US"/>
           </a:p>
@@ -884,7 +884,7 @@
           <a:p>
             <a:fld id="{C8CE3B9A-6D67-41F8-8453-F151FCDFD414}" type="datetimeFigureOut">
               <a:rPr lang="en-US" smtClean="0"/>
-              <a:t>4/25/2019</a:t>
+              <a:t>4/30/2019</a:t>
             </a:fld>
             <a:endParaRPr lang="en-US"/>
           </a:p>
@@ -1416,7 +1416,7 @@
           <a:p>
             <a:fld id="{C8CE3B9A-6D67-41F8-8453-F151FCDFD414}" type="datetimeFigureOut">
               <a:rPr lang="en-US" smtClean="0"/>
-              <a:t>4/25/2019</a:t>
+              <a:t>4/30/2019</a:t>
             </a:fld>
             <a:endParaRPr lang="en-US"/>
           </a:p>
@@ -1549,7 +1549,7 @@
           <a:p>
             <a:fld id="{C8CE3B9A-6D67-41F8-8453-F151FCDFD414}" type="datetimeFigureOut">
               <a:rPr lang="en-US" smtClean="0"/>
-              <a:t>4/25/2019</a:t>
+              <a:t>4/30/2019</a:t>
             </a:fld>
             <a:endParaRPr lang="en-US"/>
           </a:p>
@@ -2092,7 +2092,7 @@
           <a:p>
             <a:fld id="{C8CE3B9A-6D67-41F8-8453-F151FCDFD414}" type="datetimeFigureOut">
               <a:rPr lang="en-US" smtClean="0"/>
-              <a:t>4/25/2019</a:t>
+              <a:t>4/30/2019</a:t>
             </a:fld>
             <a:endParaRPr lang="en-US"/>
           </a:p>
@@ -2387,7 +2387,7 @@
           <a:p>
             <a:fld id="{C8CE3B9A-6D67-41F8-8453-F151FCDFD414}" type="datetimeFigureOut">
               <a:rPr lang="en-US" smtClean="0"/>
-              <a:t>4/25/2019</a:t>
+              <a:t>4/30/2019</a:t>
             </a:fld>
             <a:endParaRPr lang="en-US"/>
           </a:p>
@@ -3046,7 +3046,7 @@
           <a:p>
             <a:fld id="{C8CE3B9A-6D67-41F8-8453-F151FCDFD414}" type="datetimeFigureOut">
               <a:rPr lang="en-US" smtClean="0"/>
-              <a:t>4/25/2019</a:t>
+              <a:t>4/30/2019</a:t>
             </a:fld>
             <a:endParaRPr lang="en-US"/>
           </a:p>
@@ -3482,7 +3482,7 @@
           <a:p>
             <a:fld id="{C8CE3B9A-6D67-41F8-8453-F151FCDFD414}" type="datetimeFigureOut">
               <a:rPr lang="en-US" smtClean="0"/>
-              <a:t>4/25/2019</a:t>
+              <a:t>4/30/2019</a:t>
             </a:fld>
             <a:endParaRPr lang="en-US"/>
           </a:p>
@@ -3795,7 +3795,7 @@
           <a:p>
             <a:fld id="{C8CE3B9A-6D67-41F8-8453-F151FCDFD414}" type="datetimeFigureOut">
               <a:rPr lang="en-US" smtClean="0"/>
-              <a:t>4/25/2019</a:t>
+              <a:t>4/30/2019</a:t>
             </a:fld>
             <a:endParaRPr lang="en-US"/>
           </a:p>
@@ -4527,7 +4527,7 @@
           <a:p>
             <a:fld id="{C8CE3B9A-6D67-41F8-8453-F151FCDFD414}" type="datetimeFigureOut">
               <a:rPr lang="en-US" smtClean="0"/>
-              <a:t>4/25/2019</a:t>
+              <a:t>4/30/2019</a:t>
             </a:fld>
             <a:endParaRPr lang="en-US"/>
           </a:p>
@@ -5191,7 +5191,7 @@
           <a:p>
             <a:fld id="{C8CE3B9A-6D67-41F8-8453-F151FCDFD414}" type="datetimeFigureOut">
               <a:rPr lang="en-US" smtClean="0"/>
-              <a:t>4/25/2019</a:t>
+              <a:t>4/30/2019</a:t>
             </a:fld>
             <a:endParaRPr lang="en-US"/>
           </a:p>
@@ -5464,7 +5464,7 @@
           <a:p>
             <a:fld id="{C8CE3B9A-6D67-41F8-8453-F151FCDFD414}" type="datetimeFigureOut">
               <a:rPr lang="en-US" smtClean="0"/>
-              <a:t>4/25/2019</a:t>
+              <a:t>4/30/2019</a:t>
             </a:fld>
             <a:endParaRPr lang="en-US"/>
           </a:p>
@@ -11954,7 +11954,11 @@
           <a:p>
             <a:r>
               <a:rPr lang="en-US" sz="2800" dirty="0" smtClean="0"/>
-              <a:t>Activity diagram of login system of stock management system</a:t>
+              <a:t>1. Activity </a:t>
+            </a:r>
+            <a:r>
+              <a:rPr lang="en-US" sz="2800" dirty="0" smtClean="0"/>
+              <a:t>diagram of login system of stock management system</a:t>
             </a:r>
             <a:endParaRPr lang="en-US" sz="2800" dirty="0"/>
           </a:p>
@@ -12057,7 +12061,11 @@
           <a:p>
             <a:r>
               <a:rPr lang="en-US" dirty="0" smtClean="0"/>
-              <a:t>Activity diagram of login</a:t>
+              <a:t>1. Activity </a:t>
+            </a:r>
+            <a:r>
+              <a:rPr lang="en-US" dirty="0" smtClean="0"/>
+              <a:t>diagram of login</a:t>
             </a:r>
             <a:endParaRPr lang="en-US" dirty="0"/>
           </a:p>
@@ -12158,7 +12166,11 @@
           <a:p>
             <a:r>
               <a:rPr lang="en-US" dirty="0" smtClean="0"/>
-              <a:t>Activity diagram of stock </a:t>
+              <a:t>2. Activity </a:t>
+            </a:r>
+            <a:r>
+              <a:rPr lang="en-US" dirty="0" smtClean="0"/>
+              <a:t>diagram of stock </a:t>
             </a:r>
             <a:endParaRPr lang="en-US" dirty="0"/>
           </a:p>
@@ -12247,7 +12259,11 @@
           <a:p>
             <a:r>
               <a:rPr lang="en-US" dirty="0" smtClean="0"/>
-              <a:t>Activity diagram of stock</a:t>
+              <a:t>2. Activity </a:t>
+            </a:r>
+            <a:r>
+              <a:rPr lang="en-US" dirty="0" smtClean="0"/>
+              <a:t>diagram of stock</a:t>
             </a:r>
             <a:endParaRPr lang="en-US" dirty="0"/>
           </a:p>
@@ -12353,8 +12369,12 @@
           <a:lstStyle/>
           <a:p>
             <a:r>
+              <a:rPr lang="en-US" sz="2800" dirty="0" smtClean="0"/>
+              <a:t>3. Activity </a:t>
+            </a:r>
+            <a:r>
               <a:rPr lang="en-US" sz="2800" dirty="0"/>
-              <a:t>Activity diagram of selling the product to the </a:t>
+              <a:t>diagram of selling the product to the </a:t>
             </a:r>
             <a:r>
               <a:rPr lang="en-US" sz="2800" dirty="0" smtClean="0"/>
@@ -12448,8 +12468,12 @@
           <a:lstStyle/>
           <a:p>
             <a:r>
+              <a:rPr lang="en-US" dirty="0" smtClean="0"/>
+              <a:t>3. Activity </a:t>
+            </a:r>
+            <a:r>
               <a:rPr lang="en-US" dirty="0"/>
-              <a:t>Activity diagram of selling the </a:t>
+              <a:t>diagram of selling the </a:t>
             </a:r>
             <a:r>
               <a:rPr lang="en-US" dirty="0" smtClean="0"/>
@@ -12832,7 +12856,11 @@
           <a:p>
             <a:r>
               <a:rPr lang="en-US" dirty="0" smtClean="0"/>
-              <a:t>Sequence diagram</a:t>
+              <a:t>1. Sequence </a:t>
+            </a:r>
+            <a:r>
+              <a:rPr lang="en-US" dirty="0" smtClean="0"/>
+              <a:t>diagram</a:t>
             </a:r>
             <a:endParaRPr lang="en-US" dirty="0"/>
           </a:p>
@@ -12955,6 +12983,10 @@
           <a:bodyPr/>
           <a:lstStyle/>
           <a:p>
+            <a:r>
+              <a:rPr lang="en-US" dirty="0" smtClean="0"/>
+              <a:t>1. Sequence diagram</a:t>
+            </a:r>
             <a:endParaRPr lang="en-US" dirty="0"/>
           </a:p>
         </p:txBody>
@@ -13086,6 +13118,10 @@
           <a:bodyPr/>
           <a:lstStyle/>
           <a:p>
+            <a:r>
+              <a:rPr lang="en-US" dirty="0" smtClean="0"/>
+              <a:t>2. Sequence diagram</a:t>
+            </a:r>
             <a:endParaRPr lang="en-US" dirty="0"/>
           </a:p>
         </p:txBody>
@@ -13171,6 +13207,10 @@
           <a:bodyPr/>
           <a:lstStyle/>
           <a:p>
+            <a:r>
+              <a:rPr lang="en-US" dirty="0" smtClean="0"/>
+              <a:t>2. Sequence diagram</a:t>
+            </a:r>
             <a:endParaRPr lang="en-US" dirty="0"/>
           </a:p>
         </p:txBody>
@@ -13308,7 +13348,11 @@
           <a:p>
             <a:r>
               <a:rPr lang="en-US" dirty="0" smtClean="0"/>
-              <a:t>Sequence diagram</a:t>
+              <a:t>3. Sequence </a:t>
+            </a:r>
+            <a:r>
+              <a:rPr lang="en-US" dirty="0" smtClean="0"/>
+              <a:t>diagram</a:t>
             </a:r>
             <a:endParaRPr lang="en-US" dirty="0"/>
           </a:p>
@@ -13395,6 +13439,10 @@
           <a:bodyPr/>
           <a:lstStyle/>
           <a:p>
+            <a:r>
+              <a:rPr lang="en-US" dirty="0" smtClean="0"/>
+              <a:t>3. Sequence diagram</a:t>
+            </a:r>
             <a:endParaRPr lang="en-US" dirty="0"/>
           </a:p>
         </p:txBody>
@@ -13504,7 +13552,7 @@
       </p:grpSpPr>
       <p:sp>
         <p:nvSpPr>
-          <p:cNvPr id="3" name="Title 2"/>
+          <p:cNvPr id="2" name="Title 1"/>
           <p:cNvSpPr>
             <a:spLocks noGrp="1"/>
           </p:cNvSpPr>
@@ -13519,7 +13567,7 @@
           <a:p>
             <a:r>
               <a:rPr lang="en-US" dirty="0" smtClean="0"/>
-              <a:t>coding</a:t>
+              <a:t>List of tables</a:t>
             </a:r>
             <a:endParaRPr lang="en-US" dirty="0"/>
           </a:p>
@@ -13527,50 +13575,34 @@
       </p:sp>
       <p:pic>
         <p:nvPicPr>
-          <p:cNvPr id="1026" name="Picture 2" descr="F:\sem\4th semester\Mandira\CP\analysis\images\c1.PNG"/>
+          <p:cNvPr id="4" name="Content Placeholder 3"/>
           <p:cNvPicPr>
-            <a:picLocks noGrp="1" noChangeAspect="1" noChangeArrowheads="1"/>
+            <a:picLocks noGrp="1"/>
           </p:cNvPicPr>
           <p:nvPr>
             <p:ph sz="quarter" idx="1"/>
           </p:nvPr>
         </p:nvPicPr>
         <p:blipFill>
-          <a:blip r:embed="rId2">
-            <a:extLst>
-              <a:ext uri="{28A0092B-C50C-407E-A947-70E740481C1C}">
-                <a14:useLocalDpi xmlns:a14="http://schemas.microsoft.com/office/drawing/2010/main" val="0"/>
-              </a:ext>
-            </a:extLst>
-          </a:blip>
+          <a:blip r:embed="rId2"/>
           <a:stretch>
             <a:fillRect/>
           </a:stretch>
         </p:blipFill>
-        <p:spPr bwMode="auto">
+        <p:spPr>
           <a:xfrm>
-            <a:off x="1542735" y="1527175"/>
-            <a:ext cx="6022018" cy="4572000"/>
+            <a:off x="301625" y="2441971"/>
+            <a:ext cx="8504238" cy="2742408"/>
           </a:xfrm>
           <a:prstGeom prst="rect">
             <a:avLst/>
           </a:prstGeom>
-          <a:noFill/>
-          <a:extLst>
-            <a:ext uri="{909E8E84-426E-40DD-AFC4-6F175D3DCCD1}">
-              <a14:hiddenFill xmlns:a14="http://schemas.microsoft.com/office/drawing/2010/main">
-                <a:solidFill>
-                  <a:srgbClr val="FFFFFF"/>
-                </a:solidFill>
-              </a14:hiddenFill>
-            </a:ext>
-          </a:extLst>
         </p:spPr>
       </p:pic>
     </p:spTree>
     <p:extLst>
       <p:ext uri="{BB962C8B-B14F-4D97-AF65-F5344CB8AC3E}">
-        <p14:creationId xmlns:p14="http://schemas.microsoft.com/office/powerpoint/2010/main" val="3767161069"/>
+        <p14:creationId xmlns:p14="http://schemas.microsoft.com/office/powerpoint/2010/main" val="256967422"/>
       </p:ext>
     </p:extLst>
   </p:cSld>
@@ -13619,19 +13651,49 @@
           <a:bodyPr/>
           <a:lstStyle/>
           <a:p>
-            <a:endParaRPr lang="en-US"/>
+            <a:r>
+              <a:rPr lang="en-US" dirty="0" smtClean="0"/>
+              <a:t>coding</a:t>
+            </a:r>
+            <a:endParaRPr lang="en-US" dirty="0"/>
+          </a:p>
+        </p:txBody>
+      </p:sp>
+      <p:sp>
+        <p:nvSpPr>
+          <p:cNvPr id="2" name="Content Placeholder 1"/>
+          <p:cNvSpPr>
+            <a:spLocks noGrp="1"/>
+          </p:cNvSpPr>
+          <p:nvPr>
+            <p:ph sz="quarter" idx="1"/>
+          </p:nvPr>
+        </p:nvSpPr>
+        <p:spPr/>
+        <p:txBody>
+          <a:bodyPr/>
+          <a:lstStyle/>
+          <a:p>
+            <a:r>
+              <a:rPr lang="en-US" dirty="0" smtClean="0"/>
+              <a:t>Controller/</a:t>
+            </a:r>
+            <a:r>
+              <a:rPr lang="en-US" dirty="0" err="1" smtClean="0"/>
+              <a:t>Auth.php</a:t>
+            </a:r>
+            <a:endParaRPr lang="en-US" dirty="0" smtClean="0"/>
+          </a:p>
+          <a:p>
+            <a:endParaRPr lang="en-US" dirty="0"/>
           </a:p>
         </p:txBody>
       </p:sp>
       <p:pic>
         <p:nvPicPr>
-          <p:cNvPr id="2050" name="Picture 2" descr="F:\sem\4th semester\Mandira\CP\analysis\images\c2.PNG"/>
-          <p:cNvPicPr>
-            <a:picLocks noGrp="1" noChangeAspect="1" noChangeArrowheads="1"/>
-          </p:cNvPicPr>
-          <p:nvPr>
-            <p:ph sz="quarter" idx="1"/>
-          </p:nvPr>
+          <p:cNvPr id="6" name="Picture 5" descr="E:\SMS\analysis\images\conauth.PNG"/>
+          <p:cNvPicPr/>
+          <p:nvPr/>
         </p:nvPicPr>
         <p:blipFill>
           <a:blip r:embed="rId2">
@@ -13641,34 +13703,62 @@
               </a:ext>
             </a:extLst>
           </a:blip>
+          <a:srcRect/>
           <a:stretch>
             <a:fillRect/>
           </a:stretch>
         </p:blipFill>
         <p:spPr bwMode="auto">
           <a:xfrm>
-            <a:off x="1643293" y="1527175"/>
-            <a:ext cx="5820901" cy="4572000"/>
+            <a:off x="1600200" y="1981200"/>
+            <a:ext cx="5943600" cy="2667000"/>
           </a:xfrm>
           <a:prstGeom prst="rect">
             <a:avLst/>
           </a:prstGeom>
           <a:noFill/>
-          <a:extLst>
-            <a:ext uri="{909E8E84-426E-40DD-AFC4-6F175D3DCCD1}">
-              <a14:hiddenFill xmlns:a14="http://schemas.microsoft.com/office/drawing/2010/main">
-                <a:solidFill>
-                  <a:srgbClr val="FFFFFF"/>
-                </a:solidFill>
-              </a14:hiddenFill>
-            </a:ext>
-          </a:extLst>
+          <a:ln>
+            <a:noFill/>
+          </a:ln>
+        </p:spPr>
+      </p:pic>
+      <p:pic>
+        <p:nvPicPr>
+          <p:cNvPr id="7" name="Picture 6" descr="E:\SMS\analysis\images\conauth1.PNG"/>
+          <p:cNvPicPr/>
+          <p:nvPr/>
+        </p:nvPicPr>
+        <p:blipFill>
+          <a:blip r:embed="rId3">
+            <a:extLst>
+              <a:ext uri="{28A0092B-C50C-407E-A947-70E740481C1C}">
+                <a14:useLocalDpi xmlns:a14="http://schemas.microsoft.com/office/drawing/2010/main" val="0"/>
+              </a:ext>
+            </a:extLst>
+          </a:blip>
+          <a:srcRect/>
+          <a:stretch>
+            <a:fillRect/>
+          </a:stretch>
+        </p:blipFill>
+        <p:spPr bwMode="auto">
+          <a:xfrm>
+            <a:off x="1606378" y="4648200"/>
+            <a:ext cx="5943600" cy="1905000"/>
+          </a:xfrm>
+          <a:prstGeom prst="rect">
+            <a:avLst/>
+          </a:prstGeom>
+          <a:noFill/>
+          <a:ln>
+            <a:noFill/>
+          </a:ln>
         </p:spPr>
       </p:pic>
     </p:spTree>
     <p:extLst>
       <p:ext uri="{BB962C8B-B14F-4D97-AF65-F5344CB8AC3E}">
-        <p14:creationId xmlns:p14="http://schemas.microsoft.com/office/powerpoint/2010/main" val="3913895923"/>
+        <p14:creationId xmlns:p14="http://schemas.microsoft.com/office/powerpoint/2010/main" val="3767161069"/>
       </p:ext>
     </p:extLst>
   </p:cSld>
@@ -13714,18 +13804,24 @@
         </p:nvSpPr>
         <p:spPr/>
         <p:txBody>
-          <a:bodyPr/>
-          <a:lstStyle/>
-          <a:p>
-            <a:endParaRPr lang="en-US"/>
+          <a:bodyPr>
+            <a:normAutofit/>
+          </a:bodyPr>
+          <a:lstStyle/>
+          <a:p>
+            <a:r>
+              <a:rPr lang="en-US" dirty="0" smtClean="0"/>
+              <a:t>Controllers\Dashboard.php</a:t>
+            </a:r>
+            <a:endParaRPr lang="en-US" dirty="0"/>
           </a:p>
         </p:txBody>
       </p:sp>
       <p:pic>
         <p:nvPicPr>
-          <p:cNvPr id="3074" name="Picture 2" descr="F:\sem\4th semester\Mandira\CP\analysis\images\c3.PNG"/>
+          <p:cNvPr id="5" name="Content Placeholder 4" descr="E:\SMS\analysis\images\condashboard.PNG"/>
           <p:cNvPicPr>
-            <a:picLocks noGrp="1" noChangeAspect="1" noChangeArrowheads="1"/>
+            <a:picLocks noGrp="1"/>
           </p:cNvPicPr>
           <p:nvPr>
             <p:ph sz="quarter" idx="1"/>
@@ -13739,34 +13835,29 @@
               </a:ext>
             </a:extLst>
           </a:blip>
+          <a:srcRect/>
           <a:stretch>
             <a:fillRect/>
           </a:stretch>
         </p:blipFill>
         <p:spPr bwMode="auto">
           <a:xfrm>
-            <a:off x="2308204" y="1527175"/>
-            <a:ext cx="4491079" cy="4572000"/>
+            <a:off x="1392957" y="1527175"/>
+            <a:ext cx="6321573" cy="4572000"/>
           </a:xfrm>
           <a:prstGeom prst="rect">
             <a:avLst/>
           </a:prstGeom>
           <a:noFill/>
-          <a:extLst>
-            <a:ext uri="{909E8E84-426E-40DD-AFC4-6F175D3DCCD1}">
-              <a14:hiddenFill xmlns:a14="http://schemas.microsoft.com/office/drawing/2010/main">
-                <a:solidFill>
-                  <a:srgbClr val="FFFFFF"/>
-                </a:solidFill>
-              </a14:hiddenFill>
-            </a:ext>
-          </a:extLst>
+          <a:ln>
+            <a:noFill/>
+          </a:ln>
         </p:spPr>
       </p:pic>
     </p:spTree>
     <p:extLst>
       <p:ext uri="{BB962C8B-B14F-4D97-AF65-F5344CB8AC3E}">
-        <p14:creationId xmlns:p14="http://schemas.microsoft.com/office/powerpoint/2010/main" val="3803853856"/>
+        <p14:creationId xmlns:p14="http://schemas.microsoft.com/office/powerpoint/2010/main" val="3913895923"/>
       </p:ext>
     </p:extLst>
   </p:cSld>
@@ -13940,18 +14031,28 @@
         </p:nvSpPr>
         <p:spPr/>
         <p:txBody>
-          <a:bodyPr/>
-          <a:lstStyle/>
-          <a:p>
-            <a:endParaRPr lang="en-US"/>
+          <a:bodyPr>
+            <a:normAutofit/>
+          </a:bodyPr>
+          <a:lstStyle/>
+          <a:p>
+            <a:r>
+              <a:rPr lang="en-US" dirty="0" smtClean="0"/>
+              <a:t>Controllers\</a:t>
+            </a:r>
+            <a:r>
+              <a:rPr lang="en-US" dirty="0" err="1" smtClean="0"/>
+              <a:t>Products.php</a:t>
+            </a:r>
+            <a:endParaRPr lang="en-US" dirty="0"/>
           </a:p>
         </p:txBody>
       </p:sp>
       <p:pic>
         <p:nvPicPr>
-          <p:cNvPr id="4098" name="Picture 2" descr="F:\sem\4th semester\Mandira\CP\analysis\images\c4.PNG"/>
+          <p:cNvPr id="5" name="Content Placeholder 4" descr="E:\SMS\analysis\images\conproduct.PNG"/>
           <p:cNvPicPr>
-            <a:picLocks noGrp="1" noChangeAspect="1" noChangeArrowheads="1"/>
+            <a:picLocks noGrp="1"/>
           </p:cNvPicPr>
           <p:nvPr>
             <p:ph sz="quarter" idx="1"/>
@@ -13965,34 +14066,29 @@
               </a:ext>
             </a:extLst>
           </a:blip>
+          <a:srcRect/>
           <a:stretch>
             <a:fillRect/>
           </a:stretch>
         </p:blipFill>
         <p:spPr bwMode="auto">
           <a:xfrm>
-            <a:off x="1505744" y="1527175"/>
-            <a:ext cx="6095999" cy="4572000"/>
+            <a:off x="1500655" y="1527175"/>
+            <a:ext cx="6106177" cy="4572000"/>
           </a:xfrm>
           <a:prstGeom prst="rect">
             <a:avLst/>
           </a:prstGeom>
           <a:noFill/>
-          <a:extLst>
-            <a:ext uri="{909E8E84-426E-40DD-AFC4-6F175D3DCCD1}">
-              <a14:hiddenFill xmlns:a14="http://schemas.microsoft.com/office/drawing/2010/main">
-                <a:solidFill>
-                  <a:srgbClr val="FFFFFF"/>
-                </a:solidFill>
-              </a14:hiddenFill>
-            </a:ext>
-          </a:extLst>
+          <a:ln>
+            <a:noFill/>
+          </a:ln>
         </p:spPr>
       </p:pic>
     </p:spTree>
     <p:extLst>
       <p:ext uri="{BB962C8B-B14F-4D97-AF65-F5344CB8AC3E}">
-        <p14:creationId xmlns:p14="http://schemas.microsoft.com/office/powerpoint/2010/main" val="1048112640"/>
+        <p14:creationId xmlns:p14="http://schemas.microsoft.com/office/powerpoint/2010/main" val="3803853856"/>
       </p:ext>
     </p:extLst>
   </p:cSld>
@@ -14047,9 +14143,9 @@
       </p:sp>
       <p:pic>
         <p:nvPicPr>
-          <p:cNvPr id="5122" name="Picture 2" descr="F:\sem\4th semester\Mandira\CP\analysis\images\c5.PNG"/>
+          <p:cNvPr id="5" name="Content Placeholder 4" descr="E:\SMS\analysis\images\conproduct1.PNG"/>
           <p:cNvPicPr>
-            <a:picLocks noGrp="1" noChangeAspect="1" noChangeArrowheads="1"/>
+            <a:picLocks noGrp="1"/>
           </p:cNvPicPr>
           <p:nvPr>
             <p:ph sz="quarter" idx="1"/>
@@ -14063,34 +14159,29 @@
               </a:ext>
             </a:extLst>
           </a:blip>
+          <a:srcRect/>
           <a:stretch>
             <a:fillRect/>
           </a:stretch>
         </p:blipFill>
         <p:spPr bwMode="auto">
           <a:xfrm>
-            <a:off x="1766495" y="1527175"/>
-            <a:ext cx="5574498" cy="4572000"/>
+            <a:off x="1374896" y="1527175"/>
+            <a:ext cx="6357696" cy="4572000"/>
           </a:xfrm>
           <a:prstGeom prst="rect">
             <a:avLst/>
           </a:prstGeom>
           <a:noFill/>
-          <a:extLst>
-            <a:ext uri="{909E8E84-426E-40DD-AFC4-6F175D3DCCD1}">
-              <a14:hiddenFill xmlns:a14="http://schemas.microsoft.com/office/drawing/2010/main">
-                <a:solidFill>
-                  <a:srgbClr val="FFFFFF"/>
-                </a:solidFill>
-              </a14:hiddenFill>
-            </a:ext>
-          </a:extLst>
+          <a:ln>
+            <a:noFill/>
+          </a:ln>
         </p:spPr>
       </p:pic>
     </p:spTree>
     <p:extLst>
       <p:ext uri="{BB962C8B-B14F-4D97-AF65-F5344CB8AC3E}">
-        <p14:creationId xmlns:p14="http://schemas.microsoft.com/office/powerpoint/2010/main" val="3329182200"/>
+        <p14:creationId xmlns:p14="http://schemas.microsoft.com/office/powerpoint/2010/main" val="1048112640"/>
       </p:ext>
     </p:extLst>
   </p:cSld>
@@ -14145,9 +14236,9 @@
       </p:sp>
       <p:pic>
         <p:nvPicPr>
-          <p:cNvPr id="6146" name="Picture 2" descr="F:\sem\4th semester\Mandira\CP\analysis\images\c6.PNG"/>
+          <p:cNvPr id="5" name="Content Placeholder 4" descr="E:\SMS\analysis\images\conproduct2.PNG"/>
           <p:cNvPicPr>
-            <a:picLocks noGrp="1" noChangeAspect="1" noChangeArrowheads="1"/>
+            <a:picLocks noGrp="1"/>
           </p:cNvPicPr>
           <p:nvPr>
             <p:ph sz="quarter" idx="1"/>
@@ -14161,34 +14252,29 @@
               </a:ext>
             </a:extLst>
           </a:blip>
+          <a:srcRect/>
           <a:stretch>
             <a:fillRect/>
           </a:stretch>
         </p:blipFill>
         <p:spPr bwMode="auto">
           <a:xfrm>
-            <a:off x="1672706" y="1527175"/>
-            <a:ext cx="5762075" cy="4572000"/>
+            <a:off x="1735337" y="1527175"/>
+            <a:ext cx="5636814" cy="4572000"/>
           </a:xfrm>
           <a:prstGeom prst="rect">
             <a:avLst/>
           </a:prstGeom>
           <a:noFill/>
-          <a:extLst>
-            <a:ext uri="{909E8E84-426E-40DD-AFC4-6F175D3DCCD1}">
-              <a14:hiddenFill xmlns:a14="http://schemas.microsoft.com/office/drawing/2010/main">
-                <a:solidFill>
-                  <a:srgbClr val="FFFFFF"/>
-                </a:solidFill>
-              </a14:hiddenFill>
-            </a:ext>
-          </a:extLst>
+          <a:ln>
+            <a:noFill/>
+          </a:ln>
         </p:spPr>
       </p:pic>
     </p:spTree>
     <p:extLst>
       <p:ext uri="{BB962C8B-B14F-4D97-AF65-F5344CB8AC3E}">
-        <p14:creationId xmlns:p14="http://schemas.microsoft.com/office/powerpoint/2010/main" val="2805605409"/>
+        <p14:creationId xmlns:p14="http://schemas.microsoft.com/office/powerpoint/2010/main" val="3329182200"/>
       </p:ext>
     </p:extLst>
   </p:cSld>
@@ -14243,9 +14329,9 @@
       </p:sp>
       <p:pic>
         <p:nvPicPr>
-          <p:cNvPr id="7170" name="Picture 2" descr="F:\sem\4th semester\Mandira\CP\analysis\images\c7.PNG"/>
+          <p:cNvPr id="6" name="Content Placeholder 5" descr="E:\SMS\analysis\images\conproduct3.PNG"/>
           <p:cNvPicPr>
-            <a:picLocks noGrp="1" noChangeAspect="1" noChangeArrowheads="1"/>
+            <a:picLocks noGrp="1"/>
           </p:cNvPicPr>
           <p:nvPr>
             <p:ph sz="quarter" idx="1"/>
@@ -14259,34 +14345,29 @@
               </a:ext>
             </a:extLst>
           </a:blip>
+          <a:srcRect/>
           <a:stretch>
             <a:fillRect/>
           </a:stretch>
         </p:blipFill>
         <p:spPr bwMode="auto">
           <a:xfrm>
-            <a:off x="1740789" y="1527175"/>
-            <a:ext cx="5625909" cy="4572000"/>
+            <a:off x="1656895" y="1527175"/>
+            <a:ext cx="5793698" cy="4572000"/>
           </a:xfrm>
           <a:prstGeom prst="rect">
             <a:avLst/>
           </a:prstGeom>
           <a:noFill/>
-          <a:extLst>
-            <a:ext uri="{909E8E84-426E-40DD-AFC4-6F175D3DCCD1}">
-              <a14:hiddenFill xmlns:a14="http://schemas.microsoft.com/office/drawing/2010/main">
-                <a:solidFill>
-                  <a:srgbClr val="FFFFFF"/>
-                </a:solidFill>
-              </a14:hiddenFill>
-            </a:ext>
-          </a:extLst>
+          <a:ln>
+            <a:noFill/>
+          </a:ln>
         </p:spPr>
       </p:pic>
     </p:spTree>
     <p:extLst>
       <p:ext uri="{BB962C8B-B14F-4D97-AF65-F5344CB8AC3E}">
-        <p14:creationId xmlns:p14="http://schemas.microsoft.com/office/powerpoint/2010/main" val="402942668"/>
+        <p14:creationId xmlns:p14="http://schemas.microsoft.com/office/powerpoint/2010/main" val="2805605409"/>
       </p:ext>
     </p:extLst>
   </p:cSld>
@@ -14341,9 +14422,9 @@
       </p:sp>
       <p:pic>
         <p:nvPicPr>
-          <p:cNvPr id="8194" name="Picture 2" descr="F:\sem\4th semester\Mandira\CP\analysis\images\c8.PNG"/>
+          <p:cNvPr id="7" name="Content Placeholder 6" descr="E:\SMS\analysis\images\conproduct4.PNG"/>
           <p:cNvPicPr>
-            <a:picLocks noGrp="1" noChangeAspect="1" noChangeArrowheads="1"/>
+            <a:picLocks noGrp="1"/>
           </p:cNvPicPr>
           <p:nvPr>
             <p:ph sz="quarter" idx="1"/>
@@ -14357,34 +14438,29 @@
               </a:ext>
             </a:extLst>
           </a:blip>
+          <a:srcRect/>
           <a:stretch>
             <a:fillRect/>
           </a:stretch>
         </p:blipFill>
         <p:spPr bwMode="auto">
           <a:xfrm>
-            <a:off x="2259793" y="1527175"/>
-            <a:ext cx="4587902" cy="4572000"/>
+            <a:off x="1732723" y="1527175"/>
+            <a:ext cx="5642042" cy="4572000"/>
           </a:xfrm>
           <a:prstGeom prst="rect">
             <a:avLst/>
           </a:prstGeom>
           <a:noFill/>
-          <a:extLst>
-            <a:ext uri="{909E8E84-426E-40DD-AFC4-6F175D3DCCD1}">
-              <a14:hiddenFill xmlns:a14="http://schemas.microsoft.com/office/drawing/2010/main">
-                <a:solidFill>
-                  <a:srgbClr val="FFFFFF"/>
-                </a:solidFill>
-              </a14:hiddenFill>
-            </a:ext>
-          </a:extLst>
+          <a:ln>
+            <a:noFill/>
+          </a:ln>
         </p:spPr>
       </p:pic>
     </p:spTree>
     <p:extLst>
       <p:ext uri="{BB962C8B-B14F-4D97-AF65-F5344CB8AC3E}">
-        <p14:creationId xmlns:p14="http://schemas.microsoft.com/office/powerpoint/2010/main" val="3738497168"/>
+        <p14:creationId xmlns:p14="http://schemas.microsoft.com/office/powerpoint/2010/main" val="402942668"/>
       </p:ext>
     </p:extLst>
   </p:cSld>
@@ -14439,9 +14515,9 @@
       </p:sp>
       <p:pic>
         <p:nvPicPr>
-          <p:cNvPr id="9218" name="Picture 2" descr="F:\sem\4th semester\Mandira\CP\analysis\images\c9.PNG"/>
+          <p:cNvPr id="7" name="Content Placeholder 6" descr="E:\SMS\analysis\images\conproduct5.PNG"/>
           <p:cNvPicPr>
-            <a:picLocks noGrp="1" noChangeAspect="1" noChangeArrowheads="1"/>
+            <a:picLocks noGrp="1"/>
           </p:cNvPicPr>
           <p:nvPr>
             <p:ph sz="quarter" idx="1"/>
@@ -14455,34 +14531,29 @@
               </a:ext>
             </a:extLst>
           </a:blip>
+          <a:srcRect/>
           <a:stretch>
             <a:fillRect/>
           </a:stretch>
         </p:blipFill>
         <p:spPr bwMode="auto">
           <a:xfrm>
-            <a:off x="1707095" y="1527175"/>
-            <a:ext cx="5693297" cy="4572000"/>
+            <a:off x="624133" y="1660224"/>
+            <a:ext cx="7859222" cy="4305901"/>
           </a:xfrm>
           <a:prstGeom prst="rect">
             <a:avLst/>
           </a:prstGeom>
           <a:noFill/>
-          <a:extLst>
-            <a:ext uri="{909E8E84-426E-40DD-AFC4-6F175D3DCCD1}">
-              <a14:hiddenFill xmlns:a14="http://schemas.microsoft.com/office/drawing/2010/main">
-                <a:solidFill>
-                  <a:srgbClr val="FFFFFF"/>
-                </a:solidFill>
-              </a14:hiddenFill>
-            </a:ext>
-          </a:extLst>
+          <a:ln>
+            <a:noFill/>
+          </a:ln>
         </p:spPr>
       </p:pic>
     </p:spTree>
     <p:extLst>
       <p:ext uri="{BB962C8B-B14F-4D97-AF65-F5344CB8AC3E}">
-        <p14:creationId xmlns:p14="http://schemas.microsoft.com/office/powerpoint/2010/main" val="1604978431"/>
+        <p14:creationId xmlns:p14="http://schemas.microsoft.com/office/powerpoint/2010/main" val="3738497168"/>
       </p:ext>
     </p:extLst>
   </p:cSld>
@@ -14528,18 +14599,28 @@
         </p:nvSpPr>
         <p:spPr/>
         <p:txBody>
-          <a:bodyPr/>
-          <a:lstStyle/>
-          <a:p>
-            <a:endParaRPr lang="en-US"/>
+          <a:bodyPr>
+            <a:normAutofit/>
+          </a:bodyPr>
+          <a:lstStyle/>
+          <a:p>
+            <a:r>
+              <a:rPr lang="en-US" dirty="0" smtClean="0"/>
+              <a:t>Views\</a:t>
+            </a:r>
+            <a:r>
+              <a:rPr lang="en-US" dirty="0" err="1" smtClean="0"/>
+              <a:t>dashboard.php</a:t>
+            </a:r>
+            <a:endParaRPr lang="en-US" dirty="0"/>
           </a:p>
         </p:txBody>
       </p:sp>
       <p:pic>
         <p:nvPicPr>
-          <p:cNvPr id="10242" name="Picture 2" descr="F:\sem\4th semester\Mandira\CP\analysis\images\c10.PNG"/>
+          <p:cNvPr id="8" name="Content Placeholder 7" descr="E:\SMS\analysis\images\viedashboard.PNG"/>
           <p:cNvPicPr>
-            <a:picLocks noGrp="1" noChangeAspect="1" noChangeArrowheads="1"/>
+            <a:picLocks noGrp="1"/>
           </p:cNvPicPr>
           <p:nvPr>
             <p:ph sz="quarter" idx="1"/>
@@ -14553,34 +14634,29 @@
               </a:ext>
             </a:extLst>
           </a:blip>
+          <a:srcRect/>
           <a:stretch>
             <a:fillRect/>
           </a:stretch>
         </p:blipFill>
         <p:spPr bwMode="auto">
           <a:xfrm>
-            <a:off x="1758126" y="1527175"/>
-            <a:ext cx="5591235" cy="4572000"/>
+            <a:off x="1598220" y="1527175"/>
+            <a:ext cx="5911047" cy="4572000"/>
           </a:xfrm>
           <a:prstGeom prst="rect">
             <a:avLst/>
           </a:prstGeom>
           <a:noFill/>
-          <a:extLst>
-            <a:ext uri="{909E8E84-426E-40DD-AFC4-6F175D3DCCD1}">
-              <a14:hiddenFill xmlns:a14="http://schemas.microsoft.com/office/drawing/2010/main">
-                <a:solidFill>
-                  <a:srgbClr val="FFFFFF"/>
-                </a:solidFill>
-              </a14:hiddenFill>
-            </a:ext>
-          </a:extLst>
+          <a:ln>
+            <a:noFill/>
+          </a:ln>
         </p:spPr>
       </p:pic>
     </p:spTree>
     <p:extLst>
       <p:ext uri="{BB962C8B-B14F-4D97-AF65-F5344CB8AC3E}">
-        <p14:creationId xmlns:p14="http://schemas.microsoft.com/office/powerpoint/2010/main" val="2886627645"/>
+        <p14:creationId xmlns:p14="http://schemas.microsoft.com/office/powerpoint/2010/main" val="1604978431"/>
       </p:ext>
     </p:extLst>
   </p:cSld>
@@ -14635,9 +14711,9 @@
       </p:sp>
       <p:pic>
         <p:nvPicPr>
-          <p:cNvPr id="11266" name="Picture 2" descr="F:\sem\4th semester\Mandira\CP\analysis\images\c11.PNG"/>
+          <p:cNvPr id="8" name="Content Placeholder 7" descr="E:\SMS\analysis\images\viedashboard1.PNG"/>
           <p:cNvPicPr>
-            <a:picLocks noGrp="1" noChangeAspect="1" noChangeArrowheads="1"/>
+            <a:picLocks noGrp="1"/>
           </p:cNvPicPr>
           <p:nvPr>
             <p:ph sz="quarter" idx="1"/>
@@ -14651,34 +14727,29 @@
               </a:ext>
             </a:extLst>
           </a:blip>
+          <a:srcRect/>
           <a:stretch>
             <a:fillRect/>
           </a:stretch>
         </p:blipFill>
         <p:spPr bwMode="auto">
           <a:xfrm>
-            <a:off x="1685324" y="1527175"/>
-            <a:ext cx="5736840" cy="4572000"/>
+            <a:off x="571738" y="1569724"/>
+            <a:ext cx="7964011" cy="4486901"/>
           </a:xfrm>
           <a:prstGeom prst="rect">
             <a:avLst/>
           </a:prstGeom>
           <a:noFill/>
-          <a:extLst>
-            <a:ext uri="{909E8E84-426E-40DD-AFC4-6F175D3DCCD1}">
-              <a14:hiddenFill xmlns:a14="http://schemas.microsoft.com/office/drawing/2010/main">
-                <a:solidFill>
-                  <a:srgbClr val="FFFFFF"/>
-                </a:solidFill>
-              </a14:hiddenFill>
-            </a:ext>
-          </a:extLst>
+          <a:ln>
+            <a:noFill/>
+          </a:ln>
         </p:spPr>
       </p:pic>
     </p:spTree>
     <p:extLst>
       <p:ext uri="{BB962C8B-B14F-4D97-AF65-F5344CB8AC3E}">
-        <p14:creationId xmlns:p14="http://schemas.microsoft.com/office/powerpoint/2010/main" val="3638165579"/>
+        <p14:creationId xmlns:p14="http://schemas.microsoft.com/office/powerpoint/2010/main" val="2886627645"/>
       </p:ext>
     </p:extLst>
   </p:cSld>
@@ -14724,18 +14795,28 @@
         </p:nvSpPr>
         <p:spPr/>
         <p:txBody>
-          <a:bodyPr/>
-          <a:lstStyle/>
-          <a:p>
-            <a:endParaRPr lang="en-US"/>
+          <a:bodyPr>
+            <a:normAutofit/>
+          </a:bodyPr>
+          <a:lstStyle/>
+          <a:p>
+            <a:r>
+              <a:rPr lang="en-US" dirty="0" smtClean="0"/>
+              <a:t>Views\</a:t>
+            </a:r>
+            <a:r>
+              <a:rPr lang="en-US" dirty="0" err="1" smtClean="0"/>
+              <a:t>login.php</a:t>
+            </a:r>
+            <a:endParaRPr lang="en-US" dirty="0"/>
           </a:p>
         </p:txBody>
       </p:sp>
       <p:pic>
         <p:nvPicPr>
-          <p:cNvPr id="12290" name="Picture 2" descr="F:\sem\4th semester\Mandira\CP\analysis\images\c12.PNG"/>
+          <p:cNvPr id="5" name="Content Placeholder 4" descr="E:\SMS\analysis\images\vielogin.PNG"/>
           <p:cNvPicPr>
-            <a:picLocks noGrp="1" noChangeAspect="1" noChangeArrowheads="1"/>
+            <a:picLocks noGrp="1"/>
           </p:cNvPicPr>
           <p:nvPr>
             <p:ph sz="quarter" idx="1"/>
@@ -14749,34 +14830,29 @@
               </a:ext>
             </a:extLst>
           </a:blip>
+          <a:srcRect/>
           <a:stretch>
             <a:fillRect/>
           </a:stretch>
         </p:blipFill>
         <p:spPr bwMode="auto">
           <a:xfrm>
-            <a:off x="928975" y="1598303"/>
-            <a:ext cx="7249537" cy="4429743"/>
+            <a:off x="1599472" y="1527175"/>
+            <a:ext cx="5908543" cy="4572000"/>
           </a:xfrm>
           <a:prstGeom prst="rect">
             <a:avLst/>
           </a:prstGeom>
           <a:noFill/>
-          <a:extLst>
-            <a:ext uri="{909E8E84-426E-40DD-AFC4-6F175D3DCCD1}">
-              <a14:hiddenFill xmlns:a14="http://schemas.microsoft.com/office/drawing/2010/main">
-                <a:solidFill>
-                  <a:srgbClr val="FFFFFF"/>
-                </a:solidFill>
-              </a14:hiddenFill>
-            </a:ext>
-          </a:extLst>
+          <a:ln>
+            <a:noFill/>
+          </a:ln>
         </p:spPr>
       </p:pic>
     </p:spTree>
     <p:extLst>
       <p:ext uri="{BB962C8B-B14F-4D97-AF65-F5344CB8AC3E}">
-        <p14:creationId xmlns:p14="http://schemas.microsoft.com/office/powerpoint/2010/main" val="1497332726"/>
+        <p14:creationId xmlns:p14="http://schemas.microsoft.com/office/powerpoint/2010/main" val="3638165579"/>
       </p:ext>
     </p:extLst>
   </p:cSld>
@@ -14831,9 +14907,9 @@
       </p:sp>
       <p:pic>
         <p:nvPicPr>
-          <p:cNvPr id="13314" name="Picture 2" descr="F:\sem\4th semester\Mandira\CP\analysis\images\c13.PNG"/>
+          <p:cNvPr id="5" name="Content Placeholder 4" descr="E:\SMS\analysis\images\vielogin1.PNG"/>
           <p:cNvPicPr>
-            <a:picLocks noGrp="1" noChangeAspect="1" noChangeArrowheads="1"/>
+            <a:picLocks noGrp="1"/>
           </p:cNvPicPr>
           <p:nvPr>
             <p:ph sz="quarter" idx="1"/>
@@ -14847,34 +14923,29 @@
               </a:ext>
             </a:extLst>
           </a:blip>
+          <a:srcRect/>
           <a:stretch>
             <a:fillRect/>
           </a:stretch>
         </p:blipFill>
         <p:spPr bwMode="auto">
           <a:xfrm>
-            <a:off x="2202430" y="1527175"/>
-            <a:ext cx="4702628" cy="4572000"/>
+            <a:off x="1543359" y="1527175"/>
+            <a:ext cx="6020770" cy="4572000"/>
           </a:xfrm>
           <a:prstGeom prst="rect">
             <a:avLst/>
           </a:prstGeom>
           <a:noFill/>
-          <a:extLst>
-            <a:ext uri="{909E8E84-426E-40DD-AFC4-6F175D3DCCD1}">
-              <a14:hiddenFill xmlns:a14="http://schemas.microsoft.com/office/drawing/2010/main">
-                <a:solidFill>
-                  <a:srgbClr val="FFFFFF"/>
-                </a:solidFill>
-              </a14:hiddenFill>
-            </a:ext>
-          </a:extLst>
+          <a:ln>
+            <a:noFill/>
+          </a:ln>
         </p:spPr>
       </p:pic>
     </p:spTree>
     <p:extLst>
       <p:ext uri="{BB962C8B-B14F-4D97-AF65-F5344CB8AC3E}">
-        <p14:creationId xmlns:p14="http://schemas.microsoft.com/office/powerpoint/2010/main" val="3726312922"/>
+        <p14:creationId xmlns:p14="http://schemas.microsoft.com/office/powerpoint/2010/main" val="1497332726"/>
       </p:ext>
     </p:extLst>
   </p:cSld>
@@ -15108,9 +15179,9 @@
       </p:sp>
       <p:pic>
         <p:nvPicPr>
-          <p:cNvPr id="14338" name="Picture 2" descr="F:\sem\4th semester\Mandira\CP\analysis\images\c14.PNG"/>
+          <p:cNvPr id="5" name="Content Placeholder 4" descr="E:\SMS\analysis\images\vielogin2.PNG"/>
           <p:cNvPicPr>
-            <a:picLocks noGrp="1" noChangeAspect="1" noChangeArrowheads="1"/>
+            <a:picLocks noGrp="1"/>
           </p:cNvPicPr>
           <p:nvPr>
             <p:ph sz="quarter" idx="1"/>
@@ -15124,34 +15195,29 @@
               </a:ext>
             </a:extLst>
           </a:blip>
+          <a:srcRect/>
           <a:stretch>
             <a:fillRect/>
           </a:stretch>
         </p:blipFill>
         <p:spPr bwMode="auto">
           <a:xfrm>
-            <a:off x="1761796" y="1527175"/>
-            <a:ext cx="5583896" cy="4572000"/>
+            <a:off x="990600" y="1981200"/>
+            <a:ext cx="6705600" cy="2667000"/>
           </a:xfrm>
           <a:prstGeom prst="rect">
             <a:avLst/>
           </a:prstGeom>
           <a:noFill/>
-          <a:extLst>
-            <a:ext uri="{909E8E84-426E-40DD-AFC4-6F175D3DCCD1}">
-              <a14:hiddenFill xmlns:a14="http://schemas.microsoft.com/office/drawing/2010/main">
-                <a:solidFill>
-                  <a:srgbClr val="FFFFFF"/>
-                </a:solidFill>
-              </a14:hiddenFill>
-            </a:ext>
-          </a:extLst>
+          <a:ln>
+            <a:noFill/>
+          </a:ln>
         </p:spPr>
       </p:pic>
     </p:spTree>
     <p:extLst>
       <p:ext uri="{BB962C8B-B14F-4D97-AF65-F5344CB8AC3E}">
-        <p14:creationId xmlns:p14="http://schemas.microsoft.com/office/powerpoint/2010/main" val="2784028791"/>
+        <p14:creationId xmlns:p14="http://schemas.microsoft.com/office/powerpoint/2010/main" val="3726312922"/>
       </p:ext>
     </p:extLst>
   </p:cSld>
@@ -15235,10 +15301,8 @@
       </p:sp>
       <p:pic>
         <p:nvPicPr>
-          <p:cNvPr id="6" name="Content Placeholder 3"/>
-          <p:cNvPicPr>
-            <a:picLocks noChangeAspect="1"/>
-          </p:cNvPicPr>
+          <p:cNvPr id="7" name="Picture 6" descr="E:\SMS\analysis\images\login.png"/>
+          <p:cNvPicPr/>
           <p:nvPr/>
         </p:nvPicPr>
         <p:blipFill>
@@ -15249,18 +15313,23 @@
               </a:ext>
             </a:extLst>
           </a:blip>
+          <a:srcRect/>
           <a:stretch>
             <a:fillRect/>
           </a:stretch>
         </p:blipFill>
-        <p:spPr>
+        <p:spPr bwMode="auto">
           <a:xfrm>
-            <a:off x="2472241" y="2207988"/>
-            <a:ext cx="4163006" cy="3210373"/>
+            <a:off x="1905000" y="2438400"/>
+            <a:ext cx="5571490" cy="3657600"/>
           </a:xfrm>
           <a:prstGeom prst="rect">
             <a:avLst/>
           </a:prstGeom>
+          <a:noFill/>
+          <a:ln>
+            <a:noFill/>
+          </a:ln>
         </p:spPr>
       </p:pic>
     </p:spTree>
@@ -15316,15 +15385,39 @@
           </a:p>
         </p:txBody>
       </p:sp>
+      <p:sp>
+        <p:nvSpPr>
+          <p:cNvPr id="3" name="Content Placeholder 2"/>
+          <p:cNvSpPr>
+            <a:spLocks noGrp="1"/>
+          </p:cNvSpPr>
+          <p:nvPr>
+            <p:ph sz="quarter" idx="1"/>
+          </p:nvPr>
+        </p:nvSpPr>
+        <p:spPr/>
+        <p:txBody>
+          <a:bodyPr/>
+          <a:lstStyle/>
+          <a:p>
+            <a:r>
+              <a:rPr lang="en-US" dirty="0" smtClean="0"/>
+              <a:t>Dashboard</a:t>
+            </a:r>
+          </a:p>
+          <a:p>
+            <a:pPr marL="0" indent="0">
+              <a:buNone/>
+            </a:pPr>
+            <a:endParaRPr lang="en-US" dirty="0"/>
+          </a:p>
+        </p:txBody>
+      </p:sp>
       <p:pic>
         <p:nvPicPr>
-          <p:cNvPr id="4" name="Content Placeholder 3"/>
-          <p:cNvPicPr>
-            <a:picLocks noGrp="1" noChangeAspect="1"/>
-          </p:cNvPicPr>
-          <p:nvPr>
-            <p:ph sz="quarter" idx="1"/>
-          </p:nvPr>
+          <p:cNvPr id="5" name="Picture 4" descr="E:\SMS\analysis\images\dashboard.png"/>
+          <p:cNvPicPr/>
+          <p:nvPr/>
         </p:nvPicPr>
         <p:blipFill>
           <a:blip r:embed="rId2">
@@ -15334,15 +15427,23 @@
               </a:ext>
             </a:extLst>
           </a:blip>
+          <a:srcRect/>
           <a:stretch>
             <a:fillRect/>
           </a:stretch>
         </p:blipFill>
-        <p:spPr>
+        <p:spPr bwMode="auto">
           <a:xfrm>
-            <a:off x="301625" y="1855208"/>
-            <a:ext cx="8504238" cy="3915933"/>
+            <a:off x="1066800" y="2419865"/>
+            <a:ext cx="6477000" cy="3828535"/>
           </a:xfrm>
+          <a:prstGeom prst="rect">
+            <a:avLst/>
+          </a:prstGeom>
+          <a:noFill/>
+          <a:ln>
+            <a:noFill/>
+          </a:ln>
         </p:spPr>
       </p:pic>
     </p:spTree>
@@ -15398,15 +15499,39 @@
           </a:p>
         </p:txBody>
       </p:sp>
+      <p:sp>
+        <p:nvSpPr>
+          <p:cNvPr id="3" name="Content Placeholder 2"/>
+          <p:cNvSpPr>
+            <a:spLocks noGrp="1"/>
+          </p:cNvSpPr>
+          <p:nvPr>
+            <p:ph sz="quarter" idx="1"/>
+          </p:nvPr>
+        </p:nvSpPr>
+        <p:spPr/>
+        <p:txBody>
+          <a:bodyPr/>
+          <a:lstStyle/>
+          <a:p>
+            <a:r>
+              <a:rPr lang="en-US" dirty="0" smtClean="0"/>
+              <a:t>Category </a:t>
+            </a:r>
+          </a:p>
+          <a:p>
+            <a:pPr marL="0" indent="0">
+              <a:buNone/>
+            </a:pPr>
+            <a:endParaRPr lang="en-US" dirty="0"/>
+          </a:p>
+        </p:txBody>
+      </p:sp>
       <p:pic>
         <p:nvPicPr>
-          <p:cNvPr id="4" name="Content Placeholder 3"/>
-          <p:cNvPicPr>
-            <a:picLocks noGrp="1" noChangeAspect="1"/>
-          </p:cNvPicPr>
-          <p:nvPr>
-            <p:ph sz="quarter" idx="1"/>
-          </p:nvPr>
+          <p:cNvPr id="5" name="Picture 4" descr="E:\SMS\analysis\images\list.png"/>
+          <p:cNvPicPr/>
+          <p:nvPr/>
         </p:nvPicPr>
         <p:blipFill>
           <a:blip r:embed="rId2">
@@ -15416,15 +15541,23 @@
               </a:ext>
             </a:extLst>
           </a:blip>
+          <a:srcRect/>
           <a:stretch>
             <a:fillRect/>
           </a:stretch>
         </p:blipFill>
-        <p:spPr>
+        <p:spPr bwMode="auto">
           <a:xfrm>
-            <a:off x="301625" y="1858321"/>
-            <a:ext cx="8504238" cy="3909708"/>
+            <a:off x="1219200" y="2209800"/>
+            <a:ext cx="6629400" cy="3962400"/>
           </a:xfrm>
+          <a:prstGeom prst="rect">
+            <a:avLst/>
+          </a:prstGeom>
+          <a:noFill/>
+          <a:ln>
+            <a:noFill/>
+          </a:ln>
         </p:spPr>
       </p:pic>
     </p:spTree>
@@ -16589,7 +16722,7 @@
             <p:ph sz="quarter" idx="1"/>
             <p:extLst>
               <p:ext uri="{D42A27DB-BD31-4B8C-83A1-F6EECF244321}">
-                <p14:modId xmlns:p14="http://schemas.microsoft.com/office/powerpoint/2010/main" val="3791799926"/>
+                <p14:modId xmlns:p14="http://schemas.microsoft.com/office/powerpoint/2010/main" val="56549657"/>
               </p:ext>
             </p:extLst>
           </p:nvPr>
@@ -17535,7 +17668,7 @@
                         </a:spcAft>
                       </a:pPr>
                       <a:r>
-                        <a:rPr lang="en-US" sz="1100" kern="1200" dirty="0">
+                        <a:rPr lang="en-US" sz="1100" kern="1200" dirty="0" smtClean="0">
                           <a:solidFill>
                             <a:srgbClr val="000000"/>
                           </a:solidFill>
@@ -17544,7 +17677,7 @@
                           <a:ea typeface="Times New Roman"/>
                           <a:cs typeface="Mangal"/>
                         </a:rPr>
-                        <a:t>Test_0012</a:t>
+                        <a:t>Test_0013</a:t>
                       </a:r>
                       <a:endParaRPr lang="en-US" sz="1100" dirty="0">
                         <a:effectLst/>
@@ -18354,6 +18487,9 @@
             </a:r>
           </a:p>
           <a:p>
+            <a:pPr marL="0" indent="0">
+              <a:buNone/>
+            </a:pPr>
             <a:r>
               <a:rPr lang="en-US" dirty="0" smtClean="0"/>
               <a:t>1.Customer management</a:t>
@@ -18366,6 +18502,9 @@
             </a:r>
           </a:p>
           <a:p>
+            <a:pPr marL="0" indent="0">
+              <a:buNone/>
+            </a:pPr>
             <a:r>
               <a:rPr lang="en-US" dirty="0" smtClean="0"/>
               <a:t>2.Point of sales management</a:t>
@@ -18378,6 +18517,9 @@
             </a:r>
           </a:p>
           <a:p>
+            <a:pPr marL="0" indent="0">
+              <a:buNone/>
+            </a:pPr>
             <a:r>
               <a:rPr lang="en-US" dirty="0" smtClean="0"/>
               <a:t>3.Stock control</a:t>
@@ -18390,12 +18532,18 @@
             </a:r>
           </a:p>
           <a:p>
+            <a:pPr marL="0" indent="0">
+              <a:buNone/>
+            </a:pPr>
             <a:r>
               <a:rPr lang="en-US" dirty="0" smtClean="0"/>
               <a:t>4.It provides the best security and keeps the data and information safely.</a:t>
             </a:r>
           </a:p>
           <a:p>
+            <a:pPr marL="0" indent="0">
+              <a:buNone/>
+            </a:pPr>
             <a:r>
               <a:rPr lang="en-US" dirty="0" smtClean="0"/>
               <a:t>5. It helps to save the cost as well as time while approaching the data and information.</a:t>
